--- a/PRD-21-C2/非受控文档/本周提交文档/需求工程计划.pptx
+++ b/PRD-21-C2/非受控文档/本周提交文档/需求工程计划.pptx
@@ -10,30 +10,30 @@
   <p:sldIdLst>
     <p:sldId id="257" r:id="rId2"/>
     <p:sldId id="256" r:id="rId3"/>
-    <p:sldId id="289" r:id="rId4"/>
-    <p:sldId id="258" r:id="rId5"/>
-    <p:sldId id="286" r:id="rId6"/>
-    <p:sldId id="287" r:id="rId7"/>
-    <p:sldId id="288" r:id="rId8"/>
-    <p:sldId id="290" r:id="rId9"/>
-    <p:sldId id="291" r:id="rId10"/>
-    <p:sldId id="259" r:id="rId11"/>
-    <p:sldId id="260" r:id="rId12"/>
-    <p:sldId id="262" r:id="rId13"/>
-    <p:sldId id="261" r:id="rId14"/>
-    <p:sldId id="263" r:id="rId15"/>
-    <p:sldId id="283" r:id="rId16"/>
-    <p:sldId id="264" r:id="rId17"/>
-    <p:sldId id="265" r:id="rId18"/>
-    <p:sldId id="277" r:id="rId19"/>
-    <p:sldId id="278" r:id="rId20"/>
-    <p:sldId id="279" r:id="rId21"/>
-    <p:sldId id="280" r:id="rId22"/>
-    <p:sldId id="267" r:id="rId23"/>
-    <p:sldId id="268" r:id="rId24"/>
-    <p:sldId id="281" r:id="rId25"/>
-    <p:sldId id="284" r:id="rId26"/>
-    <p:sldId id="285" r:id="rId27"/>
+    <p:sldId id="292" r:id="rId4"/>
+    <p:sldId id="293" r:id="rId5"/>
+    <p:sldId id="294" r:id="rId6"/>
+    <p:sldId id="289" r:id="rId7"/>
+    <p:sldId id="258" r:id="rId8"/>
+    <p:sldId id="286" r:id="rId9"/>
+    <p:sldId id="287" r:id="rId10"/>
+    <p:sldId id="288" r:id="rId11"/>
+    <p:sldId id="290" r:id="rId12"/>
+    <p:sldId id="291" r:id="rId13"/>
+    <p:sldId id="259" r:id="rId14"/>
+    <p:sldId id="260" r:id="rId15"/>
+    <p:sldId id="262" r:id="rId16"/>
+    <p:sldId id="261" r:id="rId17"/>
+    <p:sldId id="263" r:id="rId18"/>
+    <p:sldId id="283" r:id="rId19"/>
+    <p:sldId id="264" r:id="rId20"/>
+    <p:sldId id="277" r:id="rId21"/>
+    <p:sldId id="278" r:id="rId22"/>
+    <p:sldId id="279" r:id="rId23"/>
+    <p:sldId id="280" r:id="rId24"/>
+    <p:sldId id="267" r:id="rId25"/>
+    <p:sldId id="268" r:id="rId26"/>
+    <p:sldId id="281" r:id="rId27"/>
     <p:sldId id="269" r:id="rId28"/>
     <p:sldId id="270" r:id="rId29"/>
     <p:sldId id="271" r:id="rId30"/>
@@ -3305,7 +3305,7 @@
           <a:p>
             <a:fld id="{B4228AB5-7083-4BB8-849A-BD0D85F5B4E7}" type="datetimeFigureOut">
               <a:rPr lang="zh-CN" altLang="en-US" smtClean="0"/>
-              <a:t>2017/11/2</a:t>
+              <a:t>2017/11/3</a:t>
             </a:fld>
             <a:endParaRPr lang="zh-CN" altLang="en-US"/>
           </a:p>
@@ -3719,7 +3719,7 @@
             <a:fld id="{87D77045-401A-4D5E-BFE3-54C21A8A6634}" type="slidenum">
               <a:rPr lang="en-US" altLang="zh-CN" smtClean="0"/>
               <a:pPr/>
-              <a:t>12</a:t>
+              <a:t>15</a:t>
             </a:fld>
             <a:endParaRPr lang="zh-CN"/>
           </a:p>
@@ -3912,7 +3912,7 @@
           <a:p>
             <a:fld id="{9196527B-5E4F-4031-BCD7-5A72EA5A2781}" type="datetimeFigureOut">
               <a:rPr lang="zh-CN" altLang="en-US" smtClean="0"/>
-              <a:t>2017/11/2</a:t>
+              <a:t>2017/11/3</a:t>
             </a:fld>
             <a:endParaRPr lang="zh-CN" altLang="en-US"/>
           </a:p>
@@ -4075,7 +4075,7 @@
           <a:p>
             <a:fld id="{9196527B-5E4F-4031-BCD7-5A72EA5A2781}" type="datetimeFigureOut">
               <a:rPr lang="zh-CN" altLang="en-US" smtClean="0"/>
-              <a:t>2017/11/2</a:t>
+              <a:t>2017/11/3</a:t>
             </a:fld>
             <a:endParaRPr lang="zh-CN" altLang="en-US"/>
           </a:p>
@@ -4248,7 +4248,7 @@
           <a:p>
             <a:fld id="{9196527B-5E4F-4031-BCD7-5A72EA5A2781}" type="datetimeFigureOut">
               <a:rPr lang="zh-CN" altLang="en-US" smtClean="0"/>
-              <a:t>2017/11/2</a:t>
+              <a:t>2017/11/3</a:t>
             </a:fld>
             <a:endParaRPr lang="zh-CN" altLang="en-US"/>
           </a:p>
@@ -4411,7 +4411,7 @@
           <a:p>
             <a:fld id="{9196527B-5E4F-4031-BCD7-5A72EA5A2781}" type="datetimeFigureOut">
               <a:rPr lang="zh-CN" altLang="en-US" smtClean="0"/>
-              <a:t>2017/11/2</a:t>
+              <a:t>2017/11/3</a:t>
             </a:fld>
             <a:endParaRPr lang="zh-CN" altLang="en-US"/>
           </a:p>
@@ -4651,7 +4651,7 @@
           <a:p>
             <a:fld id="{9196527B-5E4F-4031-BCD7-5A72EA5A2781}" type="datetimeFigureOut">
               <a:rPr lang="zh-CN" altLang="en-US" smtClean="0"/>
-              <a:t>2017/11/2</a:t>
+              <a:t>2017/11/3</a:t>
             </a:fld>
             <a:endParaRPr lang="zh-CN" altLang="en-US"/>
           </a:p>
@@ -4931,7 +4931,7 @@
           <a:p>
             <a:fld id="{9196527B-5E4F-4031-BCD7-5A72EA5A2781}" type="datetimeFigureOut">
               <a:rPr lang="zh-CN" altLang="en-US" smtClean="0"/>
-              <a:t>2017/11/2</a:t>
+              <a:t>2017/11/3</a:t>
             </a:fld>
             <a:endParaRPr lang="zh-CN" altLang="en-US"/>
           </a:p>
@@ -5345,7 +5345,7 @@
           <a:p>
             <a:fld id="{9196527B-5E4F-4031-BCD7-5A72EA5A2781}" type="datetimeFigureOut">
               <a:rPr lang="zh-CN" altLang="en-US" smtClean="0"/>
-              <a:t>2017/11/2</a:t>
+              <a:t>2017/11/3</a:t>
             </a:fld>
             <a:endParaRPr lang="zh-CN" altLang="en-US"/>
           </a:p>
@@ -5457,7 +5457,7 @@
           <a:p>
             <a:fld id="{9196527B-5E4F-4031-BCD7-5A72EA5A2781}" type="datetimeFigureOut">
               <a:rPr lang="zh-CN" altLang="en-US" smtClean="0"/>
-              <a:t>2017/11/2</a:t>
+              <a:t>2017/11/3</a:t>
             </a:fld>
             <a:endParaRPr lang="zh-CN" altLang="en-US"/>
           </a:p>
@@ -5547,7 +5547,7 @@
           <a:p>
             <a:fld id="{9196527B-5E4F-4031-BCD7-5A72EA5A2781}" type="datetimeFigureOut">
               <a:rPr lang="zh-CN" altLang="en-US" smtClean="0"/>
-              <a:t>2017/11/2</a:t>
+              <a:t>2017/11/3</a:t>
             </a:fld>
             <a:endParaRPr lang="zh-CN" altLang="en-US"/>
           </a:p>
@@ -5817,7 +5817,7 @@
           <a:p>
             <a:fld id="{9196527B-5E4F-4031-BCD7-5A72EA5A2781}" type="datetimeFigureOut">
               <a:rPr lang="zh-CN" altLang="en-US" smtClean="0"/>
-              <a:t>2017/11/2</a:t>
+              <a:t>2017/11/3</a:t>
             </a:fld>
             <a:endParaRPr lang="zh-CN" altLang="en-US"/>
           </a:p>
@@ -6064,7 +6064,7 @@
           <a:p>
             <a:fld id="{9196527B-5E4F-4031-BCD7-5A72EA5A2781}" type="datetimeFigureOut">
               <a:rPr lang="zh-CN" altLang="en-US" smtClean="0"/>
-              <a:t>2017/11/2</a:t>
+              <a:t>2017/11/3</a:t>
             </a:fld>
             <a:endParaRPr lang="zh-CN" altLang="en-US"/>
           </a:p>
@@ -6276,7 +6276,7 @@
           <a:p>
             <a:fld id="{9196527B-5E4F-4031-BCD7-5A72EA5A2781}" type="datetimeFigureOut">
               <a:rPr lang="zh-CN" altLang="en-US" smtClean="0"/>
-              <a:t>2017/11/2</a:t>
+              <a:t>2017/11/3</a:t>
             </a:fld>
             <a:endParaRPr lang="zh-CN" altLang="en-US"/>
           </a:p>
@@ -6796,6 +6796,469 @@
           <a:chExt cx="0" cy="0"/>
         </a:xfrm>
       </p:grpSpPr>
+      <p:pic>
+        <p:nvPicPr>
+          <p:cNvPr id="4" name="内容占位符 3" descr="C:\Users\wutong\AppData\Local\Temp\1509602331(1).png">
+            <a:extLst>
+              <a:ext uri="{FF2B5EF4-FFF2-40B4-BE49-F238E27FC236}">
+                <a16:creationId xmlns:a16="http://schemas.microsoft.com/office/drawing/2014/main" id="{EE3240D1-F62C-4275-87AB-DAB163B8A16B}"/>
+              </a:ext>
+            </a:extLst>
+          </p:cNvPr>
+          <p:cNvPicPr>
+            <a:picLocks noGrp="1"/>
+          </p:cNvPicPr>
+          <p:nvPr>
+            <p:ph idx="1"/>
+          </p:nvPr>
+        </p:nvPicPr>
+        <p:blipFill>
+          <a:blip r:embed="rId2">
+            <a:extLst>
+              <a:ext uri="{28A0092B-C50C-407E-A947-70E740481C1C}">
+                <a14:useLocalDpi xmlns:a14="http://schemas.microsoft.com/office/drawing/2010/main" val="0"/>
+              </a:ext>
+            </a:extLst>
+          </a:blip>
+          <a:srcRect/>
+          <a:stretch>
+            <a:fillRect/>
+          </a:stretch>
+        </p:blipFill>
+        <p:spPr bwMode="auto">
+          <a:xfrm>
+            <a:off x="2267744" y="476672"/>
+            <a:ext cx="4680520" cy="5688632"/>
+          </a:xfrm>
+          <a:prstGeom prst="rect">
+            <a:avLst/>
+          </a:prstGeom>
+          <a:noFill/>
+          <a:ln>
+            <a:noFill/>
+          </a:ln>
+        </p:spPr>
+      </p:pic>
+      <p:sp>
+        <p:nvSpPr>
+          <p:cNvPr id="5" name="文本框 4">
+            <a:extLst>
+              <a:ext uri="{FF2B5EF4-FFF2-40B4-BE49-F238E27FC236}">
+                <a16:creationId xmlns:a16="http://schemas.microsoft.com/office/drawing/2014/main" id="{41105088-4952-4C8B-855B-7EB1C1FC5817}"/>
+              </a:ext>
+            </a:extLst>
+          </p:cNvPr>
+          <p:cNvSpPr txBox="1"/>
+          <p:nvPr/>
+        </p:nvSpPr>
+        <p:spPr>
+          <a:xfrm>
+            <a:off x="6867540" y="6389712"/>
+            <a:ext cx="2105332" cy="369332"/>
+          </a:xfrm>
+          <a:prstGeom prst="rect">
+            <a:avLst/>
+          </a:prstGeom>
+          <a:noFill/>
+        </p:spPr>
+        <p:txBody>
+          <a:bodyPr wrap="square" rtlCol="0">
+            <a:spAutoFit/>
+          </a:bodyPr>
+          <a:lstStyle/>
+          <a:p>
+            <a:r>
+              <a:rPr lang="zh-CN" altLang="en-US" dirty="0">
+                <a:solidFill>
+                  <a:schemeClr val="bg1"/>
+                </a:solidFill>
+              </a:rPr>
+              <a:t>责任人：吴桐</a:t>
+            </a:r>
+          </a:p>
+        </p:txBody>
+      </p:sp>
+      <p:sp>
+        <p:nvSpPr>
+          <p:cNvPr id="6" name="TextBox 4">
+            <a:extLst>
+              <a:ext uri="{FF2B5EF4-FFF2-40B4-BE49-F238E27FC236}">
+                <a16:creationId xmlns:a16="http://schemas.microsoft.com/office/drawing/2014/main" id="{0CB6607D-339E-4222-83B7-2F53A3CFC175}"/>
+              </a:ext>
+            </a:extLst>
+          </p:cNvPr>
+          <p:cNvSpPr txBox="1"/>
+          <p:nvPr/>
+        </p:nvSpPr>
+        <p:spPr>
+          <a:xfrm>
+            <a:off x="2267744" y="6389712"/>
+            <a:ext cx="4357718" cy="369332"/>
+          </a:xfrm>
+          <a:prstGeom prst="rect">
+            <a:avLst/>
+          </a:prstGeom>
+          <a:noFill/>
+        </p:spPr>
+        <p:txBody>
+          <a:bodyPr wrap="square" rtlCol="0">
+            <a:spAutoFit/>
+          </a:bodyPr>
+          <a:lstStyle/>
+          <a:p>
+            <a:pPr algn="ctr"/>
+            <a:r>
+              <a:rPr lang="en-US" altLang="zh-CN" dirty="0">
+                <a:solidFill>
+                  <a:schemeClr val="bg1"/>
+                </a:solidFill>
+              </a:rPr>
+              <a:t>WBS</a:t>
+            </a:r>
+            <a:endParaRPr lang="zh-CN" altLang="en-US" dirty="0">
+              <a:solidFill>
+                <a:schemeClr val="bg1"/>
+              </a:solidFill>
+            </a:endParaRPr>
+          </a:p>
+        </p:txBody>
+      </p:sp>
+    </p:spTree>
+    <p:extLst>
+      <p:ext uri="{BB962C8B-B14F-4D97-AF65-F5344CB8AC3E}">
+        <p14:creationId xmlns:p14="http://schemas.microsoft.com/office/powerpoint/2010/main" val="441545446"/>
+      </p:ext>
+    </p:extLst>
+  </p:cSld>
+  <p:clrMapOvr>
+    <a:masterClrMapping/>
+  </p:clrMapOvr>
+</p:sld>
+</file>
+
+<file path=ppt/slides/slide11.xml><?xml version="1.0" encoding="utf-8"?>
+<p:sld xmlns:a="http://schemas.openxmlformats.org/drawingml/2006/main" xmlns:r="http://schemas.openxmlformats.org/officeDocument/2006/relationships" xmlns:p="http://schemas.openxmlformats.org/presentationml/2006/main">
+  <p:cSld>
+    <p:spTree>
+      <p:nvGrpSpPr>
+        <p:cNvPr id="1" name=""/>
+        <p:cNvGrpSpPr/>
+        <p:nvPr/>
+      </p:nvGrpSpPr>
+      <p:grpSpPr>
+        <a:xfrm>
+          <a:off x="0" y="0"/>
+          <a:ext cx="0" cy="0"/>
+          <a:chOff x="0" y="0"/>
+          <a:chExt cx="0" cy="0"/>
+        </a:xfrm>
+      </p:grpSpPr>
+      <p:pic>
+        <p:nvPicPr>
+          <p:cNvPr id="4" name="图片 3" descr="C:\Users\wutong\AppData\Local\Temp\1509602825.png">
+            <a:extLst>
+              <a:ext uri="{FF2B5EF4-FFF2-40B4-BE49-F238E27FC236}">
+                <a16:creationId xmlns:a16="http://schemas.microsoft.com/office/drawing/2014/main" id="{511AC6EB-58E6-4F85-8A57-36116CF97CA4}"/>
+              </a:ext>
+            </a:extLst>
+          </p:cNvPr>
+          <p:cNvPicPr/>
+          <p:nvPr/>
+        </p:nvPicPr>
+        <p:blipFill>
+          <a:blip r:embed="rId2">
+            <a:extLst>
+              <a:ext uri="{28A0092B-C50C-407E-A947-70E740481C1C}">
+                <a14:useLocalDpi xmlns:a14="http://schemas.microsoft.com/office/drawing/2010/main" val="0"/>
+              </a:ext>
+            </a:extLst>
+          </a:blip>
+          <a:srcRect/>
+          <a:stretch>
+            <a:fillRect/>
+          </a:stretch>
+        </p:blipFill>
+        <p:spPr bwMode="auto">
+          <a:xfrm>
+            <a:off x="683568" y="764704"/>
+            <a:ext cx="7704856" cy="4248472"/>
+          </a:xfrm>
+          <a:prstGeom prst="rect">
+            <a:avLst/>
+          </a:prstGeom>
+          <a:noFill/>
+          <a:ln>
+            <a:noFill/>
+          </a:ln>
+        </p:spPr>
+      </p:pic>
+      <p:sp>
+        <p:nvSpPr>
+          <p:cNvPr id="5" name="文本框 4">
+            <a:extLst>
+              <a:ext uri="{FF2B5EF4-FFF2-40B4-BE49-F238E27FC236}">
+                <a16:creationId xmlns:a16="http://schemas.microsoft.com/office/drawing/2014/main" id="{9994723B-E617-4D92-9551-F4E3C316AB6F}"/>
+              </a:ext>
+            </a:extLst>
+          </p:cNvPr>
+          <p:cNvSpPr txBox="1"/>
+          <p:nvPr/>
+        </p:nvSpPr>
+        <p:spPr>
+          <a:xfrm>
+            <a:off x="6867540" y="6389712"/>
+            <a:ext cx="2105332" cy="369332"/>
+          </a:xfrm>
+          <a:prstGeom prst="rect">
+            <a:avLst/>
+          </a:prstGeom>
+          <a:noFill/>
+        </p:spPr>
+        <p:txBody>
+          <a:bodyPr wrap="square" rtlCol="0">
+            <a:spAutoFit/>
+          </a:bodyPr>
+          <a:lstStyle/>
+          <a:p>
+            <a:r>
+              <a:rPr lang="zh-CN" altLang="en-US" dirty="0">
+                <a:solidFill>
+                  <a:schemeClr val="bg1"/>
+                </a:solidFill>
+              </a:rPr>
+              <a:t>责任人：吴桐</a:t>
+            </a:r>
+          </a:p>
+        </p:txBody>
+      </p:sp>
+      <p:sp>
+        <p:nvSpPr>
+          <p:cNvPr id="6" name="TextBox 4">
+            <a:extLst>
+              <a:ext uri="{FF2B5EF4-FFF2-40B4-BE49-F238E27FC236}">
+                <a16:creationId xmlns:a16="http://schemas.microsoft.com/office/drawing/2014/main" id="{6D9E7281-DD47-4C4F-BB9A-8424DA4E1FF6}"/>
+              </a:ext>
+            </a:extLst>
+          </p:cNvPr>
+          <p:cNvSpPr txBox="1"/>
+          <p:nvPr/>
+        </p:nvSpPr>
+        <p:spPr>
+          <a:xfrm>
+            <a:off x="2357422" y="5643578"/>
+            <a:ext cx="4357718" cy="369332"/>
+          </a:xfrm>
+          <a:prstGeom prst="rect">
+            <a:avLst/>
+          </a:prstGeom>
+          <a:noFill/>
+        </p:spPr>
+        <p:txBody>
+          <a:bodyPr wrap="square" rtlCol="0">
+            <a:spAutoFit/>
+          </a:bodyPr>
+          <a:lstStyle/>
+          <a:p>
+            <a:pPr algn="ctr"/>
+            <a:r>
+              <a:rPr lang="en-US" altLang="zh-CN" dirty="0">
+                <a:solidFill>
+                  <a:schemeClr val="bg1"/>
+                </a:solidFill>
+              </a:rPr>
+              <a:t>WBS</a:t>
+            </a:r>
+            <a:endParaRPr lang="zh-CN" altLang="en-US" dirty="0">
+              <a:solidFill>
+                <a:schemeClr val="bg1"/>
+              </a:solidFill>
+            </a:endParaRPr>
+          </a:p>
+        </p:txBody>
+      </p:sp>
+    </p:spTree>
+    <p:extLst>
+      <p:ext uri="{BB962C8B-B14F-4D97-AF65-F5344CB8AC3E}">
+        <p14:creationId xmlns:p14="http://schemas.microsoft.com/office/powerpoint/2010/main" val="1459204449"/>
+      </p:ext>
+    </p:extLst>
+  </p:cSld>
+  <p:clrMapOvr>
+    <a:masterClrMapping/>
+  </p:clrMapOvr>
+</p:sld>
+</file>
+
+<file path=ppt/slides/slide12.xml><?xml version="1.0" encoding="utf-8"?>
+<p:sld xmlns:a="http://schemas.openxmlformats.org/drawingml/2006/main" xmlns:r="http://schemas.openxmlformats.org/officeDocument/2006/relationships" xmlns:p="http://schemas.openxmlformats.org/presentationml/2006/main">
+  <p:cSld>
+    <p:spTree>
+      <p:nvGrpSpPr>
+        <p:cNvPr id="1" name=""/>
+        <p:cNvGrpSpPr/>
+        <p:nvPr/>
+      </p:nvGrpSpPr>
+      <p:grpSpPr>
+        <a:xfrm>
+          <a:off x="0" y="0"/>
+          <a:ext cx="0" cy="0"/>
+          <a:chOff x="0" y="0"/>
+          <a:chExt cx="0" cy="0"/>
+        </a:xfrm>
+      </p:grpSpPr>
+      <p:pic>
+        <p:nvPicPr>
+          <p:cNvPr id="4" name="图片 3" descr="C:\Users\wutong\AppData\Local\Temp\1509603200(1).png">
+            <a:extLst>
+              <a:ext uri="{FF2B5EF4-FFF2-40B4-BE49-F238E27FC236}">
+                <a16:creationId xmlns:a16="http://schemas.microsoft.com/office/drawing/2014/main" id="{54820806-772C-4CC0-A8E0-6078D52BDD22}"/>
+              </a:ext>
+            </a:extLst>
+          </p:cNvPr>
+          <p:cNvPicPr/>
+          <p:nvPr/>
+        </p:nvPicPr>
+        <p:blipFill>
+          <a:blip r:embed="rId2">
+            <a:extLst>
+              <a:ext uri="{28A0092B-C50C-407E-A947-70E740481C1C}">
+                <a14:useLocalDpi xmlns:a14="http://schemas.microsoft.com/office/drawing/2010/main" val="0"/>
+              </a:ext>
+            </a:extLst>
+          </a:blip>
+          <a:srcRect/>
+          <a:stretch>
+            <a:fillRect/>
+          </a:stretch>
+        </p:blipFill>
+        <p:spPr bwMode="auto">
+          <a:xfrm>
+            <a:off x="0" y="0"/>
+            <a:ext cx="10764688" cy="6389712"/>
+          </a:xfrm>
+          <a:prstGeom prst="rect">
+            <a:avLst/>
+          </a:prstGeom>
+          <a:noFill/>
+          <a:ln>
+            <a:noFill/>
+          </a:ln>
+        </p:spPr>
+      </p:pic>
+      <p:sp>
+        <p:nvSpPr>
+          <p:cNvPr id="5" name="文本框 4">
+            <a:extLst>
+              <a:ext uri="{FF2B5EF4-FFF2-40B4-BE49-F238E27FC236}">
+                <a16:creationId xmlns:a16="http://schemas.microsoft.com/office/drawing/2014/main" id="{0CD0E33F-A5D9-4D9A-B65C-CBFB6FF73ECC}"/>
+              </a:ext>
+            </a:extLst>
+          </p:cNvPr>
+          <p:cNvSpPr txBox="1"/>
+          <p:nvPr/>
+        </p:nvSpPr>
+        <p:spPr>
+          <a:xfrm>
+            <a:off x="6867540" y="6389712"/>
+            <a:ext cx="2105332" cy="369332"/>
+          </a:xfrm>
+          <a:prstGeom prst="rect">
+            <a:avLst/>
+          </a:prstGeom>
+          <a:noFill/>
+        </p:spPr>
+        <p:txBody>
+          <a:bodyPr wrap="square" rtlCol="0">
+            <a:spAutoFit/>
+          </a:bodyPr>
+          <a:lstStyle/>
+          <a:p>
+            <a:r>
+              <a:rPr lang="zh-CN" altLang="en-US" dirty="0">
+                <a:solidFill>
+                  <a:schemeClr val="bg1"/>
+                </a:solidFill>
+              </a:rPr>
+              <a:t>责任人：吴桐</a:t>
+            </a:r>
+          </a:p>
+        </p:txBody>
+      </p:sp>
+      <p:sp>
+        <p:nvSpPr>
+          <p:cNvPr id="7" name="TextBox 4">
+            <a:extLst>
+              <a:ext uri="{FF2B5EF4-FFF2-40B4-BE49-F238E27FC236}">
+                <a16:creationId xmlns:a16="http://schemas.microsoft.com/office/drawing/2014/main" id="{724943B5-5D87-4EF3-816D-2DBB1CF75565}"/>
+              </a:ext>
+            </a:extLst>
+          </p:cNvPr>
+          <p:cNvSpPr txBox="1"/>
+          <p:nvPr/>
+        </p:nvSpPr>
+        <p:spPr>
+          <a:xfrm>
+            <a:off x="2509822" y="5795978"/>
+            <a:ext cx="4357718" cy="369332"/>
+          </a:xfrm>
+          <a:prstGeom prst="rect">
+            <a:avLst/>
+          </a:prstGeom>
+          <a:noFill/>
+        </p:spPr>
+        <p:txBody>
+          <a:bodyPr wrap="square" rtlCol="0">
+            <a:spAutoFit/>
+          </a:bodyPr>
+          <a:lstStyle/>
+          <a:p>
+            <a:pPr algn="ctr"/>
+            <a:r>
+              <a:rPr lang="en-US" altLang="zh-CN" dirty="0">
+                <a:solidFill>
+                  <a:schemeClr val="bg1"/>
+                </a:solidFill>
+              </a:rPr>
+              <a:t>WBS</a:t>
+            </a:r>
+            <a:endParaRPr lang="zh-CN" altLang="en-US" dirty="0">
+              <a:solidFill>
+                <a:schemeClr val="bg1"/>
+              </a:solidFill>
+            </a:endParaRPr>
+          </a:p>
+        </p:txBody>
+      </p:sp>
+    </p:spTree>
+    <p:extLst>
+      <p:ext uri="{BB962C8B-B14F-4D97-AF65-F5344CB8AC3E}">
+        <p14:creationId xmlns:p14="http://schemas.microsoft.com/office/powerpoint/2010/main" val="1383302700"/>
+      </p:ext>
+    </p:extLst>
+  </p:cSld>
+  <p:clrMapOvr>
+    <a:masterClrMapping/>
+  </p:clrMapOvr>
+</p:sld>
+</file>
+
+<file path=ppt/slides/slide13.xml><?xml version="1.0" encoding="utf-8"?>
+<p:sld xmlns:a="http://schemas.openxmlformats.org/drawingml/2006/main" xmlns:r="http://schemas.openxmlformats.org/officeDocument/2006/relationships" xmlns:p="http://schemas.openxmlformats.org/presentationml/2006/main">
+  <p:cSld>
+    <p:spTree>
+      <p:nvGrpSpPr>
+        <p:cNvPr id="1" name=""/>
+        <p:cNvGrpSpPr/>
+        <p:nvPr/>
+      </p:nvGrpSpPr>
+      <p:grpSpPr>
+        <a:xfrm>
+          <a:off x="0" y="0"/>
+          <a:ext cx="0" cy="0"/>
+          <a:chOff x="0" y="0"/>
+          <a:chExt cx="0" cy="0"/>
+        </a:xfrm>
+      </p:grpSpPr>
       <p:sp>
         <p:nvSpPr>
           <p:cNvPr id="2" name="标题 1"/>
@@ -6920,7 +7383,7 @@
 </p:sld>
 </file>
 
-<file path=ppt/slides/slide11.xml><?xml version="1.0" encoding="utf-8"?>
+<file path=ppt/slides/slide14.xml><?xml version="1.0" encoding="utf-8"?>
 <p:sld xmlns:a="http://schemas.openxmlformats.org/drawingml/2006/main" xmlns:r="http://schemas.openxmlformats.org/officeDocument/2006/relationships" xmlns:p="http://schemas.openxmlformats.org/presentationml/2006/main">
   <p:cSld>
     <p:spTree>
@@ -7040,7 +7503,7 @@
 </p:sld>
 </file>
 
-<file path=ppt/slides/slide12.xml><?xml version="1.0" encoding="utf-8"?>
+<file path=ppt/slides/slide15.xml><?xml version="1.0" encoding="utf-8"?>
 <p:sld xmlns:a="http://schemas.openxmlformats.org/drawingml/2006/main" xmlns:r="http://schemas.openxmlformats.org/officeDocument/2006/relationships" xmlns:p="http://schemas.openxmlformats.org/presentationml/2006/main">
   <p:cSld>
     <p:bg>
@@ -7116,7 +7579,7 @@
 </p:sld>
 </file>
 
-<file path=ppt/slides/slide13.xml><?xml version="1.0" encoding="utf-8"?>
+<file path=ppt/slides/slide16.xml><?xml version="1.0" encoding="utf-8"?>
 <p:sld xmlns:a="http://schemas.openxmlformats.org/drawingml/2006/main" xmlns:r="http://schemas.openxmlformats.org/officeDocument/2006/relationships" xmlns:p="http://schemas.openxmlformats.org/presentationml/2006/main">
   <p:cSld>
     <p:spTree>
@@ -7259,7 +7722,7 @@
 </p:sld>
 </file>
 
-<file path=ppt/slides/slide14.xml><?xml version="1.0" encoding="utf-8"?>
+<file path=ppt/slides/slide17.xml><?xml version="1.0" encoding="utf-8"?>
 <p:sld xmlns:a="http://schemas.openxmlformats.org/drawingml/2006/main" xmlns:r="http://schemas.openxmlformats.org/officeDocument/2006/relationships" xmlns:p="http://schemas.openxmlformats.org/presentationml/2006/main">
   <p:cSld>
     <p:spTree>
@@ -8276,7 +8739,7 @@
 </p:sld>
 </file>
 
-<file path=ppt/slides/slide15.xml><?xml version="1.0" encoding="utf-8"?>
+<file path=ppt/slides/slide18.xml><?xml version="1.0" encoding="utf-8"?>
 <p:sld xmlns:a="http://schemas.openxmlformats.org/drawingml/2006/main" xmlns:r="http://schemas.openxmlformats.org/officeDocument/2006/relationships" xmlns:p="http://schemas.openxmlformats.org/presentationml/2006/main">
   <p:cSld>
     <p:spTree>
@@ -10647,7 +11110,7 @@
 </p:sld>
 </file>
 
-<file path=ppt/slides/slide16.xml><?xml version="1.0" encoding="utf-8"?>
+<file path=ppt/slides/slide19.xml><?xml version="1.0" encoding="utf-8"?>
 <p:sld xmlns:a="http://schemas.openxmlformats.org/drawingml/2006/main" xmlns:r="http://schemas.openxmlformats.org/officeDocument/2006/relationships" xmlns:p="http://schemas.openxmlformats.org/presentationml/2006/main">
   <p:cSld>
     <p:spTree>
@@ -10885,7 +11348,7 @@
 </p:sld>
 </file>
 
-<file path=ppt/slides/slide17.xml><?xml version="1.0" encoding="utf-8"?>
+<file path=ppt/slides/slide2.xml><?xml version="1.0" encoding="utf-8"?>
 <p:sld xmlns:a="http://schemas.openxmlformats.org/drawingml/2006/main" xmlns:r="http://schemas.openxmlformats.org/officeDocument/2006/relationships" xmlns:p="http://schemas.openxmlformats.org/presentationml/2006/main">
   <p:cSld>
     <p:spTree>
@@ -10904,69 +11367,72 @@
       </p:grpSpPr>
       <p:sp>
         <p:nvSpPr>
-          <p:cNvPr id="3" name="内容占位符 2"/>
+          <p:cNvPr id="2" name="标题 1"/>
           <p:cNvSpPr>
             <a:spLocks noGrp="1"/>
           </p:cNvSpPr>
           <p:nvPr>
-            <p:ph idx="1"/>
+            <p:ph type="ctrTitle"/>
           </p:nvPr>
         </p:nvSpPr>
         <p:spPr>
           <a:xfrm>
-            <a:off x="457200" y="500042"/>
-            <a:ext cx="8229600" cy="5626121"/>
+            <a:off x="685800" y="857233"/>
+            <a:ext cx="7772400" cy="1071569"/>
           </a:xfrm>
         </p:spPr>
         <p:txBody>
-          <a:bodyPr>
-            <a:normAutofit fontScale="55000" lnSpcReduction="20000"/>
-          </a:bodyPr>
+          <a:bodyPr/>
           <a:lstStyle/>
           <a:p>
             <a:r>
-              <a:rPr lang="zh-CN" altLang="en-US" sz="6000" dirty="0">
-                <a:solidFill>
-                  <a:schemeClr val="bg1"/>
-                </a:solidFill>
-              </a:rPr>
-              <a:t>需求获取</a:t>
-            </a:r>
-            <a:r>
-              <a:rPr lang="en-US" altLang="zh-CN" sz="6000" dirty="0">
-                <a:solidFill>
-                  <a:schemeClr val="bg1"/>
-                </a:solidFill>
-              </a:rPr>
-              <a:t>__</a:t>
-            </a:r>
-            <a:r>
-              <a:rPr lang="zh-CN" altLang="en-US" sz="5800" b="1" dirty="0">
-                <a:solidFill>
-                  <a:schemeClr val="bg1"/>
-                </a:solidFill>
-              </a:rPr>
-              <a:t>确定质量属性</a:t>
+              <a:rPr lang="zh-CN" altLang="en-US" dirty="0">
+                <a:solidFill>
+                  <a:schemeClr val="bg1"/>
+                </a:solidFill>
+              </a:rPr>
+              <a:t>目录</a:t>
             </a:r>
           </a:p>
+        </p:txBody>
+      </p:sp>
+      <p:sp>
+        <p:nvSpPr>
+          <p:cNvPr id="3" name="副标题 2"/>
+          <p:cNvSpPr>
+            <a:spLocks noGrp="1"/>
+          </p:cNvSpPr>
+          <p:nvPr>
+            <p:ph type="subTitle" idx="1"/>
+          </p:nvPr>
+        </p:nvSpPr>
+        <p:spPr>
+          <a:xfrm>
+            <a:off x="1357290" y="2071678"/>
+            <a:ext cx="6400800" cy="1752600"/>
+          </a:xfrm>
+        </p:spPr>
+        <p:txBody>
+          <a:bodyPr/>
+          <a:lstStyle/>
           <a:p>
             <a:r>
-              <a:rPr lang="en-US" b="1" dirty="0">
-                <a:solidFill>
-                  <a:schemeClr val="bg1"/>
-                </a:solidFill>
-              </a:rPr>
-              <a:t>1.</a:t>
-            </a:r>
-            <a:r>
-              <a:rPr lang="zh-CN" altLang="en-US" b="1" dirty="0">
-                <a:solidFill>
-                  <a:schemeClr val="bg1"/>
-                </a:solidFill>
-              </a:rPr>
-              <a:t>易用性要求：</a:t>
-            </a:r>
-            <a:endParaRPr lang="zh-CN" altLang="en-US" dirty="0">
+              <a:rPr lang="en-US" altLang="zh-CN" dirty="0">
+                <a:solidFill>
+                  <a:schemeClr val="bg1"/>
+                </a:solidFill>
+              </a:rPr>
+              <a:t>1</a:t>
+            </a:r>
+            <a:r>
+              <a:rPr lang="zh-CN" altLang="en-US" dirty="0">
+                <a:solidFill>
+                  <a:schemeClr val="bg1"/>
+                </a:solidFill>
+              </a:rPr>
+              <a:t>、需求概述</a:t>
+            </a:r>
+            <a:endParaRPr lang="en-US" altLang="zh-CN" dirty="0">
               <a:solidFill>
                 <a:schemeClr val="bg1"/>
               </a:solidFill>
@@ -10974,12 +11440,12 @@
           </a:p>
           <a:p>
             <a:r>
-              <a:rPr lang="en-US" dirty="0">
-                <a:solidFill>
-                  <a:schemeClr val="bg1"/>
-                </a:solidFill>
-              </a:rPr>
-              <a:t>a.</a:t>
+              <a:rPr lang="en-US" altLang="zh-CN" dirty="0">
+                <a:solidFill>
+                  <a:schemeClr val="bg1"/>
+                </a:solidFill>
+              </a:rPr>
+              <a:t>2</a:t>
             </a:r>
             <a:r>
               <a:rPr lang="zh-CN" altLang="en-US" dirty="0">
@@ -10987,45 +11453,9 @@
                   <a:schemeClr val="bg1"/>
                 </a:solidFill>
               </a:rPr>
-              <a:t>系统将允许用户在级别范围内进行信息查看、资料查找及对话。</a:t>
-            </a:r>
-          </a:p>
-          <a:p>
-            <a:r>
-              <a:rPr lang="en-US" dirty="0">
-                <a:solidFill>
-                  <a:schemeClr val="bg1"/>
-                </a:solidFill>
-              </a:rPr>
-              <a:t>b.95%</a:t>
-            </a:r>
-            <a:r>
-              <a:rPr lang="zh-CN" altLang="en-US" dirty="0">
-                <a:solidFill>
-                  <a:schemeClr val="bg1"/>
-                </a:solidFill>
-              </a:rPr>
-              <a:t>的新用户首次信息查看等都能成功。</a:t>
-            </a:r>
-          </a:p>
-          <a:p>
-            <a:r>
-              <a:rPr lang="en-US" b="1" dirty="0">
-                <a:solidFill>
-                  <a:schemeClr val="bg1"/>
-                </a:solidFill>
-              </a:rPr>
-              <a:t>2.</a:t>
-            </a:r>
-            <a:r>
-              <a:rPr lang="zh-CN" altLang="en-US" b="1" dirty="0">
-                <a:solidFill>
-                  <a:schemeClr val="bg1"/>
-                </a:solidFill>
-              </a:rPr>
-              <a:t>性能要求：</a:t>
-            </a:r>
-            <a:endParaRPr lang="zh-CN" altLang="en-US" dirty="0">
+              <a:t>、需求工程</a:t>
+            </a:r>
+            <a:endParaRPr lang="en-US" altLang="zh-CN" dirty="0">
               <a:solidFill>
                 <a:schemeClr val="bg1"/>
               </a:solidFill>
@@ -11033,12 +11463,12 @@
           </a:p>
           <a:p>
             <a:r>
-              <a:rPr lang="en-US" dirty="0">
-                <a:solidFill>
-                  <a:schemeClr val="bg1"/>
-                </a:solidFill>
-              </a:rPr>
-              <a:t>a.</a:t>
+              <a:rPr lang="en-US" altLang="zh-CN" dirty="0">
+                <a:solidFill>
+                  <a:schemeClr val="bg1"/>
+                </a:solidFill>
+              </a:rPr>
+              <a:t>3</a:t>
             </a:r>
             <a:r>
               <a:rPr lang="zh-CN" altLang="en-US" dirty="0">
@@ -11046,188 +11476,41 @@
                   <a:schemeClr val="bg1"/>
                 </a:solidFill>
               </a:rPr>
-              <a:t>系统将容纳总共</a:t>
-            </a:r>
-            <a:r>
-              <a:rPr lang="en-US" dirty="0">
-                <a:solidFill>
-                  <a:schemeClr val="bg1"/>
-                </a:solidFill>
-              </a:rPr>
-              <a:t>1000</a:t>
-            </a:r>
-            <a:r>
-              <a:rPr lang="zh-CN" altLang="en-US" dirty="0">
-                <a:solidFill>
-                  <a:schemeClr val="bg1"/>
-                </a:solidFill>
-              </a:rPr>
-              <a:t>个用户，并能在上午</a:t>
-            </a:r>
-            <a:r>
-              <a:rPr lang="en-US" dirty="0">
-                <a:solidFill>
-                  <a:schemeClr val="bg1"/>
-                </a:solidFill>
-              </a:rPr>
-              <a:t>11</a:t>
-            </a:r>
-            <a:r>
-              <a:rPr lang="zh-CN" altLang="en-US" dirty="0">
-                <a:solidFill>
-                  <a:schemeClr val="bg1"/>
-                </a:solidFill>
-              </a:rPr>
-              <a:t>：</a:t>
-            </a:r>
-            <a:r>
-              <a:rPr lang="en-US" dirty="0">
-                <a:solidFill>
-                  <a:schemeClr val="bg1"/>
-                </a:solidFill>
-              </a:rPr>
-              <a:t>00</a:t>
-            </a:r>
-            <a:r>
-              <a:rPr lang="zh-CN" altLang="en-US" dirty="0">
-                <a:solidFill>
-                  <a:schemeClr val="bg1"/>
-                </a:solidFill>
-              </a:rPr>
-              <a:t>至下午</a:t>
-            </a:r>
-            <a:r>
-              <a:rPr lang="en-US" dirty="0">
-                <a:solidFill>
-                  <a:schemeClr val="bg1"/>
-                </a:solidFill>
-              </a:rPr>
-              <a:t>1</a:t>
-            </a:r>
-            <a:r>
-              <a:rPr lang="zh-CN" altLang="en-US" dirty="0">
-                <a:solidFill>
-                  <a:schemeClr val="bg1"/>
-                </a:solidFill>
-              </a:rPr>
-              <a:t>：</a:t>
-            </a:r>
-            <a:r>
-              <a:rPr lang="en-US" dirty="0">
-                <a:solidFill>
-                  <a:schemeClr val="bg1"/>
-                </a:solidFill>
-              </a:rPr>
-              <a:t>00</a:t>
-            </a:r>
-            <a:r>
-              <a:rPr lang="zh-CN" altLang="en-US" dirty="0">
-                <a:solidFill>
-                  <a:schemeClr val="bg1"/>
-                </a:solidFill>
-              </a:rPr>
-              <a:t>和下午</a:t>
-            </a:r>
-            <a:r>
-              <a:rPr lang="en-US" dirty="0">
-                <a:solidFill>
-                  <a:schemeClr val="bg1"/>
-                </a:solidFill>
-              </a:rPr>
-              <a:t>5</a:t>
-            </a:r>
-            <a:r>
-              <a:rPr lang="zh-CN" altLang="en-US" dirty="0">
-                <a:solidFill>
-                  <a:schemeClr val="bg1"/>
-                </a:solidFill>
-              </a:rPr>
-              <a:t>：</a:t>
-            </a:r>
-            <a:r>
-              <a:rPr lang="en-US" dirty="0">
-                <a:solidFill>
-                  <a:schemeClr val="bg1"/>
-                </a:solidFill>
-              </a:rPr>
-              <a:t>00</a:t>
-            </a:r>
-            <a:r>
-              <a:rPr lang="zh-CN" altLang="en-US" dirty="0">
-                <a:solidFill>
-                  <a:schemeClr val="bg1"/>
-                </a:solidFill>
-              </a:rPr>
-              <a:t>至下午</a:t>
-            </a:r>
-            <a:r>
-              <a:rPr lang="en-US" dirty="0">
-                <a:solidFill>
-                  <a:schemeClr val="bg1"/>
-                </a:solidFill>
-              </a:rPr>
-              <a:t>9</a:t>
-            </a:r>
-            <a:r>
-              <a:rPr lang="zh-CN" altLang="en-US" dirty="0">
-                <a:solidFill>
-                  <a:schemeClr val="bg1"/>
-                </a:solidFill>
-              </a:rPr>
-              <a:t>：</a:t>
-            </a:r>
-            <a:r>
-              <a:rPr lang="en-US" dirty="0">
-                <a:solidFill>
-                  <a:schemeClr val="bg1"/>
-                </a:solidFill>
-              </a:rPr>
-              <a:t>00</a:t>
-            </a:r>
-            <a:r>
-              <a:rPr lang="zh-CN" altLang="en-US" dirty="0">
-                <a:solidFill>
-                  <a:schemeClr val="bg1"/>
-                </a:solidFill>
-              </a:rPr>
-              <a:t>高峰时段内承受</a:t>
-            </a:r>
-            <a:r>
-              <a:rPr lang="en-US" dirty="0">
-                <a:solidFill>
-                  <a:schemeClr val="bg1"/>
-                </a:solidFill>
-              </a:rPr>
-              <a:t>200</a:t>
-            </a:r>
-            <a:r>
-              <a:rPr lang="zh-CN" altLang="en-US" dirty="0">
-                <a:solidFill>
-                  <a:schemeClr val="bg1"/>
-                </a:solidFill>
-              </a:rPr>
-              <a:t>个并发用户。</a:t>
+              <a:t>、风险子计划</a:t>
             </a:r>
           </a:p>
+        </p:txBody>
+      </p:sp>
+      <p:sp>
+        <p:nvSpPr>
+          <p:cNvPr id="4" name="矩形 3">
+            <a:extLst>
+              <a:ext uri="{FF2B5EF4-FFF2-40B4-BE49-F238E27FC236}">
+                <a16:creationId xmlns:a16="http://schemas.microsoft.com/office/drawing/2014/main" id="{18DE9327-6FFB-42D2-894E-2F2765A0EB63}"/>
+              </a:ext>
+            </a:extLst>
+          </p:cNvPr>
+          <p:cNvSpPr/>
+          <p:nvPr/>
+        </p:nvSpPr>
+        <p:spPr>
+          <a:xfrm>
+            <a:off x="2555776" y="3967154"/>
+            <a:ext cx="5035353" cy="646331"/>
+          </a:xfrm>
+          <a:prstGeom prst="rect">
+            <a:avLst/>
+          </a:prstGeom>
+        </p:spPr>
+        <p:txBody>
+          <a:bodyPr wrap="none">
+            <a:spAutoFit/>
+          </a:bodyPr>
+          <a:lstStyle/>
           <a:p>
-            <a:r>
-              <a:rPr lang="en-US" dirty="0">
-                <a:solidFill>
-                  <a:schemeClr val="bg1"/>
-                </a:solidFill>
-              </a:rPr>
-              <a:t>b.</a:t>
-            </a:r>
-            <a:r>
-              <a:rPr lang="zh-CN" altLang="en-US" dirty="0">
-                <a:solidFill>
-                  <a:schemeClr val="bg1"/>
-                </a:solidFill>
-              </a:rPr>
-              <a:t>系统在用户进行信息查看等操作时，向用户的反应平均不超过</a:t>
-            </a:r>
-            <a:r>
-              <a:rPr lang="en-US" dirty="0">
+            <a:pPr algn="ctr"/>
+            <a:r>
+              <a:rPr lang="en-US" altLang="zh-CN" sz="3600" dirty="0">
                 <a:solidFill>
                   <a:schemeClr val="bg1"/>
                 </a:solidFill>
@@ -11235,269 +11518,14 @@
               <a:t>4</a:t>
             </a:r>
             <a:r>
-              <a:rPr lang="zh-CN" altLang="en-US" dirty="0">
-                <a:solidFill>
-                  <a:schemeClr val="bg1"/>
-                </a:solidFill>
-              </a:rPr>
-              <a:t>秒，最多</a:t>
-            </a:r>
-            <a:r>
-              <a:rPr lang="en-US" dirty="0">
-                <a:solidFill>
-                  <a:schemeClr val="bg1"/>
-                </a:solidFill>
-              </a:rPr>
-              <a:t>6</a:t>
-            </a:r>
-            <a:r>
-              <a:rPr lang="zh-CN" altLang="en-US" dirty="0">
-                <a:solidFill>
-                  <a:schemeClr val="bg1"/>
-                </a:solidFill>
-              </a:rPr>
-              <a:t>秒。</a:t>
-            </a:r>
-          </a:p>
-          <a:p>
-            <a:r>
-              <a:rPr lang="en-US" b="1" dirty="0">
-                <a:solidFill>
-                  <a:schemeClr val="bg1"/>
-                </a:solidFill>
-              </a:rPr>
-              <a:t>3.</a:t>
-            </a:r>
-            <a:r>
-              <a:rPr lang="zh-CN" altLang="en-US" b="1" dirty="0">
-                <a:solidFill>
-                  <a:schemeClr val="bg1"/>
-                </a:solidFill>
-              </a:rPr>
-              <a:t>防护要求：</a:t>
-            </a:r>
-            <a:endParaRPr lang="zh-CN" altLang="en-US" dirty="0">
-              <a:solidFill>
-                <a:schemeClr val="bg1"/>
-              </a:solidFill>
-            </a:endParaRPr>
-          </a:p>
-          <a:p>
-            <a:r>
-              <a:rPr lang="en-US" dirty="0">
-                <a:solidFill>
-                  <a:schemeClr val="bg1"/>
-                </a:solidFill>
-              </a:rPr>
-              <a:t>a.</a:t>
-            </a:r>
-            <a:r>
-              <a:rPr lang="zh-CN" altLang="en-US" dirty="0">
-                <a:solidFill>
-                  <a:schemeClr val="bg1"/>
-                </a:solidFill>
-              </a:rPr>
-              <a:t>所有用户帐号等属性都将加密。</a:t>
-            </a:r>
-          </a:p>
-          <a:p>
-            <a:r>
-              <a:rPr lang="en-US" dirty="0">
-                <a:solidFill>
-                  <a:schemeClr val="bg1"/>
-                </a:solidFill>
-              </a:rPr>
-              <a:t>b.</a:t>
-            </a:r>
-            <a:r>
-              <a:rPr lang="zh-CN" altLang="en-US" dirty="0">
-                <a:solidFill>
-                  <a:schemeClr val="bg1"/>
-                </a:solidFill>
-              </a:rPr>
-              <a:t>用户只能在自己的权限范围内进行操作及查看信息。</a:t>
-            </a:r>
-          </a:p>
-          <a:p>
-            <a:r>
-              <a:rPr lang="en-US" b="1" dirty="0">
-                <a:solidFill>
-                  <a:schemeClr val="bg1"/>
-                </a:solidFill>
-              </a:rPr>
-              <a:t>4.</a:t>
-            </a:r>
-            <a:r>
-              <a:rPr lang="zh-CN" altLang="en-US" b="1" dirty="0">
-                <a:solidFill>
-                  <a:schemeClr val="bg1"/>
-                </a:solidFill>
-              </a:rPr>
-              <a:t>可用性要求：</a:t>
-            </a:r>
-            <a:endParaRPr lang="zh-CN" altLang="en-US" dirty="0">
-              <a:solidFill>
-                <a:schemeClr val="bg1"/>
-              </a:solidFill>
-            </a:endParaRPr>
-          </a:p>
-          <a:p>
-            <a:r>
-              <a:rPr lang="en-US" dirty="0">
-                <a:solidFill>
-                  <a:schemeClr val="bg1"/>
-                </a:solidFill>
-              </a:rPr>
-              <a:t>a.</a:t>
-            </a:r>
-            <a:r>
-              <a:rPr lang="zh-CN" altLang="en-US" dirty="0">
-                <a:solidFill>
-                  <a:schemeClr val="bg1"/>
-                </a:solidFill>
-              </a:rPr>
-              <a:t>系统在上午</a:t>
-            </a:r>
-            <a:r>
-              <a:rPr lang="en-US" dirty="0">
-                <a:solidFill>
-                  <a:schemeClr val="bg1"/>
-                </a:solidFill>
-              </a:rPr>
-              <a:t>5</a:t>
-            </a:r>
-            <a:r>
-              <a:rPr lang="zh-CN" altLang="en-US" dirty="0">
-                <a:solidFill>
-                  <a:schemeClr val="bg1"/>
-                </a:solidFill>
-              </a:rPr>
-              <a:t>：</a:t>
-            </a:r>
-            <a:r>
-              <a:rPr lang="en-US" dirty="0">
-                <a:solidFill>
-                  <a:schemeClr val="bg1"/>
-                </a:solidFill>
-              </a:rPr>
-              <a:t>00</a:t>
-            </a:r>
-            <a:r>
-              <a:rPr lang="zh-CN" altLang="en-US" dirty="0">
-                <a:solidFill>
-                  <a:schemeClr val="bg1"/>
-                </a:solidFill>
-              </a:rPr>
-              <a:t>至当地时间午夜之间至少</a:t>
-            </a:r>
-            <a:r>
-              <a:rPr lang="en-US" dirty="0">
-                <a:solidFill>
-                  <a:schemeClr val="bg1"/>
-                </a:solidFill>
-              </a:rPr>
-              <a:t>98%</a:t>
-            </a:r>
-            <a:r>
-              <a:rPr lang="zh-CN" altLang="en-US" dirty="0">
-                <a:solidFill>
-                  <a:schemeClr val="bg1"/>
-                </a:solidFill>
-              </a:rPr>
-              <a:t>的时间可用，在当地时间午夜至上午</a:t>
-            </a:r>
-            <a:r>
-              <a:rPr lang="en-US" dirty="0">
-                <a:solidFill>
-                  <a:schemeClr val="bg1"/>
-                </a:solidFill>
-              </a:rPr>
-              <a:t>5</a:t>
-            </a:r>
-            <a:r>
-              <a:rPr lang="zh-CN" altLang="en-US" dirty="0">
-                <a:solidFill>
-                  <a:schemeClr val="bg1"/>
-                </a:solidFill>
-              </a:rPr>
-              <a:t>：</a:t>
-            </a:r>
-            <a:r>
-              <a:rPr lang="en-US" dirty="0">
-                <a:solidFill>
-                  <a:schemeClr val="bg1"/>
-                </a:solidFill>
-              </a:rPr>
-              <a:t>00</a:t>
-            </a:r>
-            <a:r>
-              <a:rPr lang="zh-CN" altLang="en-US" dirty="0">
-                <a:solidFill>
-                  <a:schemeClr val="bg1"/>
-                </a:solidFill>
-              </a:rPr>
-              <a:t>之间至少</a:t>
-            </a:r>
-            <a:r>
-              <a:rPr lang="en-US" dirty="0">
-                <a:solidFill>
-                  <a:schemeClr val="bg1"/>
-                </a:solidFill>
-              </a:rPr>
-              <a:t>90%</a:t>
-            </a:r>
-            <a:r>
-              <a:rPr lang="zh-CN" altLang="en-US" dirty="0">
-                <a:solidFill>
-                  <a:schemeClr val="bg1"/>
-                </a:solidFill>
-              </a:rPr>
-              <a:t>时间可用，不包括计划内的维护时间段。</a:t>
-            </a:r>
-          </a:p>
-          <a:p>
-            <a:r>
-              <a:rPr lang="en-US" b="1" dirty="0">
-                <a:solidFill>
-                  <a:schemeClr val="bg1"/>
-                </a:solidFill>
-              </a:rPr>
-              <a:t>5.</a:t>
-            </a:r>
-            <a:r>
-              <a:rPr lang="zh-CN" altLang="en-US" b="1" dirty="0">
-                <a:solidFill>
-                  <a:schemeClr val="bg1"/>
-                </a:solidFill>
-              </a:rPr>
-              <a:t>健壮性要求：</a:t>
-            </a:r>
-            <a:endParaRPr lang="zh-CN" altLang="en-US" dirty="0">
-              <a:solidFill>
-                <a:schemeClr val="bg1"/>
-              </a:solidFill>
-            </a:endParaRPr>
-          </a:p>
-          <a:p>
-            <a:r>
-              <a:rPr lang="en-US" dirty="0">
-                <a:solidFill>
-                  <a:schemeClr val="bg1"/>
-                </a:solidFill>
-              </a:rPr>
-              <a:t>a.</a:t>
-            </a:r>
-            <a:r>
-              <a:rPr lang="zh-CN" altLang="en-US" dirty="0">
-                <a:solidFill>
-                  <a:schemeClr val="bg1"/>
-                </a:solidFill>
-              </a:rPr>
-              <a:t>用户与系统之间连接在用户对信息修改未完成前断开，系统能恢复用户未修改的信息并继续对信息进行修改。</a:t>
-            </a:r>
-          </a:p>
-          <a:p>
-            <a:endParaRPr lang="zh-CN" altLang="en-US" dirty="0"/>
+              <a:rPr lang="zh-CN" altLang="en-US" sz="3600" dirty="0">
+                <a:solidFill>
+                  <a:schemeClr val="bg1"/>
+                </a:solidFill>
+              </a:rPr>
+              <a:t>、分工评价及参考资料</a:t>
+            </a:r>
+            <a:endParaRPr lang="zh-CN" altLang="en-US" sz="3600" dirty="0"/>
           </a:p>
         </p:txBody>
       </p:sp>
@@ -11509,7 +11537,7 @@
 </p:sld>
 </file>
 
-<file path=ppt/slides/slide18.xml><?xml version="1.0" encoding="utf-8"?>
+<file path=ppt/slides/slide20.xml><?xml version="1.0" encoding="utf-8"?>
 <p:sld xmlns:a="http://schemas.openxmlformats.org/drawingml/2006/main" xmlns:r="http://schemas.openxmlformats.org/officeDocument/2006/relationships" xmlns:p="http://schemas.openxmlformats.org/presentationml/2006/main">
   <p:cSld>
     <p:spTree>
@@ -11678,7 +11706,7 @@
 </p:sld>
 </file>
 
-<file path=ppt/slides/slide19.xml><?xml version="1.0" encoding="utf-8"?>
+<file path=ppt/slides/slide21.xml><?xml version="1.0" encoding="utf-8"?>
 <p:sld xmlns:a="http://schemas.openxmlformats.org/drawingml/2006/main" xmlns:r="http://schemas.openxmlformats.org/officeDocument/2006/relationships" xmlns:p="http://schemas.openxmlformats.org/presentationml/2006/main">
   <p:cSld>
     <p:spTree>
@@ -11782,196 +11810,7 @@
 </p:sld>
 </file>
 
-<file path=ppt/slides/slide2.xml><?xml version="1.0" encoding="utf-8"?>
-<p:sld xmlns:a="http://schemas.openxmlformats.org/drawingml/2006/main" xmlns:r="http://schemas.openxmlformats.org/officeDocument/2006/relationships" xmlns:p="http://schemas.openxmlformats.org/presentationml/2006/main">
-  <p:cSld>
-    <p:spTree>
-      <p:nvGrpSpPr>
-        <p:cNvPr id="1" name=""/>
-        <p:cNvGrpSpPr/>
-        <p:nvPr/>
-      </p:nvGrpSpPr>
-      <p:grpSpPr>
-        <a:xfrm>
-          <a:off x="0" y="0"/>
-          <a:ext cx="0" cy="0"/>
-          <a:chOff x="0" y="0"/>
-          <a:chExt cx="0" cy="0"/>
-        </a:xfrm>
-      </p:grpSpPr>
-      <p:sp>
-        <p:nvSpPr>
-          <p:cNvPr id="2" name="标题 1"/>
-          <p:cNvSpPr>
-            <a:spLocks noGrp="1"/>
-          </p:cNvSpPr>
-          <p:nvPr>
-            <p:ph type="ctrTitle"/>
-          </p:nvPr>
-        </p:nvSpPr>
-        <p:spPr>
-          <a:xfrm>
-            <a:off x="685800" y="857233"/>
-            <a:ext cx="7772400" cy="1071569"/>
-          </a:xfrm>
-        </p:spPr>
-        <p:txBody>
-          <a:bodyPr/>
-          <a:lstStyle/>
-          <a:p>
-            <a:r>
-              <a:rPr lang="zh-CN" altLang="en-US" dirty="0">
-                <a:solidFill>
-                  <a:schemeClr val="bg1"/>
-                </a:solidFill>
-              </a:rPr>
-              <a:t>目录</a:t>
-            </a:r>
-          </a:p>
-        </p:txBody>
-      </p:sp>
-      <p:sp>
-        <p:nvSpPr>
-          <p:cNvPr id="3" name="副标题 2"/>
-          <p:cNvSpPr>
-            <a:spLocks noGrp="1"/>
-          </p:cNvSpPr>
-          <p:nvPr>
-            <p:ph type="subTitle" idx="1"/>
-          </p:nvPr>
-        </p:nvSpPr>
-        <p:spPr>
-          <a:xfrm>
-            <a:off x="1357290" y="2071678"/>
-            <a:ext cx="6400800" cy="1752600"/>
-          </a:xfrm>
-        </p:spPr>
-        <p:txBody>
-          <a:bodyPr/>
-          <a:lstStyle/>
-          <a:p>
-            <a:r>
-              <a:rPr lang="en-US" altLang="zh-CN" dirty="0">
-                <a:solidFill>
-                  <a:schemeClr val="bg1"/>
-                </a:solidFill>
-              </a:rPr>
-              <a:t>1</a:t>
-            </a:r>
-            <a:r>
-              <a:rPr lang="zh-CN" altLang="en-US" dirty="0">
-                <a:solidFill>
-                  <a:schemeClr val="bg1"/>
-                </a:solidFill>
-              </a:rPr>
-              <a:t>、需求概述</a:t>
-            </a:r>
-            <a:endParaRPr lang="en-US" altLang="zh-CN" dirty="0">
-              <a:solidFill>
-                <a:schemeClr val="bg1"/>
-              </a:solidFill>
-            </a:endParaRPr>
-          </a:p>
-          <a:p>
-            <a:r>
-              <a:rPr lang="en-US" altLang="zh-CN" dirty="0">
-                <a:solidFill>
-                  <a:schemeClr val="bg1"/>
-                </a:solidFill>
-              </a:rPr>
-              <a:t>2</a:t>
-            </a:r>
-            <a:r>
-              <a:rPr lang="zh-CN" altLang="en-US" dirty="0">
-                <a:solidFill>
-                  <a:schemeClr val="bg1"/>
-                </a:solidFill>
-              </a:rPr>
-              <a:t>、需求工程</a:t>
-            </a:r>
-            <a:endParaRPr lang="en-US" altLang="zh-CN" dirty="0">
-              <a:solidFill>
-                <a:schemeClr val="bg1"/>
-              </a:solidFill>
-            </a:endParaRPr>
-          </a:p>
-          <a:p>
-            <a:r>
-              <a:rPr lang="en-US" altLang="zh-CN" dirty="0">
-                <a:solidFill>
-                  <a:schemeClr val="bg1"/>
-                </a:solidFill>
-              </a:rPr>
-              <a:t>3</a:t>
-            </a:r>
-            <a:r>
-              <a:rPr lang="zh-CN" altLang="en-US" dirty="0">
-                <a:solidFill>
-                  <a:schemeClr val="bg1"/>
-                </a:solidFill>
-              </a:rPr>
-              <a:t>、风险子计划</a:t>
-            </a:r>
-          </a:p>
-        </p:txBody>
-      </p:sp>
-      <p:sp>
-        <p:nvSpPr>
-          <p:cNvPr id="4" name="矩形 3">
-            <a:extLst>
-              <a:ext uri="{FF2B5EF4-FFF2-40B4-BE49-F238E27FC236}">
-                <a16:creationId xmlns:a16="http://schemas.microsoft.com/office/drawing/2014/main" id="{18DE9327-6FFB-42D2-894E-2F2765A0EB63}"/>
-              </a:ext>
-            </a:extLst>
-          </p:cNvPr>
-          <p:cNvSpPr/>
-          <p:nvPr/>
-        </p:nvSpPr>
-        <p:spPr>
-          <a:xfrm>
-            <a:off x="2555776" y="3967154"/>
-            <a:ext cx="5035353" cy="646331"/>
-          </a:xfrm>
-          <a:prstGeom prst="rect">
-            <a:avLst/>
-          </a:prstGeom>
-        </p:spPr>
-        <p:txBody>
-          <a:bodyPr wrap="none">
-            <a:spAutoFit/>
-          </a:bodyPr>
-          <a:lstStyle/>
-          <a:p>
-            <a:pPr algn="ctr"/>
-            <a:r>
-              <a:rPr lang="en-US" altLang="zh-CN" sz="3600" dirty="0">
-                <a:solidFill>
-                  <a:schemeClr val="bg1"/>
-                </a:solidFill>
-              </a:rPr>
-              <a:t>4</a:t>
-            </a:r>
-            <a:r>
-              <a:rPr lang="zh-CN" altLang="en-US" sz="3600" dirty="0">
-                <a:solidFill>
-                  <a:schemeClr val="bg1"/>
-                </a:solidFill>
-              </a:rPr>
-              <a:t>、分工评价及参考资料</a:t>
-            </a:r>
-            <a:endParaRPr lang="zh-CN" altLang="en-US" sz="3600" dirty="0"/>
-          </a:p>
-        </p:txBody>
-      </p:sp>
-    </p:spTree>
-  </p:cSld>
-  <p:clrMapOvr>
-    <a:masterClrMapping/>
-  </p:clrMapOvr>
-</p:sld>
-</file>
-
-<file path=ppt/slides/slide20.xml><?xml version="1.0" encoding="utf-8"?>
+<file path=ppt/slides/slide22.xml><?xml version="1.0" encoding="utf-8"?>
 <p:sld xmlns:a="http://schemas.openxmlformats.org/drawingml/2006/main" xmlns:r="http://schemas.openxmlformats.org/officeDocument/2006/relationships" xmlns:p="http://schemas.openxmlformats.org/presentationml/2006/main">
   <p:cSld>
     <p:spTree>
@@ -12076,7 +11915,7 @@
 </p:sld>
 </file>
 
-<file path=ppt/slides/slide21.xml><?xml version="1.0" encoding="utf-8"?>
+<file path=ppt/slides/slide23.xml><?xml version="1.0" encoding="utf-8"?>
 <p:sld xmlns:a="http://schemas.openxmlformats.org/drawingml/2006/main" xmlns:r="http://schemas.openxmlformats.org/officeDocument/2006/relationships" xmlns:p="http://schemas.openxmlformats.org/presentationml/2006/main">
   <p:cSld>
     <p:spTree>
@@ -12181,7 +12020,7 @@
 </p:sld>
 </file>
 
-<file path=ppt/slides/slide22.xml><?xml version="1.0" encoding="utf-8"?>
+<file path=ppt/slides/slide24.xml><?xml version="1.0" encoding="utf-8"?>
 <p:sld xmlns:a="http://schemas.openxmlformats.org/drawingml/2006/main" xmlns:r="http://schemas.openxmlformats.org/officeDocument/2006/relationships" xmlns:p="http://schemas.openxmlformats.org/presentationml/2006/main">
   <p:cSld>
     <p:spTree>
@@ -13131,7 +12970,7 @@
 </p:sld>
 </file>
 
-<file path=ppt/slides/slide23.xml><?xml version="1.0" encoding="utf-8"?>
+<file path=ppt/slides/slide25.xml><?xml version="1.0" encoding="utf-8"?>
 <p:sld xmlns:a="http://schemas.openxmlformats.org/drawingml/2006/main" xmlns:r="http://schemas.openxmlformats.org/officeDocument/2006/relationships" xmlns:p="http://schemas.openxmlformats.org/presentationml/2006/main">
   <p:cSld>
     <p:spTree>
@@ -13739,7 +13578,7 @@
 </p:sld>
 </file>
 
-<file path=ppt/slides/slide24.xml><?xml version="1.0" encoding="utf-8"?>
+<file path=ppt/slides/slide26.xml><?xml version="1.0" encoding="utf-8"?>
 <p:sld xmlns:a="http://schemas.openxmlformats.org/drawingml/2006/main" xmlns:r="http://schemas.openxmlformats.org/officeDocument/2006/relationships" xmlns:p="http://schemas.openxmlformats.org/presentationml/2006/main">
   <p:cSld>
     <p:spTree>
@@ -13795,246 +13634,6 @@
           </a:p>
         </p:txBody>
       </p:sp>
-      <p:graphicFrame>
-        <p:nvGraphicFramePr>
-          <p:cNvPr id="6" name="内容占位符 5">
-            <a:extLst>
-              <a:ext uri="{FF2B5EF4-FFF2-40B4-BE49-F238E27FC236}">
-                <a16:creationId xmlns:a16="http://schemas.microsoft.com/office/drawing/2014/main" id="{DF566DC6-E8E6-45F1-855E-5672B6A929A1}"/>
-              </a:ext>
-            </a:extLst>
-          </p:cNvPr>
-          <p:cNvGraphicFramePr>
-            <a:graphicFrameLocks noGrp="1"/>
-          </p:cNvGraphicFramePr>
-          <p:nvPr>
-            <p:ph idx="1"/>
-            <p:extLst>
-              <p:ext uri="{D42A27DB-BD31-4B8C-83A1-F6EECF244321}">
-                <p14:modId xmlns:p14="http://schemas.microsoft.com/office/powerpoint/2010/main" val="2033139476"/>
-              </p:ext>
-            </p:extLst>
-          </p:nvPr>
-        </p:nvGraphicFramePr>
-        <p:xfrm>
-          <a:off x="539552" y="980728"/>
-          <a:ext cx="8229600" cy="5400600"/>
-        </p:xfrm>
-        <a:graphic>
-          <a:graphicData uri="http://schemas.openxmlformats.org/drawingml/2006/table">
-            <a:tbl>
-              <a:tblPr firstRow="1" firstCol="1" bandRow="1">
-                <a:tableStyleId>{5C22544A-7EE6-4342-B048-85BDC9FD1C3A}</a:tableStyleId>
-              </a:tblPr>
-              <a:tblGrid>
-                <a:gridCol w="2545062">
-                  <a:extLst>
-                    <a:ext uri="{9D8B030D-6E8A-4147-A177-3AD203B41FA5}">
-                      <a16:colId xmlns:a16="http://schemas.microsoft.com/office/drawing/2014/main" val="2957898549"/>
-                    </a:ext>
-                  </a:extLst>
-                </a:gridCol>
-                <a:gridCol w="5684538">
-                  <a:extLst>
-                    <a:ext uri="{9D8B030D-6E8A-4147-A177-3AD203B41FA5}">
-                      <a16:colId xmlns:a16="http://schemas.microsoft.com/office/drawing/2014/main" val="3168853304"/>
-                    </a:ext>
-                  </a:extLst>
-                </a:gridCol>
-              </a:tblGrid>
-              <a:tr h="5400600">
-                <a:tc>
-                  <a:txBody>
-                    <a:bodyPr/>
-                    <a:lstStyle/>
-                    <a:p>
-                      <a:pPr algn="just">
-                        <a:spcAft>
-                          <a:spcPts val="0"/>
-                        </a:spcAft>
-                      </a:pPr>
-                      <a:r>
-                        <a:rPr lang="zh-CN" sz="2000" kern="100" dirty="0">
-                          <a:effectLst/>
-                        </a:rPr>
-                        <a:t>教师需求合格标准</a:t>
-                      </a:r>
-                      <a:endParaRPr lang="zh-CN" sz="1600" kern="100" dirty="0">
-                        <a:effectLst/>
-                        <a:latin typeface="等线" panose="02010600030101010101" pitchFamily="2" charset="-122"/>
-                        <a:ea typeface="等线" panose="02010600030101010101" pitchFamily="2" charset="-122"/>
-                        <a:cs typeface="Times New Roman" panose="02020603050405020304" pitchFamily="18" charset="0"/>
-                      </a:endParaRPr>
-                    </a:p>
-                  </a:txBody>
-                  <a:tcPr marL="68580" marR="68580" marT="0" marB="0"/>
-                </a:tc>
-                <a:tc>
-                  <a:txBody>
-                    <a:bodyPr/>
-                    <a:lstStyle/>
-                    <a:p>
-                      <a:pPr algn="just">
-                        <a:spcAft>
-                          <a:spcPts val="0"/>
-                        </a:spcAft>
-                      </a:pPr>
-                      <a:r>
-                        <a:rPr lang="zh-CN" sz="2000" kern="100" dirty="0">
-                          <a:effectLst/>
-                        </a:rPr>
-                        <a:t>1网站上要有系统的课程介绍包括项目管理,需求工程等几门课的相关信息</a:t>
-                      </a:r>
-                      <a:endParaRPr lang="zh-CN" sz="1600" kern="100" dirty="0">
-                        <a:effectLst/>
-                      </a:endParaRPr>
-                    </a:p>
-                    <a:p>
-                      <a:pPr algn="just">
-                        <a:spcAft>
-                          <a:spcPts val="0"/>
-                        </a:spcAft>
-                      </a:pPr>
-                      <a:r>
-                        <a:rPr lang="zh-CN" sz="2000" kern="100" dirty="0">
-                          <a:effectLst/>
-                        </a:rPr>
-                        <a:t>2网站要有教师介绍，对任课老师的以往教学、科研成果，及其教学风格，出版书 籍，所获荣誉的详细介绍</a:t>
-                      </a:r>
-                      <a:endParaRPr lang="zh-CN" sz="1600" kern="100" dirty="0">
-                        <a:effectLst/>
-                      </a:endParaRPr>
-                    </a:p>
-                    <a:p>
-                      <a:pPr algn="just">
-                        <a:spcAft>
-                          <a:spcPts val="0"/>
-                        </a:spcAft>
-                      </a:pPr>
-                      <a:r>
-                        <a:rPr lang="zh-CN" sz="2000" kern="100" dirty="0">
-                          <a:effectLst/>
-                        </a:rPr>
-                        <a:t>3课件、模板、参考资料、以往优秀作业、教学视频、音频资料下载，可以及时更新。本班老师同学可以通过账号下载，其他用户可以在线浏览简化版课件</a:t>
-                      </a:r>
-                      <a:endParaRPr lang="zh-CN" sz="1600" kern="100" dirty="0">
-                        <a:effectLst/>
-                      </a:endParaRPr>
-                    </a:p>
-                    <a:p>
-                      <a:pPr algn="just">
-                        <a:spcAft>
-                          <a:spcPts val="0"/>
-                        </a:spcAft>
-                      </a:pPr>
-                      <a:r>
-                        <a:rPr lang="zh-CN" sz="2000" kern="100" dirty="0">
-                          <a:effectLst/>
-                        </a:rPr>
-                        <a:t>4 友情连接（如网上选课主页）有老师要求管理员实时更新</a:t>
-                      </a:r>
-                      <a:endParaRPr lang="zh-CN" sz="1600" kern="100" dirty="0">
-                        <a:effectLst/>
-                      </a:endParaRPr>
-                    </a:p>
-                    <a:p>
-                      <a:pPr algn="just">
-                        <a:spcAft>
-                          <a:spcPts val="0"/>
-                        </a:spcAft>
-                        <a:tabLst>
-                          <a:tab pos="495300" algn="l"/>
-                        </a:tabLst>
-                      </a:pPr>
-                      <a:r>
-                        <a:rPr lang="zh-CN" sz="2000" kern="100" dirty="0">
-                          <a:effectLst/>
-                        </a:rPr>
-                        <a:t>5 教师消息发布栏用于老师发布作业点评、临时课程变更等通知</a:t>
-                      </a:r>
-                      <a:endParaRPr lang="zh-CN" sz="1600" kern="100" dirty="0">
-                        <a:effectLst/>
-                      </a:endParaRPr>
-                    </a:p>
-                    <a:p>
-                      <a:pPr algn="just">
-                        <a:spcAft>
-                          <a:spcPts val="0"/>
-                        </a:spcAft>
-                        <a:tabLst>
-                          <a:tab pos="495300" algn="l"/>
-                        </a:tabLst>
-                      </a:pPr>
-                      <a:r>
-                        <a:rPr lang="zh-CN" sz="2000" kern="100" dirty="0">
-                          <a:effectLst/>
-                        </a:rPr>
-                        <a:t>6 教师有权利设立管理员</a:t>
-                      </a:r>
-                      <a:endParaRPr lang="zh-CN" sz="1600" kern="100" dirty="0">
-                        <a:effectLst/>
-                      </a:endParaRPr>
-                    </a:p>
-                    <a:p>
-                      <a:pPr algn="just">
-                        <a:spcAft>
-                          <a:spcPts val="0"/>
-                        </a:spcAft>
-                        <a:tabLst>
-                          <a:tab pos="495300" algn="l"/>
-                        </a:tabLst>
-                      </a:pPr>
-                      <a:r>
-                        <a:rPr lang="en-US" sz="2000" kern="100" dirty="0">
-                          <a:effectLst/>
-                        </a:rPr>
-                        <a:t>7</a:t>
-                      </a:r>
-                      <a:r>
-                        <a:rPr lang="zh-CN" sz="2000" kern="100" dirty="0">
-                          <a:effectLst/>
-                        </a:rPr>
-                        <a:t>提供专门的作业点评,作业完成情况跟踪的功能,对学生的作业,和课后作业讨论进行点评</a:t>
-                      </a:r>
-                      <a:endParaRPr lang="zh-CN" sz="1600" kern="100" dirty="0">
-                        <a:effectLst/>
-                      </a:endParaRPr>
-                    </a:p>
-                    <a:p>
-                      <a:pPr algn="just">
-                        <a:spcAft>
-                          <a:spcPts val="0"/>
-                        </a:spcAft>
-                        <a:tabLst>
-                          <a:tab pos="495300" algn="l"/>
-                        </a:tabLst>
-                      </a:pPr>
-                      <a:r>
-                        <a:rPr lang="zh-CN" sz="2000" kern="100" dirty="0">
-                          <a:effectLst/>
-                        </a:rPr>
-                        <a:t>8网站上要有网站向导即使用指南。</a:t>
-                      </a:r>
-                      <a:endParaRPr lang="zh-CN" sz="1600" kern="100" dirty="0">
-                        <a:effectLst/>
-                        <a:latin typeface="等线" panose="02010600030101010101" pitchFamily="2" charset="-122"/>
-                        <a:ea typeface="等线" panose="02010600030101010101" pitchFamily="2" charset="-122"/>
-                        <a:cs typeface="Times New Roman" panose="02020603050405020304" pitchFamily="18" charset="0"/>
-                      </a:endParaRPr>
-                    </a:p>
-                  </a:txBody>
-                  <a:tcPr marL="68580" marR="68580" marT="0" marB="0"/>
-                </a:tc>
-                <a:extLst>
-                  <a:ext uri="{0D108BD9-81ED-4DB2-BD59-A6C34878D82A}">
-                    <a16:rowId xmlns:a16="http://schemas.microsoft.com/office/drawing/2014/main" val="3090850032"/>
-                  </a:ext>
-                </a:extLst>
-              </a:tr>
-            </a:tbl>
-          </a:graphicData>
-        </a:graphic>
-      </p:graphicFrame>
       <p:sp>
         <p:nvSpPr>
           <p:cNvPr id="7" name="文本框 6">
@@ -14074,654 +13673,71 @@
           </a:p>
         </p:txBody>
       </p:sp>
-    </p:spTree>
-    <p:extLst>
-      <p:ext uri="{BB962C8B-B14F-4D97-AF65-F5344CB8AC3E}">
-        <p14:creationId xmlns:p14="http://schemas.microsoft.com/office/powerpoint/2010/main" val="1346903193"/>
-      </p:ext>
-    </p:extLst>
-  </p:cSld>
-  <p:clrMapOvr>
-    <a:masterClrMapping/>
-  </p:clrMapOvr>
-</p:sld>
-</file>
-
-<file path=ppt/slides/slide25.xml><?xml version="1.0" encoding="utf-8"?>
-<p:sld xmlns:a="http://schemas.openxmlformats.org/drawingml/2006/main" xmlns:r="http://schemas.openxmlformats.org/officeDocument/2006/relationships" xmlns:p="http://schemas.openxmlformats.org/presentationml/2006/main">
-  <p:cSld>
-    <p:spTree>
-      <p:nvGrpSpPr>
-        <p:cNvPr id="1" name=""/>
-        <p:cNvGrpSpPr/>
-        <p:nvPr/>
-      </p:nvGrpSpPr>
-      <p:grpSpPr>
-        <a:xfrm>
-          <a:off x="0" y="0"/>
-          <a:ext cx="0" cy="0"/>
-          <a:chOff x="0" y="0"/>
-          <a:chExt cx="0" cy="0"/>
-        </a:xfrm>
-      </p:grpSpPr>
-      <p:graphicFrame>
-        <p:nvGraphicFramePr>
+      <p:sp>
+        <p:nvSpPr>
           <p:cNvPr id="4" name="内容占位符 3">
             <a:extLst>
               <a:ext uri="{FF2B5EF4-FFF2-40B4-BE49-F238E27FC236}">
-                <a16:creationId xmlns:a16="http://schemas.microsoft.com/office/drawing/2014/main" id="{2DCF2E16-AEBB-4586-93F4-F8FD4E66DFC8}"/>
+                <a16:creationId xmlns:a16="http://schemas.microsoft.com/office/drawing/2014/main" id="{D3A27196-FE78-4E04-AD11-3DBFBDD6B087}"/>
               </a:ext>
             </a:extLst>
           </p:cNvPr>
-          <p:cNvGraphicFramePr>
-            <a:graphicFrameLocks noGrp="1"/>
-          </p:cNvGraphicFramePr>
+          <p:cNvSpPr>
+            <a:spLocks noGrp="1"/>
+          </p:cNvSpPr>
           <p:nvPr>
             <p:ph idx="1"/>
-            <p:extLst>
-              <p:ext uri="{D42A27DB-BD31-4B8C-83A1-F6EECF244321}">
-                <p14:modId xmlns:p14="http://schemas.microsoft.com/office/powerpoint/2010/main" val="2385925118"/>
-              </p:ext>
-            </p:extLst>
           </p:nvPr>
-        </p:nvGraphicFramePr>
-        <p:xfrm>
-          <a:off x="683568" y="332656"/>
-          <a:ext cx="7920880" cy="6035040"/>
-        </p:xfrm>
-        <a:graphic>
-          <a:graphicData uri="http://schemas.openxmlformats.org/drawingml/2006/table">
-            <a:tbl>
-              <a:tblPr firstRow="1" firstCol="1" bandRow="1">
-                <a:tableStyleId>{5C22544A-7EE6-4342-B048-85BDC9FD1C3A}</a:tableStyleId>
-              </a:tblPr>
-              <a:tblGrid>
-                <a:gridCol w="2449588">
-                  <a:extLst>
-                    <a:ext uri="{9D8B030D-6E8A-4147-A177-3AD203B41FA5}">
-                      <a16:colId xmlns:a16="http://schemas.microsoft.com/office/drawing/2014/main" val="2404901656"/>
-                    </a:ext>
-                  </a:extLst>
-                </a:gridCol>
-                <a:gridCol w="5471292">
-                  <a:extLst>
-                    <a:ext uri="{9D8B030D-6E8A-4147-A177-3AD203B41FA5}">
-                      <a16:colId xmlns:a16="http://schemas.microsoft.com/office/drawing/2014/main" val="2241867047"/>
-                    </a:ext>
-                  </a:extLst>
-                </a:gridCol>
-              </a:tblGrid>
-              <a:tr h="4851880">
-                <a:tc>
-                  <a:txBody>
-                    <a:bodyPr/>
-                    <a:lstStyle/>
-                    <a:p>
-                      <a:pPr algn="just">
-                        <a:spcAft>
-                          <a:spcPts val="0"/>
-                        </a:spcAft>
-                      </a:pPr>
-                      <a:r>
-                        <a:rPr lang="zh-CN" sz="1800" kern="100">
-                          <a:effectLst/>
-                        </a:rPr>
-                        <a:t>学生需求合格标准</a:t>
-                      </a:r>
-                      <a:endParaRPr lang="zh-CN" sz="1800" kern="100">
-                        <a:effectLst/>
-                        <a:latin typeface="Cambria" panose="02040503050406030204" pitchFamily="18" charset="0"/>
-                        <a:ea typeface="宋体" panose="02010600030101010101" pitchFamily="2" charset="-122"/>
-                        <a:cs typeface="Times New Roman" panose="02020603050405020304" pitchFamily="18" charset="0"/>
-                      </a:endParaRPr>
-                    </a:p>
-                  </a:txBody>
-                  <a:tcPr marL="68580" marR="68580" marT="0" marB="0"/>
-                </a:tc>
-                <a:tc>
-                  <a:txBody>
-                    <a:bodyPr/>
-                    <a:lstStyle/>
-                    <a:p>
-                      <a:pPr algn="just">
-                        <a:spcAft>
-                          <a:spcPts val="0"/>
-                        </a:spcAft>
-                        <a:tabLst>
-                          <a:tab pos="495300" algn="l"/>
-                        </a:tabLst>
-                      </a:pPr>
-                      <a:r>
-                        <a:rPr lang="zh-CN" sz="1800" kern="100" dirty="0">
-                          <a:effectLst/>
-                        </a:rPr>
-                        <a:t>1课件下载功能，包括以往的旧版本课件，以及最新的课件。</a:t>
-                      </a:r>
-                    </a:p>
-                    <a:p>
-                      <a:pPr algn="just">
-                        <a:spcAft>
-                          <a:spcPts val="0"/>
-                        </a:spcAft>
-                        <a:tabLst>
-                          <a:tab pos="495300" algn="l"/>
-                        </a:tabLst>
-                      </a:pPr>
-                      <a:r>
-                        <a:rPr lang="zh-CN" sz="1800" kern="100" dirty="0">
-                          <a:effectLst/>
-                        </a:rPr>
-                        <a:t>2能下载老师提供的参考资料(含电子教材、历年试卷、补课资料，以及老师的教学交流文章)并且网站能及时更新这些资料。下载的速度能够得到保证：要求同时可容纳10人下载，并且人均速度能达到50kb/s。</a:t>
-                      </a:r>
-                    </a:p>
-                    <a:p>
-                      <a:pPr algn="just">
-                        <a:spcAft>
-                          <a:spcPts val="0"/>
-                        </a:spcAft>
-                        <a:tabLst>
-                          <a:tab pos="495300" algn="l"/>
-                        </a:tabLst>
-                      </a:pPr>
-                      <a:r>
-                        <a:rPr lang="zh-CN" sz="1800" kern="100" dirty="0">
-                          <a:effectLst/>
-                        </a:rPr>
-                        <a:t>3能及时看到老师的通知(含课程相关通知及作业点评)。</a:t>
-                      </a:r>
-                    </a:p>
-                    <a:p>
-                      <a:pPr algn="just">
-                        <a:spcAft>
-                          <a:spcPts val="0"/>
-                        </a:spcAft>
-                        <a:tabLst>
-                          <a:tab pos="495300" algn="l"/>
-                        </a:tabLst>
-                      </a:pPr>
-                      <a:r>
-                        <a:rPr lang="zh-CN" sz="1800" kern="100" dirty="0">
-                          <a:effectLst/>
-                        </a:rPr>
-                        <a:t>4如果教师提供的是多媒体资料，网站能提供下载及在线观看功能（如课堂录像）。</a:t>
-                      </a:r>
-                    </a:p>
-                    <a:p>
-                      <a:pPr algn="just">
-                        <a:spcAft>
-                          <a:spcPts val="0"/>
-                        </a:spcAft>
-                        <a:tabLst>
-                          <a:tab pos="495300" algn="l"/>
-                        </a:tabLst>
-                      </a:pPr>
-                      <a:r>
-                        <a:rPr lang="zh-CN" sz="1800" kern="100" dirty="0">
-                          <a:effectLst/>
-                        </a:rPr>
-                        <a:t>5网站界面要求简洁大方，有网站导航、相关链接(含学校选课系统、学院网页、需求相关主题网站)</a:t>
-                      </a:r>
-                    </a:p>
-                    <a:p>
-                      <a:pPr algn="just">
-                        <a:spcAft>
-                          <a:spcPts val="0"/>
-                        </a:spcAft>
-                        <a:tabLst>
-                          <a:tab pos="495300" algn="l"/>
-                        </a:tabLst>
-                      </a:pPr>
-                      <a:r>
-                        <a:rPr lang="zh-CN" sz="1800" kern="100" dirty="0">
-                          <a:effectLst/>
-                        </a:rPr>
-                        <a:t>6网站提供通过提问方式的密码取回功能。</a:t>
-                      </a:r>
-                    </a:p>
-                    <a:p>
-                      <a:pPr algn="just">
-                        <a:spcAft>
-                          <a:spcPts val="0"/>
-                        </a:spcAft>
-                        <a:tabLst>
-                          <a:tab pos="495300" algn="l"/>
-                        </a:tabLst>
-                      </a:pPr>
-                      <a:r>
-                        <a:rPr lang="zh-CN" sz="1800" kern="100" dirty="0">
-                          <a:effectLst/>
-                        </a:rPr>
-                        <a:t>7网站能提供让分组的各个团队能有团队内部的交流工具(如论坛，不同团队可以申请认证板块，非团队成员不能浏览使用，但希望教师可以进入各个板块进行一定的指导，而网站管理人员也可管理认证板块)。</a:t>
-                      </a:r>
-                    </a:p>
-                    <a:p>
-                      <a:pPr algn="just">
-                        <a:spcAft>
-                          <a:spcPts val="0"/>
-                        </a:spcAft>
-                        <a:tabLst>
-                          <a:tab pos="495300" algn="l"/>
-                        </a:tabLst>
-                      </a:pPr>
-                      <a:r>
-                        <a:rPr lang="zh-CN" sz="1800" kern="100" dirty="0">
-                          <a:effectLst/>
-                        </a:rPr>
-                        <a:t>8网站能提供一定资料共享功能(如论坛有上传下载附件功能、但对附件大小有限制，不得大于2M)</a:t>
-                      </a:r>
-                    </a:p>
-                    <a:p>
-                      <a:pPr algn="just">
-                        <a:spcAft>
-                          <a:spcPts val="0"/>
-                        </a:spcAft>
-                        <a:tabLst>
-                          <a:tab pos="495300" algn="l"/>
-                        </a:tabLst>
-                      </a:pPr>
-                      <a:r>
-                        <a:rPr lang="zh-CN" sz="1800" kern="100" dirty="0">
-                          <a:effectLst/>
-                        </a:rPr>
-                        <a:t>9网站能较醒目地提供教师的联系方式 (尽量详细)。</a:t>
-                      </a:r>
-                    </a:p>
-                    <a:p>
-                      <a:pPr algn="just">
-                        <a:spcAft>
-                          <a:spcPts val="0"/>
-                        </a:spcAft>
-                        <a:tabLst>
-                          <a:tab pos="495300" algn="l"/>
-                        </a:tabLst>
-                      </a:pPr>
-                      <a:r>
-                        <a:rPr lang="zh-CN" sz="1800" kern="100" dirty="0">
-                          <a:effectLst/>
-                        </a:rPr>
-                        <a:t>10网站可以提供站内文章标题搜索功能。</a:t>
-                      </a:r>
-                    </a:p>
-                    <a:p>
-                      <a:pPr algn="just">
-                        <a:spcAft>
-                          <a:spcPts val="0"/>
-                        </a:spcAft>
-                        <a:tabLst>
-                          <a:tab pos="495300" algn="l"/>
-                        </a:tabLst>
-                      </a:pPr>
-                      <a:r>
-                        <a:rPr lang="zh-CN" sz="1800" kern="100" dirty="0">
-                          <a:effectLst/>
-                        </a:rPr>
-                        <a:t>11网站能够提供学生自身作业提交功能,并可以跟踪作业的批复情况 </a:t>
-                      </a:r>
-                      <a:endParaRPr lang="zh-CN" sz="1800" kern="100" dirty="0">
-                        <a:effectLst/>
-                        <a:latin typeface="Cambria" panose="02040503050406030204" pitchFamily="18" charset="0"/>
-                        <a:ea typeface="宋体" panose="02010600030101010101" pitchFamily="2" charset="-122"/>
-                        <a:cs typeface="Times New Roman" panose="02020603050405020304" pitchFamily="18" charset="0"/>
-                      </a:endParaRPr>
-                    </a:p>
-                  </a:txBody>
-                  <a:tcPr marL="68580" marR="68580" marT="0" marB="0"/>
-                </a:tc>
-                <a:extLst>
-                  <a:ext uri="{0D108BD9-81ED-4DB2-BD59-A6C34878D82A}">
-                    <a16:rowId xmlns:a16="http://schemas.microsoft.com/office/drawing/2014/main" val="1567252751"/>
-                  </a:ext>
-                </a:extLst>
-              </a:tr>
-            </a:tbl>
-          </a:graphicData>
-        </a:graphic>
-      </p:graphicFrame>
-      <p:sp>
-        <p:nvSpPr>
-          <p:cNvPr id="5" name="文本框 4">
-            <a:extLst>
-              <a:ext uri="{FF2B5EF4-FFF2-40B4-BE49-F238E27FC236}">
-                <a16:creationId xmlns:a16="http://schemas.microsoft.com/office/drawing/2014/main" id="{BD25C838-8C41-4D3A-B9A6-82CD7575CBF0}"/>
-              </a:ext>
-            </a:extLst>
-          </p:cNvPr>
-          <p:cNvSpPr txBox="1"/>
-          <p:nvPr/>
         </p:nvSpPr>
-        <p:spPr>
-          <a:xfrm>
-            <a:off x="7038668" y="6404452"/>
-            <a:ext cx="2105332" cy="369332"/>
-          </a:xfrm>
-          <a:prstGeom prst="rect">
-            <a:avLst/>
-          </a:prstGeom>
-          <a:noFill/>
-        </p:spPr>
+        <p:spPr/>
         <p:txBody>
-          <a:bodyPr wrap="square" rtlCol="0">
-            <a:spAutoFit/>
-          </a:bodyPr>
+          <a:bodyPr/>
           <a:lstStyle/>
           <a:p>
             <a:r>
-              <a:rPr lang="zh-CN" altLang="en-US" dirty="0">
-                <a:solidFill>
-                  <a:schemeClr val="bg1"/>
-                </a:solidFill>
-              </a:rPr>
-              <a:t>责任人：赵高生</a:t>
-            </a:r>
+              <a:rPr lang="en-US" altLang="zh-CN" dirty="0">
+                <a:solidFill>
+                  <a:schemeClr val="bg1"/>
+                </a:solidFill>
+              </a:rPr>
+              <a:t>1</a:t>
+            </a:r>
+            <a:r>
+              <a:rPr lang="zh-CN" altLang="zh-CN" dirty="0">
+                <a:solidFill>
+                  <a:schemeClr val="bg1"/>
+                </a:solidFill>
+              </a:rPr>
+              <a:t>、最后在发布之前进行评审，文档内容格式为宋体，小四字号。</a:t>
+            </a:r>
+          </a:p>
+          <a:p>
+            <a:r>
+              <a:rPr lang="en-US" altLang="zh-CN" dirty="0">
+                <a:solidFill>
+                  <a:schemeClr val="bg1"/>
+                </a:solidFill>
+              </a:rPr>
+              <a:t>2</a:t>
+            </a:r>
+            <a:r>
+              <a:rPr lang="zh-CN" altLang="zh-CN" dirty="0">
+                <a:solidFill>
+                  <a:schemeClr val="bg1"/>
+                </a:solidFill>
+              </a:rPr>
+              <a:t>、用户满意</a:t>
+            </a:r>
+          </a:p>
+          <a:p>
+            <a:endParaRPr lang="zh-CN" altLang="en-US" dirty="0"/>
           </a:p>
         </p:txBody>
       </p:sp>
     </p:spTree>
     <p:extLst>
       <p:ext uri="{BB962C8B-B14F-4D97-AF65-F5344CB8AC3E}">
-        <p14:creationId xmlns:p14="http://schemas.microsoft.com/office/powerpoint/2010/main" val="2067432523"/>
-      </p:ext>
-    </p:extLst>
-  </p:cSld>
-  <p:clrMapOvr>
-    <a:masterClrMapping/>
-  </p:clrMapOvr>
-</p:sld>
-</file>
-
-<file path=ppt/slides/slide26.xml><?xml version="1.0" encoding="utf-8"?>
-<p:sld xmlns:a="http://schemas.openxmlformats.org/drawingml/2006/main" xmlns:r="http://schemas.openxmlformats.org/officeDocument/2006/relationships" xmlns:p="http://schemas.openxmlformats.org/presentationml/2006/main">
-  <p:cSld>
-    <p:spTree>
-      <p:nvGrpSpPr>
-        <p:cNvPr id="1" name=""/>
-        <p:cNvGrpSpPr/>
-        <p:nvPr/>
-      </p:nvGrpSpPr>
-      <p:grpSpPr>
-        <a:xfrm>
-          <a:off x="0" y="0"/>
-          <a:ext cx="0" cy="0"/>
-          <a:chOff x="0" y="0"/>
-          <a:chExt cx="0" cy="0"/>
-        </a:xfrm>
-      </p:grpSpPr>
-      <p:graphicFrame>
-        <p:nvGraphicFramePr>
-          <p:cNvPr id="4" name="内容占位符 3">
-            <a:extLst>
-              <a:ext uri="{FF2B5EF4-FFF2-40B4-BE49-F238E27FC236}">
-                <a16:creationId xmlns:a16="http://schemas.microsoft.com/office/drawing/2014/main" id="{BEA34BFB-9653-492C-BDE5-48A6E5FE04F3}"/>
-              </a:ext>
-            </a:extLst>
-          </p:cNvPr>
-          <p:cNvGraphicFramePr>
-            <a:graphicFrameLocks noGrp="1"/>
-          </p:cNvGraphicFramePr>
-          <p:nvPr>
-            <p:ph idx="1"/>
-            <p:extLst>
-              <p:ext uri="{D42A27DB-BD31-4B8C-83A1-F6EECF244321}">
-                <p14:modId xmlns:p14="http://schemas.microsoft.com/office/powerpoint/2010/main" val="2125959745"/>
-              </p:ext>
-            </p:extLst>
-          </p:nvPr>
-        </p:nvGraphicFramePr>
-        <p:xfrm>
-          <a:off x="611560" y="836712"/>
-          <a:ext cx="7920880" cy="4176464"/>
-        </p:xfrm>
-        <a:graphic>
-          <a:graphicData uri="http://schemas.openxmlformats.org/drawingml/2006/table">
-            <a:tbl>
-              <a:tblPr firstRow="1" firstCol="1" bandRow="1">
-                <a:tableStyleId>{5C22544A-7EE6-4342-B048-85BDC9FD1C3A}</a:tableStyleId>
-              </a:tblPr>
-              <a:tblGrid>
-                <a:gridCol w="2448272">
-                  <a:extLst>
-                    <a:ext uri="{9D8B030D-6E8A-4147-A177-3AD203B41FA5}">
-                      <a16:colId xmlns:a16="http://schemas.microsoft.com/office/drawing/2014/main" val="3007329216"/>
-                    </a:ext>
-                  </a:extLst>
-                </a:gridCol>
-                <a:gridCol w="5472608">
-                  <a:extLst>
-                    <a:ext uri="{9D8B030D-6E8A-4147-A177-3AD203B41FA5}">
-                      <a16:colId xmlns:a16="http://schemas.microsoft.com/office/drawing/2014/main" val="2917386158"/>
-                    </a:ext>
-                  </a:extLst>
-                </a:gridCol>
-              </a:tblGrid>
-              <a:tr h="3341171">
-                <a:tc>
-                  <a:txBody>
-                    <a:bodyPr/>
-                    <a:lstStyle/>
-                    <a:p>
-                      <a:pPr algn="just">
-                        <a:spcAft>
-                          <a:spcPts val="0"/>
-                        </a:spcAft>
-                      </a:pPr>
-                      <a:r>
-                        <a:rPr lang="zh-CN" sz="1600" kern="100">
-                          <a:effectLst/>
-                        </a:rPr>
-                        <a:t>游客需求合格标准</a:t>
-                      </a:r>
-                      <a:endParaRPr lang="zh-CN" sz="1600" kern="100">
-                        <a:effectLst/>
-                        <a:latin typeface="Cambria" panose="02040503050406030204" pitchFamily="18" charset="0"/>
-                        <a:ea typeface="宋体" panose="02010600030101010101" pitchFamily="2" charset="-122"/>
-                        <a:cs typeface="Times New Roman" panose="02020603050405020304" pitchFamily="18" charset="0"/>
-                      </a:endParaRPr>
-                    </a:p>
-                  </a:txBody>
-                  <a:tcPr marL="68580" marR="68580" marT="0" marB="0"/>
-                </a:tc>
-                <a:tc>
-                  <a:txBody>
-                    <a:bodyPr/>
-                    <a:lstStyle/>
-                    <a:p>
-                      <a:pPr algn="just">
-                        <a:spcAft>
-                          <a:spcPts val="0"/>
-                        </a:spcAft>
-                        <a:tabLst>
-                          <a:tab pos="476885" algn="l"/>
-                        </a:tabLst>
-                      </a:pPr>
-                      <a:r>
-                        <a:rPr lang="zh-CN" sz="1600" kern="100" dirty="0">
-                          <a:effectLst/>
-                        </a:rPr>
-                        <a:t>1网站提供项目管理,需求工程,对象建模，以及软件工程相关课程、还有老师的详细介绍，并放在网站显著位置。</a:t>
-                      </a:r>
-                    </a:p>
-                    <a:p>
-                      <a:pPr algn="just">
-                        <a:spcAft>
-                          <a:spcPts val="0"/>
-                        </a:spcAft>
-                        <a:tabLst>
-                          <a:tab pos="476885" algn="l"/>
-                        </a:tabLst>
-                      </a:pPr>
-                      <a:r>
-                        <a:rPr lang="zh-CN" sz="1600" kern="100" dirty="0">
-                          <a:effectLst/>
-                        </a:rPr>
-                        <a:t>2相关链接(含学校选课系统，以及需求相关主题网站)。</a:t>
-                      </a:r>
-                    </a:p>
-                    <a:p>
-                      <a:pPr algn="just">
-                        <a:spcAft>
-                          <a:spcPts val="0"/>
-                        </a:spcAft>
-                        <a:tabLst>
-                          <a:tab pos="476885" algn="l"/>
-                        </a:tabLst>
-                      </a:pPr>
-                      <a:r>
-                        <a:rPr lang="zh-CN" sz="1600" kern="100" dirty="0">
-                          <a:effectLst/>
-                        </a:rPr>
-                        <a:t>3网站允许游客可以针对网站内容留言(如提供留言板的功能，留言者有EMAIL可选项，用于信息反馈)。</a:t>
-                      </a:r>
-                    </a:p>
-                    <a:p>
-                      <a:pPr algn="just">
-                        <a:spcAft>
-                          <a:spcPts val="0"/>
-                        </a:spcAft>
-                        <a:tabLst>
-                          <a:tab pos="476885" algn="l"/>
-                        </a:tabLst>
-                      </a:pPr>
-                      <a:r>
-                        <a:rPr lang="zh-CN" sz="1600" kern="100" dirty="0">
-                          <a:effectLst/>
-                        </a:rPr>
-                        <a:t>4网站管理员不随便删除游客留言。</a:t>
-                      </a:r>
-                    </a:p>
-                    <a:p>
-                      <a:pPr algn="just">
-                        <a:spcAft>
-                          <a:spcPts val="0"/>
-                        </a:spcAft>
-                      </a:pPr>
-                      <a:r>
-                        <a:rPr lang="en-US" sz="1600" kern="100" dirty="0">
-                          <a:effectLst/>
-                        </a:rPr>
-                        <a:t> </a:t>
-                      </a:r>
-                      <a:endParaRPr lang="zh-CN" sz="1600" kern="100" dirty="0">
-                        <a:effectLst/>
-                        <a:latin typeface="Cambria" panose="02040503050406030204" pitchFamily="18" charset="0"/>
-                        <a:ea typeface="宋体" panose="02010600030101010101" pitchFamily="2" charset="-122"/>
-                        <a:cs typeface="Times New Roman" panose="02020603050405020304" pitchFamily="18" charset="0"/>
-                      </a:endParaRPr>
-                    </a:p>
-                  </a:txBody>
-                  <a:tcPr marL="68580" marR="68580" marT="0" marB="0"/>
-                </a:tc>
-                <a:extLst>
-                  <a:ext uri="{0D108BD9-81ED-4DB2-BD59-A6C34878D82A}">
-                    <a16:rowId xmlns:a16="http://schemas.microsoft.com/office/drawing/2014/main" val="1055136141"/>
-                  </a:ext>
-                </a:extLst>
-              </a:tr>
-              <a:tr h="835293">
-                <a:tc>
-                  <a:txBody>
-                    <a:bodyPr/>
-                    <a:lstStyle/>
-                    <a:p>
-                      <a:pPr algn="just">
-                        <a:spcAft>
-                          <a:spcPts val="0"/>
-                        </a:spcAft>
-                      </a:pPr>
-                      <a:r>
-                        <a:rPr lang="zh-CN" sz="1600" kern="100">
-                          <a:effectLst/>
-                        </a:rPr>
-                        <a:t>特定的法律或规定或者合同条款</a:t>
-                      </a:r>
-                      <a:endParaRPr lang="zh-CN" sz="1600" kern="100">
-                        <a:effectLst/>
-                        <a:latin typeface="Cambria" panose="02040503050406030204" pitchFamily="18" charset="0"/>
-                        <a:ea typeface="宋体" panose="02010600030101010101" pitchFamily="2" charset="-122"/>
-                        <a:cs typeface="Times New Roman" panose="02020603050405020304" pitchFamily="18" charset="0"/>
-                      </a:endParaRPr>
-                    </a:p>
-                  </a:txBody>
-                  <a:tcPr marL="68580" marR="68580" marT="0" marB="0"/>
-                </a:tc>
-                <a:tc>
-                  <a:txBody>
-                    <a:bodyPr/>
-                    <a:lstStyle/>
-                    <a:p>
-                      <a:pPr algn="just">
-                        <a:spcAft>
-                          <a:spcPts val="0"/>
-                        </a:spcAft>
-                      </a:pPr>
-                      <a:r>
-                        <a:rPr lang="zh-CN" sz="1600" kern="100" dirty="0">
-                          <a:effectLst/>
-                        </a:rPr>
-                        <a:t>相关教学资料属于正版教学资料，遵守法律的相关机构的规定</a:t>
-                      </a:r>
-                      <a:endParaRPr lang="zh-CN" sz="1600" kern="100" dirty="0">
-                        <a:effectLst/>
-                        <a:latin typeface="Cambria" panose="02040503050406030204" pitchFamily="18" charset="0"/>
-                        <a:ea typeface="宋体" panose="02010600030101010101" pitchFamily="2" charset="-122"/>
-                        <a:cs typeface="Times New Roman" panose="02020603050405020304" pitchFamily="18" charset="0"/>
-                      </a:endParaRPr>
-                    </a:p>
-                  </a:txBody>
-                  <a:tcPr marL="68580" marR="68580" marT="0" marB="0"/>
-                </a:tc>
-                <a:extLst>
-                  <a:ext uri="{0D108BD9-81ED-4DB2-BD59-A6C34878D82A}">
-                    <a16:rowId xmlns:a16="http://schemas.microsoft.com/office/drawing/2014/main" val="3596187306"/>
-                  </a:ext>
-                </a:extLst>
-              </a:tr>
-            </a:tbl>
-          </a:graphicData>
-        </a:graphic>
-      </p:graphicFrame>
-      <p:sp>
-        <p:nvSpPr>
-          <p:cNvPr id="5" name="文本框 4">
-            <a:extLst>
-              <a:ext uri="{FF2B5EF4-FFF2-40B4-BE49-F238E27FC236}">
-                <a16:creationId xmlns:a16="http://schemas.microsoft.com/office/drawing/2014/main" id="{630A52CA-2BED-4B7A-960D-11F224AE7494}"/>
-              </a:ext>
-            </a:extLst>
-          </p:cNvPr>
-          <p:cNvSpPr txBox="1"/>
-          <p:nvPr/>
-        </p:nvSpPr>
-        <p:spPr>
-          <a:xfrm>
-            <a:off x="7038668" y="6404452"/>
-            <a:ext cx="2105332" cy="369332"/>
-          </a:xfrm>
-          <a:prstGeom prst="rect">
-            <a:avLst/>
-          </a:prstGeom>
-          <a:noFill/>
-        </p:spPr>
-        <p:txBody>
-          <a:bodyPr wrap="square" rtlCol="0">
-            <a:spAutoFit/>
-          </a:bodyPr>
-          <a:lstStyle/>
-          <a:p>
-            <a:r>
-              <a:rPr lang="zh-CN" altLang="en-US" dirty="0">
-                <a:solidFill>
-                  <a:schemeClr val="bg1"/>
-                </a:solidFill>
-              </a:rPr>
-              <a:t>责任人：赵高生</a:t>
-            </a:r>
-          </a:p>
-        </p:txBody>
-      </p:sp>
-    </p:spTree>
-    <p:extLst>
-      <p:ext uri="{BB962C8B-B14F-4D97-AF65-F5344CB8AC3E}">
-        <p14:creationId xmlns:p14="http://schemas.microsoft.com/office/powerpoint/2010/main" val="3615314284"/>
+        <p14:creationId xmlns:p14="http://schemas.microsoft.com/office/powerpoint/2010/main" val="1346903193"/>
       </p:ext>
     </p:extLst>
   </p:cSld>
@@ -16500,7 +15516,7 @@
           <p:cNvPr id="2" name="标题 1">
             <a:extLst>
               <a:ext uri="{FF2B5EF4-FFF2-40B4-BE49-F238E27FC236}">
-                <a16:creationId xmlns:a16="http://schemas.microsoft.com/office/drawing/2014/main" id="{B0AF7AE4-A2CF-4C90-B3D7-9A1DEFA2C569}"/>
+                <a16:creationId xmlns:a16="http://schemas.microsoft.com/office/drawing/2014/main" id="{D4FD4AF4-9903-4F7D-A791-C285339EC37A}"/>
               </a:ext>
             </a:extLst>
           </p:cNvPr>
@@ -16511,148 +15527,128 @@
             <p:ph type="title"/>
           </p:nvPr>
         </p:nvSpPr>
-        <p:spPr>
-          <a:xfrm>
-            <a:off x="457200" y="255976"/>
-            <a:ext cx="8229600" cy="724752"/>
-          </a:xfrm>
-        </p:spPr>
+        <p:spPr/>
         <p:txBody>
-          <a:bodyPr>
-            <a:normAutofit fontScale="90000"/>
-          </a:bodyPr>
+          <a:bodyPr/>
           <a:lstStyle/>
           <a:p>
             <a:r>
-              <a:rPr lang="en-US" altLang="zh-CN" dirty="0">
-                <a:solidFill>
-                  <a:schemeClr val="bg1"/>
-                </a:solidFill>
-              </a:rPr>
-              <a:t>1</a:t>
-            </a:r>
-            <a:r>
               <a:rPr lang="zh-CN" altLang="en-US" dirty="0">
                 <a:solidFill>
                   <a:schemeClr val="bg1"/>
                 </a:solidFill>
               </a:rPr>
-              <a:t>、需求概述</a:t>
+              <a:t>概述</a:t>
             </a:r>
           </a:p>
         </p:txBody>
       </p:sp>
       <p:sp>
         <p:nvSpPr>
-          <p:cNvPr id="6" name="文本框 5">
+          <p:cNvPr id="3" name="内容占位符 2">
             <a:extLst>
               <a:ext uri="{FF2B5EF4-FFF2-40B4-BE49-F238E27FC236}">
-                <a16:creationId xmlns:a16="http://schemas.microsoft.com/office/drawing/2014/main" id="{A98F1ABD-0DD8-4D19-9E78-979B7F2FE0DD}"/>
+                <a16:creationId xmlns:a16="http://schemas.microsoft.com/office/drawing/2014/main" id="{5ED47925-33B9-4529-84D1-04E9B7F9A60B}"/>
               </a:ext>
             </a:extLst>
           </p:cNvPr>
-          <p:cNvSpPr txBox="1"/>
-          <p:nvPr/>
+          <p:cNvSpPr>
+            <a:spLocks noGrp="1"/>
+          </p:cNvSpPr>
+          <p:nvPr>
+            <p:ph idx="1"/>
+          </p:nvPr>
         </p:nvSpPr>
-        <p:spPr>
-          <a:xfrm>
-            <a:off x="7452320" y="6427702"/>
-            <a:ext cx="2105332" cy="369332"/>
-          </a:xfrm>
-          <a:prstGeom prst="rect">
-            <a:avLst/>
-          </a:prstGeom>
-          <a:noFill/>
-        </p:spPr>
+        <p:spPr/>
         <p:txBody>
-          <a:bodyPr wrap="square" rtlCol="0">
-            <a:spAutoFit/>
+          <a:bodyPr>
+            <a:normAutofit/>
           </a:bodyPr>
           <a:lstStyle/>
           <a:p>
             <a:r>
-              <a:rPr lang="zh-CN" altLang="en-US" dirty="0">
-                <a:solidFill>
-                  <a:schemeClr val="bg1"/>
-                </a:solidFill>
-              </a:rPr>
-              <a:t>责任人：吴桐</a:t>
+              <a:rPr lang="zh-CN" altLang="zh-CN" dirty="0">
+                <a:solidFill>
+                  <a:schemeClr val="bg1"/>
+                </a:solidFill>
+              </a:rPr>
+              <a:t>因一款专门针对一门新开的大学课程和一位专门的教师；又为学生之间提供交流平台的网站而形成的需求工程计划</a:t>
             </a:r>
           </a:p>
-        </p:txBody>
-      </p:sp>
-      <p:pic>
-        <p:nvPicPr>
-          <p:cNvPr id="8" name="图片 7">
-            <a:extLst>
-              <a:ext uri="{FF2B5EF4-FFF2-40B4-BE49-F238E27FC236}">
-                <a16:creationId xmlns:a16="http://schemas.microsoft.com/office/drawing/2014/main" id="{CFFDD250-97F8-4523-B051-547495A13C52}"/>
-              </a:ext>
-            </a:extLst>
-          </p:cNvPr>
-          <p:cNvPicPr>
-            <a:picLocks noChangeAspect="1"/>
-          </p:cNvPicPr>
-          <p:nvPr/>
-        </p:nvPicPr>
-        <p:blipFill>
-          <a:blip r:embed="rId2">
-            <a:extLst>
-              <a:ext uri="{28A0092B-C50C-407E-A947-70E740481C1C}">
-                <a14:useLocalDpi xmlns:a14="http://schemas.microsoft.com/office/drawing/2010/main" val="0"/>
-              </a:ext>
-            </a:extLst>
-          </a:blip>
-          <a:stretch>
-            <a:fillRect/>
-          </a:stretch>
-        </p:blipFill>
-        <p:spPr>
-          <a:xfrm>
-            <a:off x="-108520" y="1124744"/>
-            <a:ext cx="9377728" cy="5112568"/>
-          </a:xfrm>
-          <a:prstGeom prst="rect">
-            <a:avLst/>
-          </a:prstGeom>
-        </p:spPr>
-      </p:pic>
-      <p:sp>
-        <p:nvSpPr>
-          <p:cNvPr id="9" name="TextBox 4">
-            <a:extLst>
-              <a:ext uri="{FF2B5EF4-FFF2-40B4-BE49-F238E27FC236}">
-                <a16:creationId xmlns:a16="http://schemas.microsoft.com/office/drawing/2014/main" id="{1F5A3034-BDAB-4D85-BFEB-FB8B8FC3B90B}"/>
-              </a:ext>
-            </a:extLst>
-          </p:cNvPr>
-          <p:cNvSpPr txBox="1"/>
-          <p:nvPr/>
-        </p:nvSpPr>
-        <p:spPr>
-          <a:xfrm>
-            <a:off x="2393141" y="6381328"/>
-            <a:ext cx="4357718" cy="369332"/>
-          </a:xfrm>
-          <a:prstGeom prst="rect">
-            <a:avLst/>
-          </a:prstGeom>
-          <a:noFill/>
-        </p:spPr>
-        <p:txBody>
-          <a:bodyPr wrap="square" rtlCol="0">
-            <a:spAutoFit/>
-          </a:bodyPr>
-          <a:lstStyle/>
           <a:p>
-            <a:pPr algn="ctr"/>
-            <a:r>
-              <a:rPr lang="en-US" altLang="zh-CN" dirty="0">
-                <a:solidFill>
-                  <a:schemeClr val="bg1"/>
-                </a:solidFill>
-              </a:rPr>
-              <a:t>WBS</a:t>
+            <a:r>
+              <a:rPr lang="zh-CN" altLang="zh-CN" sz="2600" dirty="0">
+                <a:solidFill>
+                  <a:schemeClr val="bg1"/>
+                </a:solidFill>
+              </a:rPr>
+              <a:t>待开发软件系统的名称：软件工程系列课程教学辅助网站</a:t>
+            </a:r>
+            <a:br>
+              <a:rPr lang="en-US" altLang="zh-CN" sz="2600" dirty="0">
+                <a:solidFill>
+                  <a:schemeClr val="bg1"/>
+                </a:solidFill>
+              </a:rPr>
+            </a:br>
+            <a:r>
+              <a:rPr lang="zh-CN" altLang="zh-CN" sz="2600" dirty="0">
+                <a:solidFill>
+                  <a:schemeClr val="bg1"/>
+                </a:solidFill>
+              </a:rPr>
+              <a:t>本项目的任务提出者：侯宏仑、杨枨 </a:t>
+            </a:r>
+          </a:p>
+          <a:p>
+            <a:r>
+              <a:rPr lang="zh-CN" altLang="zh-CN" sz="2600" dirty="0">
+                <a:solidFill>
+                  <a:schemeClr val="bg1"/>
+                </a:solidFill>
+              </a:rPr>
+              <a:t>开发人员：吴桐 尹健瑾 赵高生 袁泽成 邬立东</a:t>
+            </a:r>
+          </a:p>
+          <a:p>
+            <a:r>
+              <a:rPr lang="zh-CN" altLang="zh-CN" sz="2400" dirty="0">
+                <a:solidFill>
+                  <a:schemeClr val="bg1"/>
+                </a:solidFill>
+              </a:rPr>
+              <a:t>用户：游客，学生，老师</a:t>
+            </a:r>
+            <a:r>
+              <a:rPr lang="en-US" altLang="zh-CN" sz="2400" dirty="0">
+                <a:solidFill>
+                  <a:schemeClr val="bg1"/>
+                </a:solidFill>
+              </a:rPr>
+              <a:t>  </a:t>
+            </a:r>
+            <a:r>
+              <a:rPr lang="zh-CN" altLang="zh-CN" sz="2400" dirty="0">
+                <a:solidFill>
+                  <a:schemeClr val="bg1"/>
+                </a:solidFill>
+              </a:rPr>
+              <a:t>及管理员；</a:t>
+            </a:r>
+            <a:br>
+              <a:rPr lang="en-US" altLang="zh-CN" sz="2600" dirty="0">
+                <a:solidFill>
+                  <a:schemeClr val="bg1"/>
+                </a:solidFill>
+              </a:rPr>
+            </a:br>
+            <a:r>
+              <a:rPr lang="zh-CN" altLang="zh-CN" sz="2600" dirty="0">
+                <a:solidFill>
+                  <a:schemeClr val="bg1"/>
+                </a:solidFill>
+              </a:rPr>
+              <a:t>　　</a:t>
             </a:r>
             <a:endParaRPr lang="zh-CN" altLang="en-US" dirty="0">
               <a:solidFill>
@@ -16665,7 +15661,7 @@
     </p:spTree>
     <p:extLst>
       <p:ext uri="{BB962C8B-B14F-4D97-AF65-F5344CB8AC3E}">
-        <p14:creationId xmlns:p14="http://schemas.microsoft.com/office/powerpoint/2010/main" val="1291152795"/>
+        <p14:creationId xmlns:p14="http://schemas.microsoft.com/office/powerpoint/2010/main" val="1507362676"/>
       </p:ext>
     </p:extLst>
   </p:cSld>
@@ -17909,14 +16905,14 @@
           <p:nvPr>
             <p:extLst>
               <p:ext uri="{D42A27DB-BD31-4B8C-83A1-F6EECF244321}">
-                <p14:modId xmlns:p14="http://schemas.microsoft.com/office/powerpoint/2010/main" val="3060082937"/>
+                <p14:modId xmlns:p14="http://schemas.microsoft.com/office/powerpoint/2010/main" val="1985455386"/>
               </p:ext>
             </p:extLst>
           </p:nvPr>
         </p:nvGraphicFramePr>
         <p:xfrm>
-          <a:off x="971600" y="1143000"/>
-          <a:ext cx="7344816" cy="4446240"/>
+          <a:off x="500034" y="1143000"/>
+          <a:ext cx="8229600" cy="4878290"/>
         </p:xfrm>
         <a:graphic>
           <a:graphicData uri="http://schemas.openxmlformats.org/drawingml/2006/table">
@@ -17925,14 +16921,14 @@
                 <a:tableStyleId>{5C22544A-7EE6-4342-B048-85BDC9FD1C3A}</a:tableStyleId>
               </a:tblPr>
               <a:tblGrid>
-                <a:gridCol w="3672408">
+                <a:gridCol w="4114800">
                   <a:extLst>
                     <a:ext uri="{9D8B030D-6E8A-4147-A177-3AD203B41FA5}">
                       <a16:colId xmlns:a16="http://schemas.microsoft.com/office/drawing/2014/main" val="2015368324"/>
                     </a:ext>
                   </a:extLst>
                 </a:gridCol>
-                <a:gridCol w="3672408">
+                <a:gridCol w="4114800">
                   <a:extLst>
                     <a:ext uri="{9D8B030D-6E8A-4147-A177-3AD203B41FA5}">
                       <a16:colId xmlns:a16="http://schemas.microsoft.com/office/drawing/2014/main" val="2635207553"/>
@@ -17940,7 +16936,7 @@
                   </a:extLst>
                 </a:gridCol>
               </a:tblGrid>
-              <a:tr h="463866">
+              <a:tr h="508941">
                 <a:tc>
                   <a:txBody>
                     <a:bodyPr/>
@@ -17999,7 +16995,7 @@
                   </a:ext>
                 </a:extLst>
               </a:tr>
-              <a:tr h="1199178">
+              <a:tr h="1315704">
                 <a:tc>
                   <a:txBody>
                     <a:bodyPr/>
@@ -18095,7 +17091,7 @@
                   </a:ext>
                 </a:extLst>
               </a:tr>
-              <a:tr h="463866">
+              <a:tr h="508941">
                 <a:tc>
                   <a:txBody>
                     <a:bodyPr/>
@@ -18154,7 +17150,7 @@
                   </a:ext>
                 </a:extLst>
               </a:tr>
-              <a:tr h="463866">
+              <a:tr h="508941">
                 <a:tc>
                   <a:txBody>
                     <a:bodyPr/>
@@ -18213,7 +17209,7 @@
                   </a:ext>
                 </a:extLst>
               </a:tr>
-              <a:tr h="463866">
+              <a:tr h="508941">
                 <a:tc>
                   <a:txBody>
                     <a:bodyPr/>
@@ -18272,7 +17268,7 @@
                   </a:ext>
                 </a:extLst>
               </a:tr>
-              <a:tr h="927732">
+              <a:tr h="1017881">
                 <a:tc>
                   <a:txBody>
                     <a:bodyPr/>
@@ -18331,7 +17327,7 @@
                   </a:ext>
                 </a:extLst>
               </a:tr>
-              <a:tr h="463866">
+              <a:tr h="508941">
                 <a:tc>
                   <a:txBody>
                     <a:bodyPr/>
@@ -19376,590 +18372,664 @@
         <p:spPr/>
         <p:txBody>
           <a:bodyPr>
-            <a:normAutofit fontScale="62500" lnSpcReduction="20000"/>
+            <a:normAutofit fontScale="92500" lnSpcReduction="10000"/>
           </a:bodyPr>
           <a:lstStyle/>
           <a:p>
             <a:r>
-              <a:rPr lang="zh-CN" altLang="en-US" dirty="0">
-                <a:solidFill>
-                  <a:schemeClr val="bg1"/>
-                </a:solidFill>
+              <a:rPr lang="zh-CN" altLang="en-US" sz="2000" dirty="0">
+                <a:solidFill>
+                  <a:schemeClr val="bg1"/>
+                </a:solidFill>
+                <a:latin typeface="+mn-ea"/>
               </a:rPr>
               <a:t>分工内容：详见每页</a:t>
             </a:r>
             <a:r>
-              <a:rPr lang="en-US" altLang="zh-CN" dirty="0">
-                <a:solidFill>
-                  <a:schemeClr val="bg1"/>
-                </a:solidFill>
+              <a:rPr lang="en-US" altLang="zh-CN" sz="2000" dirty="0">
+                <a:solidFill>
+                  <a:schemeClr val="bg1"/>
+                </a:solidFill>
+                <a:latin typeface="+mn-ea"/>
               </a:rPr>
               <a:t>PPT</a:t>
             </a:r>
             <a:r>
-              <a:rPr lang="zh-CN" altLang="en-US" dirty="0">
-                <a:solidFill>
-                  <a:schemeClr val="bg1"/>
-                </a:solidFill>
+              <a:rPr lang="zh-CN" altLang="en-US" sz="2000" dirty="0">
+                <a:solidFill>
+                  <a:schemeClr val="bg1"/>
+                </a:solidFill>
+                <a:latin typeface="+mn-ea"/>
               </a:rPr>
               <a:t>右下角</a:t>
             </a:r>
-            <a:endParaRPr lang="en-US" altLang="zh-CN" dirty="0">
+            <a:endParaRPr lang="en-US" altLang="zh-CN" sz="2000" dirty="0">
               <a:solidFill>
                 <a:schemeClr val="bg1"/>
               </a:solidFill>
+              <a:latin typeface="+mn-ea"/>
             </a:endParaRPr>
           </a:p>
           <a:p>
             <a:r>
-              <a:rPr lang="zh-CN" altLang="en-US" dirty="0">
-                <a:solidFill>
-                  <a:schemeClr val="bg1"/>
-                </a:solidFill>
+              <a:rPr lang="zh-CN" altLang="en-US" sz="2000" dirty="0">
+                <a:solidFill>
+                  <a:schemeClr val="bg1"/>
+                </a:solidFill>
+                <a:latin typeface="+mn-ea"/>
               </a:rPr>
               <a:t>参考资料</a:t>
             </a:r>
-            <a:endParaRPr lang="en-US" altLang="zh-CN" dirty="0">
+            <a:endParaRPr lang="en-US" altLang="zh-CN" sz="2000" dirty="0">
               <a:solidFill>
                 <a:schemeClr val="bg1"/>
               </a:solidFill>
+              <a:latin typeface="+mn-ea"/>
             </a:endParaRPr>
           </a:p>
           <a:p>
             <a:r>
-              <a:rPr lang="en-US" altLang="zh-CN" dirty="0">
-                <a:solidFill>
-                  <a:schemeClr val="bg1"/>
-                </a:solidFill>
+              <a:rPr lang="en-US" altLang="zh-CN" sz="2000" dirty="0">
+                <a:solidFill>
+                  <a:schemeClr val="bg1"/>
+                </a:solidFill>
+                <a:latin typeface="+mn-ea"/>
               </a:rPr>
               <a:t>[</a:t>
             </a:r>
             <a:r>
-              <a:rPr lang="zh-CN" altLang="zh-CN" dirty="0">
-                <a:solidFill>
-                  <a:schemeClr val="bg1"/>
-                </a:solidFill>
+              <a:rPr lang="zh-CN" altLang="zh-CN" sz="2000" dirty="0">
+                <a:solidFill>
+                  <a:schemeClr val="bg1"/>
+                </a:solidFill>
+                <a:latin typeface="+mn-ea"/>
               </a:rPr>
               <a:t>文档格式要求按照我国</a:t>
             </a:r>
             <a:r>
-              <a:rPr lang="en-US" altLang="zh-CN" dirty="0">
-                <a:solidFill>
-                  <a:schemeClr val="bg1"/>
-                </a:solidFill>
+              <a:rPr lang="en-US" altLang="zh-CN" sz="2000" dirty="0">
+                <a:solidFill>
+                  <a:schemeClr val="bg1"/>
+                </a:solidFill>
+                <a:latin typeface="+mn-ea"/>
               </a:rPr>
               <a:t>GB856T</a:t>
             </a:r>
             <a:r>
-              <a:rPr lang="zh-CN" altLang="zh-CN" dirty="0">
-                <a:solidFill>
-                  <a:schemeClr val="bg1"/>
-                </a:solidFill>
+              <a:rPr lang="zh-CN" altLang="zh-CN" sz="2000" dirty="0">
+                <a:solidFill>
+                  <a:schemeClr val="bg1"/>
+                </a:solidFill>
+                <a:latin typeface="+mn-ea"/>
               </a:rPr>
               <a:t>——</a:t>
             </a:r>
             <a:r>
-              <a:rPr lang="en-US" altLang="zh-CN" dirty="0">
-                <a:solidFill>
-                  <a:schemeClr val="bg1"/>
-                </a:solidFill>
+              <a:rPr lang="en-US" altLang="zh-CN" sz="2000" dirty="0">
+                <a:solidFill>
+                  <a:schemeClr val="bg1"/>
+                </a:solidFill>
+                <a:latin typeface="+mn-ea"/>
               </a:rPr>
               <a:t>88</a:t>
             </a:r>
             <a:r>
-              <a:rPr lang="zh-CN" altLang="zh-CN" dirty="0">
-                <a:solidFill>
-                  <a:schemeClr val="bg1"/>
-                </a:solidFill>
+              <a:rPr lang="zh-CN" altLang="zh-CN" sz="2000" dirty="0">
+                <a:solidFill>
+                  <a:schemeClr val="bg1"/>
+                </a:solidFill>
+                <a:latin typeface="+mn-ea"/>
               </a:rPr>
               <a:t>国家标准规范要求进行。</a:t>
             </a:r>
             <a:r>
-              <a:rPr lang="en-US" altLang="zh-CN" dirty="0">
-                <a:solidFill>
-                  <a:schemeClr val="bg1"/>
-                </a:solidFill>
+              <a:rPr lang="en-US" altLang="zh-CN" sz="2000" dirty="0">
+                <a:solidFill>
+                  <a:schemeClr val="bg1"/>
+                </a:solidFill>
+                <a:latin typeface="+mn-ea"/>
               </a:rPr>
               <a:t> </a:t>
             </a:r>
-            <a:endParaRPr lang="zh-CN" altLang="zh-CN" dirty="0">
+            <a:endParaRPr lang="zh-CN" altLang="zh-CN" sz="2000" dirty="0">
               <a:solidFill>
                 <a:schemeClr val="bg1"/>
               </a:solidFill>
+              <a:latin typeface="+mn-ea"/>
             </a:endParaRPr>
           </a:p>
           <a:p>
             <a:r>
-              <a:rPr lang="zh-CN" altLang="zh-CN" dirty="0">
-                <a:solidFill>
-                  <a:schemeClr val="bg1"/>
-                </a:solidFill>
+              <a:rPr lang="zh-CN" altLang="zh-CN" sz="2000" dirty="0">
+                <a:solidFill>
+                  <a:schemeClr val="bg1"/>
+                </a:solidFill>
+                <a:latin typeface="+mn-ea"/>
               </a:rPr>
               <a:t>参考书籍包括：软件项目管理（第</a:t>
             </a:r>
             <a:r>
-              <a:rPr lang="en-US" altLang="zh-CN" dirty="0">
-                <a:solidFill>
-                  <a:schemeClr val="bg1"/>
-                </a:solidFill>
+              <a:rPr lang="en-US" altLang="zh-CN" sz="2000" dirty="0">
+                <a:solidFill>
+                  <a:schemeClr val="bg1"/>
+                </a:solidFill>
+                <a:latin typeface="+mn-ea"/>
               </a:rPr>
               <a:t>5</a:t>
             </a:r>
             <a:r>
-              <a:rPr lang="zh-CN" altLang="zh-CN" dirty="0">
-                <a:solidFill>
-                  <a:schemeClr val="bg1"/>
-                </a:solidFill>
+              <a:rPr lang="zh-CN" altLang="zh-CN" sz="2000" dirty="0">
+                <a:solidFill>
+                  <a:schemeClr val="bg1"/>
+                </a:solidFill>
+                <a:latin typeface="+mn-ea"/>
               </a:rPr>
               <a:t>版），</a:t>
             </a:r>
             <a:r>
-              <a:rPr lang="en-US" altLang="zh-CN" dirty="0">
-                <a:solidFill>
-                  <a:schemeClr val="bg1"/>
-                </a:solidFill>
+              <a:rPr lang="en-US" altLang="zh-CN" sz="2000" dirty="0">
+                <a:solidFill>
+                  <a:schemeClr val="bg1"/>
+                </a:solidFill>
+                <a:latin typeface="+mn-ea"/>
               </a:rPr>
               <a:t>Bob Hughes</a:t>
             </a:r>
             <a:r>
-              <a:rPr lang="zh-CN" altLang="zh-CN" dirty="0">
-                <a:solidFill>
-                  <a:schemeClr val="bg1"/>
-                </a:solidFill>
+              <a:rPr lang="zh-CN" altLang="zh-CN" sz="2000" dirty="0">
+                <a:solidFill>
+                  <a:schemeClr val="bg1"/>
+                </a:solidFill>
+                <a:latin typeface="+mn-ea"/>
               </a:rPr>
               <a:t>、</a:t>
             </a:r>
             <a:r>
-              <a:rPr lang="en-US" altLang="zh-CN" dirty="0">
-                <a:solidFill>
-                  <a:schemeClr val="bg1"/>
-                </a:solidFill>
+              <a:rPr lang="en-US" altLang="zh-CN" sz="2000" dirty="0">
+                <a:solidFill>
+                  <a:schemeClr val="bg1"/>
+                </a:solidFill>
+                <a:latin typeface="+mn-ea"/>
               </a:rPr>
               <a:t>Mike </a:t>
             </a:r>
             <a:r>
-              <a:rPr lang="en-US" altLang="zh-CN" dirty="0" err="1">
-                <a:solidFill>
-                  <a:schemeClr val="bg1"/>
-                </a:solidFill>
+              <a:rPr lang="en-US" altLang="zh-CN" sz="2000" dirty="0" err="1">
+                <a:solidFill>
+                  <a:schemeClr val="bg1"/>
+                </a:solidFill>
+                <a:latin typeface="+mn-ea"/>
               </a:rPr>
               <a:t>Cotterell</a:t>
             </a:r>
             <a:r>
-              <a:rPr lang="zh-CN" altLang="zh-CN" dirty="0">
-                <a:solidFill>
-                  <a:schemeClr val="bg1"/>
-                </a:solidFill>
+              <a:rPr lang="zh-CN" altLang="zh-CN" sz="2000" dirty="0">
+                <a:solidFill>
+                  <a:schemeClr val="bg1"/>
+                </a:solidFill>
+                <a:latin typeface="+mn-ea"/>
               </a:rPr>
               <a:t>著，廖彬山、周卫华 译，机械工业出版社，</a:t>
             </a:r>
             <a:r>
-              <a:rPr lang="en-US" altLang="zh-CN" dirty="0">
-                <a:solidFill>
-                  <a:schemeClr val="bg1"/>
-                </a:solidFill>
+              <a:rPr lang="en-US" altLang="zh-CN" sz="2000" dirty="0">
+                <a:solidFill>
+                  <a:schemeClr val="bg1"/>
+                </a:solidFill>
+                <a:latin typeface="+mn-ea"/>
               </a:rPr>
               <a:t>2010</a:t>
             </a:r>
-            <a:endParaRPr lang="zh-CN" altLang="zh-CN" dirty="0">
+            <a:endParaRPr lang="zh-CN" altLang="zh-CN" sz="2000" dirty="0">
               <a:solidFill>
                 <a:schemeClr val="bg1"/>
               </a:solidFill>
+              <a:latin typeface="+mn-ea"/>
             </a:endParaRPr>
           </a:p>
           <a:p>
             <a:r>
-              <a:rPr lang="zh-CN" altLang="zh-CN" dirty="0">
-                <a:solidFill>
-                  <a:schemeClr val="bg1"/>
-                </a:solidFill>
+              <a:rPr lang="zh-CN" altLang="zh-CN" sz="2000" dirty="0">
+                <a:solidFill>
+                  <a:schemeClr val="bg1"/>
+                </a:solidFill>
+                <a:latin typeface="+mn-ea"/>
               </a:rPr>
               <a:t>软件需求（第</a:t>
             </a:r>
             <a:r>
-              <a:rPr lang="en-US" altLang="zh-CN" dirty="0">
-                <a:solidFill>
-                  <a:schemeClr val="bg1"/>
-                </a:solidFill>
+              <a:rPr lang="en-US" altLang="zh-CN" sz="2000" dirty="0">
+                <a:solidFill>
+                  <a:schemeClr val="bg1"/>
+                </a:solidFill>
+                <a:latin typeface="+mn-ea"/>
               </a:rPr>
               <a:t>3</a:t>
             </a:r>
             <a:r>
-              <a:rPr lang="zh-CN" altLang="zh-CN" dirty="0">
-                <a:solidFill>
-                  <a:schemeClr val="bg1"/>
-                </a:solidFill>
+              <a:rPr lang="zh-CN" altLang="zh-CN" sz="2000" dirty="0">
+                <a:solidFill>
+                  <a:schemeClr val="bg1"/>
+                </a:solidFill>
+                <a:latin typeface="+mn-ea"/>
               </a:rPr>
               <a:t>版），</a:t>
             </a:r>
             <a:r>
-              <a:rPr lang="en-US" altLang="zh-CN" dirty="0">
-                <a:solidFill>
-                  <a:schemeClr val="bg1"/>
-                </a:solidFill>
+              <a:rPr lang="en-US" altLang="zh-CN" sz="2000" dirty="0">
+                <a:solidFill>
+                  <a:schemeClr val="bg1"/>
+                </a:solidFill>
+                <a:latin typeface="+mn-ea"/>
               </a:rPr>
               <a:t>Karl </a:t>
             </a:r>
             <a:r>
-              <a:rPr lang="en-US" altLang="zh-CN" dirty="0" err="1">
-                <a:solidFill>
-                  <a:schemeClr val="bg1"/>
-                </a:solidFill>
+              <a:rPr lang="en-US" altLang="zh-CN" sz="2000" dirty="0" err="1">
+                <a:solidFill>
+                  <a:schemeClr val="bg1"/>
+                </a:solidFill>
+                <a:latin typeface="+mn-ea"/>
               </a:rPr>
               <a:t>Wiegers</a:t>
             </a:r>
             <a:r>
-              <a:rPr lang="zh-CN" altLang="zh-CN" dirty="0">
-                <a:solidFill>
-                  <a:schemeClr val="bg1"/>
-                </a:solidFill>
+              <a:rPr lang="zh-CN" altLang="zh-CN" sz="2000" dirty="0">
+                <a:solidFill>
+                  <a:schemeClr val="bg1"/>
+                </a:solidFill>
+                <a:latin typeface="+mn-ea"/>
               </a:rPr>
               <a:t>、</a:t>
             </a:r>
             <a:r>
-              <a:rPr lang="en-US" altLang="zh-CN" dirty="0">
-                <a:solidFill>
-                  <a:schemeClr val="bg1"/>
-                </a:solidFill>
+              <a:rPr lang="en-US" altLang="zh-CN" sz="2000" dirty="0">
+                <a:solidFill>
+                  <a:schemeClr val="bg1"/>
+                </a:solidFill>
+                <a:latin typeface="+mn-ea"/>
               </a:rPr>
               <a:t>Joy Beatty</a:t>
             </a:r>
             <a:r>
-              <a:rPr lang="zh-CN" altLang="zh-CN" dirty="0">
-                <a:solidFill>
-                  <a:schemeClr val="bg1"/>
-                </a:solidFill>
+              <a:rPr lang="zh-CN" altLang="zh-CN" sz="2000" dirty="0">
+                <a:solidFill>
+                  <a:schemeClr val="bg1"/>
+                </a:solidFill>
+                <a:latin typeface="+mn-ea"/>
               </a:rPr>
               <a:t>著，李忠利、李淳、霍金健、孔晨辉 译，清华大学出版，</a:t>
             </a:r>
             <a:r>
-              <a:rPr lang="en-US" altLang="zh-CN" dirty="0">
-                <a:solidFill>
-                  <a:schemeClr val="bg1"/>
-                </a:solidFill>
+              <a:rPr lang="en-US" altLang="zh-CN" sz="2000" dirty="0">
+                <a:solidFill>
+                  <a:schemeClr val="bg1"/>
+                </a:solidFill>
+                <a:latin typeface="+mn-ea"/>
               </a:rPr>
               <a:t>2016</a:t>
             </a:r>
-            <a:endParaRPr lang="zh-CN" altLang="zh-CN" dirty="0">
+            <a:endParaRPr lang="zh-CN" altLang="zh-CN" sz="2000" dirty="0">
               <a:solidFill>
                 <a:schemeClr val="bg1"/>
               </a:solidFill>
+              <a:latin typeface="+mn-ea"/>
             </a:endParaRPr>
           </a:p>
           <a:p>
             <a:r>
-              <a:rPr lang="en-US" altLang="zh-CN" dirty="0">
-                <a:solidFill>
-                  <a:schemeClr val="bg1"/>
-                </a:solidFill>
+              <a:rPr lang="en-US" altLang="zh-CN" sz="2000" dirty="0">
+                <a:solidFill>
+                  <a:schemeClr val="bg1"/>
+                </a:solidFill>
+                <a:latin typeface="+mn-ea"/>
               </a:rPr>
               <a:t>UML</a:t>
             </a:r>
             <a:r>
-              <a:rPr lang="zh-CN" altLang="zh-CN" dirty="0">
-                <a:solidFill>
-                  <a:schemeClr val="bg1"/>
-                </a:solidFill>
+              <a:rPr lang="zh-CN" altLang="zh-CN" sz="2000" dirty="0">
+                <a:solidFill>
+                  <a:schemeClr val="bg1"/>
+                </a:solidFill>
+                <a:latin typeface="+mn-ea"/>
               </a:rPr>
               <a:t>用户指南 （第</a:t>
             </a:r>
             <a:r>
-              <a:rPr lang="en-US" altLang="zh-CN" dirty="0">
-                <a:solidFill>
-                  <a:schemeClr val="bg1"/>
-                </a:solidFill>
+              <a:rPr lang="en-US" altLang="zh-CN" sz="2000" dirty="0">
+                <a:solidFill>
+                  <a:schemeClr val="bg1"/>
+                </a:solidFill>
+                <a:latin typeface="+mn-ea"/>
               </a:rPr>
               <a:t>2</a:t>
             </a:r>
             <a:r>
-              <a:rPr lang="zh-CN" altLang="zh-CN" dirty="0">
-                <a:solidFill>
-                  <a:schemeClr val="bg1"/>
-                </a:solidFill>
+              <a:rPr lang="zh-CN" altLang="zh-CN" sz="2000" dirty="0">
+                <a:solidFill>
+                  <a:schemeClr val="bg1"/>
+                </a:solidFill>
+                <a:latin typeface="+mn-ea"/>
               </a:rPr>
               <a:t>版·修订版），</a:t>
             </a:r>
             <a:r>
-              <a:rPr lang="en-US" altLang="zh-CN" dirty="0">
-                <a:solidFill>
-                  <a:schemeClr val="bg1"/>
-                </a:solidFill>
+              <a:rPr lang="en-US" altLang="zh-CN" sz="2000" dirty="0">
+                <a:solidFill>
+                  <a:schemeClr val="bg1"/>
+                </a:solidFill>
+                <a:latin typeface="+mn-ea"/>
               </a:rPr>
               <a:t>Grady </a:t>
             </a:r>
             <a:r>
-              <a:rPr lang="en-US" altLang="zh-CN" dirty="0" err="1">
-                <a:solidFill>
-                  <a:schemeClr val="bg1"/>
-                </a:solidFill>
+              <a:rPr lang="en-US" altLang="zh-CN" sz="2000" dirty="0" err="1">
+                <a:solidFill>
+                  <a:schemeClr val="bg1"/>
+                </a:solidFill>
+                <a:latin typeface="+mn-ea"/>
               </a:rPr>
               <a:t>Booch</a:t>
             </a:r>
             <a:r>
-              <a:rPr lang="zh-CN" altLang="zh-CN" dirty="0">
-                <a:solidFill>
-                  <a:schemeClr val="bg1"/>
-                </a:solidFill>
+              <a:rPr lang="zh-CN" altLang="zh-CN" sz="2000" dirty="0">
+                <a:solidFill>
+                  <a:schemeClr val="bg1"/>
+                </a:solidFill>
+                <a:latin typeface="+mn-ea"/>
               </a:rPr>
               <a:t>、</a:t>
             </a:r>
             <a:r>
-              <a:rPr lang="en-US" altLang="zh-CN" dirty="0">
-                <a:solidFill>
-                  <a:schemeClr val="bg1"/>
-                </a:solidFill>
+              <a:rPr lang="en-US" altLang="zh-CN" sz="2000" dirty="0">
+                <a:solidFill>
+                  <a:schemeClr val="bg1"/>
+                </a:solidFill>
+                <a:latin typeface="+mn-ea"/>
               </a:rPr>
               <a:t>James Rumbaugh</a:t>
             </a:r>
             <a:r>
-              <a:rPr lang="zh-CN" altLang="zh-CN" dirty="0">
-                <a:solidFill>
-                  <a:schemeClr val="bg1"/>
-                </a:solidFill>
+              <a:rPr lang="zh-CN" altLang="zh-CN" sz="2000" dirty="0">
+                <a:solidFill>
+                  <a:schemeClr val="bg1"/>
+                </a:solidFill>
+                <a:latin typeface="+mn-ea"/>
               </a:rPr>
               <a:t>、</a:t>
             </a:r>
             <a:r>
-              <a:rPr lang="en-US" altLang="zh-CN" dirty="0">
-                <a:solidFill>
-                  <a:schemeClr val="bg1"/>
-                </a:solidFill>
+              <a:rPr lang="en-US" altLang="zh-CN" sz="2000" dirty="0">
+                <a:solidFill>
+                  <a:schemeClr val="bg1"/>
+                </a:solidFill>
+                <a:latin typeface="+mn-ea"/>
               </a:rPr>
               <a:t>Ivar Jacobson g </a:t>
             </a:r>
             <a:r>
-              <a:rPr lang="zh-CN" altLang="zh-CN" dirty="0">
-                <a:solidFill>
-                  <a:schemeClr val="bg1"/>
-                </a:solidFill>
+              <a:rPr lang="zh-CN" altLang="zh-CN" sz="2000" dirty="0">
+                <a:solidFill>
+                  <a:schemeClr val="bg1"/>
+                </a:solidFill>
+                <a:latin typeface="+mn-ea"/>
               </a:rPr>
               <a:t>，邵维忠、麻志毅、马浩海、刘辉 译，人民邮电出版</a:t>
             </a:r>
             <a:r>
-              <a:rPr lang="en-US" altLang="zh-CN" dirty="0">
-                <a:solidFill>
-                  <a:schemeClr val="bg1"/>
-                </a:solidFill>
+              <a:rPr lang="en-US" altLang="zh-CN" sz="2000" dirty="0">
+                <a:solidFill>
+                  <a:schemeClr val="bg1"/>
+                </a:solidFill>
+                <a:latin typeface="+mn-ea"/>
               </a:rPr>
               <a:t>,2013</a:t>
             </a:r>
-            <a:endParaRPr lang="zh-CN" altLang="zh-CN" dirty="0">
+            <a:endParaRPr lang="zh-CN" altLang="zh-CN" sz="2000" dirty="0">
               <a:solidFill>
                 <a:schemeClr val="bg1"/>
               </a:solidFill>
+              <a:latin typeface="+mn-ea"/>
             </a:endParaRPr>
           </a:p>
           <a:p>
             <a:r>
-              <a:rPr lang="en-US" altLang="zh-CN" dirty="0">
-                <a:solidFill>
-                  <a:schemeClr val="bg1"/>
-                </a:solidFill>
+              <a:rPr lang="en-US" altLang="zh-CN" sz="2000" dirty="0">
+                <a:solidFill>
+                  <a:schemeClr val="bg1"/>
+                </a:solidFill>
+                <a:latin typeface="+mn-ea"/>
               </a:rPr>
               <a:t>UML2</a:t>
             </a:r>
             <a:r>
-              <a:rPr lang="zh-CN" altLang="zh-CN" dirty="0">
-                <a:solidFill>
-                  <a:schemeClr val="bg1"/>
-                </a:solidFill>
+              <a:rPr lang="zh-CN" altLang="zh-CN" sz="2000" dirty="0">
+                <a:solidFill>
+                  <a:schemeClr val="bg1"/>
+                </a:solidFill>
+                <a:latin typeface="+mn-ea"/>
               </a:rPr>
               <a:t>基础、 建模与设计教程</a:t>
             </a:r>
             <a:r>
-              <a:rPr lang="en-US" altLang="zh-CN" dirty="0">
-                <a:solidFill>
-                  <a:schemeClr val="bg1"/>
-                </a:solidFill>
+              <a:rPr lang="en-US" altLang="zh-CN" sz="2000" dirty="0">
+                <a:solidFill>
+                  <a:schemeClr val="bg1"/>
+                </a:solidFill>
+                <a:latin typeface="+mn-ea"/>
               </a:rPr>
               <a:t>,</a:t>
             </a:r>
             <a:r>
-              <a:rPr lang="zh-CN" altLang="zh-CN" dirty="0">
-                <a:solidFill>
-                  <a:schemeClr val="bg1"/>
-                </a:solidFill>
+              <a:rPr lang="zh-CN" altLang="zh-CN" sz="2000" dirty="0">
+                <a:solidFill>
+                  <a:schemeClr val="bg1"/>
+                </a:solidFill>
+                <a:latin typeface="+mn-ea"/>
               </a:rPr>
               <a:t>杨弘平 等 编著</a:t>
             </a:r>
             <a:r>
-              <a:rPr lang="en-US" altLang="zh-CN" dirty="0">
-                <a:solidFill>
-                  <a:schemeClr val="bg1"/>
-                </a:solidFill>
+              <a:rPr lang="en-US" altLang="zh-CN" sz="2000" dirty="0">
+                <a:solidFill>
+                  <a:schemeClr val="bg1"/>
+                </a:solidFill>
+                <a:latin typeface="+mn-ea"/>
               </a:rPr>
               <a:t>, </a:t>
             </a:r>
             <a:r>
-              <a:rPr lang="zh-CN" altLang="zh-CN" dirty="0">
-                <a:solidFill>
-                  <a:schemeClr val="bg1"/>
-                </a:solidFill>
+              <a:rPr lang="zh-CN" altLang="zh-CN" sz="2000" dirty="0">
+                <a:solidFill>
+                  <a:schemeClr val="bg1"/>
+                </a:solidFill>
+                <a:latin typeface="+mn-ea"/>
               </a:rPr>
               <a:t>清华大学出版社</a:t>
             </a:r>
             <a:r>
-              <a:rPr lang="en-US" altLang="zh-CN" dirty="0">
-                <a:solidFill>
-                  <a:schemeClr val="bg1"/>
-                </a:solidFill>
+              <a:rPr lang="en-US" altLang="zh-CN" sz="2000" dirty="0">
+                <a:solidFill>
+                  <a:schemeClr val="bg1"/>
+                </a:solidFill>
+                <a:latin typeface="+mn-ea"/>
               </a:rPr>
               <a:t>,2015</a:t>
             </a:r>
-            <a:endParaRPr lang="zh-CN" altLang="zh-CN" dirty="0">
+            <a:endParaRPr lang="zh-CN" altLang="zh-CN" sz="2000" dirty="0">
               <a:solidFill>
                 <a:schemeClr val="bg1"/>
               </a:solidFill>
+              <a:latin typeface="+mn-ea"/>
             </a:endParaRPr>
           </a:p>
           <a:p>
             <a:r>
-              <a:rPr lang="zh-CN" altLang="zh-CN" dirty="0">
-                <a:solidFill>
-                  <a:schemeClr val="bg1"/>
-                </a:solidFill>
+              <a:rPr lang="zh-CN" altLang="zh-CN" sz="2000" dirty="0">
+                <a:solidFill>
+                  <a:schemeClr val="bg1"/>
+                </a:solidFill>
+                <a:latin typeface="+mn-ea"/>
               </a:rPr>
               <a:t>软件工程导论（第</a:t>
             </a:r>
             <a:r>
-              <a:rPr lang="en-US" altLang="zh-CN" dirty="0">
-                <a:solidFill>
-                  <a:schemeClr val="bg1"/>
-                </a:solidFill>
+              <a:rPr lang="en-US" altLang="zh-CN" sz="2000" dirty="0">
+                <a:solidFill>
+                  <a:schemeClr val="bg1"/>
+                </a:solidFill>
+                <a:latin typeface="+mn-ea"/>
               </a:rPr>
               <a:t>6</a:t>
             </a:r>
             <a:r>
-              <a:rPr lang="zh-CN" altLang="zh-CN" dirty="0">
-                <a:solidFill>
-                  <a:schemeClr val="bg1"/>
-                </a:solidFill>
+              <a:rPr lang="zh-CN" altLang="zh-CN" sz="2000" dirty="0">
+                <a:solidFill>
+                  <a:schemeClr val="bg1"/>
+                </a:solidFill>
+                <a:latin typeface="+mn-ea"/>
               </a:rPr>
               <a:t>版）</a:t>
             </a:r>
             <a:r>
-              <a:rPr lang="en-US" altLang="zh-CN" dirty="0">
-                <a:solidFill>
-                  <a:schemeClr val="bg1"/>
-                </a:solidFill>
+              <a:rPr lang="en-US" altLang="zh-CN" sz="2000" dirty="0">
+                <a:solidFill>
+                  <a:schemeClr val="bg1"/>
+                </a:solidFill>
+                <a:latin typeface="+mn-ea"/>
               </a:rPr>
               <a:t>,</a:t>
             </a:r>
             <a:r>
-              <a:rPr lang="zh-CN" altLang="zh-CN" dirty="0">
-                <a:solidFill>
-                  <a:schemeClr val="bg1"/>
-                </a:solidFill>
+              <a:rPr lang="zh-CN" altLang="zh-CN" sz="2000" dirty="0">
+                <a:solidFill>
+                  <a:schemeClr val="bg1"/>
+                </a:solidFill>
+                <a:latin typeface="+mn-ea"/>
               </a:rPr>
               <a:t>张海藩 牟永敏 编著</a:t>
             </a:r>
             <a:r>
-              <a:rPr lang="en-US" altLang="zh-CN" dirty="0">
-                <a:solidFill>
-                  <a:schemeClr val="bg1"/>
-                </a:solidFill>
+              <a:rPr lang="en-US" altLang="zh-CN" sz="2000" dirty="0">
+                <a:solidFill>
+                  <a:schemeClr val="bg1"/>
+                </a:solidFill>
+                <a:latin typeface="+mn-ea"/>
               </a:rPr>
               <a:t>, </a:t>
             </a:r>
             <a:r>
-              <a:rPr lang="zh-CN" altLang="zh-CN" dirty="0">
-                <a:solidFill>
-                  <a:schemeClr val="bg1"/>
-                </a:solidFill>
+              <a:rPr lang="zh-CN" altLang="zh-CN" sz="2000" dirty="0">
+                <a:solidFill>
+                  <a:schemeClr val="bg1"/>
+                </a:solidFill>
+                <a:latin typeface="+mn-ea"/>
               </a:rPr>
               <a:t>清华大学出版社</a:t>
             </a:r>
             <a:r>
-              <a:rPr lang="en-US" altLang="zh-CN" dirty="0">
-                <a:solidFill>
-                  <a:schemeClr val="bg1"/>
-                </a:solidFill>
+              <a:rPr lang="en-US" altLang="zh-CN" sz="2000" dirty="0">
+                <a:solidFill>
+                  <a:schemeClr val="bg1"/>
+                </a:solidFill>
+                <a:latin typeface="+mn-ea"/>
               </a:rPr>
               <a:t>,2013</a:t>
             </a:r>
-            <a:endParaRPr lang="zh-CN" altLang="zh-CN" dirty="0">
+            <a:endParaRPr lang="zh-CN" altLang="zh-CN" sz="2000" dirty="0">
               <a:solidFill>
                 <a:schemeClr val="bg1"/>
               </a:solidFill>
+              <a:latin typeface="+mn-ea"/>
             </a:endParaRPr>
           </a:p>
           <a:p>
-            <a:endParaRPr lang="en-US" altLang="zh-CN" dirty="0">
+            <a:endParaRPr lang="en-US" altLang="zh-CN" sz="2000" dirty="0">
               <a:solidFill>
                 <a:schemeClr val="bg1"/>
               </a:solidFill>
+              <a:latin typeface="+mn-ea"/>
             </a:endParaRPr>
           </a:p>
           <a:p>
             <a:r>
-              <a:rPr lang="zh-CN" altLang="en-US" dirty="0">
-                <a:solidFill>
-                  <a:schemeClr val="bg1"/>
-                </a:solidFill>
-              </a:rPr>
-              <a:t>评价：吴桐</a:t>
-            </a:r>
-            <a:r>
-              <a:rPr lang="en-US" altLang="zh-CN" dirty="0">
-                <a:solidFill>
-                  <a:schemeClr val="bg1"/>
-                </a:solidFill>
+              <a:rPr lang="zh-CN" altLang="en-US" sz="2000" dirty="0">
+                <a:solidFill>
+                  <a:schemeClr val="bg1"/>
+                </a:solidFill>
+                <a:latin typeface="+mn-ea"/>
+              </a:rPr>
+              <a:t>评价：赵高生</a:t>
+            </a:r>
+            <a:r>
+              <a:rPr lang="en-US" altLang="zh-CN" sz="2000" dirty="0">
+                <a:solidFill>
+                  <a:schemeClr val="bg1"/>
+                </a:solidFill>
+                <a:latin typeface="+mn-ea"/>
               </a:rPr>
               <a:t>8.0</a:t>
             </a:r>
             <a:r>
-              <a:rPr lang="zh-CN" altLang="en-US" dirty="0">
-                <a:solidFill>
-                  <a:schemeClr val="bg1"/>
-                </a:solidFill>
+              <a:rPr lang="zh-CN" altLang="en-US" sz="2000" dirty="0">
+                <a:solidFill>
+                  <a:schemeClr val="bg1"/>
+                </a:solidFill>
+                <a:latin typeface="+mn-ea"/>
               </a:rPr>
               <a:t>分 邬立东</a:t>
             </a:r>
             <a:r>
-              <a:rPr lang="en-US" altLang="zh-CN" dirty="0">
-                <a:solidFill>
-                  <a:schemeClr val="bg1"/>
-                </a:solidFill>
+              <a:rPr lang="en-US" altLang="zh-CN" sz="2000" dirty="0">
+                <a:solidFill>
+                  <a:schemeClr val="bg1"/>
+                </a:solidFill>
+                <a:latin typeface="+mn-ea"/>
               </a:rPr>
               <a:t>9.0</a:t>
             </a:r>
             <a:r>
-              <a:rPr lang="zh-CN" altLang="en-US" dirty="0">
-                <a:solidFill>
-                  <a:schemeClr val="bg1"/>
-                </a:solidFill>
-              </a:rPr>
-              <a:t>分 赵高生</a:t>
-            </a:r>
-            <a:r>
-              <a:rPr lang="en-US" altLang="zh-CN" dirty="0">
-                <a:solidFill>
-                  <a:schemeClr val="bg1"/>
-                </a:solidFill>
+              <a:rPr lang="zh-CN" altLang="en-US" sz="2000" dirty="0">
+                <a:solidFill>
+                  <a:schemeClr val="bg1"/>
+                </a:solidFill>
+                <a:latin typeface="+mn-ea"/>
+              </a:rPr>
+              <a:t>分 吴桐</a:t>
+            </a:r>
+            <a:r>
+              <a:rPr lang="en-US" altLang="zh-CN" sz="2000" dirty="0">
+                <a:solidFill>
+                  <a:schemeClr val="bg1"/>
+                </a:solidFill>
+                <a:latin typeface="+mn-ea"/>
               </a:rPr>
               <a:t>8.5</a:t>
             </a:r>
             <a:r>
-              <a:rPr lang="zh-CN" altLang="en-US" dirty="0">
-                <a:solidFill>
-                  <a:schemeClr val="bg1"/>
-                </a:solidFill>
+              <a:rPr lang="zh-CN" altLang="en-US" sz="2000" dirty="0">
+                <a:solidFill>
+                  <a:schemeClr val="bg1"/>
+                </a:solidFill>
+                <a:latin typeface="+mn-ea"/>
               </a:rPr>
               <a:t>分尹健瑾 </a:t>
             </a:r>
             <a:r>
-              <a:rPr lang="en-US" altLang="zh-CN" dirty="0">
-                <a:solidFill>
-                  <a:schemeClr val="bg1"/>
-                </a:solidFill>
+              <a:rPr lang="en-US" altLang="zh-CN" sz="2000" dirty="0">
+                <a:solidFill>
+                  <a:schemeClr val="bg1"/>
+                </a:solidFill>
+                <a:latin typeface="+mn-ea"/>
               </a:rPr>
               <a:t>9.5</a:t>
             </a:r>
             <a:r>
-              <a:rPr lang="zh-CN" altLang="en-US" dirty="0">
-                <a:solidFill>
-                  <a:schemeClr val="bg1"/>
-                </a:solidFill>
+              <a:rPr lang="zh-CN" altLang="en-US" sz="2000" dirty="0">
+                <a:solidFill>
+                  <a:schemeClr val="bg1"/>
+                </a:solidFill>
+                <a:latin typeface="+mn-ea"/>
               </a:rPr>
               <a:t>分</a:t>
             </a:r>
@@ -19975,6 +19045,1773 @@
 </file>
 
 <file path=ppt/slides/slide4.xml><?xml version="1.0" encoding="utf-8"?>
+<p:sld xmlns:a="http://schemas.openxmlformats.org/drawingml/2006/main" xmlns:r="http://schemas.openxmlformats.org/officeDocument/2006/relationships" xmlns:p="http://schemas.openxmlformats.org/presentationml/2006/main">
+  <p:cSld>
+    <p:spTree>
+      <p:nvGrpSpPr>
+        <p:cNvPr id="1" name=""/>
+        <p:cNvGrpSpPr/>
+        <p:nvPr/>
+      </p:nvGrpSpPr>
+      <p:grpSpPr>
+        <a:xfrm>
+          <a:off x="0" y="0"/>
+          <a:ext cx="0" cy="0"/>
+          <a:chOff x="0" y="0"/>
+          <a:chExt cx="0" cy="0"/>
+        </a:xfrm>
+      </p:grpSpPr>
+      <p:graphicFrame>
+        <p:nvGraphicFramePr>
+          <p:cNvPr id="4" name="内容占位符 3">
+            <a:extLst>
+              <a:ext uri="{FF2B5EF4-FFF2-40B4-BE49-F238E27FC236}">
+                <a16:creationId xmlns:a16="http://schemas.microsoft.com/office/drawing/2014/main" id="{BE78F86E-D756-4AB7-BEA6-A2E3CC85770F}"/>
+              </a:ext>
+            </a:extLst>
+          </p:cNvPr>
+          <p:cNvGraphicFramePr>
+            <a:graphicFrameLocks noGrp="1"/>
+          </p:cNvGraphicFramePr>
+          <p:nvPr>
+            <p:ph idx="1"/>
+            <p:extLst>
+              <p:ext uri="{D42A27DB-BD31-4B8C-83A1-F6EECF244321}">
+                <p14:modId xmlns:p14="http://schemas.microsoft.com/office/powerpoint/2010/main" val="2548452554"/>
+              </p:ext>
+            </p:extLst>
+          </p:nvPr>
+        </p:nvGraphicFramePr>
+        <p:xfrm>
+          <a:off x="683569" y="540704"/>
+          <a:ext cx="7704856" cy="2510992"/>
+        </p:xfrm>
+        <a:graphic>
+          <a:graphicData uri="http://schemas.openxmlformats.org/drawingml/2006/table">
+            <a:tbl>
+              <a:tblPr firstRow="1" firstCol="1" bandRow="1">
+                <a:tableStyleId>{5C22544A-7EE6-4342-B048-85BDC9FD1C3A}</a:tableStyleId>
+              </a:tblPr>
+              <a:tblGrid>
+                <a:gridCol w="648071">
+                  <a:extLst>
+                    <a:ext uri="{9D8B030D-6E8A-4147-A177-3AD203B41FA5}">
+                      <a16:colId xmlns:a16="http://schemas.microsoft.com/office/drawing/2014/main" val="3365102847"/>
+                    </a:ext>
+                  </a:extLst>
+                </a:gridCol>
+                <a:gridCol w="7056785">
+                  <a:extLst>
+                    <a:ext uri="{9D8B030D-6E8A-4147-A177-3AD203B41FA5}">
+                      <a16:colId xmlns:a16="http://schemas.microsoft.com/office/drawing/2014/main" val="2261873199"/>
+                    </a:ext>
+                  </a:extLst>
+                </a:gridCol>
+              </a:tblGrid>
+              <a:tr h="779967">
+                <a:tc>
+                  <a:txBody>
+                    <a:bodyPr/>
+                    <a:lstStyle/>
+                    <a:p>
+                      <a:pPr algn="l">
+                        <a:spcAft>
+                          <a:spcPts val="0"/>
+                        </a:spcAft>
+                      </a:pPr>
+                      <a:r>
+                        <a:rPr lang="zh-CN" altLang="en-US" sz="1800" kern="0" dirty="0">
+                          <a:effectLst/>
+                        </a:rPr>
+                        <a:t>项目经理</a:t>
+                      </a:r>
+                      <a:r>
+                        <a:rPr lang="zh-CN" sz="1800" kern="0" dirty="0">
+                          <a:effectLst/>
+                        </a:rPr>
+                        <a:t>姓名</a:t>
+                      </a:r>
+                      <a:endParaRPr lang="zh-CN" sz="1400" kern="100" dirty="0">
+                        <a:effectLst/>
+                        <a:latin typeface="等线" panose="02010600030101010101" pitchFamily="2" charset="-122"/>
+                        <a:ea typeface="等线" panose="02010600030101010101" pitchFamily="2" charset="-122"/>
+                        <a:cs typeface="Times New Roman" panose="02020603050405020304" pitchFamily="18" charset="0"/>
+                      </a:endParaRPr>
+                    </a:p>
+                  </a:txBody>
+                  <a:tcPr marL="68580" marR="68580" marT="0" marB="0" anchor="ctr"/>
+                </a:tc>
+                <a:tc>
+                  <a:txBody>
+                    <a:bodyPr/>
+                    <a:lstStyle/>
+                    <a:p>
+                      <a:pPr algn="l">
+                        <a:spcAft>
+                          <a:spcPts val="0"/>
+                        </a:spcAft>
+                      </a:pPr>
+                      <a:r>
+                        <a:rPr lang="zh-CN" sz="1800" kern="0" dirty="0">
+                          <a:effectLst/>
+                        </a:rPr>
+                        <a:t>基本信息</a:t>
+                      </a:r>
+                      <a:endParaRPr lang="zh-CN" sz="1400" kern="100" dirty="0">
+                        <a:effectLst/>
+                        <a:latin typeface="等线" panose="02010600030101010101" pitchFamily="2" charset="-122"/>
+                        <a:ea typeface="等线" panose="02010600030101010101" pitchFamily="2" charset="-122"/>
+                        <a:cs typeface="Times New Roman" panose="02020603050405020304" pitchFamily="18" charset="0"/>
+                      </a:endParaRPr>
+                    </a:p>
+                  </a:txBody>
+                  <a:tcPr marL="68580" marR="68580" marT="0" marB="0" anchor="ctr"/>
+                </a:tc>
+                <a:extLst>
+                  <a:ext uri="{0D108BD9-81ED-4DB2-BD59-A6C34878D82A}">
+                    <a16:rowId xmlns:a16="http://schemas.microsoft.com/office/drawing/2014/main" val="2178106450"/>
+                  </a:ext>
+                </a:extLst>
+              </a:tr>
+              <a:tr h="1688032">
+                <a:tc>
+                  <a:txBody>
+                    <a:bodyPr/>
+                    <a:lstStyle/>
+                    <a:p>
+                      <a:pPr algn="l">
+                        <a:spcAft>
+                          <a:spcPts val="0"/>
+                        </a:spcAft>
+                      </a:pPr>
+                      <a:r>
+                        <a:rPr lang="zh-CN" sz="1800" kern="0" dirty="0">
+                          <a:effectLst/>
+                        </a:rPr>
+                        <a:t>吴桐</a:t>
+                      </a:r>
+                      <a:endParaRPr lang="zh-CN" sz="1400" kern="100" dirty="0">
+                        <a:effectLst/>
+                        <a:latin typeface="等线" panose="02010600030101010101" pitchFamily="2" charset="-122"/>
+                        <a:ea typeface="等线" panose="02010600030101010101" pitchFamily="2" charset="-122"/>
+                        <a:cs typeface="Times New Roman" panose="02020603050405020304" pitchFamily="18" charset="0"/>
+                      </a:endParaRPr>
+                    </a:p>
+                  </a:txBody>
+                  <a:tcPr marL="68580" marR="68580" marT="0" marB="0" anchor="ctr"/>
+                </a:tc>
+                <a:tc>
+                  <a:txBody>
+                    <a:bodyPr/>
+                    <a:lstStyle/>
+                    <a:p>
+                      <a:pPr algn="l">
+                        <a:spcAft>
+                          <a:spcPts val="0"/>
+                        </a:spcAft>
+                      </a:pPr>
+                      <a:r>
+                        <a:rPr lang="zh-CN" sz="2000" kern="0" dirty="0">
+                          <a:solidFill>
+                            <a:schemeClr val="tx1"/>
+                          </a:solidFill>
+                          <a:effectLst/>
+                        </a:rPr>
+                        <a:t>学号：</a:t>
+                      </a:r>
+                      <a:r>
+                        <a:rPr lang="en-US" sz="2000" kern="0" dirty="0">
+                          <a:solidFill>
+                            <a:schemeClr val="tx1"/>
+                          </a:solidFill>
+                          <a:effectLst/>
+                        </a:rPr>
+                        <a:t>31501394 </a:t>
+                      </a:r>
+                      <a:endParaRPr lang="zh-CN" sz="1600" kern="100" dirty="0">
+                        <a:solidFill>
+                          <a:schemeClr val="tx1"/>
+                        </a:solidFill>
+                        <a:effectLst/>
+                      </a:endParaRPr>
+                    </a:p>
+                    <a:p>
+                      <a:pPr algn="l">
+                        <a:spcAft>
+                          <a:spcPts val="0"/>
+                        </a:spcAft>
+                      </a:pPr>
+                      <a:r>
+                        <a:rPr lang="zh-CN" sz="2000" kern="0" dirty="0">
+                          <a:solidFill>
+                            <a:schemeClr val="tx1"/>
+                          </a:solidFill>
+                          <a:effectLst/>
+                        </a:rPr>
+                        <a:t>班别：软件工程</a:t>
+                      </a:r>
+                      <a:r>
+                        <a:rPr lang="en-US" sz="2000" kern="0" dirty="0">
+                          <a:solidFill>
+                            <a:schemeClr val="tx1"/>
+                          </a:solidFill>
+                          <a:effectLst/>
+                        </a:rPr>
+                        <a:t>1504 </a:t>
+                      </a:r>
+                      <a:endParaRPr lang="zh-CN" sz="1600" kern="100" dirty="0">
+                        <a:solidFill>
+                          <a:schemeClr val="tx1"/>
+                        </a:solidFill>
+                        <a:effectLst/>
+                      </a:endParaRPr>
+                    </a:p>
+                    <a:p>
+                      <a:pPr algn="l">
+                        <a:spcAft>
+                          <a:spcPts val="0"/>
+                        </a:spcAft>
+                      </a:pPr>
+                      <a:r>
+                        <a:rPr lang="zh-CN" sz="2000" kern="0" dirty="0">
+                          <a:solidFill>
+                            <a:schemeClr val="tx1"/>
+                          </a:solidFill>
+                          <a:effectLst/>
+                        </a:rPr>
+                        <a:t>联系方式：手机号码：</a:t>
+                      </a:r>
+                      <a:r>
+                        <a:rPr lang="en-US" sz="2000" kern="0" dirty="0">
+                          <a:solidFill>
+                            <a:schemeClr val="tx1"/>
+                          </a:solidFill>
+                          <a:effectLst/>
+                        </a:rPr>
+                        <a:t>18072916289 </a:t>
+                      </a:r>
+                    </a:p>
+                    <a:p>
+                      <a:pPr algn="l">
+                        <a:spcAft>
+                          <a:spcPts val="0"/>
+                        </a:spcAft>
+                      </a:pPr>
+                      <a:r>
+                        <a:rPr lang="zh-CN" sz="1800" kern="0" dirty="0">
+                          <a:solidFill>
+                            <a:schemeClr val="tx1"/>
+                          </a:solidFill>
+                          <a:effectLst/>
+                        </a:rPr>
+                        <a:t>邮箱：</a:t>
+                      </a:r>
+                      <a:r>
+                        <a:rPr lang="en-US" sz="1800" kern="0" dirty="0">
+                          <a:solidFill>
+                            <a:schemeClr val="tx1"/>
+                          </a:solidFill>
+                          <a:effectLst/>
+                        </a:rPr>
+                        <a:t>31501394@stu.zucc.edu.cn </a:t>
+                      </a:r>
+                      <a:endParaRPr lang="zh-CN" sz="1400" kern="100" dirty="0">
+                        <a:solidFill>
+                          <a:schemeClr val="tx1"/>
+                        </a:solidFill>
+                        <a:effectLst/>
+                        <a:latin typeface="等线" panose="02010600030101010101" pitchFamily="2" charset="-122"/>
+                        <a:ea typeface="等线" panose="02010600030101010101" pitchFamily="2" charset="-122"/>
+                        <a:cs typeface="Times New Roman" panose="02020603050405020304" pitchFamily="18" charset="0"/>
+                      </a:endParaRPr>
+                    </a:p>
+                  </a:txBody>
+                  <a:tcPr marL="68580" marR="68580" marT="0" marB="0" anchor="ctr"/>
+                </a:tc>
+                <a:extLst>
+                  <a:ext uri="{0D108BD9-81ED-4DB2-BD59-A6C34878D82A}">
+                    <a16:rowId xmlns:a16="http://schemas.microsoft.com/office/drawing/2014/main" val="415885003"/>
+                  </a:ext>
+                </a:extLst>
+              </a:tr>
+            </a:tbl>
+          </a:graphicData>
+        </a:graphic>
+      </p:graphicFrame>
+      <p:graphicFrame>
+        <p:nvGraphicFramePr>
+          <p:cNvPr id="5" name="表格 4">
+            <a:extLst>
+              <a:ext uri="{FF2B5EF4-FFF2-40B4-BE49-F238E27FC236}">
+                <a16:creationId xmlns:a16="http://schemas.microsoft.com/office/drawing/2014/main" id="{2A1298AF-FF85-4923-8DE4-3EE30698B626}"/>
+              </a:ext>
+            </a:extLst>
+          </p:cNvPr>
+          <p:cNvGraphicFramePr>
+            <a:graphicFrameLocks noGrp="1"/>
+          </p:cNvGraphicFramePr>
+          <p:nvPr>
+            <p:extLst>
+              <p:ext uri="{D42A27DB-BD31-4B8C-83A1-F6EECF244321}">
+                <p14:modId xmlns:p14="http://schemas.microsoft.com/office/powerpoint/2010/main" val="2722144946"/>
+              </p:ext>
+            </p:extLst>
+          </p:nvPr>
+        </p:nvGraphicFramePr>
+        <p:xfrm>
+          <a:off x="683570" y="2780928"/>
+          <a:ext cx="7704855" cy="1722333"/>
+        </p:xfrm>
+        <a:graphic>
+          <a:graphicData uri="http://schemas.openxmlformats.org/drawingml/2006/table">
+            <a:tbl>
+              <a:tblPr firstRow="1" firstCol="1" bandRow="1">
+                <a:tableStyleId>{5C22544A-7EE6-4342-B048-85BDC9FD1C3A}</a:tableStyleId>
+              </a:tblPr>
+              <a:tblGrid>
+                <a:gridCol w="648070">
+                  <a:extLst>
+                    <a:ext uri="{9D8B030D-6E8A-4147-A177-3AD203B41FA5}">
+                      <a16:colId xmlns:a16="http://schemas.microsoft.com/office/drawing/2014/main" val="395377426"/>
+                    </a:ext>
+                  </a:extLst>
+                </a:gridCol>
+                <a:gridCol w="7056785">
+                  <a:extLst>
+                    <a:ext uri="{9D8B030D-6E8A-4147-A177-3AD203B41FA5}">
+                      <a16:colId xmlns:a16="http://schemas.microsoft.com/office/drawing/2014/main" val="2630904912"/>
+                    </a:ext>
+                  </a:extLst>
+                </a:gridCol>
+              </a:tblGrid>
+              <a:tr h="1722333">
+                <a:tc>
+                  <a:txBody>
+                    <a:bodyPr/>
+                    <a:lstStyle/>
+                    <a:p>
+                      <a:pPr algn="just">
+                        <a:spcAft>
+                          <a:spcPts val="0"/>
+                        </a:spcAft>
+                      </a:pPr>
+                      <a:r>
+                        <a:rPr lang="zh-CN" sz="1800" kern="0" dirty="0">
+                          <a:effectLst/>
+                        </a:rPr>
+                        <a:t>组织</a:t>
+                      </a:r>
+                      <a:endParaRPr lang="en-US" altLang="zh-CN" sz="1800" kern="0" dirty="0">
+                        <a:effectLst/>
+                      </a:endParaRPr>
+                    </a:p>
+                    <a:p>
+                      <a:pPr algn="just">
+                        <a:spcAft>
+                          <a:spcPts val="0"/>
+                        </a:spcAft>
+                      </a:pPr>
+                      <a:r>
+                        <a:rPr lang="zh-CN" sz="1800" kern="0" dirty="0">
+                          <a:effectLst/>
+                        </a:rPr>
+                        <a:t>职责</a:t>
+                      </a:r>
+                      <a:endParaRPr lang="zh-CN" sz="1400" kern="100" dirty="0">
+                        <a:effectLst/>
+                        <a:latin typeface="等线" panose="02010600030101010101" pitchFamily="2" charset="-122"/>
+                        <a:ea typeface="等线" panose="02010600030101010101" pitchFamily="2" charset="-122"/>
+                        <a:cs typeface="Times New Roman" panose="02020603050405020304" pitchFamily="18" charset="0"/>
+                      </a:endParaRPr>
+                    </a:p>
+                  </a:txBody>
+                  <a:tcPr marL="68580" marR="68580" marT="0" marB="0"/>
+                </a:tc>
+                <a:tc>
+                  <a:txBody>
+                    <a:bodyPr/>
+                    <a:lstStyle/>
+                    <a:p>
+                      <a:pPr algn="l">
+                        <a:spcAft>
+                          <a:spcPts val="0"/>
+                        </a:spcAft>
+                      </a:pPr>
+                      <a:r>
+                        <a:rPr lang="en-US" sz="1600" kern="0" dirty="0">
+                          <a:solidFill>
+                            <a:schemeClr val="bg1"/>
+                          </a:solidFill>
+                          <a:effectLst/>
+                        </a:rPr>
+                        <a:t>1</a:t>
+                      </a:r>
+                      <a:r>
+                        <a:rPr lang="zh-CN" sz="1600" kern="0" dirty="0">
+                          <a:solidFill>
+                            <a:schemeClr val="bg1"/>
+                          </a:solidFill>
+                          <a:effectLst/>
+                        </a:rPr>
+                        <a:t>、组织项目所需的各项资源 </a:t>
+                      </a:r>
+                      <a:endParaRPr lang="zh-CN" sz="1200" kern="100" dirty="0">
+                        <a:solidFill>
+                          <a:schemeClr val="bg1"/>
+                        </a:solidFill>
+                        <a:effectLst/>
+                      </a:endParaRPr>
+                    </a:p>
+                    <a:p>
+                      <a:pPr algn="l">
+                        <a:spcAft>
+                          <a:spcPts val="0"/>
+                        </a:spcAft>
+                      </a:pPr>
+                      <a:r>
+                        <a:rPr lang="en-US" sz="1600" kern="0" dirty="0">
+                          <a:solidFill>
+                            <a:schemeClr val="bg1"/>
+                          </a:solidFill>
+                          <a:effectLst/>
+                        </a:rPr>
+                        <a:t>2</a:t>
+                      </a:r>
+                      <a:r>
+                        <a:rPr lang="zh-CN" sz="1600" kern="0" dirty="0">
+                          <a:solidFill>
+                            <a:schemeClr val="bg1"/>
+                          </a:solidFill>
+                          <a:effectLst/>
+                        </a:rPr>
+                        <a:t>、设置项目组中的各种角色，</a:t>
+                      </a:r>
+                      <a:endParaRPr lang="zh-CN" sz="1200" kern="100" dirty="0">
+                        <a:solidFill>
+                          <a:schemeClr val="bg1"/>
+                        </a:solidFill>
+                        <a:effectLst/>
+                      </a:endParaRPr>
+                    </a:p>
+                    <a:p>
+                      <a:pPr algn="l">
+                        <a:spcAft>
+                          <a:spcPts val="0"/>
+                        </a:spcAft>
+                      </a:pPr>
+                      <a:r>
+                        <a:rPr lang="en-US" sz="1600" kern="0" dirty="0">
+                          <a:solidFill>
+                            <a:schemeClr val="bg1"/>
+                          </a:solidFill>
+                          <a:effectLst/>
+                        </a:rPr>
+                        <a:t>3</a:t>
+                      </a:r>
+                      <a:r>
+                        <a:rPr lang="zh-CN" sz="1600" kern="0" dirty="0">
+                          <a:solidFill>
+                            <a:schemeClr val="bg1"/>
+                          </a:solidFill>
+                          <a:effectLst/>
+                        </a:rPr>
+                        <a:t>、并分配好各角色的责任 </a:t>
+                      </a:r>
+                      <a:endParaRPr lang="zh-CN" sz="1200" kern="100" dirty="0">
+                        <a:solidFill>
+                          <a:schemeClr val="bg1"/>
+                        </a:solidFill>
+                        <a:effectLst/>
+                      </a:endParaRPr>
+                    </a:p>
+                    <a:p>
+                      <a:pPr algn="l">
+                        <a:spcAft>
+                          <a:spcPts val="0"/>
+                        </a:spcAft>
+                      </a:pPr>
+                      <a:r>
+                        <a:rPr lang="en-US" sz="1600" kern="0" dirty="0">
+                          <a:solidFill>
+                            <a:schemeClr val="bg1"/>
+                          </a:solidFill>
+                          <a:effectLst/>
+                        </a:rPr>
+                        <a:t>4</a:t>
+                      </a:r>
+                      <a:r>
+                        <a:rPr lang="zh-CN" sz="1600" kern="0" dirty="0">
+                          <a:solidFill>
+                            <a:schemeClr val="bg1"/>
+                          </a:solidFill>
+                          <a:effectLst/>
+                        </a:rPr>
+                        <a:t>、安排组内成员与客户沟通交流 </a:t>
+                      </a:r>
+                      <a:endParaRPr lang="zh-CN" sz="1200" kern="100" dirty="0">
+                        <a:solidFill>
+                          <a:schemeClr val="bg1"/>
+                        </a:solidFill>
+                        <a:effectLst/>
+                      </a:endParaRPr>
+                    </a:p>
+                    <a:p>
+                      <a:pPr algn="l">
+                        <a:spcAft>
+                          <a:spcPts val="0"/>
+                        </a:spcAft>
+                      </a:pPr>
+                      <a:r>
+                        <a:rPr lang="en-US" sz="1600" kern="0" dirty="0">
+                          <a:solidFill>
+                            <a:schemeClr val="bg1"/>
+                          </a:solidFill>
+                          <a:effectLst/>
+                        </a:rPr>
+                        <a:t>5</a:t>
+                      </a:r>
+                      <a:r>
+                        <a:rPr lang="zh-CN" sz="1600" kern="0" dirty="0">
+                          <a:solidFill>
+                            <a:schemeClr val="bg1"/>
+                          </a:solidFill>
+                          <a:effectLst/>
+                        </a:rPr>
+                        <a:t>、处理项目组与其他项目干系人之间的关系</a:t>
+                      </a:r>
+                      <a:endParaRPr lang="zh-CN" sz="1200" kern="100" dirty="0">
+                        <a:solidFill>
+                          <a:schemeClr val="bg1"/>
+                        </a:solidFill>
+                        <a:effectLst/>
+                      </a:endParaRPr>
+                    </a:p>
+                    <a:p>
+                      <a:pPr algn="l">
+                        <a:spcAft>
+                          <a:spcPts val="0"/>
+                        </a:spcAft>
+                      </a:pPr>
+                      <a:r>
+                        <a:rPr lang="en-US" sz="1600" kern="0" dirty="0">
+                          <a:solidFill>
+                            <a:schemeClr val="bg1"/>
+                          </a:solidFill>
+                          <a:effectLst/>
+                        </a:rPr>
+                        <a:t>6</a:t>
+                      </a:r>
+                      <a:r>
+                        <a:rPr lang="zh-CN" sz="1600" kern="0" dirty="0">
+                          <a:solidFill>
+                            <a:schemeClr val="bg1"/>
+                          </a:solidFill>
+                          <a:effectLst/>
+                        </a:rPr>
+                        <a:t>、处理项目组内各角色之间的关系 </a:t>
+                      </a:r>
+                      <a:endParaRPr lang="zh-CN" sz="1200" kern="100" dirty="0">
+                        <a:solidFill>
+                          <a:schemeClr val="bg1"/>
+                        </a:solidFill>
+                        <a:effectLst/>
+                      </a:endParaRPr>
+                    </a:p>
+                    <a:p>
+                      <a:pPr algn="l">
+                        <a:spcAft>
+                          <a:spcPts val="0"/>
+                        </a:spcAft>
+                      </a:pPr>
+                      <a:r>
+                        <a:rPr lang="en-US" sz="1600" kern="0" dirty="0">
+                          <a:solidFill>
+                            <a:schemeClr val="bg1"/>
+                          </a:solidFill>
+                          <a:effectLst/>
+                        </a:rPr>
+                        <a:t>7</a:t>
+                      </a:r>
+                      <a:r>
+                        <a:rPr lang="zh-CN" sz="1600" kern="0" dirty="0">
+                          <a:solidFill>
+                            <a:schemeClr val="bg1"/>
+                          </a:solidFill>
+                          <a:effectLst/>
+                        </a:rPr>
+                        <a:t>、处理项目组内各成员之间的关系</a:t>
+                      </a:r>
+                      <a:endParaRPr lang="zh-CN" sz="1200" kern="100" dirty="0">
+                        <a:solidFill>
+                          <a:schemeClr val="bg1"/>
+                        </a:solidFill>
+                        <a:effectLst/>
+                        <a:latin typeface="等线" panose="02010600030101010101" pitchFamily="2" charset="-122"/>
+                        <a:ea typeface="等线" panose="02010600030101010101" pitchFamily="2" charset="-122"/>
+                        <a:cs typeface="Times New Roman" panose="02020603050405020304" pitchFamily="18" charset="0"/>
+                      </a:endParaRPr>
+                    </a:p>
+                  </a:txBody>
+                  <a:tcPr marL="68580" marR="68580" marT="0" marB="0" anchor="ctr"/>
+                </a:tc>
+                <a:extLst>
+                  <a:ext uri="{0D108BD9-81ED-4DB2-BD59-A6C34878D82A}">
+                    <a16:rowId xmlns:a16="http://schemas.microsoft.com/office/drawing/2014/main" val="1624619577"/>
+                  </a:ext>
+                </a:extLst>
+              </a:tr>
+            </a:tbl>
+          </a:graphicData>
+        </a:graphic>
+      </p:graphicFrame>
+      <p:graphicFrame>
+        <p:nvGraphicFramePr>
+          <p:cNvPr id="6" name="表格 5">
+            <a:extLst>
+              <a:ext uri="{FF2B5EF4-FFF2-40B4-BE49-F238E27FC236}">
+                <a16:creationId xmlns:a16="http://schemas.microsoft.com/office/drawing/2014/main" id="{43E4DB69-7063-4CF8-AB99-480F780FFD0B}"/>
+              </a:ext>
+            </a:extLst>
+          </p:cNvPr>
+          <p:cNvGraphicFramePr>
+            <a:graphicFrameLocks noGrp="1"/>
+          </p:cNvGraphicFramePr>
+          <p:nvPr>
+            <p:extLst>
+              <p:ext uri="{D42A27DB-BD31-4B8C-83A1-F6EECF244321}">
+                <p14:modId xmlns:p14="http://schemas.microsoft.com/office/powerpoint/2010/main" val="3267341575"/>
+              </p:ext>
+            </p:extLst>
+          </p:nvPr>
+        </p:nvGraphicFramePr>
+        <p:xfrm>
+          <a:off x="683569" y="4503260"/>
+          <a:ext cx="7704856" cy="2133600"/>
+        </p:xfrm>
+        <a:graphic>
+          <a:graphicData uri="http://schemas.openxmlformats.org/drawingml/2006/table">
+            <a:tbl>
+              <a:tblPr firstRow="1" firstCol="1" bandRow="1">
+                <a:tableStyleId>{5C22544A-7EE6-4342-B048-85BDC9FD1C3A}</a:tableStyleId>
+              </a:tblPr>
+              <a:tblGrid>
+                <a:gridCol w="648071">
+                  <a:extLst>
+                    <a:ext uri="{9D8B030D-6E8A-4147-A177-3AD203B41FA5}">
+                      <a16:colId xmlns:a16="http://schemas.microsoft.com/office/drawing/2014/main" val="690068418"/>
+                    </a:ext>
+                  </a:extLst>
+                </a:gridCol>
+                <a:gridCol w="7056785">
+                  <a:extLst>
+                    <a:ext uri="{9D8B030D-6E8A-4147-A177-3AD203B41FA5}">
+                      <a16:colId xmlns:a16="http://schemas.microsoft.com/office/drawing/2014/main" val="1980676967"/>
+                    </a:ext>
+                  </a:extLst>
+                </a:gridCol>
+              </a:tblGrid>
+              <a:tr h="1590036">
+                <a:tc>
+                  <a:txBody>
+                    <a:bodyPr/>
+                    <a:lstStyle/>
+                    <a:p>
+                      <a:pPr algn="just">
+                        <a:spcAft>
+                          <a:spcPts val="0"/>
+                        </a:spcAft>
+                      </a:pPr>
+                      <a:r>
+                        <a:rPr lang="zh-CN" sz="2000" kern="100" dirty="0">
+                          <a:effectLst/>
+                        </a:rPr>
+                        <a:t>权利</a:t>
+                      </a:r>
+                      <a:endParaRPr lang="zh-CN" sz="1600" kern="100" dirty="0">
+                        <a:effectLst/>
+                        <a:latin typeface="等线" panose="02010600030101010101" pitchFamily="2" charset="-122"/>
+                        <a:ea typeface="等线" panose="02010600030101010101" pitchFamily="2" charset="-122"/>
+                        <a:cs typeface="Times New Roman" panose="02020603050405020304" pitchFamily="18" charset="0"/>
+                      </a:endParaRPr>
+                    </a:p>
+                  </a:txBody>
+                  <a:tcPr marL="68580" marR="68580" marT="0" marB="0"/>
+                </a:tc>
+                <a:tc>
+                  <a:txBody>
+                    <a:bodyPr/>
+                    <a:lstStyle/>
+                    <a:p>
+                      <a:pPr algn="just">
+                        <a:spcAft>
+                          <a:spcPts val="0"/>
+                        </a:spcAft>
+                      </a:pPr>
+                      <a:r>
+                        <a:rPr lang="en-US" sz="2000" kern="100" dirty="0">
+                          <a:effectLst/>
+                        </a:rPr>
+                        <a:t>1</a:t>
+                      </a:r>
+                      <a:r>
+                        <a:rPr lang="zh-CN" sz="2000" kern="100" dirty="0">
+                          <a:effectLst/>
+                        </a:rPr>
+                        <a:t>、项目开展过程中，由权决定项目组参与者的权利并报老师备案。</a:t>
+                      </a:r>
+                      <a:endParaRPr lang="zh-CN" sz="1600" kern="100" dirty="0">
+                        <a:effectLst/>
+                      </a:endParaRPr>
+                    </a:p>
+                    <a:p>
+                      <a:pPr algn="just">
+                        <a:spcAft>
+                          <a:spcPts val="0"/>
+                        </a:spcAft>
+                      </a:pPr>
+                      <a:r>
+                        <a:rPr lang="en-US" sz="2000" kern="100" dirty="0">
+                          <a:effectLst/>
+                        </a:rPr>
+                        <a:t>2</a:t>
+                      </a:r>
+                      <a:r>
+                        <a:rPr lang="zh-CN" sz="2000" kern="100" dirty="0">
+                          <a:effectLst/>
+                        </a:rPr>
+                        <a:t>、项目经理有权决定项目组内人员的项目分配比例，并报老师备案。</a:t>
+                      </a:r>
+                      <a:endParaRPr lang="zh-CN" sz="1600" kern="100" dirty="0">
+                        <a:effectLst/>
+                      </a:endParaRPr>
+                    </a:p>
+                    <a:p>
+                      <a:pPr algn="just">
+                        <a:spcAft>
+                          <a:spcPts val="0"/>
+                        </a:spcAft>
+                      </a:pPr>
+                      <a:r>
+                        <a:rPr lang="en-US" sz="2000" kern="100" dirty="0">
+                          <a:effectLst/>
+                        </a:rPr>
+                        <a:t>3</a:t>
+                      </a:r>
+                      <a:r>
+                        <a:rPr lang="zh-CN" sz="2000" kern="100" dirty="0">
+                          <a:effectLst/>
+                        </a:rPr>
+                        <a:t>、项目开展过程中，项目组人中变动，项目经理根据项目情况，如果影响项目工期，可以提出项目工期变更申请报老师审批，备案。</a:t>
+                      </a:r>
+                      <a:endParaRPr lang="zh-CN" sz="1600" kern="100" dirty="0">
+                        <a:effectLst/>
+                        <a:latin typeface="等线" panose="02010600030101010101" pitchFamily="2" charset="-122"/>
+                        <a:ea typeface="等线" panose="02010600030101010101" pitchFamily="2" charset="-122"/>
+                        <a:cs typeface="Times New Roman" panose="02020603050405020304" pitchFamily="18" charset="0"/>
+                      </a:endParaRPr>
+                    </a:p>
+                  </a:txBody>
+                  <a:tcPr marL="68580" marR="68580" marT="0" marB="0"/>
+                </a:tc>
+                <a:extLst>
+                  <a:ext uri="{0D108BD9-81ED-4DB2-BD59-A6C34878D82A}">
+                    <a16:rowId xmlns:a16="http://schemas.microsoft.com/office/drawing/2014/main" val="1047848888"/>
+                  </a:ext>
+                </a:extLst>
+              </a:tr>
+            </a:tbl>
+          </a:graphicData>
+        </a:graphic>
+      </p:graphicFrame>
+      <p:sp>
+        <p:nvSpPr>
+          <p:cNvPr id="7" name="Rectangle 1">
+            <a:extLst>
+              <a:ext uri="{FF2B5EF4-FFF2-40B4-BE49-F238E27FC236}">
+                <a16:creationId xmlns:a16="http://schemas.microsoft.com/office/drawing/2014/main" id="{6CA2DD9F-DD66-4C9F-959B-21409DDEB2A7}"/>
+              </a:ext>
+            </a:extLst>
+          </p:cNvPr>
+          <p:cNvSpPr>
+            <a:spLocks noChangeArrowheads="1"/>
+          </p:cNvSpPr>
+          <p:nvPr/>
+        </p:nvSpPr>
+        <p:spPr bwMode="auto">
+          <a:xfrm>
+            <a:off x="1252538" y="3497263"/>
+            <a:ext cx="9144000" cy="457200"/>
+          </a:xfrm>
+          <a:prstGeom prst="rect">
+            <a:avLst/>
+          </a:prstGeom>
+          <a:noFill/>
+          <a:ln>
+            <a:noFill/>
+          </a:ln>
+          <a:effectLst/>
+          <a:extLst>
+            <a:ext uri="{909E8E84-426E-40DD-AFC4-6F175D3DCCD1}">
+              <a14:hiddenFill xmlns:a14="http://schemas.microsoft.com/office/drawing/2010/main">
+                <a:solidFill>
+                  <a:schemeClr val="accent1"/>
+                </a:solidFill>
+              </a14:hiddenFill>
+            </a:ext>
+            <a:ext uri="{91240B29-F687-4F45-9708-019B960494DF}">
+              <a14:hiddenLine xmlns:a14="http://schemas.microsoft.com/office/drawing/2010/main" w="9525">
+                <a:solidFill>
+                  <a:schemeClr val="tx1"/>
+                </a:solidFill>
+                <a:miter lim="800000"/>
+                <a:headEnd/>
+                <a:tailEnd/>
+              </a14:hiddenLine>
+            </a:ext>
+            <a:ext uri="{AF507438-7753-43E0-B8FC-AC1667EBCBE1}">
+              <a14:hiddenEffects xmlns:a14="http://schemas.microsoft.com/office/drawing/2010/main">
+                <a:effectLst>
+                  <a:outerShdw dist="35921" dir="2700000" algn="ctr" rotWithShape="0">
+                    <a:schemeClr val="bg2"/>
+                  </a:outerShdw>
+                </a:effectLst>
+              </a14:hiddenEffects>
+            </a:ext>
+          </a:extLst>
+        </p:spPr>
+        <p:txBody>
+          <a:bodyPr vert="horz" wrap="none" lIns="91440" tIns="45720" rIns="91440" bIns="45720" numCol="1" anchor="ctr" anchorCtr="0" compatLnSpc="1">
+            <a:prstTxWarp prst="textNoShape">
+              <a:avLst/>
+            </a:prstTxWarp>
+            <a:spAutoFit/>
+          </a:bodyPr>
+          <a:lstStyle/>
+          <a:p>
+            <a:pPr marL="0" marR="0" lvl="0" indent="0" algn="l" defTabSz="914400" rtl="0" eaLnBrk="0" fontAlgn="base" latinLnBrk="0" hangingPunct="0">
+              <a:lnSpc>
+                <a:spcPct val="100000"/>
+              </a:lnSpc>
+              <a:spcBef>
+                <a:spcPct val="0"/>
+              </a:spcBef>
+              <a:spcAft>
+                <a:spcPct val="0"/>
+              </a:spcAft>
+              <a:buClrTx/>
+              <a:buSzTx/>
+              <a:buFontTx/>
+              <a:buNone/>
+              <a:tabLst/>
+            </a:pPr>
+            <a:r>
+              <a:rPr kumimoji="0" lang="en-US" altLang="zh-CN" sz="1200" b="0" i="0" u="none" strike="noStrike" cap="none" normalizeH="0" baseline="0">
+                <a:ln>
+                  <a:noFill/>
+                </a:ln>
+                <a:solidFill>
+                  <a:schemeClr val="tx1"/>
+                </a:solidFill>
+                <a:effectLst/>
+                <a:latin typeface="等线" panose="02010600030101010101" pitchFamily="2" charset="-122"/>
+                <a:ea typeface="宋体" panose="02010600030101010101" pitchFamily="2" charset="-122"/>
+                <a:cs typeface="Times New Roman" panose="02020603050405020304" pitchFamily="18" charset="0"/>
+              </a:rPr>
+              <a:t> </a:t>
+            </a:r>
+            <a:endParaRPr kumimoji="0" lang="en-US" altLang="zh-CN" sz="1800" b="0" i="0" u="none" strike="noStrike" cap="none" normalizeH="0" baseline="0">
+              <a:ln>
+                <a:noFill/>
+              </a:ln>
+              <a:solidFill>
+                <a:schemeClr val="tx1"/>
+              </a:solidFill>
+              <a:effectLst/>
+              <a:latin typeface="Arial" panose="020B0604020202020204" pitchFamily="34" charset="0"/>
+            </a:endParaRPr>
+          </a:p>
+        </p:txBody>
+      </p:sp>
+      <p:sp>
+        <p:nvSpPr>
+          <p:cNvPr id="8" name="文本框 7">
+            <a:extLst>
+              <a:ext uri="{FF2B5EF4-FFF2-40B4-BE49-F238E27FC236}">
+                <a16:creationId xmlns:a16="http://schemas.microsoft.com/office/drawing/2014/main" id="{AE948B9D-2715-48A1-A058-35C5A7B9378D}"/>
+              </a:ext>
+            </a:extLst>
+          </p:cNvPr>
+          <p:cNvSpPr txBox="1"/>
+          <p:nvPr/>
+        </p:nvSpPr>
+        <p:spPr>
+          <a:xfrm>
+            <a:off x="683569" y="116632"/>
+            <a:ext cx="7056783" cy="646331"/>
+          </a:xfrm>
+          <a:prstGeom prst="rect">
+            <a:avLst/>
+          </a:prstGeom>
+          <a:noFill/>
+        </p:spPr>
+        <p:txBody>
+          <a:bodyPr wrap="square" rtlCol="0">
+            <a:spAutoFit/>
+          </a:bodyPr>
+          <a:lstStyle/>
+          <a:p>
+            <a:r>
+              <a:rPr lang="zh-CN" altLang="en-US" dirty="0">
+                <a:solidFill>
+                  <a:schemeClr val="bg1"/>
+                </a:solidFill>
+              </a:rPr>
+              <a:t>首先通过</a:t>
+            </a:r>
+            <a:r>
+              <a:rPr lang="en-US" altLang="zh-CN" dirty="0">
+                <a:solidFill>
+                  <a:schemeClr val="bg1"/>
+                </a:solidFill>
+              </a:rPr>
+              <a:t>《</a:t>
+            </a:r>
+            <a:r>
+              <a:rPr lang="zh-CN" altLang="en-US" dirty="0">
+                <a:solidFill>
+                  <a:schemeClr val="bg1"/>
+                </a:solidFill>
+              </a:rPr>
+              <a:t>项目章程</a:t>
+            </a:r>
+            <a:r>
+              <a:rPr lang="en-US" altLang="zh-CN" dirty="0">
+                <a:solidFill>
+                  <a:schemeClr val="bg1"/>
+                </a:solidFill>
+              </a:rPr>
+              <a:t>》</a:t>
+            </a:r>
+            <a:r>
+              <a:rPr lang="zh-CN" altLang="en-US" dirty="0">
+                <a:solidFill>
+                  <a:schemeClr val="bg1"/>
+                </a:solidFill>
+              </a:rPr>
+              <a:t>对</a:t>
+            </a:r>
+            <a:r>
+              <a:rPr lang="zh-CN" altLang="en-US">
+                <a:solidFill>
+                  <a:schemeClr val="bg1"/>
+                </a:solidFill>
+              </a:rPr>
+              <a:t>项目经理授权</a:t>
+            </a:r>
+            <a:r>
+              <a:rPr lang="zh-CN" altLang="en-US" dirty="0">
+                <a:solidFill>
+                  <a:schemeClr val="bg1"/>
+                </a:solidFill>
+              </a:rPr>
+              <a:t>后进行需求工程计划的相关工作</a:t>
+            </a:r>
+          </a:p>
+        </p:txBody>
+      </p:sp>
+    </p:spTree>
+    <p:extLst>
+      <p:ext uri="{BB962C8B-B14F-4D97-AF65-F5344CB8AC3E}">
+        <p14:creationId xmlns:p14="http://schemas.microsoft.com/office/powerpoint/2010/main" val="4293480692"/>
+      </p:ext>
+    </p:extLst>
+  </p:cSld>
+  <p:clrMapOvr>
+    <a:masterClrMapping/>
+  </p:clrMapOvr>
+</p:sld>
+</file>
+
+<file path=ppt/slides/slide5.xml><?xml version="1.0" encoding="utf-8"?>
+<p:sld xmlns:a="http://schemas.openxmlformats.org/drawingml/2006/main" xmlns:r="http://schemas.openxmlformats.org/officeDocument/2006/relationships" xmlns:p="http://schemas.openxmlformats.org/presentationml/2006/main">
+  <p:cSld>
+    <p:spTree>
+      <p:nvGrpSpPr>
+        <p:cNvPr id="1" name=""/>
+        <p:cNvGrpSpPr/>
+        <p:nvPr/>
+      </p:nvGrpSpPr>
+      <p:grpSpPr>
+        <a:xfrm>
+          <a:off x="0" y="0"/>
+          <a:ext cx="0" cy="0"/>
+          <a:chOff x="0" y="0"/>
+          <a:chExt cx="0" cy="0"/>
+        </a:xfrm>
+      </p:grpSpPr>
+      <p:sp>
+        <p:nvSpPr>
+          <p:cNvPr id="3" name="内容占位符 2">
+            <a:extLst>
+              <a:ext uri="{FF2B5EF4-FFF2-40B4-BE49-F238E27FC236}">
+                <a16:creationId xmlns:a16="http://schemas.microsoft.com/office/drawing/2014/main" id="{CE9D714B-14C0-41C7-8117-7E6DCEF1A6FA}"/>
+              </a:ext>
+            </a:extLst>
+          </p:cNvPr>
+          <p:cNvSpPr>
+            <a:spLocks noGrp="1"/>
+          </p:cNvSpPr>
+          <p:nvPr>
+            <p:ph idx="1"/>
+          </p:nvPr>
+        </p:nvSpPr>
+        <p:spPr>
+          <a:xfrm>
+            <a:off x="611560" y="188640"/>
+            <a:ext cx="8229600" cy="6552728"/>
+          </a:xfrm>
+        </p:spPr>
+        <p:txBody>
+          <a:bodyPr>
+            <a:normAutofit fontScale="25000" lnSpcReduction="20000"/>
+          </a:bodyPr>
+          <a:lstStyle/>
+          <a:p>
+            <a:r>
+              <a:rPr lang="zh-CN" altLang="zh-CN" sz="11200" b="1" dirty="0">
+                <a:solidFill>
+                  <a:schemeClr val="bg1"/>
+                </a:solidFill>
+                <a:latin typeface="+mn-ea"/>
+              </a:rPr>
+              <a:t>参考资料</a:t>
+            </a:r>
+          </a:p>
+          <a:p>
+            <a:r>
+              <a:rPr lang="en-US" altLang="zh-CN" sz="11200" dirty="0">
+                <a:solidFill>
+                  <a:schemeClr val="bg1"/>
+                </a:solidFill>
+                <a:latin typeface="+mn-ea"/>
+              </a:rPr>
+              <a:t>[</a:t>
+            </a:r>
+            <a:r>
+              <a:rPr lang="zh-CN" altLang="zh-CN" sz="11200" dirty="0">
+                <a:solidFill>
+                  <a:schemeClr val="bg1"/>
+                </a:solidFill>
+                <a:latin typeface="+mn-ea"/>
+              </a:rPr>
+              <a:t>文档格式要求按照我国</a:t>
+            </a:r>
+            <a:r>
+              <a:rPr lang="en-US" altLang="zh-CN" sz="11200" dirty="0">
+                <a:solidFill>
+                  <a:schemeClr val="bg1"/>
+                </a:solidFill>
+                <a:latin typeface="+mn-ea"/>
+              </a:rPr>
+              <a:t>GB856T</a:t>
+            </a:r>
+            <a:r>
+              <a:rPr lang="zh-CN" altLang="zh-CN" sz="11200" dirty="0">
+                <a:solidFill>
+                  <a:schemeClr val="bg1"/>
+                </a:solidFill>
+                <a:latin typeface="+mn-ea"/>
+              </a:rPr>
+              <a:t>——</a:t>
+            </a:r>
+            <a:r>
+              <a:rPr lang="en-US" altLang="zh-CN" sz="11200" dirty="0">
+                <a:solidFill>
+                  <a:schemeClr val="bg1"/>
+                </a:solidFill>
+                <a:latin typeface="+mn-ea"/>
+              </a:rPr>
+              <a:t>88</a:t>
+            </a:r>
+            <a:r>
+              <a:rPr lang="zh-CN" altLang="zh-CN" sz="11200" dirty="0">
+                <a:solidFill>
+                  <a:schemeClr val="bg1"/>
+                </a:solidFill>
+                <a:latin typeface="+mn-ea"/>
+              </a:rPr>
+              <a:t>国家标准规范，</a:t>
+            </a:r>
+            <a:r>
+              <a:rPr lang="en-US" altLang="zh-CN" sz="11200" dirty="0">
+                <a:solidFill>
+                  <a:schemeClr val="bg1"/>
+                </a:solidFill>
+                <a:latin typeface="+mn-ea"/>
+              </a:rPr>
+              <a:t>GB/T8567-1988</a:t>
+            </a:r>
+            <a:r>
+              <a:rPr lang="zh-CN" altLang="zh-CN" sz="11200" dirty="0">
+                <a:solidFill>
+                  <a:schemeClr val="bg1"/>
+                </a:solidFill>
+                <a:latin typeface="+mn-ea"/>
+              </a:rPr>
+              <a:t>国家标准和</a:t>
+            </a:r>
+            <a:r>
+              <a:rPr lang="en-US" altLang="zh-CN" sz="11200" dirty="0">
+                <a:solidFill>
+                  <a:schemeClr val="bg1"/>
+                </a:solidFill>
+                <a:latin typeface="+mn-ea"/>
+              </a:rPr>
+              <a:t>IEEE/ANSI830-1993</a:t>
+            </a:r>
+            <a:r>
+              <a:rPr lang="zh-CN" altLang="zh-CN" sz="11200" dirty="0">
+                <a:solidFill>
+                  <a:schemeClr val="bg1"/>
+                </a:solidFill>
+                <a:latin typeface="+mn-ea"/>
+              </a:rPr>
+              <a:t>标准规范要求进行。</a:t>
+            </a:r>
+            <a:r>
+              <a:rPr lang="en-US" altLang="zh-CN" sz="11200" dirty="0">
+                <a:solidFill>
+                  <a:schemeClr val="bg1"/>
+                </a:solidFill>
+                <a:latin typeface="+mn-ea"/>
+              </a:rPr>
+              <a:t> </a:t>
+            </a:r>
+            <a:endParaRPr lang="zh-CN" altLang="zh-CN" sz="11200" dirty="0">
+              <a:solidFill>
+                <a:schemeClr val="bg1"/>
+              </a:solidFill>
+              <a:latin typeface="+mn-ea"/>
+            </a:endParaRPr>
+          </a:p>
+          <a:p>
+            <a:r>
+              <a:rPr lang="zh-CN" altLang="zh-CN" sz="11200" dirty="0">
+                <a:solidFill>
+                  <a:schemeClr val="bg1"/>
+                </a:solidFill>
+                <a:latin typeface="+mn-ea"/>
+              </a:rPr>
+              <a:t>参考书籍包括：软件项目管理（第</a:t>
+            </a:r>
+            <a:r>
+              <a:rPr lang="en-US" altLang="zh-CN" sz="11200" dirty="0">
+                <a:solidFill>
+                  <a:schemeClr val="bg1"/>
+                </a:solidFill>
+                <a:latin typeface="+mn-ea"/>
+              </a:rPr>
+              <a:t>5</a:t>
+            </a:r>
+            <a:r>
+              <a:rPr lang="zh-CN" altLang="zh-CN" sz="11200" dirty="0">
+                <a:solidFill>
+                  <a:schemeClr val="bg1"/>
+                </a:solidFill>
+                <a:latin typeface="+mn-ea"/>
+              </a:rPr>
+              <a:t>版），</a:t>
+            </a:r>
+            <a:r>
+              <a:rPr lang="en-US" altLang="zh-CN" sz="11200" dirty="0">
+                <a:solidFill>
+                  <a:schemeClr val="bg1"/>
+                </a:solidFill>
+                <a:latin typeface="+mn-ea"/>
+              </a:rPr>
+              <a:t>Bob Hughes</a:t>
+            </a:r>
+            <a:r>
+              <a:rPr lang="zh-CN" altLang="zh-CN" sz="11200" dirty="0">
+                <a:solidFill>
+                  <a:schemeClr val="bg1"/>
+                </a:solidFill>
+                <a:latin typeface="+mn-ea"/>
+              </a:rPr>
+              <a:t>、</a:t>
+            </a:r>
+            <a:r>
+              <a:rPr lang="en-US" altLang="zh-CN" sz="11200" dirty="0">
+                <a:solidFill>
+                  <a:schemeClr val="bg1"/>
+                </a:solidFill>
+                <a:latin typeface="+mn-ea"/>
+              </a:rPr>
+              <a:t>Mike </a:t>
+            </a:r>
+            <a:r>
+              <a:rPr lang="en-US" altLang="zh-CN" sz="11200" dirty="0" err="1">
+                <a:solidFill>
+                  <a:schemeClr val="bg1"/>
+                </a:solidFill>
+                <a:latin typeface="+mn-ea"/>
+              </a:rPr>
+              <a:t>Cotterell</a:t>
+            </a:r>
+            <a:r>
+              <a:rPr lang="zh-CN" altLang="zh-CN" sz="11200" dirty="0">
+                <a:solidFill>
+                  <a:schemeClr val="bg1"/>
+                </a:solidFill>
+                <a:latin typeface="+mn-ea"/>
+              </a:rPr>
+              <a:t>著，廖彬山、周卫华 译，机械工业出版社，</a:t>
+            </a:r>
+            <a:r>
+              <a:rPr lang="en-US" altLang="zh-CN" sz="11200" dirty="0">
+                <a:solidFill>
+                  <a:schemeClr val="bg1"/>
+                </a:solidFill>
+                <a:latin typeface="+mn-ea"/>
+              </a:rPr>
+              <a:t>2010</a:t>
+            </a:r>
+            <a:endParaRPr lang="zh-CN" altLang="zh-CN" sz="11200" dirty="0">
+              <a:solidFill>
+                <a:schemeClr val="bg1"/>
+              </a:solidFill>
+              <a:latin typeface="+mn-ea"/>
+            </a:endParaRPr>
+          </a:p>
+          <a:p>
+            <a:r>
+              <a:rPr lang="zh-CN" altLang="zh-CN" sz="11200" dirty="0">
+                <a:solidFill>
+                  <a:schemeClr val="bg1"/>
+                </a:solidFill>
+                <a:latin typeface="+mn-ea"/>
+              </a:rPr>
+              <a:t>软件需求（第</a:t>
+            </a:r>
+            <a:r>
+              <a:rPr lang="en-US" altLang="zh-CN" sz="11200" dirty="0">
+                <a:solidFill>
+                  <a:schemeClr val="bg1"/>
+                </a:solidFill>
+                <a:latin typeface="+mn-ea"/>
+              </a:rPr>
+              <a:t>3</a:t>
+            </a:r>
+            <a:r>
+              <a:rPr lang="zh-CN" altLang="zh-CN" sz="11200" dirty="0">
+                <a:solidFill>
+                  <a:schemeClr val="bg1"/>
+                </a:solidFill>
+                <a:latin typeface="+mn-ea"/>
+              </a:rPr>
+              <a:t>版），</a:t>
+            </a:r>
+            <a:r>
+              <a:rPr lang="en-US" altLang="zh-CN" sz="11200" dirty="0">
+                <a:solidFill>
+                  <a:schemeClr val="bg1"/>
+                </a:solidFill>
+                <a:latin typeface="+mn-ea"/>
+              </a:rPr>
+              <a:t>Karl </a:t>
+            </a:r>
+            <a:r>
+              <a:rPr lang="en-US" altLang="zh-CN" sz="11200" dirty="0" err="1">
+                <a:solidFill>
+                  <a:schemeClr val="bg1"/>
+                </a:solidFill>
+                <a:latin typeface="+mn-ea"/>
+              </a:rPr>
+              <a:t>Wiegers</a:t>
+            </a:r>
+            <a:r>
+              <a:rPr lang="zh-CN" altLang="zh-CN" sz="11200" dirty="0">
+                <a:solidFill>
+                  <a:schemeClr val="bg1"/>
+                </a:solidFill>
+                <a:latin typeface="+mn-ea"/>
+              </a:rPr>
+              <a:t>、</a:t>
+            </a:r>
+            <a:r>
+              <a:rPr lang="en-US" altLang="zh-CN" sz="11200" dirty="0">
+                <a:solidFill>
+                  <a:schemeClr val="bg1"/>
+                </a:solidFill>
+                <a:latin typeface="+mn-ea"/>
+              </a:rPr>
+              <a:t>Joy Beatty</a:t>
+            </a:r>
+            <a:r>
+              <a:rPr lang="zh-CN" altLang="zh-CN" sz="11200" dirty="0">
+                <a:solidFill>
+                  <a:schemeClr val="bg1"/>
+                </a:solidFill>
+                <a:latin typeface="+mn-ea"/>
+              </a:rPr>
+              <a:t>著，李忠利、李淳、霍金健、孔晨辉 译，清华大学出版，</a:t>
+            </a:r>
+            <a:r>
+              <a:rPr lang="en-US" altLang="zh-CN" sz="11200" dirty="0">
+                <a:solidFill>
+                  <a:schemeClr val="bg1"/>
+                </a:solidFill>
+                <a:latin typeface="+mn-ea"/>
+              </a:rPr>
+              <a:t>2016</a:t>
+            </a:r>
+            <a:endParaRPr lang="zh-CN" altLang="zh-CN" sz="11200" dirty="0">
+              <a:solidFill>
+                <a:schemeClr val="bg1"/>
+              </a:solidFill>
+              <a:latin typeface="+mn-ea"/>
+            </a:endParaRPr>
+          </a:p>
+          <a:p>
+            <a:r>
+              <a:rPr lang="en-US" altLang="zh-CN" sz="11200" dirty="0">
+                <a:solidFill>
+                  <a:schemeClr val="bg1"/>
+                </a:solidFill>
+                <a:latin typeface="+mn-ea"/>
+              </a:rPr>
+              <a:t>UML</a:t>
+            </a:r>
+            <a:r>
+              <a:rPr lang="zh-CN" altLang="zh-CN" sz="11200" dirty="0">
+                <a:solidFill>
+                  <a:schemeClr val="bg1"/>
+                </a:solidFill>
+                <a:latin typeface="+mn-ea"/>
+              </a:rPr>
+              <a:t>用户指南 （第</a:t>
+            </a:r>
+            <a:r>
+              <a:rPr lang="en-US" altLang="zh-CN" sz="11200" dirty="0">
+                <a:solidFill>
+                  <a:schemeClr val="bg1"/>
+                </a:solidFill>
+                <a:latin typeface="+mn-ea"/>
+              </a:rPr>
+              <a:t>2</a:t>
+            </a:r>
+            <a:r>
+              <a:rPr lang="zh-CN" altLang="zh-CN" sz="11200" dirty="0">
+                <a:solidFill>
+                  <a:schemeClr val="bg1"/>
+                </a:solidFill>
+                <a:latin typeface="+mn-ea"/>
+              </a:rPr>
+              <a:t>版·修订版），</a:t>
+            </a:r>
+            <a:r>
+              <a:rPr lang="en-US" altLang="zh-CN" sz="11200" dirty="0">
+                <a:solidFill>
+                  <a:schemeClr val="bg1"/>
+                </a:solidFill>
+                <a:latin typeface="+mn-ea"/>
+              </a:rPr>
+              <a:t>Grady </a:t>
+            </a:r>
+            <a:r>
+              <a:rPr lang="en-US" altLang="zh-CN" sz="11200" dirty="0" err="1">
+                <a:solidFill>
+                  <a:schemeClr val="bg1"/>
+                </a:solidFill>
+                <a:latin typeface="+mn-ea"/>
+              </a:rPr>
+              <a:t>Booch</a:t>
+            </a:r>
+            <a:r>
+              <a:rPr lang="zh-CN" altLang="zh-CN" sz="11200" dirty="0">
+                <a:solidFill>
+                  <a:schemeClr val="bg1"/>
+                </a:solidFill>
+                <a:latin typeface="+mn-ea"/>
+              </a:rPr>
+              <a:t>、</a:t>
+            </a:r>
+            <a:r>
+              <a:rPr lang="en-US" altLang="zh-CN" sz="11200" dirty="0">
+                <a:solidFill>
+                  <a:schemeClr val="bg1"/>
+                </a:solidFill>
+                <a:latin typeface="+mn-ea"/>
+              </a:rPr>
+              <a:t>James Rumbaugh</a:t>
+            </a:r>
+            <a:r>
+              <a:rPr lang="zh-CN" altLang="zh-CN" sz="11200" dirty="0">
+                <a:solidFill>
+                  <a:schemeClr val="bg1"/>
+                </a:solidFill>
+                <a:latin typeface="+mn-ea"/>
+              </a:rPr>
+              <a:t>、</a:t>
+            </a:r>
+            <a:r>
+              <a:rPr lang="en-US" altLang="zh-CN" sz="11200" dirty="0">
+                <a:solidFill>
+                  <a:schemeClr val="bg1"/>
+                </a:solidFill>
+                <a:latin typeface="+mn-ea"/>
+              </a:rPr>
+              <a:t>Ivar Jacobson g </a:t>
+            </a:r>
+            <a:r>
+              <a:rPr lang="zh-CN" altLang="zh-CN" sz="11200" dirty="0">
+                <a:solidFill>
+                  <a:schemeClr val="bg1"/>
+                </a:solidFill>
+                <a:latin typeface="+mn-ea"/>
+              </a:rPr>
+              <a:t>，邵维忠、麻志毅、马浩海、刘辉 译，人民邮电出版</a:t>
+            </a:r>
+            <a:r>
+              <a:rPr lang="en-US" altLang="zh-CN" sz="11200" dirty="0">
+                <a:solidFill>
+                  <a:schemeClr val="bg1"/>
+                </a:solidFill>
+                <a:latin typeface="+mn-ea"/>
+              </a:rPr>
+              <a:t>,2013</a:t>
+            </a:r>
+            <a:endParaRPr lang="zh-CN" altLang="zh-CN" sz="11200" dirty="0">
+              <a:solidFill>
+                <a:schemeClr val="bg1"/>
+              </a:solidFill>
+              <a:latin typeface="+mn-ea"/>
+            </a:endParaRPr>
+          </a:p>
+          <a:p>
+            <a:r>
+              <a:rPr lang="en-US" altLang="zh-CN" sz="11200" dirty="0">
+                <a:solidFill>
+                  <a:schemeClr val="bg1"/>
+                </a:solidFill>
+                <a:latin typeface="+mn-ea"/>
+              </a:rPr>
+              <a:t>UML2</a:t>
+            </a:r>
+            <a:r>
+              <a:rPr lang="zh-CN" altLang="zh-CN" sz="11200" dirty="0">
+                <a:solidFill>
+                  <a:schemeClr val="bg1"/>
+                </a:solidFill>
+                <a:latin typeface="+mn-ea"/>
+              </a:rPr>
+              <a:t>基础、 建模与设计教程</a:t>
+            </a:r>
+            <a:r>
+              <a:rPr lang="en-US" altLang="zh-CN" sz="11200" dirty="0">
+                <a:solidFill>
+                  <a:schemeClr val="bg1"/>
+                </a:solidFill>
+                <a:latin typeface="+mn-ea"/>
+              </a:rPr>
+              <a:t>,</a:t>
+            </a:r>
+            <a:r>
+              <a:rPr lang="zh-CN" altLang="zh-CN" sz="11200" dirty="0">
+                <a:solidFill>
+                  <a:schemeClr val="bg1"/>
+                </a:solidFill>
+                <a:latin typeface="+mn-ea"/>
+              </a:rPr>
+              <a:t>杨弘平 等 编著</a:t>
+            </a:r>
+            <a:r>
+              <a:rPr lang="en-US" altLang="zh-CN" sz="11200" dirty="0">
+                <a:solidFill>
+                  <a:schemeClr val="bg1"/>
+                </a:solidFill>
+                <a:latin typeface="+mn-ea"/>
+              </a:rPr>
+              <a:t>, </a:t>
+            </a:r>
+            <a:r>
+              <a:rPr lang="zh-CN" altLang="zh-CN" sz="11200" dirty="0">
+                <a:solidFill>
+                  <a:schemeClr val="bg1"/>
+                </a:solidFill>
+                <a:latin typeface="+mn-ea"/>
+              </a:rPr>
+              <a:t>清华大学出版社</a:t>
+            </a:r>
+            <a:r>
+              <a:rPr lang="en-US" altLang="zh-CN" sz="11200" dirty="0">
+                <a:solidFill>
+                  <a:schemeClr val="bg1"/>
+                </a:solidFill>
+                <a:latin typeface="+mn-ea"/>
+              </a:rPr>
+              <a:t>,2015</a:t>
+            </a:r>
+            <a:endParaRPr lang="zh-CN" altLang="zh-CN" sz="11200" dirty="0">
+              <a:solidFill>
+                <a:schemeClr val="bg1"/>
+              </a:solidFill>
+              <a:latin typeface="+mn-ea"/>
+            </a:endParaRPr>
+          </a:p>
+          <a:p>
+            <a:r>
+              <a:rPr lang="zh-CN" altLang="zh-CN" sz="11200" dirty="0">
+                <a:solidFill>
+                  <a:schemeClr val="bg1"/>
+                </a:solidFill>
+                <a:latin typeface="+mn-ea"/>
+              </a:rPr>
+              <a:t>软件工程导论（第</a:t>
+            </a:r>
+            <a:r>
+              <a:rPr lang="en-US" altLang="zh-CN" sz="11200" dirty="0">
+                <a:solidFill>
+                  <a:schemeClr val="bg1"/>
+                </a:solidFill>
+                <a:latin typeface="+mn-ea"/>
+              </a:rPr>
+              <a:t>6</a:t>
+            </a:r>
+            <a:r>
+              <a:rPr lang="zh-CN" altLang="zh-CN" sz="11200" dirty="0">
+                <a:solidFill>
+                  <a:schemeClr val="bg1"/>
+                </a:solidFill>
+                <a:latin typeface="+mn-ea"/>
+              </a:rPr>
+              <a:t>版）</a:t>
+            </a:r>
+            <a:r>
+              <a:rPr lang="en-US" altLang="zh-CN" sz="11200" dirty="0">
+                <a:solidFill>
+                  <a:schemeClr val="bg1"/>
+                </a:solidFill>
+                <a:latin typeface="+mn-ea"/>
+              </a:rPr>
+              <a:t>,</a:t>
+            </a:r>
+            <a:r>
+              <a:rPr lang="zh-CN" altLang="zh-CN" sz="11200" dirty="0">
+                <a:solidFill>
+                  <a:schemeClr val="bg1"/>
+                </a:solidFill>
+                <a:latin typeface="+mn-ea"/>
+              </a:rPr>
+              <a:t>张海藩 牟永敏 编著</a:t>
+            </a:r>
+            <a:r>
+              <a:rPr lang="en-US" altLang="zh-CN" sz="11200" dirty="0">
+                <a:solidFill>
+                  <a:schemeClr val="bg1"/>
+                </a:solidFill>
+                <a:latin typeface="+mn-ea"/>
+              </a:rPr>
+              <a:t>, </a:t>
+            </a:r>
+            <a:r>
+              <a:rPr lang="zh-CN" altLang="zh-CN" sz="11200" dirty="0">
+                <a:solidFill>
+                  <a:schemeClr val="bg1"/>
+                </a:solidFill>
+                <a:latin typeface="+mn-ea"/>
+              </a:rPr>
+              <a:t>清华大学出版社</a:t>
+            </a:r>
+            <a:r>
+              <a:rPr lang="en-US" altLang="zh-CN" sz="11200" dirty="0">
+                <a:solidFill>
+                  <a:schemeClr val="bg1"/>
+                </a:solidFill>
+                <a:latin typeface="+mn-ea"/>
+              </a:rPr>
+              <a:t>,2013</a:t>
+            </a:r>
+            <a:endParaRPr lang="zh-CN" altLang="zh-CN" sz="11200" dirty="0">
+              <a:solidFill>
+                <a:schemeClr val="bg1"/>
+              </a:solidFill>
+              <a:latin typeface="+mn-ea"/>
+            </a:endParaRPr>
+          </a:p>
+          <a:p>
+            <a:endParaRPr lang="zh-CN" altLang="en-US" sz="2400" dirty="0">
+              <a:solidFill>
+                <a:schemeClr val="bg1"/>
+              </a:solidFill>
+            </a:endParaRPr>
+          </a:p>
+        </p:txBody>
+      </p:sp>
+    </p:spTree>
+    <p:extLst>
+      <p:ext uri="{BB962C8B-B14F-4D97-AF65-F5344CB8AC3E}">
+        <p14:creationId xmlns:p14="http://schemas.microsoft.com/office/powerpoint/2010/main" val="2016988361"/>
+      </p:ext>
+    </p:extLst>
+  </p:cSld>
+  <p:clrMapOvr>
+    <a:masterClrMapping/>
+  </p:clrMapOvr>
+</p:sld>
+</file>
+
+<file path=ppt/slides/slide6.xml><?xml version="1.0" encoding="utf-8"?>
+<p:sld xmlns:a="http://schemas.openxmlformats.org/drawingml/2006/main" xmlns:r="http://schemas.openxmlformats.org/officeDocument/2006/relationships" xmlns:p="http://schemas.openxmlformats.org/presentationml/2006/main">
+  <p:cSld>
+    <p:spTree>
+      <p:nvGrpSpPr>
+        <p:cNvPr id="1" name=""/>
+        <p:cNvGrpSpPr/>
+        <p:nvPr/>
+      </p:nvGrpSpPr>
+      <p:grpSpPr>
+        <a:xfrm>
+          <a:off x="0" y="0"/>
+          <a:ext cx="0" cy="0"/>
+          <a:chOff x="0" y="0"/>
+          <a:chExt cx="0" cy="0"/>
+        </a:xfrm>
+      </p:grpSpPr>
+      <p:sp>
+        <p:nvSpPr>
+          <p:cNvPr id="6" name="文本框 5">
+            <a:extLst>
+              <a:ext uri="{FF2B5EF4-FFF2-40B4-BE49-F238E27FC236}">
+                <a16:creationId xmlns:a16="http://schemas.microsoft.com/office/drawing/2014/main" id="{A98F1ABD-0DD8-4D19-9E78-979B7F2FE0DD}"/>
+              </a:ext>
+            </a:extLst>
+          </p:cNvPr>
+          <p:cNvSpPr txBox="1"/>
+          <p:nvPr/>
+        </p:nvSpPr>
+        <p:spPr>
+          <a:xfrm>
+            <a:off x="7452320" y="6427702"/>
+            <a:ext cx="2105332" cy="369332"/>
+          </a:xfrm>
+          <a:prstGeom prst="rect">
+            <a:avLst/>
+          </a:prstGeom>
+          <a:noFill/>
+        </p:spPr>
+        <p:txBody>
+          <a:bodyPr wrap="square" rtlCol="0">
+            <a:spAutoFit/>
+          </a:bodyPr>
+          <a:lstStyle/>
+          <a:p>
+            <a:r>
+              <a:rPr lang="zh-CN" altLang="en-US" dirty="0">
+                <a:solidFill>
+                  <a:schemeClr val="bg1"/>
+                </a:solidFill>
+              </a:rPr>
+              <a:t>责任人：邬立东</a:t>
+            </a:r>
+          </a:p>
+        </p:txBody>
+      </p:sp>
+      <p:pic>
+        <p:nvPicPr>
+          <p:cNvPr id="8" name="图片 7">
+            <a:extLst>
+              <a:ext uri="{FF2B5EF4-FFF2-40B4-BE49-F238E27FC236}">
+                <a16:creationId xmlns:a16="http://schemas.microsoft.com/office/drawing/2014/main" id="{CFFDD250-97F8-4523-B051-547495A13C52}"/>
+              </a:ext>
+            </a:extLst>
+          </p:cNvPr>
+          <p:cNvPicPr>
+            <a:picLocks noChangeAspect="1"/>
+          </p:cNvPicPr>
+          <p:nvPr/>
+        </p:nvPicPr>
+        <p:blipFill>
+          <a:blip r:embed="rId2">
+            <a:extLst>
+              <a:ext uri="{28A0092B-C50C-407E-A947-70E740481C1C}">
+                <a14:useLocalDpi xmlns:a14="http://schemas.microsoft.com/office/drawing/2010/main" val="0"/>
+              </a:ext>
+            </a:extLst>
+          </a:blip>
+          <a:stretch>
+            <a:fillRect/>
+          </a:stretch>
+        </p:blipFill>
+        <p:spPr>
+          <a:xfrm>
+            <a:off x="-108520" y="404664"/>
+            <a:ext cx="9377728" cy="5832648"/>
+          </a:xfrm>
+          <a:prstGeom prst="rect">
+            <a:avLst/>
+          </a:prstGeom>
+        </p:spPr>
+      </p:pic>
+      <p:sp>
+        <p:nvSpPr>
+          <p:cNvPr id="9" name="TextBox 4">
+            <a:extLst>
+              <a:ext uri="{FF2B5EF4-FFF2-40B4-BE49-F238E27FC236}">
+                <a16:creationId xmlns:a16="http://schemas.microsoft.com/office/drawing/2014/main" id="{1F5A3034-BDAB-4D85-BFEB-FB8B8FC3B90B}"/>
+              </a:ext>
+            </a:extLst>
+          </p:cNvPr>
+          <p:cNvSpPr txBox="1"/>
+          <p:nvPr/>
+        </p:nvSpPr>
+        <p:spPr>
+          <a:xfrm>
+            <a:off x="2393141" y="6381328"/>
+            <a:ext cx="4357718" cy="369332"/>
+          </a:xfrm>
+          <a:prstGeom prst="rect">
+            <a:avLst/>
+          </a:prstGeom>
+          <a:noFill/>
+        </p:spPr>
+        <p:txBody>
+          <a:bodyPr wrap="square" rtlCol="0">
+            <a:spAutoFit/>
+          </a:bodyPr>
+          <a:lstStyle/>
+          <a:p>
+            <a:pPr algn="ctr"/>
+            <a:r>
+              <a:rPr lang="en-US" altLang="zh-CN" dirty="0">
+                <a:solidFill>
+                  <a:schemeClr val="bg1"/>
+                </a:solidFill>
+              </a:rPr>
+              <a:t>WBS</a:t>
+            </a:r>
+            <a:endParaRPr lang="zh-CN" altLang="en-US" dirty="0">
+              <a:solidFill>
+                <a:schemeClr val="bg1"/>
+              </a:solidFill>
+            </a:endParaRPr>
+          </a:p>
+        </p:txBody>
+      </p:sp>
+    </p:spTree>
+    <p:extLst>
+      <p:ext uri="{BB962C8B-B14F-4D97-AF65-F5344CB8AC3E}">
+        <p14:creationId xmlns:p14="http://schemas.microsoft.com/office/powerpoint/2010/main" val="1291152795"/>
+      </p:ext>
+    </p:extLst>
+  </p:cSld>
+  <p:clrMapOvr>
+    <a:masterClrMapping/>
+  </p:clrMapOvr>
+</p:sld>
+</file>
+
+<file path=ppt/slides/slide7.xml><?xml version="1.0" encoding="utf-8"?>
 <p:sld xmlns:a="http://schemas.openxmlformats.org/drawingml/2006/main" xmlns:r="http://schemas.openxmlformats.org/officeDocument/2006/relationships" xmlns:p="http://schemas.openxmlformats.org/presentationml/2006/main">
   <p:cSld>
     <p:spTree>
@@ -20113,7 +20950,7 @@
 </p:sld>
 </file>
 
-<file path=ppt/slides/slide5.xml><?xml version="1.0" encoding="utf-8"?>
+<file path=ppt/slides/slide8.xml><?xml version="1.0" encoding="utf-8"?>
 <p:sld xmlns:a="http://schemas.openxmlformats.org/drawingml/2006/main" xmlns:r="http://schemas.openxmlformats.org/officeDocument/2006/relationships" xmlns:p="http://schemas.openxmlformats.org/presentationml/2006/main">
   <p:cSld>
     <p:spTree>
@@ -20263,7 +21100,7 @@
 </p:sld>
 </file>
 
-<file path=ppt/slides/slide6.xml><?xml version="1.0" encoding="utf-8"?>
+<file path=ppt/slides/slide9.xml><?xml version="1.0" encoding="utf-8"?>
 <p:sld xmlns:a="http://schemas.openxmlformats.org/drawingml/2006/main" xmlns:r="http://schemas.openxmlformats.org/officeDocument/2006/relationships" xmlns:p="http://schemas.openxmlformats.org/presentationml/2006/main">
   <p:cSld>
     <p:spTree>
@@ -20407,514 +21244,6 @@
     <p:extLst>
       <p:ext uri="{BB962C8B-B14F-4D97-AF65-F5344CB8AC3E}">
         <p14:creationId xmlns:p14="http://schemas.microsoft.com/office/powerpoint/2010/main" val="2094004576"/>
-      </p:ext>
-    </p:extLst>
-  </p:cSld>
-  <p:clrMapOvr>
-    <a:masterClrMapping/>
-  </p:clrMapOvr>
-</p:sld>
-</file>
-
-<file path=ppt/slides/slide7.xml><?xml version="1.0" encoding="utf-8"?>
-<p:sld xmlns:a="http://schemas.openxmlformats.org/drawingml/2006/main" xmlns:r="http://schemas.openxmlformats.org/officeDocument/2006/relationships" xmlns:p="http://schemas.openxmlformats.org/presentationml/2006/main">
-  <p:cSld>
-    <p:spTree>
-      <p:nvGrpSpPr>
-        <p:cNvPr id="1" name=""/>
-        <p:cNvGrpSpPr/>
-        <p:nvPr/>
-      </p:nvGrpSpPr>
-      <p:grpSpPr>
-        <a:xfrm>
-          <a:off x="0" y="0"/>
-          <a:ext cx="0" cy="0"/>
-          <a:chOff x="0" y="0"/>
-          <a:chExt cx="0" cy="0"/>
-        </a:xfrm>
-      </p:grpSpPr>
-      <p:pic>
-        <p:nvPicPr>
-          <p:cNvPr id="4" name="内容占位符 3" descr="C:\Users\wutong\AppData\Local\Temp\1509602331(1).png">
-            <a:extLst>
-              <a:ext uri="{FF2B5EF4-FFF2-40B4-BE49-F238E27FC236}">
-                <a16:creationId xmlns:a16="http://schemas.microsoft.com/office/drawing/2014/main" id="{EE3240D1-F62C-4275-87AB-DAB163B8A16B}"/>
-              </a:ext>
-            </a:extLst>
-          </p:cNvPr>
-          <p:cNvPicPr>
-            <a:picLocks noGrp="1"/>
-          </p:cNvPicPr>
-          <p:nvPr>
-            <p:ph idx="1"/>
-          </p:nvPr>
-        </p:nvPicPr>
-        <p:blipFill>
-          <a:blip r:embed="rId2">
-            <a:extLst>
-              <a:ext uri="{28A0092B-C50C-407E-A947-70E740481C1C}">
-                <a14:useLocalDpi xmlns:a14="http://schemas.microsoft.com/office/drawing/2010/main" val="0"/>
-              </a:ext>
-            </a:extLst>
-          </a:blip>
-          <a:srcRect/>
-          <a:stretch>
-            <a:fillRect/>
-          </a:stretch>
-        </p:blipFill>
-        <p:spPr bwMode="auto">
-          <a:xfrm>
-            <a:off x="2267744" y="476672"/>
-            <a:ext cx="4680520" cy="5688632"/>
-          </a:xfrm>
-          <a:prstGeom prst="rect">
-            <a:avLst/>
-          </a:prstGeom>
-          <a:noFill/>
-          <a:ln>
-            <a:noFill/>
-          </a:ln>
-        </p:spPr>
-      </p:pic>
-      <p:sp>
-        <p:nvSpPr>
-          <p:cNvPr id="5" name="文本框 4">
-            <a:extLst>
-              <a:ext uri="{FF2B5EF4-FFF2-40B4-BE49-F238E27FC236}">
-                <a16:creationId xmlns:a16="http://schemas.microsoft.com/office/drawing/2014/main" id="{41105088-4952-4C8B-855B-7EB1C1FC5817}"/>
-              </a:ext>
-            </a:extLst>
-          </p:cNvPr>
-          <p:cNvSpPr txBox="1"/>
-          <p:nvPr/>
-        </p:nvSpPr>
-        <p:spPr>
-          <a:xfrm>
-            <a:off x="6867540" y="6389712"/>
-            <a:ext cx="2105332" cy="369332"/>
-          </a:xfrm>
-          <a:prstGeom prst="rect">
-            <a:avLst/>
-          </a:prstGeom>
-          <a:noFill/>
-        </p:spPr>
-        <p:txBody>
-          <a:bodyPr wrap="square" rtlCol="0">
-            <a:spAutoFit/>
-          </a:bodyPr>
-          <a:lstStyle/>
-          <a:p>
-            <a:r>
-              <a:rPr lang="zh-CN" altLang="en-US" dirty="0">
-                <a:solidFill>
-                  <a:schemeClr val="bg1"/>
-                </a:solidFill>
-              </a:rPr>
-              <a:t>责任人：吴桐</a:t>
-            </a:r>
-          </a:p>
-        </p:txBody>
-      </p:sp>
-      <p:sp>
-        <p:nvSpPr>
-          <p:cNvPr id="6" name="TextBox 4">
-            <a:extLst>
-              <a:ext uri="{FF2B5EF4-FFF2-40B4-BE49-F238E27FC236}">
-                <a16:creationId xmlns:a16="http://schemas.microsoft.com/office/drawing/2014/main" id="{0CB6607D-339E-4222-83B7-2F53A3CFC175}"/>
-              </a:ext>
-            </a:extLst>
-          </p:cNvPr>
-          <p:cNvSpPr txBox="1"/>
-          <p:nvPr/>
-        </p:nvSpPr>
-        <p:spPr>
-          <a:xfrm>
-            <a:off x="2267744" y="6389712"/>
-            <a:ext cx="4357718" cy="369332"/>
-          </a:xfrm>
-          <a:prstGeom prst="rect">
-            <a:avLst/>
-          </a:prstGeom>
-          <a:noFill/>
-        </p:spPr>
-        <p:txBody>
-          <a:bodyPr wrap="square" rtlCol="0">
-            <a:spAutoFit/>
-          </a:bodyPr>
-          <a:lstStyle/>
-          <a:p>
-            <a:pPr algn="ctr"/>
-            <a:r>
-              <a:rPr lang="en-US" altLang="zh-CN" dirty="0">
-                <a:solidFill>
-                  <a:schemeClr val="bg1"/>
-                </a:solidFill>
-              </a:rPr>
-              <a:t>WBS</a:t>
-            </a:r>
-            <a:endParaRPr lang="zh-CN" altLang="en-US" dirty="0">
-              <a:solidFill>
-                <a:schemeClr val="bg1"/>
-              </a:solidFill>
-            </a:endParaRPr>
-          </a:p>
-        </p:txBody>
-      </p:sp>
-    </p:spTree>
-    <p:extLst>
-      <p:ext uri="{BB962C8B-B14F-4D97-AF65-F5344CB8AC3E}">
-        <p14:creationId xmlns:p14="http://schemas.microsoft.com/office/powerpoint/2010/main" val="441545446"/>
-      </p:ext>
-    </p:extLst>
-  </p:cSld>
-  <p:clrMapOvr>
-    <a:masterClrMapping/>
-  </p:clrMapOvr>
-</p:sld>
-</file>
-
-<file path=ppt/slides/slide8.xml><?xml version="1.0" encoding="utf-8"?>
-<p:sld xmlns:a="http://schemas.openxmlformats.org/drawingml/2006/main" xmlns:r="http://schemas.openxmlformats.org/officeDocument/2006/relationships" xmlns:p="http://schemas.openxmlformats.org/presentationml/2006/main">
-  <p:cSld>
-    <p:spTree>
-      <p:nvGrpSpPr>
-        <p:cNvPr id="1" name=""/>
-        <p:cNvGrpSpPr/>
-        <p:nvPr/>
-      </p:nvGrpSpPr>
-      <p:grpSpPr>
-        <a:xfrm>
-          <a:off x="0" y="0"/>
-          <a:ext cx="0" cy="0"/>
-          <a:chOff x="0" y="0"/>
-          <a:chExt cx="0" cy="0"/>
-        </a:xfrm>
-      </p:grpSpPr>
-      <p:pic>
-        <p:nvPicPr>
-          <p:cNvPr id="4" name="图片 3" descr="C:\Users\wutong\AppData\Local\Temp\1509602825.png">
-            <a:extLst>
-              <a:ext uri="{FF2B5EF4-FFF2-40B4-BE49-F238E27FC236}">
-                <a16:creationId xmlns:a16="http://schemas.microsoft.com/office/drawing/2014/main" id="{511AC6EB-58E6-4F85-8A57-36116CF97CA4}"/>
-              </a:ext>
-            </a:extLst>
-          </p:cNvPr>
-          <p:cNvPicPr/>
-          <p:nvPr/>
-        </p:nvPicPr>
-        <p:blipFill>
-          <a:blip r:embed="rId2">
-            <a:extLst>
-              <a:ext uri="{28A0092B-C50C-407E-A947-70E740481C1C}">
-                <a14:useLocalDpi xmlns:a14="http://schemas.microsoft.com/office/drawing/2010/main" val="0"/>
-              </a:ext>
-            </a:extLst>
-          </a:blip>
-          <a:srcRect/>
-          <a:stretch>
-            <a:fillRect/>
-          </a:stretch>
-        </p:blipFill>
-        <p:spPr bwMode="auto">
-          <a:xfrm>
-            <a:off x="683568" y="764704"/>
-            <a:ext cx="7704856" cy="4248472"/>
-          </a:xfrm>
-          <a:prstGeom prst="rect">
-            <a:avLst/>
-          </a:prstGeom>
-          <a:noFill/>
-          <a:ln>
-            <a:noFill/>
-          </a:ln>
-        </p:spPr>
-      </p:pic>
-      <p:sp>
-        <p:nvSpPr>
-          <p:cNvPr id="5" name="文本框 4">
-            <a:extLst>
-              <a:ext uri="{FF2B5EF4-FFF2-40B4-BE49-F238E27FC236}">
-                <a16:creationId xmlns:a16="http://schemas.microsoft.com/office/drawing/2014/main" id="{9994723B-E617-4D92-9551-F4E3C316AB6F}"/>
-              </a:ext>
-            </a:extLst>
-          </p:cNvPr>
-          <p:cNvSpPr txBox="1"/>
-          <p:nvPr/>
-        </p:nvSpPr>
-        <p:spPr>
-          <a:xfrm>
-            <a:off x="6867540" y="6389712"/>
-            <a:ext cx="2105332" cy="369332"/>
-          </a:xfrm>
-          <a:prstGeom prst="rect">
-            <a:avLst/>
-          </a:prstGeom>
-          <a:noFill/>
-        </p:spPr>
-        <p:txBody>
-          <a:bodyPr wrap="square" rtlCol="0">
-            <a:spAutoFit/>
-          </a:bodyPr>
-          <a:lstStyle/>
-          <a:p>
-            <a:r>
-              <a:rPr lang="zh-CN" altLang="en-US" dirty="0">
-                <a:solidFill>
-                  <a:schemeClr val="bg1"/>
-                </a:solidFill>
-              </a:rPr>
-              <a:t>责任人：吴桐</a:t>
-            </a:r>
-          </a:p>
-        </p:txBody>
-      </p:sp>
-      <p:sp>
-        <p:nvSpPr>
-          <p:cNvPr id="6" name="TextBox 4">
-            <a:extLst>
-              <a:ext uri="{FF2B5EF4-FFF2-40B4-BE49-F238E27FC236}">
-                <a16:creationId xmlns:a16="http://schemas.microsoft.com/office/drawing/2014/main" id="{6D9E7281-DD47-4C4F-BB9A-8424DA4E1FF6}"/>
-              </a:ext>
-            </a:extLst>
-          </p:cNvPr>
-          <p:cNvSpPr txBox="1"/>
-          <p:nvPr/>
-        </p:nvSpPr>
-        <p:spPr>
-          <a:xfrm>
-            <a:off x="2357422" y="5643578"/>
-            <a:ext cx="4357718" cy="369332"/>
-          </a:xfrm>
-          <a:prstGeom prst="rect">
-            <a:avLst/>
-          </a:prstGeom>
-          <a:noFill/>
-        </p:spPr>
-        <p:txBody>
-          <a:bodyPr wrap="square" rtlCol="0">
-            <a:spAutoFit/>
-          </a:bodyPr>
-          <a:lstStyle/>
-          <a:p>
-            <a:pPr algn="ctr"/>
-            <a:r>
-              <a:rPr lang="en-US" altLang="zh-CN" dirty="0">
-                <a:solidFill>
-                  <a:schemeClr val="bg1"/>
-                </a:solidFill>
-              </a:rPr>
-              <a:t>WBS</a:t>
-            </a:r>
-            <a:endParaRPr lang="zh-CN" altLang="en-US" dirty="0">
-              <a:solidFill>
-                <a:schemeClr val="bg1"/>
-              </a:solidFill>
-            </a:endParaRPr>
-          </a:p>
-        </p:txBody>
-      </p:sp>
-    </p:spTree>
-    <p:extLst>
-      <p:ext uri="{BB962C8B-B14F-4D97-AF65-F5344CB8AC3E}">
-        <p14:creationId xmlns:p14="http://schemas.microsoft.com/office/powerpoint/2010/main" val="1459204449"/>
-      </p:ext>
-    </p:extLst>
-  </p:cSld>
-  <p:clrMapOvr>
-    <a:masterClrMapping/>
-  </p:clrMapOvr>
-</p:sld>
-</file>
-
-<file path=ppt/slides/slide9.xml><?xml version="1.0" encoding="utf-8"?>
-<p:sld xmlns:a="http://schemas.openxmlformats.org/drawingml/2006/main" xmlns:r="http://schemas.openxmlformats.org/officeDocument/2006/relationships" xmlns:p="http://schemas.openxmlformats.org/presentationml/2006/main">
-  <p:cSld>
-    <p:spTree>
-      <p:nvGrpSpPr>
-        <p:cNvPr id="1" name=""/>
-        <p:cNvGrpSpPr/>
-        <p:nvPr/>
-      </p:nvGrpSpPr>
-      <p:grpSpPr>
-        <a:xfrm>
-          <a:off x="0" y="0"/>
-          <a:ext cx="0" cy="0"/>
-          <a:chOff x="0" y="0"/>
-          <a:chExt cx="0" cy="0"/>
-        </a:xfrm>
-      </p:grpSpPr>
-      <p:pic>
-        <p:nvPicPr>
-          <p:cNvPr id="4" name="图片 3" descr="C:\Users\wutong\AppData\Local\Temp\1509603200(1).png">
-            <a:extLst>
-              <a:ext uri="{FF2B5EF4-FFF2-40B4-BE49-F238E27FC236}">
-                <a16:creationId xmlns:a16="http://schemas.microsoft.com/office/drawing/2014/main" id="{54820806-772C-4CC0-A8E0-6078D52BDD22}"/>
-              </a:ext>
-            </a:extLst>
-          </p:cNvPr>
-          <p:cNvPicPr/>
-          <p:nvPr/>
-        </p:nvPicPr>
-        <p:blipFill>
-          <a:blip r:embed="rId2">
-            <a:extLst>
-              <a:ext uri="{28A0092B-C50C-407E-A947-70E740481C1C}">
-                <a14:useLocalDpi xmlns:a14="http://schemas.microsoft.com/office/drawing/2010/main" val="0"/>
-              </a:ext>
-            </a:extLst>
-          </a:blip>
-          <a:srcRect/>
-          <a:stretch>
-            <a:fillRect/>
-          </a:stretch>
-        </p:blipFill>
-        <p:spPr bwMode="auto">
-          <a:xfrm>
-            <a:off x="584225" y="404670"/>
-            <a:ext cx="8208912" cy="5760640"/>
-          </a:xfrm>
-          <a:prstGeom prst="rect">
-            <a:avLst/>
-          </a:prstGeom>
-          <a:noFill/>
-          <a:ln>
-            <a:noFill/>
-          </a:ln>
-        </p:spPr>
-      </p:pic>
-      <p:sp>
-        <p:nvSpPr>
-          <p:cNvPr id="5" name="文本框 4">
-            <a:extLst>
-              <a:ext uri="{FF2B5EF4-FFF2-40B4-BE49-F238E27FC236}">
-                <a16:creationId xmlns:a16="http://schemas.microsoft.com/office/drawing/2014/main" id="{0CD0E33F-A5D9-4D9A-B65C-CBFB6FF73ECC}"/>
-              </a:ext>
-            </a:extLst>
-          </p:cNvPr>
-          <p:cNvSpPr txBox="1"/>
-          <p:nvPr/>
-        </p:nvSpPr>
-        <p:spPr>
-          <a:xfrm>
-            <a:off x="6867540" y="6389712"/>
-            <a:ext cx="2105332" cy="369332"/>
-          </a:xfrm>
-          <a:prstGeom prst="rect">
-            <a:avLst/>
-          </a:prstGeom>
-          <a:noFill/>
-        </p:spPr>
-        <p:txBody>
-          <a:bodyPr wrap="square" rtlCol="0">
-            <a:spAutoFit/>
-          </a:bodyPr>
-          <a:lstStyle/>
-          <a:p>
-            <a:r>
-              <a:rPr lang="zh-CN" altLang="en-US" dirty="0">
-                <a:solidFill>
-                  <a:schemeClr val="bg1"/>
-                </a:solidFill>
-              </a:rPr>
-              <a:t>责任人：吴桐</a:t>
-            </a:r>
-          </a:p>
-        </p:txBody>
-      </p:sp>
-      <p:sp>
-        <p:nvSpPr>
-          <p:cNvPr id="6" name="TextBox 4">
-            <a:extLst>
-              <a:ext uri="{FF2B5EF4-FFF2-40B4-BE49-F238E27FC236}">
-                <a16:creationId xmlns:a16="http://schemas.microsoft.com/office/drawing/2014/main" id="{B01BC491-F385-45F4-8AEB-6735BF8B6EC9}"/>
-              </a:ext>
-            </a:extLst>
-          </p:cNvPr>
-          <p:cNvSpPr txBox="1"/>
-          <p:nvPr/>
-        </p:nvSpPr>
-        <p:spPr>
-          <a:xfrm>
-            <a:off x="2465149" y="6205046"/>
-            <a:ext cx="4357718" cy="369332"/>
-          </a:xfrm>
-          <a:prstGeom prst="rect">
-            <a:avLst/>
-          </a:prstGeom>
-          <a:noFill/>
-        </p:spPr>
-        <p:txBody>
-          <a:bodyPr wrap="square" rtlCol="0">
-            <a:spAutoFit/>
-          </a:bodyPr>
-          <a:lstStyle/>
-          <a:p>
-            <a:pPr algn="ctr"/>
-            <a:r>
-              <a:rPr lang="en-US" altLang="zh-CN" dirty="0">
-                <a:solidFill>
-                  <a:schemeClr val="bg1"/>
-                </a:solidFill>
-              </a:rPr>
-              <a:t>WBS</a:t>
-            </a:r>
-            <a:endParaRPr lang="zh-CN" altLang="en-US" dirty="0">
-              <a:solidFill>
-                <a:schemeClr val="bg1"/>
-              </a:solidFill>
-            </a:endParaRPr>
-          </a:p>
-        </p:txBody>
-      </p:sp>
-      <p:sp>
-        <p:nvSpPr>
-          <p:cNvPr id="7" name="TextBox 4">
-            <a:extLst>
-              <a:ext uri="{FF2B5EF4-FFF2-40B4-BE49-F238E27FC236}">
-                <a16:creationId xmlns:a16="http://schemas.microsoft.com/office/drawing/2014/main" id="{724943B5-5D87-4EF3-816D-2DBB1CF75565}"/>
-              </a:ext>
-            </a:extLst>
-          </p:cNvPr>
-          <p:cNvSpPr txBox="1"/>
-          <p:nvPr/>
-        </p:nvSpPr>
-        <p:spPr>
-          <a:xfrm>
-            <a:off x="2509822" y="5795978"/>
-            <a:ext cx="4357718" cy="369332"/>
-          </a:xfrm>
-          <a:prstGeom prst="rect">
-            <a:avLst/>
-          </a:prstGeom>
-          <a:noFill/>
-        </p:spPr>
-        <p:txBody>
-          <a:bodyPr wrap="square" rtlCol="0">
-            <a:spAutoFit/>
-          </a:bodyPr>
-          <a:lstStyle/>
-          <a:p>
-            <a:pPr algn="ctr"/>
-            <a:r>
-              <a:rPr lang="en-US" altLang="zh-CN" dirty="0">
-                <a:solidFill>
-                  <a:schemeClr val="bg1"/>
-                </a:solidFill>
-              </a:rPr>
-              <a:t>WBS</a:t>
-            </a:r>
-            <a:endParaRPr lang="zh-CN" altLang="en-US" dirty="0">
-              <a:solidFill>
-                <a:schemeClr val="bg1"/>
-              </a:solidFill>
-            </a:endParaRPr>
-          </a:p>
-        </p:txBody>
-      </p:sp>
-    </p:spTree>
-    <p:extLst>
-      <p:ext uri="{BB962C8B-B14F-4D97-AF65-F5344CB8AC3E}">
-        <p14:creationId xmlns:p14="http://schemas.microsoft.com/office/powerpoint/2010/main" val="1383302700"/>
       </p:ext>
     </p:extLst>
   </p:cSld>

--- a/PRD-21-C2/非受控文档/本周提交文档/需求工程计划.pptx
+++ b/PRD-21-C2/非受控文档/本周提交文档/需求工程计划.pptx
@@ -19998,23 +19998,7 @@
                   <a:schemeClr val="bg1"/>
                 </a:solidFill>
               </a:rPr>
-              <a:t>对</a:t>
-            </a:r>
-            <a:r>
-              <a:rPr lang="zh-CN" altLang="en-US">
-                <a:solidFill>
-                  <a:schemeClr val="bg1"/>
-                </a:solidFill>
-              </a:rPr>
-              <a:t>项目经理授权</a:t>
-            </a:r>
-            <a:r>
-              <a:rPr lang="zh-CN" altLang="en-US" dirty="0">
-                <a:solidFill>
-                  <a:schemeClr val="bg1"/>
-                </a:solidFill>
-              </a:rPr>
-              <a:t>后进行需求工程计划的相关工作</a:t>
+              <a:t>对项目经理授权后进行需求工程计划的相关工作</a:t>
             </a:r>
           </a:p>
         </p:txBody>

--- a/PRD-21-C2/非受控文档/本周提交文档/需求工程计划.pptx
+++ b/PRD-21-C2/非受控文档/本周提交文档/需求工程计划.pptx
@@ -5,7 +5,7 @@
     <p:sldMasterId id="2147483648" r:id="rId1"/>
   </p:sldMasterIdLst>
   <p:notesMasterIdLst>
-    <p:notesMasterId r:id="rId35"/>
+    <p:notesMasterId r:id="rId39"/>
   </p:notesMasterIdLst>
   <p:sldIdLst>
     <p:sldId id="257" r:id="rId2"/>
@@ -13,34 +13,38 @@
     <p:sldId id="292" r:id="rId4"/>
     <p:sldId id="293" r:id="rId5"/>
     <p:sldId id="294" r:id="rId6"/>
-    <p:sldId id="289" r:id="rId7"/>
-    <p:sldId id="258" r:id="rId8"/>
-    <p:sldId id="286" r:id="rId9"/>
-    <p:sldId id="287" r:id="rId10"/>
-    <p:sldId id="288" r:id="rId11"/>
-    <p:sldId id="290" r:id="rId12"/>
-    <p:sldId id="291" r:id="rId13"/>
-    <p:sldId id="259" r:id="rId14"/>
-    <p:sldId id="260" r:id="rId15"/>
-    <p:sldId id="262" r:id="rId16"/>
-    <p:sldId id="261" r:id="rId17"/>
-    <p:sldId id="263" r:id="rId18"/>
-    <p:sldId id="283" r:id="rId19"/>
-    <p:sldId id="264" r:id="rId20"/>
-    <p:sldId id="277" r:id="rId21"/>
-    <p:sldId id="278" r:id="rId22"/>
-    <p:sldId id="279" r:id="rId23"/>
-    <p:sldId id="280" r:id="rId24"/>
-    <p:sldId id="267" r:id="rId25"/>
-    <p:sldId id="268" r:id="rId26"/>
-    <p:sldId id="281" r:id="rId27"/>
-    <p:sldId id="269" r:id="rId28"/>
-    <p:sldId id="270" r:id="rId29"/>
-    <p:sldId id="271" r:id="rId30"/>
-    <p:sldId id="272" r:id="rId31"/>
-    <p:sldId id="273" r:id="rId32"/>
-    <p:sldId id="282" r:id="rId33"/>
-    <p:sldId id="276" r:id="rId34"/>
+    <p:sldId id="259" r:id="rId7"/>
+    <p:sldId id="298" r:id="rId8"/>
+    <p:sldId id="289" r:id="rId9"/>
+    <p:sldId id="258" r:id="rId10"/>
+    <p:sldId id="286" r:id="rId11"/>
+    <p:sldId id="287" r:id="rId12"/>
+    <p:sldId id="288" r:id="rId13"/>
+    <p:sldId id="290" r:id="rId14"/>
+    <p:sldId id="291" r:id="rId15"/>
+    <p:sldId id="295" r:id="rId16"/>
+    <p:sldId id="296" r:id="rId17"/>
+    <p:sldId id="297" r:id="rId18"/>
+    <p:sldId id="260" r:id="rId19"/>
+    <p:sldId id="262" r:id="rId20"/>
+    <p:sldId id="261" r:id="rId21"/>
+    <p:sldId id="263" r:id="rId22"/>
+    <p:sldId id="283" r:id="rId23"/>
+    <p:sldId id="264" r:id="rId24"/>
+    <p:sldId id="277" r:id="rId25"/>
+    <p:sldId id="278" r:id="rId26"/>
+    <p:sldId id="279" r:id="rId27"/>
+    <p:sldId id="280" r:id="rId28"/>
+    <p:sldId id="267" r:id="rId29"/>
+    <p:sldId id="268" r:id="rId30"/>
+    <p:sldId id="281" r:id="rId31"/>
+    <p:sldId id="269" r:id="rId32"/>
+    <p:sldId id="270" r:id="rId33"/>
+    <p:sldId id="271" r:id="rId34"/>
+    <p:sldId id="272" r:id="rId35"/>
+    <p:sldId id="273" r:id="rId36"/>
+    <p:sldId id="282" r:id="rId37"/>
+    <p:sldId id="276" r:id="rId38"/>
   </p:sldIdLst>
   <p:sldSz cx="9144000" cy="6858000" type="screen4x3"/>
   <p:notesSz cx="6858000" cy="9144000"/>
@@ -3305,7 +3309,7 @@
           <a:p>
             <a:fld id="{B4228AB5-7083-4BB8-849A-BD0D85F5B4E7}" type="datetimeFigureOut">
               <a:rPr lang="zh-CN" altLang="en-US" smtClean="0"/>
-              <a:t>2017/11/3</a:t>
+              <a:t>2017/11/4</a:t>
             </a:fld>
             <a:endParaRPr lang="zh-CN" altLang="en-US"/>
           </a:p>
@@ -3719,7 +3723,7 @@
             <a:fld id="{87D77045-401A-4D5E-BFE3-54C21A8A6634}" type="slidenum">
               <a:rPr lang="en-US" altLang="zh-CN" smtClean="0"/>
               <a:pPr/>
-              <a:t>15</a:t>
+              <a:t>19</a:t>
             </a:fld>
             <a:endParaRPr lang="zh-CN"/>
           </a:p>
@@ -3912,7 +3916,7 @@
           <a:p>
             <a:fld id="{9196527B-5E4F-4031-BCD7-5A72EA5A2781}" type="datetimeFigureOut">
               <a:rPr lang="zh-CN" altLang="en-US" smtClean="0"/>
-              <a:t>2017/11/3</a:t>
+              <a:t>2017/11/4</a:t>
             </a:fld>
             <a:endParaRPr lang="zh-CN" altLang="en-US"/>
           </a:p>
@@ -4075,7 +4079,7 @@
           <a:p>
             <a:fld id="{9196527B-5E4F-4031-BCD7-5A72EA5A2781}" type="datetimeFigureOut">
               <a:rPr lang="zh-CN" altLang="en-US" smtClean="0"/>
-              <a:t>2017/11/3</a:t>
+              <a:t>2017/11/4</a:t>
             </a:fld>
             <a:endParaRPr lang="zh-CN" altLang="en-US"/>
           </a:p>
@@ -4248,7 +4252,7 @@
           <a:p>
             <a:fld id="{9196527B-5E4F-4031-BCD7-5A72EA5A2781}" type="datetimeFigureOut">
               <a:rPr lang="zh-CN" altLang="en-US" smtClean="0"/>
-              <a:t>2017/11/3</a:t>
+              <a:t>2017/11/4</a:t>
             </a:fld>
             <a:endParaRPr lang="zh-CN" altLang="en-US"/>
           </a:p>
@@ -4411,7 +4415,7 @@
           <a:p>
             <a:fld id="{9196527B-5E4F-4031-BCD7-5A72EA5A2781}" type="datetimeFigureOut">
               <a:rPr lang="zh-CN" altLang="en-US" smtClean="0"/>
-              <a:t>2017/11/3</a:t>
+              <a:t>2017/11/4</a:t>
             </a:fld>
             <a:endParaRPr lang="zh-CN" altLang="en-US"/>
           </a:p>
@@ -4651,7 +4655,7 @@
           <a:p>
             <a:fld id="{9196527B-5E4F-4031-BCD7-5A72EA5A2781}" type="datetimeFigureOut">
               <a:rPr lang="zh-CN" altLang="en-US" smtClean="0"/>
-              <a:t>2017/11/3</a:t>
+              <a:t>2017/11/4</a:t>
             </a:fld>
             <a:endParaRPr lang="zh-CN" altLang="en-US"/>
           </a:p>
@@ -4931,7 +4935,7 @@
           <a:p>
             <a:fld id="{9196527B-5E4F-4031-BCD7-5A72EA5A2781}" type="datetimeFigureOut">
               <a:rPr lang="zh-CN" altLang="en-US" smtClean="0"/>
-              <a:t>2017/11/3</a:t>
+              <a:t>2017/11/4</a:t>
             </a:fld>
             <a:endParaRPr lang="zh-CN" altLang="en-US"/>
           </a:p>
@@ -5345,7 +5349,7 @@
           <a:p>
             <a:fld id="{9196527B-5E4F-4031-BCD7-5A72EA5A2781}" type="datetimeFigureOut">
               <a:rPr lang="zh-CN" altLang="en-US" smtClean="0"/>
-              <a:t>2017/11/3</a:t>
+              <a:t>2017/11/4</a:t>
             </a:fld>
             <a:endParaRPr lang="zh-CN" altLang="en-US"/>
           </a:p>
@@ -5457,7 +5461,7 @@
           <a:p>
             <a:fld id="{9196527B-5E4F-4031-BCD7-5A72EA5A2781}" type="datetimeFigureOut">
               <a:rPr lang="zh-CN" altLang="en-US" smtClean="0"/>
-              <a:t>2017/11/3</a:t>
+              <a:t>2017/11/4</a:t>
             </a:fld>
             <a:endParaRPr lang="zh-CN" altLang="en-US"/>
           </a:p>
@@ -5547,7 +5551,7 @@
           <a:p>
             <a:fld id="{9196527B-5E4F-4031-BCD7-5A72EA5A2781}" type="datetimeFigureOut">
               <a:rPr lang="zh-CN" altLang="en-US" smtClean="0"/>
-              <a:t>2017/11/3</a:t>
+              <a:t>2017/11/4</a:t>
             </a:fld>
             <a:endParaRPr lang="zh-CN" altLang="en-US"/>
           </a:p>
@@ -5817,7 +5821,7 @@
           <a:p>
             <a:fld id="{9196527B-5E4F-4031-BCD7-5A72EA5A2781}" type="datetimeFigureOut">
               <a:rPr lang="zh-CN" altLang="en-US" smtClean="0"/>
-              <a:t>2017/11/3</a:t>
+              <a:t>2017/11/4</a:t>
             </a:fld>
             <a:endParaRPr lang="zh-CN" altLang="en-US"/>
           </a:p>
@@ -6064,7 +6068,7 @@
           <a:p>
             <a:fld id="{9196527B-5E4F-4031-BCD7-5A72EA5A2781}" type="datetimeFigureOut">
               <a:rPr lang="zh-CN" altLang="en-US" smtClean="0"/>
-              <a:t>2017/11/3</a:t>
+              <a:t>2017/11/4</a:t>
             </a:fld>
             <a:endParaRPr lang="zh-CN" altLang="en-US"/>
           </a:p>
@@ -6276,7 +6280,7 @@
           <a:p>
             <a:fld id="{9196527B-5E4F-4031-BCD7-5A72EA5A2781}" type="datetimeFigureOut">
               <a:rPr lang="zh-CN" altLang="en-US" smtClean="0"/>
-              <a:t>2017/11/3</a:t>
+              <a:t>2017/11/4</a:t>
             </a:fld>
             <a:endParaRPr lang="zh-CN" altLang="en-US"/>
           </a:p>
@@ -6796,6 +6800,309 @@
           <a:chExt cx="0" cy="0"/>
         </a:xfrm>
       </p:grpSpPr>
+      <p:sp>
+        <p:nvSpPr>
+          <p:cNvPr id="5" name="文本框 4">
+            <a:extLst>
+              <a:ext uri="{FF2B5EF4-FFF2-40B4-BE49-F238E27FC236}">
+                <a16:creationId xmlns:a16="http://schemas.microsoft.com/office/drawing/2014/main" id="{3BE96A3C-AAB8-48CF-9BDC-9C6133E8BB81}"/>
+              </a:ext>
+            </a:extLst>
+          </p:cNvPr>
+          <p:cNvSpPr txBox="1"/>
+          <p:nvPr/>
+        </p:nvSpPr>
+        <p:spPr>
+          <a:xfrm>
+            <a:off x="6867540" y="6389712"/>
+            <a:ext cx="2105332" cy="369332"/>
+          </a:xfrm>
+          <a:prstGeom prst="rect">
+            <a:avLst/>
+          </a:prstGeom>
+          <a:noFill/>
+        </p:spPr>
+        <p:txBody>
+          <a:bodyPr wrap="square" rtlCol="0">
+            <a:spAutoFit/>
+          </a:bodyPr>
+          <a:lstStyle/>
+          <a:p>
+            <a:r>
+              <a:rPr lang="zh-CN" altLang="en-US" dirty="0">
+                <a:solidFill>
+                  <a:schemeClr val="bg1"/>
+                </a:solidFill>
+              </a:rPr>
+              <a:t>责任人：吴桐</a:t>
+            </a:r>
+          </a:p>
+        </p:txBody>
+      </p:sp>
+      <p:pic>
+        <p:nvPicPr>
+          <p:cNvPr id="7" name="图片 6">
+            <a:extLst>
+              <a:ext uri="{FF2B5EF4-FFF2-40B4-BE49-F238E27FC236}">
+                <a16:creationId xmlns:a16="http://schemas.microsoft.com/office/drawing/2014/main" id="{2FAAC73A-108E-4357-B364-8F9531A9129A}"/>
+              </a:ext>
+            </a:extLst>
+          </p:cNvPr>
+          <p:cNvPicPr>
+            <a:picLocks noChangeAspect="1"/>
+          </p:cNvPicPr>
+          <p:nvPr/>
+        </p:nvPicPr>
+        <p:blipFill>
+          <a:blip r:embed="rId2">
+            <a:extLst>
+              <a:ext uri="{28A0092B-C50C-407E-A947-70E740481C1C}">
+                <a14:useLocalDpi xmlns:a14="http://schemas.microsoft.com/office/drawing/2010/main" val="0"/>
+              </a:ext>
+            </a:extLst>
+          </a:blip>
+          <a:stretch>
+            <a:fillRect/>
+          </a:stretch>
+        </p:blipFill>
+        <p:spPr>
+          <a:xfrm>
+            <a:off x="557026" y="476673"/>
+            <a:ext cx="8047422" cy="5291870"/>
+          </a:xfrm>
+          <a:prstGeom prst="rect">
+            <a:avLst/>
+          </a:prstGeom>
+        </p:spPr>
+      </p:pic>
+      <p:sp>
+        <p:nvSpPr>
+          <p:cNvPr id="8" name="TextBox 4">
+            <a:extLst>
+              <a:ext uri="{FF2B5EF4-FFF2-40B4-BE49-F238E27FC236}">
+                <a16:creationId xmlns:a16="http://schemas.microsoft.com/office/drawing/2014/main" id="{26C4F111-7DC2-4114-A83D-CB4B574EB37E}"/>
+              </a:ext>
+            </a:extLst>
+          </p:cNvPr>
+          <p:cNvSpPr txBox="1"/>
+          <p:nvPr/>
+        </p:nvSpPr>
+        <p:spPr>
+          <a:xfrm>
+            <a:off x="2401878" y="6357641"/>
+            <a:ext cx="4357718" cy="369332"/>
+          </a:xfrm>
+          <a:prstGeom prst="rect">
+            <a:avLst/>
+          </a:prstGeom>
+          <a:noFill/>
+        </p:spPr>
+        <p:txBody>
+          <a:bodyPr wrap="square" rtlCol="0">
+            <a:spAutoFit/>
+          </a:bodyPr>
+          <a:lstStyle/>
+          <a:p>
+            <a:pPr algn="ctr"/>
+            <a:r>
+              <a:rPr lang="en-US" altLang="zh-CN" dirty="0">
+                <a:solidFill>
+                  <a:schemeClr val="bg1"/>
+                </a:solidFill>
+              </a:rPr>
+              <a:t>WBS</a:t>
+            </a:r>
+            <a:endParaRPr lang="zh-CN" altLang="en-US" dirty="0">
+              <a:solidFill>
+                <a:schemeClr val="bg1"/>
+              </a:solidFill>
+            </a:endParaRPr>
+          </a:p>
+        </p:txBody>
+      </p:sp>
+    </p:spTree>
+    <p:extLst>
+      <p:ext uri="{BB962C8B-B14F-4D97-AF65-F5344CB8AC3E}">
+        <p14:creationId xmlns:p14="http://schemas.microsoft.com/office/powerpoint/2010/main" val="620945039"/>
+      </p:ext>
+    </p:extLst>
+  </p:cSld>
+  <p:clrMapOvr>
+    <a:masterClrMapping/>
+  </p:clrMapOvr>
+</p:sld>
+</file>
+
+<file path=ppt/slides/slide11.xml><?xml version="1.0" encoding="utf-8"?>
+<p:sld xmlns:a="http://schemas.openxmlformats.org/drawingml/2006/main" xmlns:r="http://schemas.openxmlformats.org/officeDocument/2006/relationships" xmlns:p="http://schemas.openxmlformats.org/presentationml/2006/main">
+  <p:cSld>
+    <p:spTree>
+      <p:nvGrpSpPr>
+        <p:cNvPr id="1" name=""/>
+        <p:cNvGrpSpPr/>
+        <p:nvPr/>
+      </p:nvGrpSpPr>
+      <p:grpSpPr>
+        <a:xfrm>
+          <a:off x="0" y="0"/>
+          <a:ext cx="0" cy="0"/>
+          <a:chOff x="0" y="0"/>
+          <a:chExt cx="0" cy="0"/>
+        </a:xfrm>
+      </p:grpSpPr>
+      <p:pic>
+        <p:nvPicPr>
+          <p:cNvPr id="4" name="图片 3" descr="C:\Users\wutong\AppData\Local\Temp\1509602127(1).png">
+            <a:extLst>
+              <a:ext uri="{FF2B5EF4-FFF2-40B4-BE49-F238E27FC236}">
+                <a16:creationId xmlns:a16="http://schemas.microsoft.com/office/drawing/2014/main" id="{CADBB336-EEDF-4C1E-BA3C-50D102675E52}"/>
+              </a:ext>
+            </a:extLst>
+          </p:cNvPr>
+          <p:cNvPicPr/>
+          <p:nvPr/>
+        </p:nvPicPr>
+        <p:blipFill>
+          <a:blip r:embed="rId2">
+            <a:extLst>
+              <a:ext uri="{28A0092B-C50C-407E-A947-70E740481C1C}">
+                <a14:useLocalDpi xmlns:a14="http://schemas.microsoft.com/office/drawing/2010/main" val="0"/>
+              </a:ext>
+            </a:extLst>
+          </a:blip>
+          <a:srcRect/>
+          <a:stretch>
+            <a:fillRect/>
+          </a:stretch>
+        </p:blipFill>
+        <p:spPr bwMode="auto">
+          <a:xfrm>
+            <a:off x="971600" y="548680"/>
+            <a:ext cx="7344816" cy="5040560"/>
+          </a:xfrm>
+          <a:prstGeom prst="rect">
+            <a:avLst/>
+          </a:prstGeom>
+          <a:noFill/>
+          <a:ln>
+            <a:noFill/>
+          </a:ln>
+        </p:spPr>
+      </p:pic>
+      <p:sp>
+        <p:nvSpPr>
+          <p:cNvPr id="5" name="文本框 4">
+            <a:extLst>
+              <a:ext uri="{FF2B5EF4-FFF2-40B4-BE49-F238E27FC236}">
+                <a16:creationId xmlns:a16="http://schemas.microsoft.com/office/drawing/2014/main" id="{4317696B-B747-4CC3-A35C-FF3CC1A7D3D4}"/>
+              </a:ext>
+            </a:extLst>
+          </p:cNvPr>
+          <p:cNvSpPr txBox="1"/>
+          <p:nvPr/>
+        </p:nvSpPr>
+        <p:spPr>
+          <a:xfrm>
+            <a:off x="6867540" y="6389712"/>
+            <a:ext cx="2105332" cy="369332"/>
+          </a:xfrm>
+          <a:prstGeom prst="rect">
+            <a:avLst/>
+          </a:prstGeom>
+          <a:noFill/>
+        </p:spPr>
+        <p:txBody>
+          <a:bodyPr wrap="square" rtlCol="0">
+            <a:spAutoFit/>
+          </a:bodyPr>
+          <a:lstStyle/>
+          <a:p>
+            <a:r>
+              <a:rPr lang="zh-CN" altLang="en-US" dirty="0">
+                <a:solidFill>
+                  <a:schemeClr val="bg1"/>
+                </a:solidFill>
+              </a:rPr>
+              <a:t>责任人：吴桐</a:t>
+            </a:r>
+          </a:p>
+        </p:txBody>
+      </p:sp>
+      <p:sp>
+        <p:nvSpPr>
+          <p:cNvPr id="6" name="TextBox 4">
+            <a:extLst>
+              <a:ext uri="{FF2B5EF4-FFF2-40B4-BE49-F238E27FC236}">
+                <a16:creationId xmlns:a16="http://schemas.microsoft.com/office/drawing/2014/main" id="{CF913958-7897-4AD0-8D0A-DF8FBCE0A5EA}"/>
+              </a:ext>
+            </a:extLst>
+          </p:cNvPr>
+          <p:cNvSpPr txBox="1"/>
+          <p:nvPr/>
+        </p:nvSpPr>
+        <p:spPr>
+          <a:xfrm>
+            <a:off x="2357422" y="5643578"/>
+            <a:ext cx="4357718" cy="369332"/>
+          </a:xfrm>
+          <a:prstGeom prst="rect">
+            <a:avLst/>
+          </a:prstGeom>
+          <a:noFill/>
+        </p:spPr>
+        <p:txBody>
+          <a:bodyPr wrap="square" rtlCol="0">
+            <a:spAutoFit/>
+          </a:bodyPr>
+          <a:lstStyle/>
+          <a:p>
+            <a:pPr algn="ctr"/>
+            <a:r>
+              <a:rPr lang="en-US" altLang="zh-CN" dirty="0">
+                <a:solidFill>
+                  <a:schemeClr val="bg1"/>
+                </a:solidFill>
+              </a:rPr>
+              <a:t>WBS</a:t>
+            </a:r>
+            <a:endParaRPr lang="zh-CN" altLang="en-US" dirty="0">
+              <a:solidFill>
+                <a:schemeClr val="bg1"/>
+              </a:solidFill>
+            </a:endParaRPr>
+          </a:p>
+        </p:txBody>
+      </p:sp>
+    </p:spTree>
+    <p:extLst>
+      <p:ext uri="{BB962C8B-B14F-4D97-AF65-F5344CB8AC3E}">
+        <p14:creationId xmlns:p14="http://schemas.microsoft.com/office/powerpoint/2010/main" val="2094004576"/>
+      </p:ext>
+    </p:extLst>
+  </p:cSld>
+  <p:clrMapOvr>
+    <a:masterClrMapping/>
+  </p:clrMapOvr>
+</p:sld>
+</file>
+
+<file path=ppt/slides/slide12.xml><?xml version="1.0" encoding="utf-8"?>
+<p:sld xmlns:a="http://schemas.openxmlformats.org/drawingml/2006/main" xmlns:r="http://schemas.openxmlformats.org/officeDocument/2006/relationships" xmlns:p="http://schemas.openxmlformats.org/presentationml/2006/main">
+  <p:cSld>
+    <p:spTree>
+      <p:nvGrpSpPr>
+        <p:cNvPr id="1" name=""/>
+        <p:cNvGrpSpPr/>
+        <p:nvPr/>
+      </p:nvGrpSpPr>
+      <p:grpSpPr>
+        <a:xfrm>
+          <a:off x="0" y="0"/>
+          <a:ext cx="0" cy="0"/>
+          <a:chOff x="0" y="0"/>
+          <a:chExt cx="0" cy="0"/>
+        </a:xfrm>
+      </p:grpSpPr>
       <p:pic>
         <p:nvPicPr>
           <p:cNvPr id="4" name="内容占位符 3" descr="C:\Users\wutong\AppData\Local\Temp\1509602331(1).png">
@@ -6936,7 +7243,7 @@
 </p:sld>
 </file>
 
-<file path=ppt/slides/slide11.xml><?xml version="1.0" encoding="utf-8"?>
+<file path=ppt/slides/slide13.xml><?xml version="1.0" encoding="utf-8"?>
 <p:sld xmlns:a="http://schemas.openxmlformats.org/drawingml/2006/main" xmlns:r="http://schemas.openxmlformats.org/officeDocument/2006/relationships" xmlns:p="http://schemas.openxmlformats.org/presentationml/2006/main">
   <p:cSld>
     <p:spTree>
@@ -6981,7 +7288,7 @@
         <p:spPr bwMode="auto">
           <a:xfrm>
             <a:off x="683568" y="764704"/>
-            <a:ext cx="7704856" cy="4248472"/>
+            <a:ext cx="7704856" cy="4752528"/>
           </a:xfrm>
           <a:prstGeom prst="rect">
             <a:avLst/>
@@ -7089,7 +7396,7 @@
 </p:sld>
 </file>
 
-<file path=ppt/slides/slide12.xml><?xml version="1.0" encoding="utf-8"?>
+<file path=ppt/slides/slide14.xml><?xml version="1.0" encoding="utf-8"?>
 <p:sld xmlns:a="http://schemas.openxmlformats.org/drawingml/2006/main" xmlns:r="http://schemas.openxmlformats.org/officeDocument/2006/relationships" xmlns:p="http://schemas.openxmlformats.org/presentationml/2006/main">
   <p:cSld>
     <p:spTree>
@@ -7242,7 +7549,3960 @@
 </p:sld>
 </file>
 
-<file path=ppt/slides/slide13.xml><?xml version="1.0" encoding="utf-8"?>
+<file path=ppt/slides/slide15.xml><?xml version="1.0" encoding="utf-8"?>
+<p:sld xmlns:a="http://schemas.openxmlformats.org/drawingml/2006/main" xmlns:r="http://schemas.openxmlformats.org/officeDocument/2006/relationships" xmlns:p="http://schemas.openxmlformats.org/presentationml/2006/main">
+  <p:cSld>
+    <p:spTree>
+      <p:nvGrpSpPr>
+        <p:cNvPr id="1" name=""/>
+        <p:cNvGrpSpPr/>
+        <p:nvPr/>
+      </p:nvGrpSpPr>
+      <p:grpSpPr>
+        <a:xfrm>
+          <a:off x="0" y="0"/>
+          <a:ext cx="0" cy="0"/>
+          <a:chOff x="0" y="0"/>
+          <a:chExt cx="0" cy="0"/>
+        </a:xfrm>
+      </p:grpSpPr>
+      <p:graphicFrame>
+        <p:nvGraphicFramePr>
+          <p:cNvPr id="7" name="内容占位符 6">
+            <a:extLst>
+              <a:ext uri="{FF2B5EF4-FFF2-40B4-BE49-F238E27FC236}">
+                <a16:creationId xmlns:a16="http://schemas.microsoft.com/office/drawing/2014/main" id="{BFDBEF26-95D7-447D-A509-38222F984283}"/>
+              </a:ext>
+            </a:extLst>
+          </p:cNvPr>
+          <p:cNvGraphicFramePr>
+            <a:graphicFrameLocks noGrp="1"/>
+          </p:cNvGraphicFramePr>
+          <p:nvPr>
+            <p:ph idx="1"/>
+            <p:extLst>
+              <p:ext uri="{D42A27DB-BD31-4B8C-83A1-F6EECF244321}">
+                <p14:modId xmlns:p14="http://schemas.microsoft.com/office/powerpoint/2010/main" val="656556007"/>
+              </p:ext>
+            </p:extLst>
+          </p:nvPr>
+        </p:nvGraphicFramePr>
+        <p:xfrm>
+          <a:off x="395536" y="260649"/>
+          <a:ext cx="8280920" cy="6339840"/>
+        </p:xfrm>
+        <a:graphic>
+          <a:graphicData uri="http://schemas.openxmlformats.org/drawingml/2006/table">
+            <a:tbl>
+              <a:tblPr firstRow="1" firstCol="1" bandRow="1">
+                <a:tableStyleId>{5C22544A-7EE6-4342-B048-85BDC9FD1C3A}</a:tableStyleId>
+              </a:tblPr>
+              <a:tblGrid>
+                <a:gridCol w="2016870">
+                  <a:extLst>
+                    <a:ext uri="{9D8B030D-6E8A-4147-A177-3AD203B41FA5}">
+                      <a16:colId xmlns:a16="http://schemas.microsoft.com/office/drawing/2014/main" val="1761729066"/>
+                    </a:ext>
+                  </a:extLst>
+                </a:gridCol>
+                <a:gridCol w="2229564">
+                  <a:extLst>
+                    <a:ext uri="{9D8B030D-6E8A-4147-A177-3AD203B41FA5}">
+                      <a16:colId xmlns:a16="http://schemas.microsoft.com/office/drawing/2014/main" val="1173656593"/>
+                    </a:ext>
+                  </a:extLst>
+                </a:gridCol>
+                <a:gridCol w="2229564">
+                  <a:extLst>
+                    <a:ext uri="{9D8B030D-6E8A-4147-A177-3AD203B41FA5}">
+                      <a16:colId xmlns:a16="http://schemas.microsoft.com/office/drawing/2014/main" val="1045240630"/>
+                    </a:ext>
+                  </a:extLst>
+                </a:gridCol>
+                <a:gridCol w="1804922">
+                  <a:extLst>
+                    <a:ext uri="{9D8B030D-6E8A-4147-A177-3AD203B41FA5}">
+                      <a16:colId xmlns:a16="http://schemas.microsoft.com/office/drawing/2014/main" val="3639838569"/>
+                    </a:ext>
+                  </a:extLst>
+                </a:gridCol>
+              </a:tblGrid>
+              <a:tr h="225596">
+                <a:tc rowSpan="6">
+                  <a:txBody>
+                    <a:bodyPr/>
+                    <a:lstStyle/>
+                    <a:p>
+                      <a:pPr marL="342900" lvl="0" indent="-342900" algn="just">
+                        <a:spcAft>
+                          <a:spcPts val="0"/>
+                        </a:spcAft>
+                        <a:buFont typeface="+mj-lt"/>
+                        <a:buAutoNum type="arabicPeriod"/>
+                      </a:pPr>
+                      <a:r>
+                        <a:rPr lang="zh-CN" sz="1600" kern="100" dirty="0">
+                          <a:effectLst/>
+                        </a:rPr>
+                        <a:t>需求开发过程</a:t>
+                      </a:r>
+                      <a:endParaRPr lang="zh-CN" sz="1200" kern="100" dirty="0">
+                        <a:effectLst/>
+                      </a:endParaRPr>
+                    </a:p>
+                    <a:p>
+                      <a:pPr marL="0" lvl="0" indent="0" algn="just">
+                        <a:spcAft>
+                          <a:spcPts val="0"/>
+                        </a:spcAft>
+                        <a:buFont typeface="+mj-lt"/>
+                        <a:buNone/>
+                      </a:pPr>
+                      <a:r>
+                        <a:rPr lang="en-US" altLang="zh-CN" sz="1600" kern="100" dirty="0">
+                          <a:effectLst/>
+                        </a:rPr>
+                        <a:t>        1.</a:t>
+                      </a:r>
+                      <a:r>
+                        <a:rPr lang="zh-CN" sz="1600" kern="100" dirty="0">
+                          <a:effectLst/>
+                        </a:rPr>
+                        <a:t>需求获取</a:t>
+                      </a:r>
+                      <a:endParaRPr lang="zh-CN" sz="1200" kern="100" dirty="0">
+                        <a:effectLst/>
+                      </a:endParaRPr>
+                    </a:p>
+                    <a:p>
+                      <a:pPr marL="0" lvl="0" indent="0" algn="just">
+                        <a:spcAft>
+                          <a:spcPts val="0"/>
+                        </a:spcAft>
+                        <a:buFont typeface="+mj-lt"/>
+                        <a:buNone/>
+                      </a:pPr>
+                      <a:r>
+                        <a:rPr lang="en-US" altLang="zh-CN" sz="1600" kern="100" dirty="0">
+                          <a:effectLst/>
+                        </a:rPr>
+                        <a:t>        2.</a:t>
+                      </a:r>
+                      <a:r>
+                        <a:rPr lang="zh-CN" sz="1600" kern="100" dirty="0">
+                          <a:effectLst/>
+                        </a:rPr>
+                        <a:t>需求分析</a:t>
+                      </a:r>
+                      <a:endParaRPr lang="zh-CN" sz="1200" kern="100" dirty="0">
+                        <a:effectLst/>
+                      </a:endParaRPr>
+                    </a:p>
+                    <a:p>
+                      <a:pPr marL="0" lvl="0" indent="0" algn="just">
+                        <a:spcAft>
+                          <a:spcPts val="0"/>
+                        </a:spcAft>
+                        <a:buFont typeface="+mj-lt"/>
+                        <a:buNone/>
+                      </a:pPr>
+                      <a:r>
+                        <a:rPr lang="en-US" altLang="zh-CN" sz="1600" kern="100" dirty="0">
+                          <a:effectLst/>
+                        </a:rPr>
+                        <a:t>        3.</a:t>
+                      </a:r>
+                      <a:r>
+                        <a:rPr lang="zh-CN" sz="1600" kern="100" dirty="0">
+                          <a:effectLst/>
+                        </a:rPr>
+                        <a:t>需求规格说明</a:t>
+                      </a:r>
+                      <a:endParaRPr lang="zh-CN" sz="1200" kern="100" dirty="0">
+                        <a:effectLst/>
+                      </a:endParaRPr>
+                    </a:p>
+                    <a:p>
+                      <a:pPr marL="0" lvl="0" indent="0" algn="just">
+                        <a:spcAft>
+                          <a:spcPts val="0"/>
+                        </a:spcAft>
+                        <a:buFont typeface="+mj-lt"/>
+                        <a:buNone/>
+                      </a:pPr>
+                      <a:r>
+                        <a:rPr lang="en-US" altLang="zh-CN" sz="1600" kern="100" dirty="0">
+                          <a:effectLst/>
+                        </a:rPr>
+                        <a:t>        4.</a:t>
+                      </a:r>
+                      <a:r>
+                        <a:rPr lang="zh-CN" sz="1600" kern="100" dirty="0">
+                          <a:effectLst/>
+                        </a:rPr>
+                        <a:t>需求规格审核</a:t>
+                      </a:r>
+                      <a:endParaRPr lang="zh-CN" sz="1200" kern="100" dirty="0">
+                        <a:effectLst/>
+                        <a:latin typeface="等线" panose="02010600030101010101" pitchFamily="2" charset="-122"/>
+                        <a:ea typeface="等线" panose="02010600030101010101" pitchFamily="2" charset="-122"/>
+                        <a:cs typeface="Times New Roman" panose="02020603050405020304" pitchFamily="18" charset="0"/>
+                      </a:endParaRPr>
+                    </a:p>
+                  </a:txBody>
+                  <a:tcPr marL="65278" marR="65278" marT="0" marB="0"/>
+                </a:tc>
+                <a:tc>
+                  <a:txBody>
+                    <a:bodyPr/>
+                    <a:lstStyle/>
+                    <a:p>
+                      <a:pPr algn="just">
+                        <a:spcAft>
+                          <a:spcPts val="0"/>
+                        </a:spcAft>
+                      </a:pPr>
+                      <a:r>
+                        <a:rPr lang="en-US" sz="1600" kern="100" dirty="0">
+                          <a:effectLst/>
+                        </a:rPr>
+                        <a:t>1</a:t>
+                      </a:r>
+                      <a:r>
+                        <a:rPr lang="zh-CN" sz="1600" kern="100" dirty="0">
+                          <a:effectLst/>
+                        </a:rPr>
+                        <a:t>、需求获取</a:t>
+                      </a:r>
+                      <a:endParaRPr lang="zh-CN" sz="1200" kern="100" dirty="0">
+                        <a:effectLst/>
+                        <a:latin typeface="等线" panose="02010600030101010101" pitchFamily="2" charset="-122"/>
+                        <a:ea typeface="等线" panose="02010600030101010101" pitchFamily="2" charset="-122"/>
+                        <a:cs typeface="Times New Roman" panose="02020603050405020304" pitchFamily="18" charset="0"/>
+                      </a:endParaRPr>
+                    </a:p>
+                  </a:txBody>
+                  <a:tcPr marL="65278" marR="65278" marT="0" marB="0"/>
+                </a:tc>
+                <a:tc>
+                  <a:txBody>
+                    <a:bodyPr/>
+                    <a:lstStyle/>
+                    <a:p>
+                      <a:pPr algn="just">
+                        <a:spcAft>
+                          <a:spcPts val="0"/>
+                        </a:spcAft>
+                      </a:pPr>
+                      <a:r>
+                        <a:rPr lang="en-US" sz="1600" kern="100">
+                          <a:effectLst/>
+                        </a:rPr>
+                        <a:t> </a:t>
+                      </a:r>
+                      <a:endParaRPr lang="zh-CN" sz="1200" kern="100">
+                        <a:effectLst/>
+                        <a:latin typeface="等线" panose="02010600030101010101" pitchFamily="2" charset="-122"/>
+                        <a:ea typeface="等线" panose="02010600030101010101" pitchFamily="2" charset="-122"/>
+                        <a:cs typeface="Times New Roman" panose="02020603050405020304" pitchFamily="18" charset="0"/>
+                      </a:endParaRPr>
+                    </a:p>
+                  </a:txBody>
+                  <a:tcPr marL="65278" marR="65278" marT="0" marB="0"/>
+                </a:tc>
+                <a:tc>
+                  <a:txBody>
+                    <a:bodyPr/>
+                    <a:lstStyle/>
+                    <a:p>
+                      <a:pPr algn="just">
+                        <a:spcAft>
+                          <a:spcPts val="0"/>
+                        </a:spcAft>
+                      </a:pPr>
+                      <a:r>
+                        <a:rPr lang="en-US" sz="1600" kern="100">
+                          <a:effectLst/>
+                        </a:rPr>
+                        <a:t> </a:t>
+                      </a:r>
+                      <a:endParaRPr lang="zh-CN" sz="1200" kern="100">
+                        <a:effectLst/>
+                        <a:latin typeface="等线" panose="02010600030101010101" pitchFamily="2" charset="-122"/>
+                        <a:ea typeface="等线" panose="02010600030101010101" pitchFamily="2" charset="-122"/>
+                        <a:cs typeface="Times New Roman" panose="02020603050405020304" pitchFamily="18" charset="0"/>
+                      </a:endParaRPr>
+                    </a:p>
+                  </a:txBody>
+                  <a:tcPr marL="65278" marR="65278" marT="0" marB="0"/>
+                </a:tc>
+                <a:extLst>
+                  <a:ext uri="{0D108BD9-81ED-4DB2-BD59-A6C34878D82A}">
+                    <a16:rowId xmlns:a16="http://schemas.microsoft.com/office/drawing/2014/main" val="4225110825"/>
+                  </a:ext>
+                </a:extLst>
+              </a:tr>
+              <a:tr h="225596">
+                <a:tc vMerge="1">
+                  <a:txBody>
+                    <a:bodyPr/>
+                    <a:lstStyle/>
+                    <a:p>
+                      <a:endParaRPr lang="zh-CN" altLang="en-US"/>
+                    </a:p>
+                  </a:txBody>
+                  <a:tcPr/>
+                </a:tc>
+                <a:tc>
+                  <a:txBody>
+                    <a:bodyPr/>
+                    <a:lstStyle/>
+                    <a:p>
+                      <a:pPr algn="just">
+                        <a:spcAft>
+                          <a:spcPts val="0"/>
+                        </a:spcAft>
+                      </a:pPr>
+                      <a:r>
+                        <a:rPr lang="zh-CN" sz="1600" kern="100" dirty="0">
+                          <a:effectLst/>
+                        </a:rPr>
+                        <a:t>输入</a:t>
+                      </a:r>
+                      <a:endParaRPr lang="zh-CN" sz="1200" kern="100" dirty="0">
+                        <a:effectLst/>
+                        <a:latin typeface="等线" panose="02010600030101010101" pitchFamily="2" charset="-122"/>
+                        <a:ea typeface="等线" panose="02010600030101010101" pitchFamily="2" charset="-122"/>
+                        <a:cs typeface="Times New Roman" panose="02020603050405020304" pitchFamily="18" charset="0"/>
+                      </a:endParaRPr>
+                    </a:p>
+                  </a:txBody>
+                  <a:tcPr marL="65278" marR="65278" marT="0" marB="0"/>
+                </a:tc>
+                <a:tc>
+                  <a:txBody>
+                    <a:bodyPr/>
+                    <a:lstStyle/>
+                    <a:p>
+                      <a:pPr algn="just">
+                        <a:spcAft>
+                          <a:spcPts val="0"/>
+                        </a:spcAft>
+                      </a:pPr>
+                      <a:r>
+                        <a:rPr lang="zh-CN" sz="1600" kern="100">
+                          <a:effectLst/>
+                        </a:rPr>
+                        <a:t>工具与技术</a:t>
+                      </a:r>
+                      <a:endParaRPr lang="zh-CN" sz="1200" kern="100">
+                        <a:effectLst/>
+                        <a:latin typeface="等线" panose="02010600030101010101" pitchFamily="2" charset="-122"/>
+                        <a:ea typeface="等线" panose="02010600030101010101" pitchFamily="2" charset="-122"/>
+                        <a:cs typeface="Times New Roman" panose="02020603050405020304" pitchFamily="18" charset="0"/>
+                      </a:endParaRPr>
+                    </a:p>
+                  </a:txBody>
+                  <a:tcPr marL="65278" marR="65278" marT="0" marB="0"/>
+                </a:tc>
+                <a:tc>
+                  <a:txBody>
+                    <a:bodyPr/>
+                    <a:lstStyle/>
+                    <a:p>
+                      <a:pPr algn="just">
+                        <a:spcAft>
+                          <a:spcPts val="0"/>
+                        </a:spcAft>
+                      </a:pPr>
+                      <a:r>
+                        <a:rPr lang="zh-CN" sz="1600" kern="100">
+                          <a:effectLst/>
+                        </a:rPr>
+                        <a:t>输出</a:t>
+                      </a:r>
+                      <a:endParaRPr lang="zh-CN" sz="1200" kern="100">
+                        <a:effectLst/>
+                        <a:latin typeface="等线" panose="02010600030101010101" pitchFamily="2" charset="-122"/>
+                        <a:ea typeface="等线" panose="02010600030101010101" pitchFamily="2" charset="-122"/>
+                        <a:cs typeface="Times New Roman" panose="02020603050405020304" pitchFamily="18" charset="0"/>
+                      </a:endParaRPr>
+                    </a:p>
+                  </a:txBody>
+                  <a:tcPr marL="65278" marR="65278" marT="0" marB="0"/>
+                </a:tc>
+                <a:extLst>
+                  <a:ext uri="{0D108BD9-81ED-4DB2-BD59-A6C34878D82A}">
+                    <a16:rowId xmlns:a16="http://schemas.microsoft.com/office/drawing/2014/main" val="2251136853"/>
+                  </a:ext>
+                </a:extLst>
+              </a:tr>
+              <a:tr h="3158355">
+                <a:tc vMerge="1">
+                  <a:txBody>
+                    <a:bodyPr/>
+                    <a:lstStyle/>
+                    <a:p>
+                      <a:endParaRPr lang="zh-CN" altLang="en-US"/>
+                    </a:p>
+                  </a:txBody>
+                  <a:tcPr/>
+                </a:tc>
+                <a:tc>
+                  <a:txBody>
+                    <a:bodyPr/>
+                    <a:lstStyle/>
+                    <a:p>
+                      <a:pPr marL="342900" lvl="0" indent="-342900" algn="just">
+                        <a:spcAft>
+                          <a:spcPts val="0"/>
+                        </a:spcAft>
+                        <a:buFont typeface="+mj-lt"/>
+                        <a:buAutoNum type="arabicPeriod"/>
+                      </a:pPr>
+                      <a:r>
+                        <a:rPr lang="zh-CN" sz="1600" kern="100" dirty="0">
+                          <a:effectLst/>
+                        </a:rPr>
+                        <a:t>项目章程</a:t>
+                      </a:r>
+                      <a:endParaRPr lang="zh-CN" sz="1200" kern="100" dirty="0">
+                        <a:effectLst/>
+                      </a:endParaRPr>
+                    </a:p>
+                    <a:p>
+                      <a:pPr marL="342900" lvl="0" indent="-342900" algn="just">
+                        <a:spcAft>
+                          <a:spcPts val="0"/>
+                        </a:spcAft>
+                        <a:buFont typeface="+mj-lt"/>
+                        <a:buAutoNum type="arabicPeriod"/>
+                      </a:pPr>
+                      <a:r>
+                        <a:rPr lang="zh-CN" sz="1600" kern="100" dirty="0">
+                          <a:effectLst/>
+                        </a:rPr>
+                        <a:t>项目视图与范围</a:t>
+                      </a:r>
+                      <a:endParaRPr lang="zh-CN" sz="1200" kern="100" dirty="0">
+                        <a:effectLst/>
+                      </a:endParaRPr>
+                    </a:p>
+                    <a:p>
+                      <a:pPr marL="342900" lvl="0" indent="-342900" algn="just">
+                        <a:spcAft>
+                          <a:spcPts val="0"/>
+                        </a:spcAft>
+                        <a:buFont typeface="+mj-lt"/>
+                        <a:buAutoNum type="arabicPeriod"/>
+                      </a:pPr>
+                      <a:r>
+                        <a:rPr lang="zh-CN" sz="1600" kern="100" dirty="0">
+                          <a:effectLst/>
+                        </a:rPr>
+                        <a:t>检查问题报告</a:t>
+                      </a:r>
+                      <a:endParaRPr lang="zh-CN" sz="1200" kern="100" dirty="0">
+                        <a:effectLst/>
+                      </a:endParaRPr>
+                    </a:p>
+                    <a:p>
+                      <a:pPr marL="342900" lvl="0" indent="-342900" algn="just">
+                        <a:spcAft>
+                          <a:spcPts val="0"/>
+                        </a:spcAft>
+                        <a:buFont typeface="+mj-lt"/>
+                        <a:buAutoNum type="arabicPeriod"/>
+                      </a:pPr>
+                      <a:r>
+                        <a:rPr lang="zh-CN" sz="1600" kern="100" dirty="0">
+                          <a:effectLst/>
+                        </a:rPr>
+                        <a:t>需求重用</a:t>
+                      </a:r>
+                      <a:endParaRPr lang="zh-CN" sz="1200" kern="100" dirty="0">
+                        <a:effectLst/>
+                        <a:latin typeface="等线" panose="02010600030101010101" pitchFamily="2" charset="-122"/>
+                        <a:ea typeface="等线" panose="02010600030101010101" pitchFamily="2" charset="-122"/>
+                        <a:cs typeface="Times New Roman" panose="02020603050405020304" pitchFamily="18" charset="0"/>
+                      </a:endParaRPr>
+                    </a:p>
+                  </a:txBody>
+                  <a:tcPr marL="65278" marR="65278" marT="0" marB="0"/>
+                </a:tc>
+                <a:tc>
+                  <a:txBody>
+                    <a:bodyPr/>
+                    <a:lstStyle/>
+                    <a:p>
+                      <a:pPr marL="342900" lvl="0" indent="-342900" algn="just">
+                        <a:spcAft>
+                          <a:spcPts val="0"/>
+                        </a:spcAft>
+                        <a:buFont typeface="+mj-lt"/>
+                        <a:buAutoNum type="arabicPeriod"/>
+                      </a:pPr>
+                      <a:r>
+                        <a:rPr lang="zh-CN" sz="1600" kern="100">
+                          <a:effectLst/>
+                        </a:rPr>
+                        <a:t>数据收集</a:t>
+                      </a:r>
+                      <a:endParaRPr lang="zh-CN" sz="1200" kern="100">
+                        <a:effectLst/>
+                      </a:endParaRPr>
+                    </a:p>
+                    <a:p>
+                      <a:pPr marL="228600" indent="266700" algn="just">
+                        <a:spcAft>
+                          <a:spcPts val="0"/>
+                        </a:spcAft>
+                      </a:pPr>
+                      <a:r>
+                        <a:rPr lang="zh-CN" sz="1600" kern="100">
+                          <a:effectLst/>
+                        </a:rPr>
+                        <a:t>头脑风暴</a:t>
+                      </a:r>
+                      <a:endParaRPr lang="zh-CN" sz="1200" kern="100">
+                        <a:effectLst/>
+                      </a:endParaRPr>
+                    </a:p>
+                    <a:p>
+                      <a:pPr marL="228600" indent="266700" algn="just">
+                        <a:spcAft>
+                          <a:spcPts val="0"/>
+                        </a:spcAft>
+                      </a:pPr>
+                      <a:r>
+                        <a:rPr lang="zh-CN" sz="1600" kern="100">
+                          <a:effectLst/>
+                        </a:rPr>
+                        <a:t>访谈</a:t>
+                      </a:r>
+                      <a:endParaRPr lang="zh-CN" sz="1200" kern="100">
+                        <a:effectLst/>
+                      </a:endParaRPr>
+                    </a:p>
+                    <a:p>
+                      <a:pPr marL="228600" indent="266700" algn="just">
+                        <a:spcAft>
+                          <a:spcPts val="0"/>
+                        </a:spcAft>
+                      </a:pPr>
+                      <a:r>
+                        <a:rPr lang="zh-CN" sz="1600" kern="100">
+                          <a:effectLst/>
+                        </a:rPr>
+                        <a:t>问卷调查</a:t>
+                      </a:r>
+                      <a:endParaRPr lang="zh-CN" sz="1200" kern="100">
+                        <a:effectLst/>
+                      </a:endParaRPr>
+                    </a:p>
+                    <a:p>
+                      <a:pPr marL="342900" lvl="0" indent="-342900" algn="just">
+                        <a:spcAft>
+                          <a:spcPts val="0"/>
+                        </a:spcAft>
+                        <a:buFont typeface="+mj-lt"/>
+                        <a:buAutoNum type="arabicPeriod"/>
+                      </a:pPr>
+                      <a:r>
+                        <a:rPr lang="zh-CN" sz="1600" kern="100">
+                          <a:effectLst/>
+                        </a:rPr>
+                        <a:t>数据分析</a:t>
+                      </a:r>
+                      <a:endParaRPr lang="zh-CN" sz="1200" kern="100">
+                        <a:effectLst/>
+                      </a:endParaRPr>
+                    </a:p>
+                    <a:p>
+                      <a:pPr marL="342900" lvl="0" indent="-342900" algn="just">
+                        <a:spcAft>
+                          <a:spcPts val="0"/>
+                        </a:spcAft>
+                        <a:buFont typeface="+mj-lt"/>
+                        <a:buAutoNum type="arabicPeriod"/>
+                      </a:pPr>
+                      <a:r>
+                        <a:rPr lang="zh-CN" sz="1600" kern="100">
+                          <a:effectLst/>
+                        </a:rPr>
+                        <a:t>会议讨论</a:t>
+                      </a:r>
+                      <a:endParaRPr lang="zh-CN" sz="1200" kern="100">
+                        <a:effectLst/>
+                      </a:endParaRPr>
+                    </a:p>
+                    <a:p>
+                      <a:pPr marL="342900" lvl="0" indent="-342900" algn="just">
+                        <a:spcAft>
+                          <a:spcPts val="0"/>
+                        </a:spcAft>
+                        <a:buFont typeface="+mj-lt"/>
+                        <a:buAutoNum type="arabicPeriod"/>
+                      </a:pPr>
+                      <a:r>
+                        <a:rPr lang="zh-CN" sz="1600" kern="100">
+                          <a:effectLst/>
+                        </a:rPr>
+                        <a:t>专家判断</a:t>
+                      </a:r>
+                      <a:endParaRPr lang="zh-CN" sz="1200" kern="100">
+                        <a:effectLst/>
+                      </a:endParaRPr>
+                    </a:p>
+                    <a:p>
+                      <a:pPr marL="342900" lvl="0" indent="-342900" algn="just">
+                        <a:spcAft>
+                          <a:spcPts val="0"/>
+                        </a:spcAft>
+                        <a:buFont typeface="+mj-lt"/>
+                        <a:buAutoNum type="arabicPeriod"/>
+                      </a:pPr>
+                      <a:r>
+                        <a:rPr lang="zh-CN" sz="1600" kern="100">
+                          <a:effectLst/>
+                        </a:rPr>
+                        <a:t>确定需求开发过程</a:t>
+                      </a:r>
+                      <a:endParaRPr lang="zh-CN" sz="1200" kern="100">
+                        <a:effectLst/>
+                      </a:endParaRPr>
+                    </a:p>
+                    <a:p>
+                      <a:pPr marL="342900" lvl="0" indent="-342900" algn="just">
+                        <a:spcAft>
+                          <a:spcPts val="0"/>
+                        </a:spcAft>
+                        <a:buFont typeface="+mj-lt"/>
+                        <a:buAutoNum type="arabicPeriod"/>
+                      </a:pPr>
+                      <a:r>
+                        <a:rPr lang="zh-CN" sz="1600" kern="100">
+                          <a:effectLst/>
+                        </a:rPr>
+                        <a:t>用户群分类</a:t>
+                      </a:r>
+                      <a:endParaRPr lang="zh-CN" sz="1200" kern="100">
+                        <a:effectLst/>
+                      </a:endParaRPr>
+                    </a:p>
+                    <a:p>
+                      <a:pPr marL="342900" lvl="0" indent="-342900" algn="just">
+                        <a:spcAft>
+                          <a:spcPts val="0"/>
+                        </a:spcAft>
+                        <a:buFont typeface="+mj-lt"/>
+                        <a:buAutoNum type="arabicPeriod"/>
+                      </a:pPr>
+                      <a:r>
+                        <a:rPr lang="zh-CN" sz="1600" kern="100">
+                          <a:effectLst/>
+                        </a:rPr>
+                        <a:t>选择产品代表</a:t>
+                      </a:r>
+                      <a:endParaRPr lang="zh-CN" sz="1200" kern="100">
+                        <a:effectLst/>
+                      </a:endParaRPr>
+                    </a:p>
+                    <a:p>
+                      <a:pPr marL="342900" lvl="0" indent="-342900" algn="just">
+                        <a:spcAft>
+                          <a:spcPts val="0"/>
+                        </a:spcAft>
+                        <a:buFont typeface="+mj-lt"/>
+                        <a:buAutoNum type="arabicPeriod"/>
+                      </a:pPr>
+                      <a:r>
+                        <a:rPr lang="zh-CN" sz="1600" kern="100">
+                          <a:effectLst/>
+                        </a:rPr>
+                        <a:t>建立核心队伍</a:t>
+                      </a:r>
+                      <a:endParaRPr lang="zh-CN" sz="1200" kern="100">
+                        <a:effectLst/>
+                      </a:endParaRPr>
+                    </a:p>
+                    <a:p>
+                      <a:pPr marL="342900" lvl="0" indent="-342900" algn="just">
+                        <a:spcAft>
+                          <a:spcPts val="0"/>
+                        </a:spcAft>
+                        <a:buFont typeface="+mj-lt"/>
+                        <a:buAutoNum type="arabicPeriod"/>
+                      </a:pPr>
+                      <a:r>
+                        <a:rPr lang="zh-CN" sz="1600" kern="100">
+                          <a:effectLst/>
+                        </a:rPr>
+                        <a:t>确定使用实例</a:t>
+                      </a:r>
+                      <a:endParaRPr lang="zh-CN" sz="1200" kern="100">
+                        <a:effectLst/>
+                      </a:endParaRPr>
+                    </a:p>
+                    <a:p>
+                      <a:pPr algn="just">
+                        <a:spcAft>
+                          <a:spcPts val="0"/>
+                        </a:spcAft>
+                      </a:pPr>
+                      <a:r>
+                        <a:rPr lang="en-US" sz="1600" kern="100">
+                          <a:effectLst/>
+                        </a:rPr>
+                        <a:t>10</a:t>
+                      </a:r>
+                      <a:r>
+                        <a:rPr lang="zh-CN" sz="1600" kern="100">
+                          <a:effectLst/>
+                        </a:rPr>
+                        <a:t>、需求重用</a:t>
+                      </a:r>
+                      <a:endParaRPr lang="zh-CN" sz="1200" kern="100">
+                        <a:effectLst/>
+                      </a:endParaRPr>
+                    </a:p>
+                    <a:p>
+                      <a:pPr marL="228600" indent="266700" algn="just">
+                        <a:spcAft>
+                          <a:spcPts val="0"/>
+                        </a:spcAft>
+                      </a:pPr>
+                      <a:r>
+                        <a:rPr lang="en-US" sz="1600" kern="100">
+                          <a:effectLst/>
+                        </a:rPr>
+                        <a:t> </a:t>
+                      </a:r>
+                      <a:endParaRPr lang="zh-CN" sz="1200" kern="100">
+                        <a:effectLst/>
+                        <a:latin typeface="等线" panose="02010600030101010101" pitchFamily="2" charset="-122"/>
+                        <a:ea typeface="等线" panose="02010600030101010101" pitchFamily="2" charset="-122"/>
+                        <a:cs typeface="Times New Roman" panose="02020603050405020304" pitchFamily="18" charset="0"/>
+                      </a:endParaRPr>
+                    </a:p>
+                  </a:txBody>
+                  <a:tcPr marL="65278" marR="65278" marT="0" marB="0"/>
+                </a:tc>
+                <a:tc>
+                  <a:txBody>
+                    <a:bodyPr/>
+                    <a:lstStyle/>
+                    <a:p>
+                      <a:pPr algn="just">
+                        <a:spcAft>
+                          <a:spcPts val="0"/>
+                        </a:spcAft>
+                      </a:pPr>
+                      <a:r>
+                        <a:rPr lang="en-US" sz="1600" kern="100">
+                          <a:effectLst/>
+                        </a:rPr>
+                        <a:t>1</a:t>
+                      </a:r>
+                      <a:r>
+                        <a:rPr lang="zh-CN" sz="1600" kern="100">
+                          <a:effectLst/>
+                        </a:rPr>
+                        <a:t>、需求获取</a:t>
+                      </a:r>
+                      <a:endParaRPr lang="zh-CN" sz="1200" kern="100">
+                        <a:effectLst/>
+                        <a:latin typeface="等线" panose="02010600030101010101" pitchFamily="2" charset="-122"/>
+                        <a:ea typeface="等线" panose="02010600030101010101" pitchFamily="2" charset="-122"/>
+                        <a:cs typeface="Times New Roman" panose="02020603050405020304" pitchFamily="18" charset="0"/>
+                      </a:endParaRPr>
+                    </a:p>
+                  </a:txBody>
+                  <a:tcPr marL="65278" marR="65278" marT="0" marB="0"/>
+                </a:tc>
+                <a:extLst>
+                  <a:ext uri="{0D108BD9-81ED-4DB2-BD59-A6C34878D82A}">
+                    <a16:rowId xmlns:a16="http://schemas.microsoft.com/office/drawing/2014/main" val="1200814267"/>
+                  </a:ext>
+                </a:extLst>
+              </a:tr>
+              <a:tr h="225596">
+                <a:tc vMerge="1">
+                  <a:txBody>
+                    <a:bodyPr/>
+                    <a:lstStyle/>
+                    <a:p>
+                      <a:endParaRPr lang="zh-CN" altLang="en-US"/>
+                    </a:p>
+                  </a:txBody>
+                  <a:tcPr/>
+                </a:tc>
+                <a:tc>
+                  <a:txBody>
+                    <a:bodyPr/>
+                    <a:lstStyle/>
+                    <a:p>
+                      <a:pPr algn="just">
+                        <a:spcAft>
+                          <a:spcPts val="0"/>
+                        </a:spcAft>
+                      </a:pPr>
+                      <a:r>
+                        <a:rPr lang="en-US" sz="1600" kern="100">
+                          <a:effectLst/>
+                        </a:rPr>
+                        <a:t>2</a:t>
+                      </a:r>
+                      <a:r>
+                        <a:rPr lang="zh-CN" sz="1600" kern="100">
+                          <a:effectLst/>
+                        </a:rPr>
+                        <a:t>、需求分析</a:t>
+                      </a:r>
+                      <a:endParaRPr lang="zh-CN" sz="1200" kern="100">
+                        <a:effectLst/>
+                        <a:latin typeface="等线" panose="02010600030101010101" pitchFamily="2" charset="-122"/>
+                        <a:ea typeface="等线" panose="02010600030101010101" pitchFamily="2" charset="-122"/>
+                        <a:cs typeface="Times New Roman" panose="02020603050405020304" pitchFamily="18" charset="0"/>
+                      </a:endParaRPr>
+                    </a:p>
+                  </a:txBody>
+                  <a:tcPr marL="65278" marR="65278" marT="0" marB="0"/>
+                </a:tc>
+                <a:tc>
+                  <a:txBody>
+                    <a:bodyPr/>
+                    <a:lstStyle/>
+                    <a:p>
+                      <a:pPr algn="just">
+                        <a:spcAft>
+                          <a:spcPts val="0"/>
+                        </a:spcAft>
+                      </a:pPr>
+                      <a:r>
+                        <a:rPr lang="en-US" sz="1600" kern="100">
+                          <a:effectLst/>
+                        </a:rPr>
+                        <a:t> </a:t>
+                      </a:r>
+                      <a:endParaRPr lang="zh-CN" sz="1200" kern="100">
+                        <a:effectLst/>
+                        <a:latin typeface="等线" panose="02010600030101010101" pitchFamily="2" charset="-122"/>
+                        <a:ea typeface="等线" panose="02010600030101010101" pitchFamily="2" charset="-122"/>
+                        <a:cs typeface="Times New Roman" panose="02020603050405020304" pitchFamily="18" charset="0"/>
+                      </a:endParaRPr>
+                    </a:p>
+                  </a:txBody>
+                  <a:tcPr marL="65278" marR="65278" marT="0" marB="0"/>
+                </a:tc>
+                <a:tc>
+                  <a:txBody>
+                    <a:bodyPr/>
+                    <a:lstStyle/>
+                    <a:p>
+                      <a:pPr algn="just">
+                        <a:spcAft>
+                          <a:spcPts val="0"/>
+                        </a:spcAft>
+                      </a:pPr>
+                      <a:r>
+                        <a:rPr lang="en-US" sz="1600" kern="100">
+                          <a:effectLst/>
+                        </a:rPr>
+                        <a:t> </a:t>
+                      </a:r>
+                      <a:endParaRPr lang="zh-CN" sz="1200" kern="100">
+                        <a:effectLst/>
+                        <a:latin typeface="等线" panose="02010600030101010101" pitchFamily="2" charset="-122"/>
+                        <a:ea typeface="等线" panose="02010600030101010101" pitchFamily="2" charset="-122"/>
+                        <a:cs typeface="Times New Roman" panose="02020603050405020304" pitchFamily="18" charset="0"/>
+                      </a:endParaRPr>
+                    </a:p>
+                  </a:txBody>
+                  <a:tcPr marL="65278" marR="65278" marT="0" marB="0"/>
+                </a:tc>
+                <a:extLst>
+                  <a:ext uri="{0D108BD9-81ED-4DB2-BD59-A6C34878D82A}">
+                    <a16:rowId xmlns:a16="http://schemas.microsoft.com/office/drawing/2014/main" val="2333175816"/>
+                  </a:ext>
+                </a:extLst>
+              </a:tr>
+              <a:tr h="225596">
+                <a:tc vMerge="1">
+                  <a:txBody>
+                    <a:bodyPr/>
+                    <a:lstStyle/>
+                    <a:p>
+                      <a:endParaRPr lang="zh-CN" altLang="en-US"/>
+                    </a:p>
+                  </a:txBody>
+                  <a:tcPr/>
+                </a:tc>
+                <a:tc>
+                  <a:txBody>
+                    <a:bodyPr/>
+                    <a:lstStyle/>
+                    <a:p>
+                      <a:pPr algn="just">
+                        <a:spcAft>
+                          <a:spcPts val="0"/>
+                        </a:spcAft>
+                      </a:pPr>
+                      <a:r>
+                        <a:rPr lang="zh-CN" sz="1600" kern="100">
+                          <a:effectLst/>
+                        </a:rPr>
+                        <a:t>输入</a:t>
+                      </a:r>
+                      <a:endParaRPr lang="zh-CN" sz="1200" kern="100">
+                        <a:effectLst/>
+                        <a:latin typeface="等线" panose="02010600030101010101" pitchFamily="2" charset="-122"/>
+                        <a:ea typeface="等线" panose="02010600030101010101" pitchFamily="2" charset="-122"/>
+                        <a:cs typeface="Times New Roman" panose="02020603050405020304" pitchFamily="18" charset="0"/>
+                      </a:endParaRPr>
+                    </a:p>
+                  </a:txBody>
+                  <a:tcPr marL="65278" marR="65278" marT="0" marB="0"/>
+                </a:tc>
+                <a:tc>
+                  <a:txBody>
+                    <a:bodyPr/>
+                    <a:lstStyle/>
+                    <a:p>
+                      <a:pPr algn="just">
+                        <a:spcAft>
+                          <a:spcPts val="0"/>
+                        </a:spcAft>
+                      </a:pPr>
+                      <a:r>
+                        <a:rPr lang="zh-CN" sz="1600" kern="100">
+                          <a:effectLst/>
+                        </a:rPr>
+                        <a:t>工具与技术</a:t>
+                      </a:r>
+                      <a:endParaRPr lang="zh-CN" sz="1200" kern="100">
+                        <a:effectLst/>
+                        <a:latin typeface="等线" panose="02010600030101010101" pitchFamily="2" charset="-122"/>
+                        <a:ea typeface="等线" panose="02010600030101010101" pitchFamily="2" charset="-122"/>
+                        <a:cs typeface="Times New Roman" panose="02020603050405020304" pitchFamily="18" charset="0"/>
+                      </a:endParaRPr>
+                    </a:p>
+                  </a:txBody>
+                  <a:tcPr marL="65278" marR="65278" marT="0" marB="0"/>
+                </a:tc>
+                <a:tc>
+                  <a:txBody>
+                    <a:bodyPr/>
+                    <a:lstStyle/>
+                    <a:p>
+                      <a:pPr algn="just">
+                        <a:spcAft>
+                          <a:spcPts val="0"/>
+                        </a:spcAft>
+                      </a:pPr>
+                      <a:r>
+                        <a:rPr lang="zh-CN" sz="1600" kern="100">
+                          <a:effectLst/>
+                        </a:rPr>
+                        <a:t>输出</a:t>
+                      </a:r>
+                      <a:endParaRPr lang="zh-CN" sz="1200" kern="100">
+                        <a:effectLst/>
+                        <a:latin typeface="等线" panose="02010600030101010101" pitchFamily="2" charset="-122"/>
+                        <a:ea typeface="等线" panose="02010600030101010101" pitchFamily="2" charset="-122"/>
+                        <a:cs typeface="Times New Roman" panose="02020603050405020304" pitchFamily="18" charset="0"/>
+                      </a:endParaRPr>
+                    </a:p>
+                  </a:txBody>
+                  <a:tcPr marL="65278" marR="65278" marT="0" marB="0"/>
+                </a:tc>
+                <a:extLst>
+                  <a:ext uri="{0D108BD9-81ED-4DB2-BD59-A6C34878D82A}">
+                    <a16:rowId xmlns:a16="http://schemas.microsoft.com/office/drawing/2014/main" val="4224266614"/>
+                  </a:ext>
+                </a:extLst>
+              </a:tr>
+              <a:tr h="1804774">
+                <a:tc vMerge="1">
+                  <a:txBody>
+                    <a:bodyPr/>
+                    <a:lstStyle/>
+                    <a:p>
+                      <a:endParaRPr lang="zh-CN" altLang="en-US"/>
+                    </a:p>
+                  </a:txBody>
+                  <a:tcPr/>
+                </a:tc>
+                <a:tc>
+                  <a:txBody>
+                    <a:bodyPr/>
+                    <a:lstStyle/>
+                    <a:p>
+                      <a:pPr algn="just">
+                        <a:spcAft>
+                          <a:spcPts val="0"/>
+                        </a:spcAft>
+                      </a:pPr>
+                      <a:r>
+                        <a:rPr lang="en-US" sz="1600" kern="100">
+                          <a:effectLst/>
+                        </a:rPr>
+                        <a:t>1</a:t>
+                      </a:r>
+                      <a:r>
+                        <a:rPr lang="zh-CN" sz="1600" kern="100">
+                          <a:effectLst/>
+                        </a:rPr>
+                        <a:t>、需求获取</a:t>
+                      </a:r>
+                      <a:endParaRPr lang="zh-CN" sz="1200" kern="100">
+                        <a:effectLst/>
+                      </a:endParaRPr>
+                    </a:p>
+                    <a:p>
+                      <a:pPr algn="just">
+                        <a:spcAft>
+                          <a:spcPts val="0"/>
+                        </a:spcAft>
+                      </a:pPr>
+                      <a:r>
+                        <a:rPr lang="en-US" sz="1600" kern="100">
+                          <a:effectLst/>
+                        </a:rPr>
+                        <a:t>2</a:t>
+                      </a:r>
+                      <a:r>
+                        <a:rPr lang="zh-CN" sz="1600" kern="100">
+                          <a:effectLst/>
+                        </a:rPr>
+                        <a:t>、关联图</a:t>
+                      </a:r>
+                      <a:endParaRPr lang="zh-CN" sz="1200" kern="100">
+                        <a:effectLst/>
+                      </a:endParaRPr>
+                    </a:p>
+                    <a:p>
+                      <a:pPr algn="just">
+                        <a:spcAft>
+                          <a:spcPts val="0"/>
+                        </a:spcAft>
+                      </a:pPr>
+                      <a:r>
+                        <a:rPr lang="en-US" sz="1600" kern="100">
+                          <a:effectLst/>
+                        </a:rPr>
+                        <a:t>3</a:t>
+                      </a:r>
+                      <a:r>
+                        <a:rPr lang="zh-CN" sz="1600" kern="100">
+                          <a:effectLst/>
+                        </a:rPr>
+                        <a:t>、开发原型 </a:t>
+                      </a:r>
+                      <a:endParaRPr lang="zh-CN" sz="1200" kern="100">
+                        <a:effectLst/>
+                      </a:endParaRPr>
+                    </a:p>
+                    <a:p>
+                      <a:pPr algn="just">
+                        <a:spcAft>
+                          <a:spcPts val="0"/>
+                        </a:spcAft>
+                      </a:pPr>
+                      <a:r>
+                        <a:rPr lang="en-US" sz="1600" kern="100">
+                          <a:effectLst/>
+                        </a:rPr>
+                        <a:t>6</a:t>
+                      </a:r>
+                      <a:r>
+                        <a:rPr lang="zh-CN" sz="1600" kern="100">
+                          <a:effectLst/>
+                        </a:rPr>
+                        <a:t>、</a:t>
+                      </a:r>
+                      <a:r>
+                        <a:rPr lang="en-US" sz="1600" kern="100">
+                          <a:effectLst/>
+                        </a:rPr>
+                        <a:t>E-R</a:t>
+                      </a:r>
+                      <a:r>
+                        <a:rPr lang="zh-CN" sz="1600" kern="100">
+                          <a:effectLst/>
+                        </a:rPr>
+                        <a:t>图</a:t>
+                      </a:r>
+                      <a:endParaRPr lang="zh-CN" sz="1200" kern="100">
+                        <a:effectLst/>
+                      </a:endParaRPr>
+                    </a:p>
+                    <a:p>
+                      <a:pPr algn="just">
+                        <a:spcAft>
+                          <a:spcPts val="0"/>
+                        </a:spcAft>
+                      </a:pPr>
+                      <a:r>
+                        <a:rPr lang="en-US" sz="1600" kern="100">
+                          <a:effectLst/>
+                        </a:rPr>
+                        <a:t>7</a:t>
+                      </a:r>
+                      <a:r>
+                        <a:rPr lang="zh-CN" sz="1600" kern="100">
+                          <a:effectLst/>
+                        </a:rPr>
+                        <a:t>、数据字典</a:t>
+                      </a:r>
+                      <a:endParaRPr lang="zh-CN" sz="1200" kern="100">
+                        <a:effectLst/>
+                      </a:endParaRPr>
+                    </a:p>
+                    <a:p>
+                      <a:pPr algn="just">
+                        <a:spcAft>
+                          <a:spcPts val="0"/>
+                        </a:spcAft>
+                      </a:pPr>
+                      <a:r>
+                        <a:rPr lang="en-US" sz="1600" kern="100">
+                          <a:effectLst/>
+                        </a:rPr>
+                        <a:t> </a:t>
+                      </a:r>
+                      <a:endParaRPr lang="zh-CN" sz="1200" kern="100">
+                        <a:effectLst/>
+                        <a:latin typeface="等线" panose="02010600030101010101" pitchFamily="2" charset="-122"/>
+                        <a:ea typeface="等线" panose="02010600030101010101" pitchFamily="2" charset="-122"/>
+                        <a:cs typeface="Times New Roman" panose="02020603050405020304" pitchFamily="18" charset="0"/>
+                      </a:endParaRPr>
+                    </a:p>
+                  </a:txBody>
+                  <a:tcPr marL="65278" marR="65278" marT="0" marB="0"/>
+                </a:tc>
+                <a:tc>
+                  <a:txBody>
+                    <a:bodyPr/>
+                    <a:lstStyle/>
+                    <a:p>
+                      <a:pPr marL="342900" lvl="0" indent="-342900" algn="just">
+                        <a:spcAft>
+                          <a:spcPts val="0"/>
+                        </a:spcAft>
+                        <a:buFont typeface="+mj-lt"/>
+                        <a:buAutoNum type="arabicPeriod"/>
+                      </a:pPr>
+                      <a:r>
+                        <a:rPr lang="zh-CN" sz="1600" kern="100">
+                          <a:effectLst/>
+                        </a:rPr>
+                        <a:t>数据分析</a:t>
+                      </a:r>
+                      <a:endParaRPr lang="zh-CN" sz="1200" kern="100">
+                        <a:effectLst/>
+                      </a:endParaRPr>
+                    </a:p>
+                    <a:p>
+                      <a:pPr algn="just">
+                        <a:spcAft>
+                          <a:spcPts val="0"/>
+                        </a:spcAft>
+                      </a:pPr>
+                      <a:r>
+                        <a:rPr lang="en-US" sz="1600" kern="100">
+                          <a:effectLst/>
+                        </a:rPr>
+                        <a:t>2</a:t>
+                      </a:r>
+                      <a:r>
+                        <a:rPr lang="zh-CN" sz="1600" kern="100">
+                          <a:effectLst/>
+                        </a:rPr>
+                        <a:t>、会议讨论</a:t>
+                      </a:r>
+                      <a:endParaRPr lang="zh-CN" sz="1200" kern="100">
+                        <a:effectLst/>
+                      </a:endParaRPr>
+                    </a:p>
+                    <a:p>
+                      <a:pPr algn="just">
+                        <a:spcAft>
+                          <a:spcPts val="0"/>
+                        </a:spcAft>
+                      </a:pPr>
+                      <a:r>
+                        <a:rPr lang="en-US" sz="1600" kern="100">
+                          <a:effectLst/>
+                        </a:rPr>
+                        <a:t>3</a:t>
+                      </a:r>
+                      <a:r>
+                        <a:rPr lang="zh-CN" sz="1600" kern="100">
+                          <a:effectLst/>
+                        </a:rPr>
+                        <a:t>、专家判断</a:t>
+                      </a:r>
+                      <a:endParaRPr lang="zh-CN" sz="1200" kern="100">
+                        <a:effectLst/>
+                      </a:endParaRPr>
+                    </a:p>
+                    <a:p>
+                      <a:pPr algn="just">
+                        <a:spcAft>
+                          <a:spcPts val="0"/>
+                        </a:spcAft>
+                      </a:pPr>
+                      <a:r>
+                        <a:rPr lang="en-US" sz="1600" kern="100">
+                          <a:effectLst/>
+                        </a:rPr>
+                        <a:t>4</a:t>
+                      </a:r>
+                      <a:r>
+                        <a:rPr lang="zh-CN" sz="1600" kern="100">
+                          <a:effectLst/>
+                        </a:rPr>
+                        <a:t>、分析可行性</a:t>
+                      </a:r>
+                      <a:endParaRPr lang="zh-CN" sz="1200" kern="100">
+                        <a:effectLst/>
+                      </a:endParaRPr>
+                    </a:p>
+                    <a:p>
+                      <a:pPr algn="just">
+                        <a:spcAft>
+                          <a:spcPts val="0"/>
+                        </a:spcAft>
+                      </a:pPr>
+                      <a:r>
+                        <a:rPr lang="en-US" sz="1600" kern="100">
+                          <a:effectLst/>
+                        </a:rPr>
+                        <a:t>5</a:t>
+                      </a:r>
+                      <a:r>
+                        <a:rPr lang="zh-CN" sz="1600" kern="100">
+                          <a:effectLst/>
+                        </a:rPr>
+                        <a:t>、需求优先级</a:t>
+                      </a:r>
+                      <a:endParaRPr lang="zh-CN" sz="1200" kern="100">
+                        <a:effectLst/>
+                      </a:endParaRPr>
+                    </a:p>
+                    <a:p>
+                      <a:pPr algn="just">
+                        <a:spcAft>
+                          <a:spcPts val="0"/>
+                        </a:spcAft>
+                      </a:pPr>
+                      <a:r>
+                        <a:rPr lang="en-US" sz="1600" kern="100">
+                          <a:effectLst/>
+                        </a:rPr>
+                        <a:t>6</a:t>
+                      </a:r>
+                      <a:r>
+                        <a:rPr lang="zh-CN" sz="1600" kern="100">
+                          <a:effectLst/>
+                        </a:rPr>
+                        <a:t>、应用质量功能调配</a:t>
+                      </a:r>
+                      <a:endParaRPr lang="zh-CN" sz="1200" kern="100">
+                        <a:effectLst/>
+                      </a:endParaRPr>
+                    </a:p>
+                    <a:p>
+                      <a:pPr algn="just">
+                        <a:spcAft>
+                          <a:spcPts val="0"/>
+                        </a:spcAft>
+                      </a:pPr>
+                      <a:r>
+                        <a:rPr lang="en-US" sz="1600" kern="100">
+                          <a:effectLst/>
+                        </a:rPr>
+                        <a:t> </a:t>
+                      </a:r>
+                      <a:endParaRPr lang="zh-CN" sz="1200" kern="100">
+                        <a:effectLst/>
+                      </a:endParaRPr>
+                    </a:p>
+                    <a:p>
+                      <a:pPr algn="just">
+                        <a:spcAft>
+                          <a:spcPts val="0"/>
+                        </a:spcAft>
+                      </a:pPr>
+                      <a:r>
+                        <a:rPr lang="en-US" sz="1600" kern="100">
+                          <a:effectLst/>
+                        </a:rPr>
+                        <a:t> </a:t>
+                      </a:r>
+                      <a:endParaRPr lang="zh-CN" sz="1200" kern="100">
+                        <a:effectLst/>
+                        <a:latin typeface="等线" panose="02010600030101010101" pitchFamily="2" charset="-122"/>
+                        <a:ea typeface="等线" panose="02010600030101010101" pitchFamily="2" charset="-122"/>
+                        <a:cs typeface="Times New Roman" panose="02020603050405020304" pitchFamily="18" charset="0"/>
+                      </a:endParaRPr>
+                    </a:p>
+                  </a:txBody>
+                  <a:tcPr marL="65278" marR="65278" marT="0" marB="0"/>
+                </a:tc>
+                <a:tc>
+                  <a:txBody>
+                    <a:bodyPr/>
+                    <a:lstStyle/>
+                    <a:p>
+                      <a:pPr algn="just">
+                        <a:spcAft>
+                          <a:spcPts val="0"/>
+                        </a:spcAft>
+                      </a:pPr>
+                      <a:r>
+                        <a:rPr lang="en-US" sz="1600" kern="100" dirty="0">
+                          <a:effectLst/>
+                        </a:rPr>
+                        <a:t>1</a:t>
+                      </a:r>
+                      <a:r>
+                        <a:rPr lang="zh-CN" sz="1600" kern="100" dirty="0">
+                          <a:effectLst/>
+                        </a:rPr>
+                        <a:t>、需求分析</a:t>
+                      </a:r>
+                      <a:endParaRPr lang="zh-CN" sz="1200" kern="100" dirty="0">
+                        <a:effectLst/>
+                        <a:latin typeface="等线" panose="02010600030101010101" pitchFamily="2" charset="-122"/>
+                        <a:ea typeface="等线" panose="02010600030101010101" pitchFamily="2" charset="-122"/>
+                        <a:cs typeface="Times New Roman" panose="02020603050405020304" pitchFamily="18" charset="0"/>
+                      </a:endParaRPr>
+                    </a:p>
+                  </a:txBody>
+                  <a:tcPr marL="65278" marR="65278" marT="0" marB="0"/>
+                </a:tc>
+                <a:extLst>
+                  <a:ext uri="{0D108BD9-81ED-4DB2-BD59-A6C34878D82A}">
+                    <a16:rowId xmlns:a16="http://schemas.microsoft.com/office/drawing/2014/main" val="2253611863"/>
+                  </a:ext>
+                </a:extLst>
+              </a:tr>
+            </a:tbl>
+          </a:graphicData>
+        </a:graphic>
+      </p:graphicFrame>
+    </p:spTree>
+    <p:extLst>
+      <p:ext uri="{BB962C8B-B14F-4D97-AF65-F5344CB8AC3E}">
+        <p14:creationId xmlns:p14="http://schemas.microsoft.com/office/powerpoint/2010/main" val="3798020518"/>
+      </p:ext>
+    </p:extLst>
+  </p:cSld>
+  <p:clrMapOvr>
+    <a:masterClrMapping/>
+  </p:clrMapOvr>
+</p:sld>
+</file>
+
+<file path=ppt/slides/slide16.xml><?xml version="1.0" encoding="utf-8"?>
+<p:sld xmlns:a="http://schemas.openxmlformats.org/drawingml/2006/main" xmlns:r="http://schemas.openxmlformats.org/officeDocument/2006/relationships" xmlns:p="http://schemas.openxmlformats.org/presentationml/2006/main">
+  <p:cSld>
+    <p:spTree>
+      <p:nvGrpSpPr>
+        <p:cNvPr id="1" name=""/>
+        <p:cNvGrpSpPr/>
+        <p:nvPr/>
+      </p:nvGrpSpPr>
+      <p:grpSpPr>
+        <a:xfrm>
+          <a:off x="0" y="0"/>
+          <a:ext cx="0" cy="0"/>
+          <a:chOff x="0" y="0"/>
+          <a:chExt cx="0" cy="0"/>
+        </a:xfrm>
+      </p:grpSpPr>
+      <p:sp>
+        <p:nvSpPr>
+          <p:cNvPr id="2" name="标题 1">
+            <a:extLst>
+              <a:ext uri="{FF2B5EF4-FFF2-40B4-BE49-F238E27FC236}">
+                <a16:creationId xmlns:a16="http://schemas.microsoft.com/office/drawing/2014/main" id="{8CA480B0-3AE4-4213-AE96-99503B1CDDF0}"/>
+              </a:ext>
+            </a:extLst>
+          </p:cNvPr>
+          <p:cNvSpPr>
+            <a:spLocks noGrp="1"/>
+          </p:cNvSpPr>
+          <p:nvPr>
+            <p:ph type="title"/>
+          </p:nvPr>
+        </p:nvSpPr>
+        <p:spPr/>
+        <p:txBody>
+          <a:bodyPr/>
+          <a:lstStyle/>
+          <a:p>
+            <a:endParaRPr lang="zh-CN" altLang="en-US"/>
+          </a:p>
+        </p:txBody>
+      </p:sp>
+      <p:graphicFrame>
+        <p:nvGraphicFramePr>
+          <p:cNvPr id="4" name="内容占位符 3">
+            <a:extLst>
+              <a:ext uri="{FF2B5EF4-FFF2-40B4-BE49-F238E27FC236}">
+                <a16:creationId xmlns:a16="http://schemas.microsoft.com/office/drawing/2014/main" id="{E4FC813F-1B1F-4AEE-8CB7-FAD1E644E458}"/>
+              </a:ext>
+            </a:extLst>
+          </p:cNvPr>
+          <p:cNvGraphicFramePr>
+            <a:graphicFrameLocks noGrp="1"/>
+          </p:cNvGraphicFramePr>
+          <p:nvPr>
+            <p:ph idx="1"/>
+            <p:extLst>
+              <p:ext uri="{D42A27DB-BD31-4B8C-83A1-F6EECF244321}">
+                <p14:modId xmlns:p14="http://schemas.microsoft.com/office/powerpoint/2010/main" val="1405786154"/>
+              </p:ext>
+            </p:extLst>
+          </p:nvPr>
+        </p:nvGraphicFramePr>
+        <p:xfrm>
+          <a:off x="539552" y="274638"/>
+          <a:ext cx="8147247" cy="6178699"/>
+        </p:xfrm>
+        <a:graphic>
+          <a:graphicData uri="http://schemas.openxmlformats.org/drawingml/2006/table">
+            <a:tbl>
+              <a:tblPr firstRow="1" firstCol="1" bandRow="1">
+                <a:tableStyleId>{5C22544A-7EE6-4342-B048-85BDC9FD1C3A}</a:tableStyleId>
+              </a:tblPr>
+              <a:tblGrid>
+                <a:gridCol w="2715413">
+                  <a:extLst>
+                    <a:ext uri="{9D8B030D-6E8A-4147-A177-3AD203B41FA5}">
+                      <a16:colId xmlns:a16="http://schemas.microsoft.com/office/drawing/2014/main" val="836413379"/>
+                    </a:ext>
+                  </a:extLst>
+                </a:gridCol>
+                <a:gridCol w="3001777">
+                  <a:extLst>
+                    <a:ext uri="{9D8B030D-6E8A-4147-A177-3AD203B41FA5}">
+                      <a16:colId xmlns:a16="http://schemas.microsoft.com/office/drawing/2014/main" val="239530232"/>
+                    </a:ext>
+                  </a:extLst>
+                </a:gridCol>
+                <a:gridCol w="2430057">
+                  <a:extLst>
+                    <a:ext uri="{9D8B030D-6E8A-4147-A177-3AD203B41FA5}">
+                      <a16:colId xmlns:a16="http://schemas.microsoft.com/office/drawing/2014/main" val="3293906964"/>
+                    </a:ext>
+                  </a:extLst>
+                </a:gridCol>
+              </a:tblGrid>
+              <a:tr h="386169">
+                <a:tc>
+                  <a:txBody>
+                    <a:bodyPr/>
+                    <a:lstStyle/>
+                    <a:p>
+                      <a:pPr algn="just">
+                        <a:spcAft>
+                          <a:spcPts val="0"/>
+                        </a:spcAft>
+                      </a:pPr>
+                      <a:r>
+                        <a:rPr lang="en-US" sz="2000" kern="100">
+                          <a:effectLst/>
+                        </a:rPr>
+                        <a:t>3</a:t>
+                      </a:r>
+                      <a:r>
+                        <a:rPr lang="zh-CN" sz="2000" kern="100">
+                          <a:effectLst/>
+                        </a:rPr>
+                        <a:t>、需求规格说明</a:t>
+                      </a:r>
+                      <a:endParaRPr lang="zh-CN" sz="2000" kern="100">
+                        <a:effectLst/>
+                        <a:latin typeface="等线" panose="02010600030101010101" pitchFamily="2" charset="-122"/>
+                        <a:ea typeface="等线" panose="02010600030101010101" pitchFamily="2" charset="-122"/>
+                        <a:cs typeface="Times New Roman" panose="02020603050405020304" pitchFamily="18" charset="0"/>
+                      </a:endParaRPr>
+                    </a:p>
+                  </a:txBody>
+                  <a:tcPr marL="68580" marR="68580" marT="0" marB="0"/>
+                </a:tc>
+                <a:tc>
+                  <a:txBody>
+                    <a:bodyPr/>
+                    <a:lstStyle/>
+                    <a:p>
+                      <a:pPr algn="just">
+                        <a:spcAft>
+                          <a:spcPts val="0"/>
+                        </a:spcAft>
+                      </a:pPr>
+                      <a:r>
+                        <a:rPr lang="en-US" sz="2000" kern="100">
+                          <a:effectLst/>
+                        </a:rPr>
+                        <a:t> </a:t>
+                      </a:r>
+                      <a:endParaRPr lang="zh-CN" sz="2000" kern="100">
+                        <a:effectLst/>
+                        <a:latin typeface="等线" panose="02010600030101010101" pitchFamily="2" charset="-122"/>
+                        <a:ea typeface="等线" panose="02010600030101010101" pitchFamily="2" charset="-122"/>
+                        <a:cs typeface="Times New Roman" panose="02020603050405020304" pitchFamily="18" charset="0"/>
+                      </a:endParaRPr>
+                    </a:p>
+                  </a:txBody>
+                  <a:tcPr marL="68580" marR="68580" marT="0" marB="0"/>
+                </a:tc>
+                <a:tc>
+                  <a:txBody>
+                    <a:bodyPr/>
+                    <a:lstStyle/>
+                    <a:p>
+                      <a:pPr algn="just">
+                        <a:spcAft>
+                          <a:spcPts val="0"/>
+                        </a:spcAft>
+                      </a:pPr>
+                      <a:r>
+                        <a:rPr lang="en-US" sz="2000" kern="100">
+                          <a:effectLst/>
+                        </a:rPr>
+                        <a:t> </a:t>
+                      </a:r>
+                      <a:endParaRPr lang="zh-CN" sz="2000" kern="100">
+                        <a:effectLst/>
+                        <a:latin typeface="等线" panose="02010600030101010101" pitchFamily="2" charset="-122"/>
+                        <a:ea typeface="等线" panose="02010600030101010101" pitchFamily="2" charset="-122"/>
+                        <a:cs typeface="Times New Roman" panose="02020603050405020304" pitchFamily="18" charset="0"/>
+                      </a:endParaRPr>
+                    </a:p>
+                  </a:txBody>
+                  <a:tcPr marL="68580" marR="68580" marT="0" marB="0"/>
+                </a:tc>
+                <a:extLst>
+                  <a:ext uri="{0D108BD9-81ED-4DB2-BD59-A6C34878D82A}">
+                    <a16:rowId xmlns:a16="http://schemas.microsoft.com/office/drawing/2014/main" val="2004870162"/>
+                  </a:ext>
+                </a:extLst>
+              </a:tr>
+              <a:tr h="386169">
+                <a:tc>
+                  <a:txBody>
+                    <a:bodyPr/>
+                    <a:lstStyle/>
+                    <a:p>
+                      <a:pPr algn="just">
+                        <a:spcAft>
+                          <a:spcPts val="0"/>
+                        </a:spcAft>
+                      </a:pPr>
+                      <a:r>
+                        <a:rPr lang="zh-CN" sz="2000" kern="100">
+                          <a:effectLst/>
+                        </a:rPr>
+                        <a:t>输入</a:t>
+                      </a:r>
+                      <a:endParaRPr lang="zh-CN" sz="2000" kern="100">
+                        <a:effectLst/>
+                        <a:latin typeface="等线" panose="02010600030101010101" pitchFamily="2" charset="-122"/>
+                        <a:ea typeface="等线" panose="02010600030101010101" pitchFamily="2" charset="-122"/>
+                        <a:cs typeface="Times New Roman" panose="02020603050405020304" pitchFamily="18" charset="0"/>
+                      </a:endParaRPr>
+                    </a:p>
+                  </a:txBody>
+                  <a:tcPr marL="68580" marR="68580" marT="0" marB="0"/>
+                </a:tc>
+                <a:tc>
+                  <a:txBody>
+                    <a:bodyPr/>
+                    <a:lstStyle/>
+                    <a:p>
+                      <a:pPr algn="just">
+                        <a:spcAft>
+                          <a:spcPts val="0"/>
+                        </a:spcAft>
+                      </a:pPr>
+                      <a:r>
+                        <a:rPr lang="zh-CN" sz="2000" kern="100">
+                          <a:effectLst/>
+                        </a:rPr>
+                        <a:t>工具与技术</a:t>
+                      </a:r>
+                      <a:endParaRPr lang="zh-CN" sz="2000" kern="100">
+                        <a:effectLst/>
+                        <a:latin typeface="等线" panose="02010600030101010101" pitchFamily="2" charset="-122"/>
+                        <a:ea typeface="等线" panose="02010600030101010101" pitchFamily="2" charset="-122"/>
+                        <a:cs typeface="Times New Roman" panose="02020603050405020304" pitchFamily="18" charset="0"/>
+                      </a:endParaRPr>
+                    </a:p>
+                  </a:txBody>
+                  <a:tcPr marL="68580" marR="68580" marT="0" marB="0"/>
+                </a:tc>
+                <a:tc>
+                  <a:txBody>
+                    <a:bodyPr/>
+                    <a:lstStyle/>
+                    <a:p>
+                      <a:pPr algn="just">
+                        <a:spcAft>
+                          <a:spcPts val="0"/>
+                        </a:spcAft>
+                      </a:pPr>
+                      <a:r>
+                        <a:rPr lang="zh-CN" sz="2000" kern="100">
+                          <a:effectLst/>
+                        </a:rPr>
+                        <a:t>输出</a:t>
+                      </a:r>
+                      <a:endParaRPr lang="zh-CN" sz="2000" kern="100">
+                        <a:effectLst/>
+                        <a:latin typeface="等线" panose="02010600030101010101" pitchFamily="2" charset="-122"/>
+                        <a:ea typeface="等线" panose="02010600030101010101" pitchFamily="2" charset="-122"/>
+                        <a:cs typeface="Times New Roman" panose="02020603050405020304" pitchFamily="18" charset="0"/>
+                      </a:endParaRPr>
+                    </a:p>
+                  </a:txBody>
+                  <a:tcPr marL="68580" marR="68580" marT="0" marB="0"/>
+                </a:tc>
+                <a:extLst>
+                  <a:ext uri="{0D108BD9-81ED-4DB2-BD59-A6C34878D82A}">
+                    <a16:rowId xmlns:a16="http://schemas.microsoft.com/office/drawing/2014/main" val="3229879078"/>
+                  </a:ext>
+                </a:extLst>
+              </a:tr>
+              <a:tr h="2703180">
+                <a:tc>
+                  <a:txBody>
+                    <a:bodyPr/>
+                    <a:lstStyle/>
+                    <a:p>
+                      <a:pPr algn="just">
+                        <a:spcAft>
+                          <a:spcPts val="0"/>
+                        </a:spcAft>
+                      </a:pPr>
+                      <a:r>
+                        <a:rPr lang="en-US" sz="2000" kern="100">
+                          <a:effectLst/>
+                        </a:rPr>
+                        <a:t>1</a:t>
+                      </a:r>
+                      <a:r>
+                        <a:rPr lang="zh-CN" sz="2000" kern="100">
+                          <a:effectLst/>
+                        </a:rPr>
+                        <a:t>、需求分析</a:t>
+                      </a:r>
+                    </a:p>
+                    <a:p>
+                      <a:pPr algn="just">
+                        <a:spcAft>
+                          <a:spcPts val="0"/>
+                        </a:spcAft>
+                      </a:pPr>
+                      <a:r>
+                        <a:rPr lang="en-US" sz="2000" kern="100">
+                          <a:effectLst/>
+                        </a:rPr>
+                        <a:t>2</a:t>
+                      </a:r>
+                      <a:r>
+                        <a:rPr lang="zh-CN" sz="2000" kern="100">
+                          <a:effectLst/>
+                        </a:rPr>
+                        <a:t>、需求获取</a:t>
+                      </a:r>
+                    </a:p>
+                    <a:p>
+                      <a:pPr algn="just">
+                        <a:spcAft>
+                          <a:spcPts val="0"/>
+                        </a:spcAft>
+                      </a:pPr>
+                      <a:r>
+                        <a:rPr lang="en-US" sz="2000" kern="100">
+                          <a:effectLst/>
+                        </a:rPr>
+                        <a:t>3</a:t>
+                      </a:r>
+                      <a:r>
+                        <a:rPr lang="zh-CN" sz="2000" kern="100">
+                          <a:effectLst/>
+                        </a:rPr>
+                        <a:t>、约束条件</a:t>
+                      </a:r>
+                    </a:p>
+                    <a:p>
+                      <a:pPr algn="just">
+                        <a:spcAft>
+                          <a:spcPts val="0"/>
+                        </a:spcAft>
+                      </a:pPr>
+                      <a:r>
+                        <a:rPr lang="en-US" sz="2000" kern="100">
+                          <a:effectLst/>
+                        </a:rPr>
+                        <a:t>4</a:t>
+                      </a:r>
+                      <a:r>
+                        <a:rPr lang="zh-CN" sz="2000" kern="100">
+                          <a:effectLst/>
+                        </a:rPr>
+                        <a:t>、系统特性</a:t>
+                      </a:r>
+                    </a:p>
+                    <a:p>
+                      <a:pPr algn="just">
+                        <a:spcAft>
+                          <a:spcPts val="0"/>
+                        </a:spcAft>
+                      </a:pPr>
+                      <a:r>
+                        <a:rPr lang="en-US" sz="2000" kern="100">
+                          <a:effectLst/>
+                        </a:rPr>
+                        <a:t>5</a:t>
+                      </a:r>
+                      <a:r>
+                        <a:rPr lang="zh-CN" sz="2000" kern="100">
+                          <a:effectLst/>
+                        </a:rPr>
+                        <a:t>、其它非功能需求</a:t>
+                      </a:r>
+                      <a:endParaRPr lang="zh-CN" sz="2000" kern="100">
+                        <a:effectLst/>
+                        <a:latin typeface="等线" panose="02010600030101010101" pitchFamily="2" charset="-122"/>
+                        <a:ea typeface="等线" panose="02010600030101010101" pitchFamily="2" charset="-122"/>
+                        <a:cs typeface="Times New Roman" panose="02020603050405020304" pitchFamily="18" charset="0"/>
+                      </a:endParaRPr>
+                    </a:p>
+                  </a:txBody>
+                  <a:tcPr marL="68580" marR="68580" marT="0" marB="0"/>
+                </a:tc>
+                <a:tc>
+                  <a:txBody>
+                    <a:bodyPr/>
+                    <a:lstStyle/>
+                    <a:p>
+                      <a:pPr algn="just">
+                        <a:spcAft>
+                          <a:spcPts val="0"/>
+                        </a:spcAft>
+                      </a:pPr>
+                      <a:r>
+                        <a:rPr lang="en-US" sz="2000" kern="100">
+                          <a:effectLst/>
+                        </a:rPr>
+                        <a:t>1</a:t>
+                      </a:r>
+                      <a:r>
+                        <a:rPr lang="zh-CN" sz="2000" kern="100">
+                          <a:effectLst/>
+                        </a:rPr>
+                        <a:t>、数据分析</a:t>
+                      </a:r>
+                    </a:p>
+                    <a:p>
+                      <a:pPr algn="just">
+                        <a:spcAft>
+                          <a:spcPts val="0"/>
+                        </a:spcAft>
+                      </a:pPr>
+                      <a:r>
+                        <a:rPr lang="en-US" sz="2000" kern="100">
+                          <a:effectLst/>
+                        </a:rPr>
+                        <a:t>2</a:t>
+                      </a:r>
+                      <a:r>
+                        <a:rPr lang="zh-CN" sz="2000" kern="100">
+                          <a:effectLst/>
+                        </a:rPr>
+                        <a:t>、会议讨论</a:t>
+                      </a:r>
+                    </a:p>
+                    <a:p>
+                      <a:pPr algn="just">
+                        <a:spcAft>
+                          <a:spcPts val="0"/>
+                        </a:spcAft>
+                      </a:pPr>
+                      <a:r>
+                        <a:rPr lang="en-US" sz="2000" kern="100">
+                          <a:effectLst/>
+                        </a:rPr>
+                        <a:t>3</a:t>
+                      </a:r>
+                      <a:r>
+                        <a:rPr lang="zh-CN" sz="2000" kern="100">
+                          <a:effectLst/>
+                        </a:rPr>
+                        <a:t>、专家判断</a:t>
+                      </a:r>
+                    </a:p>
+                    <a:p>
+                      <a:pPr algn="just">
+                        <a:spcAft>
+                          <a:spcPts val="0"/>
+                        </a:spcAft>
+                      </a:pPr>
+                      <a:r>
+                        <a:rPr lang="en-US" sz="2000" kern="100">
+                          <a:effectLst/>
+                        </a:rPr>
+                        <a:t>4</a:t>
+                      </a:r>
+                      <a:r>
+                        <a:rPr lang="zh-CN" sz="2000" kern="100">
+                          <a:effectLst/>
+                        </a:rPr>
+                        <a:t>、相关标准</a:t>
+                      </a:r>
+                    </a:p>
+                    <a:p>
+                      <a:pPr algn="just">
+                        <a:spcAft>
+                          <a:spcPts val="0"/>
+                        </a:spcAft>
+                      </a:pPr>
+                      <a:r>
+                        <a:rPr lang="en-US" sz="2000" kern="100">
+                          <a:effectLst/>
+                        </a:rPr>
+                        <a:t>5</a:t>
+                      </a:r>
+                      <a:r>
+                        <a:rPr lang="zh-CN" sz="2000" kern="100">
+                          <a:effectLst/>
+                        </a:rPr>
+                        <a:t>、综合描述</a:t>
+                      </a:r>
+                    </a:p>
+                    <a:p>
+                      <a:pPr algn="just">
+                        <a:spcAft>
+                          <a:spcPts val="0"/>
+                        </a:spcAft>
+                      </a:pPr>
+                      <a:r>
+                        <a:rPr lang="en-US" sz="2000" kern="100">
+                          <a:effectLst/>
+                        </a:rPr>
+                        <a:t>6</a:t>
+                      </a:r>
+                      <a:r>
+                        <a:rPr lang="zh-CN" sz="2000" kern="100">
+                          <a:effectLst/>
+                        </a:rPr>
+                        <a:t>、外部接口需求</a:t>
+                      </a:r>
+                    </a:p>
+                    <a:p>
+                      <a:pPr algn="just">
+                        <a:spcAft>
+                          <a:spcPts val="0"/>
+                        </a:spcAft>
+                      </a:pPr>
+                      <a:r>
+                        <a:rPr lang="en-US" sz="2000" kern="100">
+                          <a:effectLst/>
+                        </a:rPr>
+                        <a:t> </a:t>
+                      </a:r>
+                      <a:endParaRPr lang="zh-CN" sz="2000" kern="100">
+                        <a:effectLst/>
+                        <a:latin typeface="等线" panose="02010600030101010101" pitchFamily="2" charset="-122"/>
+                        <a:ea typeface="等线" panose="02010600030101010101" pitchFamily="2" charset="-122"/>
+                        <a:cs typeface="Times New Roman" panose="02020603050405020304" pitchFamily="18" charset="0"/>
+                      </a:endParaRPr>
+                    </a:p>
+                  </a:txBody>
+                  <a:tcPr marL="68580" marR="68580" marT="0" marB="0"/>
+                </a:tc>
+                <a:tc>
+                  <a:txBody>
+                    <a:bodyPr/>
+                    <a:lstStyle/>
+                    <a:p>
+                      <a:pPr algn="just">
+                        <a:spcAft>
+                          <a:spcPts val="0"/>
+                        </a:spcAft>
+                      </a:pPr>
+                      <a:r>
+                        <a:rPr lang="en-US" sz="2000" kern="100">
+                          <a:effectLst/>
+                        </a:rPr>
+                        <a:t>1</a:t>
+                      </a:r>
+                      <a:r>
+                        <a:rPr lang="zh-CN" sz="2000" kern="100">
+                          <a:effectLst/>
+                        </a:rPr>
+                        <a:t>、需求规格说明</a:t>
+                      </a:r>
+                      <a:endParaRPr lang="zh-CN" sz="2000" kern="100">
+                        <a:effectLst/>
+                        <a:latin typeface="等线" panose="02010600030101010101" pitchFamily="2" charset="-122"/>
+                        <a:ea typeface="等线" panose="02010600030101010101" pitchFamily="2" charset="-122"/>
+                        <a:cs typeface="Times New Roman" panose="02020603050405020304" pitchFamily="18" charset="0"/>
+                      </a:endParaRPr>
+                    </a:p>
+                  </a:txBody>
+                  <a:tcPr marL="68580" marR="68580" marT="0" marB="0"/>
+                </a:tc>
+                <a:extLst>
+                  <a:ext uri="{0D108BD9-81ED-4DB2-BD59-A6C34878D82A}">
+                    <a16:rowId xmlns:a16="http://schemas.microsoft.com/office/drawing/2014/main" val="866940347"/>
+                  </a:ext>
+                </a:extLst>
+              </a:tr>
+              <a:tr h="386169">
+                <a:tc>
+                  <a:txBody>
+                    <a:bodyPr/>
+                    <a:lstStyle/>
+                    <a:p>
+                      <a:pPr algn="just">
+                        <a:spcAft>
+                          <a:spcPts val="0"/>
+                        </a:spcAft>
+                      </a:pPr>
+                      <a:r>
+                        <a:rPr lang="en-US" sz="2000" kern="100">
+                          <a:effectLst/>
+                        </a:rPr>
+                        <a:t>4</a:t>
+                      </a:r>
+                      <a:r>
+                        <a:rPr lang="zh-CN" sz="2000" kern="100">
+                          <a:effectLst/>
+                        </a:rPr>
+                        <a:t>、需求规格审核</a:t>
+                      </a:r>
+                      <a:endParaRPr lang="zh-CN" sz="2000" kern="100">
+                        <a:effectLst/>
+                        <a:latin typeface="等线" panose="02010600030101010101" pitchFamily="2" charset="-122"/>
+                        <a:ea typeface="等线" panose="02010600030101010101" pitchFamily="2" charset="-122"/>
+                        <a:cs typeface="Times New Roman" panose="02020603050405020304" pitchFamily="18" charset="0"/>
+                      </a:endParaRPr>
+                    </a:p>
+                  </a:txBody>
+                  <a:tcPr marL="68580" marR="68580" marT="0" marB="0"/>
+                </a:tc>
+                <a:tc>
+                  <a:txBody>
+                    <a:bodyPr/>
+                    <a:lstStyle/>
+                    <a:p>
+                      <a:pPr algn="just">
+                        <a:spcAft>
+                          <a:spcPts val="0"/>
+                        </a:spcAft>
+                      </a:pPr>
+                      <a:r>
+                        <a:rPr lang="en-US" sz="2000" kern="100">
+                          <a:effectLst/>
+                        </a:rPr>
+                        <a:t> </a:t>
+                      </a:r>
+                      <a:endParaRPr lang="zh-CN" sz="2000" kern="100">
+                        <a:effectLst/>
+                        <a:latin typeface="等线" panose="02010600030101010101" pitchFamily="2" charset="-122"/>
+                        <a:ea typeface="等线" panose="02010600030101010101" pitchFamily="2" charset="-122"/>
+                        <a:cs typeface="Times New Roman" panose="02020603050405020304" pitchFamily="18" charset="0"/>
+                      </a:endParaRPr>
+                    </a:p>
+                  </a:txBody>
+                  <a:tcPr marL="68580" marR="68580" marT="0" marB="0"/>
+                </a:tc>
+                <a:tc>
+                  <a:txBody>
+                    <a:bodyPr/>
+                    <a:lstStyle/>
+                    <a:p>
+                      <a:pPr algn="just">
+                        <a:spcAft>
+                          <a:spcPts val="0"/>
+                        </a:spcAft>
+                      </a:pPr>
+                      <a:r>
+                        <a:rPr lang="en-US" sz="2000" kern="100">
+                          <a:effectLst/>
+                        </a:rPr>
+                        <a:t> </a:t>
+                      </a:r>
+                      <a:endParaRPr lang="zh-CN" sz="2000" kern="100">
+                        <a:effectLst/>
+                        <a:latin typeface="等线" panose="02010600030101010101" pitchFamily="2" charset="-122"/>
+                        <a:ea typeface="等线" panose="02010600030101010101" pitchFamily="2" charset="-122"/>
+                        <a:cs typeface="Times New Roman" panose="02020603050405020304" pitchFamily="18" charset="0"/>
+                      </a:endParaRPr>
+                    </a:p>
+                  </a:txBody>
+                  <a:tcPr marL="68580" marR="68580" marT="0" marB="0"/>
+                </a:tc>
+                <a:extLst>
+                  <a:ext uri="{0D108BD9-81ED-4DB2-BD59-A6C34878D82A}">
+                    <a16:rowId xmlns:a16="http://schemas.microsoft.com/office/drawing/2014/main" val="4190851547"/>
+                  </a:ext>
+                </a:extLst>
+              </a:tr>
+              <a:tr h="386169">
+                <a:tc>
+                  <a:txBody>
+                    <a:bodyPr/>
+                    <a:lstStyle/>
+                    <a:p>
+                      <a:pPr algn="just">
+                        <a:spcAft>
+                          <a:spcPts val="0"/>
+                        </a:spcAft>
+                      </a:pPr>
+                      <a:r>
+                        <a:rPr lang="zh-CN" sz="2000" kern="100">
+                          <a:effectLst/>
+                        </a:rPr>
+                        <a:t>输入</a:t>
+                      </a:r>
+                      <a:endParaRPr lang="zh-CN" sz="2000" kern="100">
+                        <a:effectLst/>
+                        <a:latin typeface="等线" panose="02010600030101010101" pitchFamily="2" charset="-122"/>
+                        <a:ea typeface="等线" panose="02010600030101010101" pitchFamily="2" charset="-122"/>
+                        <a:cs typeface="Times New Roman" panose="02020603050405020304" pitchFamily="18" charset="0"/>
+                      </a:endParaRPr>
+                    </a:p>
+                  </a:txBody>
+                  <a:tcPr marL="68580" marR="68580" marT="0" marB="0"/>
+                </a:tc>
+                <a:tc>
+                  <a:txBody>
+                    <a:bodyPr/>
+                    <a:lstStyle/>
+                    <a:p>
+                      <a:pPr algn="just">
+                        <a:spcAft>
+                          <a:spcPts val="0"/>
+                        </a:spcAft>
+                      </a:pPr>
+                      <a:r>
+                        <a:rPr lang="zh-CN" sz="2000" kern="100">
+                          <a:effectLst/>
+                        </a:rPr>
+                        <a:t>工具与技术</a:t>
+                      </a:r>
+                      <a:endParaRPr lang="zh-CN" sz="2000" kern="100">
+                        <a:effectLst/>
+                        <a:latin typeface="等线" panose="02010600030101010101" pitchFamily="2" charset="-122"/>
+                        <a:ea typeface="等线" panose="02010600030101010101" pitchFamily="2" charset="-122"/>
+                        <a:cs typeface="Times New Roman" panose="02020603050405020304" pitchFamily="18" charset="0"/>
+                      </a:endParaRPr>
+                    </a:p>
+                  </a:txBody>
+                  <a:tcPr marL="68580" marR="68580" marT="0" marB="0"/>
+                </a:tc>
+                <a:tc>
+                  <a:txBody>
+                    <a:bodyPr/>
+                    <a:lstStyle/>
+                    <a:p>
+                      <a:pPr algn="just">
+                        <a:spcAft>
+                          <a:spcPts val="0"/>
+                        </a:spcAft>
+                      </a:pPr>
+                      <a:r>
+                        <a:rPr lang="zh-CN" sz="2000" kern="100">
+                          <a:effectLst/>
+                        </a:rPr>
+                        <a:t>输出</a:t>
+                      </a:r>
+                      <a:endParaRPr lang="zh-CN" sz="2000" kern="100">
+                        <a:effectLst/>
+                        <a:latin typeface="等线" panose="02010600030101010101" pitchFamily="2" charset="-122"/>
+                        <a:ea typeface="等线" panose="02010600030101010101" pitchFamily="2" charset="-122"/>
+                        <a:cs typeface="Times New Roman" panose="02020603050405020304" pitchFamily="18" charset="0"/>
+                      </a:endParaRPr>
+                    </a:p>
+                  </a:txBody>
+                  <a:tcPr marL="68580" marR="68580" marT="0" marB="0"/>
+                </a:tc>
+                <a:extLst>
+                  <a:ext uri="{0D108BD9-81ED-4DB2-BD59-A6C34878D82A}">
+                    <a16:rowId xmlns:a16="http://schemas.microsoft.com/office/drawing/2014/main" val="3048531657"/>
+                  </a:ext>
+                </a:extLst>
+              </a:tr>
+              <a:tr h="1930843">
+                <a:tc>
+                  <a:txBody>
+                    <a:bodyPr/>
+                    <a:lstStyle/>
+                    <a:p>
+                      <a:pPr algn="just">
+                        <a:spcAft>
+                          <a:spcPts val="0"/>
+                        </a:spcAft>
+                      </a:pPr>
+                      <a:r>
+                        <a:rPr lang="en-US" sz="2000" kern="100">
+                          <a:effectLst/>
+                        </a:rPr>
+                        <a:t>1</a:t>
+                      </a:r>
+                      <a:r>
+                        <a:rPr lang="zh-CN" sz="2000" kern="100">
+                          <a:effectLst/>
+                        </a:rPr>
+                        <a:t>、需求规格说明</a:t>
+                      </a:r>
+                    </a:p>
+                    <a:p>
+                      <a:pPr algn="just">
+                        <a:spcAft>
+                          <a:spcPts val="0"/>
+                        </a:spcAft>
+                      </a:pPr>
+                      <a:r>
+                        <a:rPr lang="en-US" sz="2000" kern="100">
+                          <a:effectLst/>
+                        </a:rPr>
+                        <a:t>2</a:t>
+                      </a:r>
+                      <a:r>
+                        <a:rPr lang="zh-CN" sz="2000" kern="100">
+                          <a:effectLst/>
+                        </a:rPr>
+                        <a:t>、需求文档</a:t>
+                      </a:r>
+                    </a:p>
+                    <a:p>
+                      <a:pPr algn="just">
+                        <a:spcAft>
+                          <a:spcPts val="0"/>
+                        </a:spcAft>
+                      </a:pPr>
+                      <a:r>
+                        <a:rPr lang="en-US" sz="2000" kern="100">
+                          <a:effectLst/>
+                        </a:rPr>
+                        <a:t>3</a:t>
+                      </a:r>
+                      <a:r>
+                        <a:rPr lang="zh-CN" sz="2000" kern="100">
+                          <a:effectLst/>
+                        </a:rPr>
+                        <a:t>、测试用例</a:t>
+                      </a:r>
+                    </a:p>
+                    <a:p>
+                      <a:pPr algn="just">
+                        <a:spcAft>
+                          <a:spcPts val="0"/>
+                        </a:spcAft>
+                      </a:pPr>
+                      <a:r>
+                        <a:rPr lang="en-US" sz="2000" kern="100">
+                          <a:effectLst/>
+                        </a:rPr>
+                        <a:t>4</a:t>
+                      </a:r>
+                      <a:r>
+                        <a:rPr lang="zh-CN" sz="2000" kern="100">
+                          <a:effectLst/>
+                        </a:rPr>
+                        <a:t>、用户手册</a:t>
+                      </a:r>
+                    </a:p>
+                    <a:p>
+                      <a:pPr algn="just">
+                        <a:spcAft>
+                          <a:spcPts val="0"/>
+                        </a:spcAft>
+                      </a:pPr>
+                      <a:r>
+                        <a:rPr lang="en-US" sz="2000" kern="100">
+                          <a:effectLst/>
+                        </a:rPr>
+                        <a:t>5</a:t>
+                      </a:r>
+                      <a:r>
+                        <a:rPr lang="zh-CN" sz="2000" kern="100">
+                          <a:effectLst/>
+                        </a:rPr>
+                        <a:t>、确定合格的标准</a:t>
+                      </a:r>
+                      <a:endParaRPr lang="zh-CN" sz="2000" kern="100">
+                        <a:effectLst/>
+                        <a:latin typeface="等线" panose="02010600030101010101" pitchFamily="2" charset="-122"/>
+                        <a:ea typeface="等线" panose="02010600030101010101" pitchFamily="2" charset="-122"/>
+                        <a:cs typeface="Times New Roman" panose="02020603050405020304" pitchFamily="18" charset="0"/>
+                      </a:endParaRPr>
+                    </a:p>
+                  </a:txBody>
+                  <a:tcPr marL="68580" marR="68580" marT="0" marB="0"/>
+                </a:tc>
+                <a:tc>
+                  <a:txBody>
+                    <a:bodyPr/>
+                    <a:lstStyle/>
+                    <a:p>
+                      <a:pPr algn="just">
+                        <a:spcAft>
+                          <a:spcPts val="0"/>
+                        </a:spcAft>
+                      </a:pPr>
+                      <a:r>
+                        <a:rPr lang="en-US" sz="2000" kern="100">
+                          <a:effectLst/>
+                        </a:rPr>
+                        <a:t>1</a:t>
+                      </a:r>
+                      <a:r>
+                        <a:rPr lang="zh-CN" sz="2000" kern="100">
+                          <a:effectLst/>
+                        </a:rPr>
+                        <a:t>、数据分析</a:t>
+                      </a:r>
+                    </a:p>
+                    <a:p>
+                      <a:pPr algn="just">
+                        <a:spcAft>
+                          <a:spcPts val="0"/>
+                        </a:spcAft>
+                      </a:pPr>
+                      <a:r>
+                        <a:rPr lang="en-US" sz="2000" kern="100">
+                          <a:effectLst/>
+                        </a:rPr>
+                        <a:t>2</a:t>
+                      </a:r>
+                      <a:r>
+                        <a:rPr lang="zh-CN" sz="2000" kern="100">
+                          <a:effectLst/>
+                        </a:rPr>
+                        <a:t>、会议讨论</a:t>
+                      </a:r>
+                    </a:p>
+                    <a:p>
+                      <a:pPr algn="just">
+                        <a:spcAft>
+                          <a:spcPts val="0"/>
+                        </a:spcAft>
+                      </a:pPr>
+                      <a:r>
+                        <a:rPr lang="en-US" sz="2000" kern="100">
+                          <a:effectLst/>
+                        </a:rPr>
+                        <a:t>3</a:t>
+                      </a:r>
+                      <a:r>
+                        <a:rPr lang="zh-CN" sz="2000" kern="100">
+                          <a:effectLst/>
+                        </a:rPr>
+                        <a:t>、专家判断</a:t>
+                      </a:r>
+                    </a:p>
+                    <a:p>
+                      <a:pPr algn="just">
+                        <a:spcAft>
+                          <a:spcPts val="0"/>
+                        </a:spcAft>
+                      </a:pPr>
+                      <a:r>
+                        <a:rPr lang="en-US" sz="2000" kern="100">
+                          <a:effectLst/>
+                        </a:rPr>
+                        <a:t> </a:t>
+                      </a:r>
+                      <a:endParaRPr lang="zh-CN" sz="2000" kern="100">
+                        <a:effectLst/>
+                        <a:latin typeface="等线" panose="02010600030101010101" pitchFamily="2" charset="-122"/>
+                        <a:ea typeface="等线" panose="02010600030101010101" pitchFamily="2" charset="-122"/>
+                        <a:cs typeface="Times New Roman" panose="02020603050405020304" pitchFamily="18" charset="0"/>
+                      </a:endParaRPr>
+                    </a:p>
+                  </a:txBody>
+                  <a:tcPr marL="68580" marR="68580" marT="0" marB="0"/>
+                </a:tc>
+                <a:tc>
+                  <a:txBody>
+                    <a:bodyPr/>
+                    <a:lstStyle/>
+                    <a:p>
+                      <a:pPr algn="just">
+                        <a:spcAft>
+                          <a:spcPts val="0"/>
+                        </a:spcAft>
+                      </a:pPr>
+                      <a:r>
+                        <a:rPr lang="en-US" sz="2000" kern="100" dirty="0">
+                          <a:effectLst/>
+                        </a:rPr>
+                        <a:t>1</a:t>
+                      </a:r>
+                      <a:r>
+                        <a:rPr lang="zh-CN" sz="2000" kern="100" dirty="0">
+                          <a:effectLst/>
+                        </a:rPr>
+                        <a:t>、需求规格审核</a:t>
+                      </a:r>
+                      <a:endParaRPr lang="zh-CN" sz="2000" kern="100" dirty="0">
+                        <a:effectLst/>
+                        <a:latin typeface="等线" panose="02010600030101010101" pitchFamily="2" charset="-122"/>
+                        <a:ea typeface="等线" panose="02010600030101010101" pitchFamily="2" charset="-122"/>
+                        <a:cs typeface="Times New Roman" panose="02020603050405020304" pitchFamily="18" charset="0"/>
+                      </a:endParaRPr>
+                    </a:p>
+                  </a:txBody>
+                  <a:tcPr marL="68580" marR="68580" marT="0" marB="0"/>
+                </a:tc>
+                <a:extLst>
+                  <a:ext uri="{0D108BD9-81ED-4DB2-BD59-A6C34878D82A}">
+                    <a16:rowId xmlns:a16="http://schemas.microsoft.com/office/drawing/2014/main" val="2303215304"/>
+                  </a:ext>
+                </a:extLst>
+              </a:tr>
+            </a:tbl>
+          </a:graphicData>
+        </a:graphic>
+      </p:graphicFrame>
+    </p:spTree>
+    <p:extLst>
+      <p:ext uri="{BB962C8B-B14F-4D97-AF65-F5344CB8AC3E}">
+        <p14:creationId xmlns:p14="http://schemas.microsoft.com/office/powerpoint/2010/main" val="432873847"/>
+      </p:ext>
+    </p:extLst>
+  </p:cSld>
+  <p:clrMapOvr>
+    <a:masterClrMapping/>
+  </p:clrMapOvr>
+</p:sld>
+</file>
+
+<file path=ppt/slides/slide17.xml><?xml version="1.0" encoding="utf-8"?>
+<p:sld xmlns:a="http://schemas.openxmlformats.org/drawingml/2006/main" xmlns:r="http://schemas.openxmlformats.org/officeDocument/2006/relationships" xmlns:p="http://schemas.openxmlformats.org/presentationml/2006/main">
+  <p:cSld>
+    <p:spTree>
+      <p:nvGrpSpPr>
+        <p:cNvPr id="1" name=""/>
+        <p:cNvGrpSpPr/>
+        <p:nvPr/>
+      </p:nvGrpSpPr>
+      <p:grpSpPr>
+        <a:xfrm>
+          <a:off x="0" y="0"/>
+          <a:ext cx="0" cy="0"/>
+          <a:chOff x="0" y="0"/>
+          <a:chExt cx="0" cy="0"/>
+        </a:xfrm>
+      </p:grpSpPr>
+      <p:sp>
+        <p:nvSpPr>
+          <p:cNvPr id="2" name="标题 1">
+            <a:extLst>
+              <a:ext uri="{FF2B5EF4-FFF2-40B4-BE49-F238E27FC236}">
+                <a16:creationId xmlns:a16="http://schemas.microsoft.com/office/drawing/2014/main" id="{0D86535A-E60C-4BE1-86FC-C13DD0616661}"/>
+              </a:ext>
+            </a:extLst>
+          </p:cNvPr>
+          <p:cNvSpPr>
+            <a:spLocks noGrp="1"/>
+          </p:cNvSpPr>
+          <p:nvPr>
+            <p:ph type="title"/>
+          </p:nvPr>
+        </p:nvSpPr>
+        <p:spPr/>
+        <p:txBody>
+          <a:bodyPr/>
+          <a:lstStyle/>
+          <a:p>
+            <a:endParaRPr lang="zh-CN" altLang="en-US"/>
+          </a:p>
+        </p:txBody>
+      </p:sp>
+      <p:graphicFrame>
+        <p:nvGraphicFramePr>
+          <p:cNvPr id="4" name="内容占位符 3">
+            <a:extLst>
+              <a:ext uri="{FF2B5EF4-FFF2-40B4-BE49-F238E27FC236}">
+                <a16:creationId xmlns:a16="http://schemas.microsoft.com/office/drawing/2014/main" id="{633832EA-0175-4ECD-B597-BA9268739D02}"/>
+              </a:ext>
+            </a:extLst>
+          </p:cNvPr>
+          <p:cNvGraphicFramePr>
+            <a:graphicFrameLocks noGrp="1"/>
+          </p:cNvGraphicFramePr>
+          <p:nvPr>
+            <p:ph idx="1"/>
+            <p:extLst>
+              <p:ext uri="{D42A27DB-BD31-4B8C-83A1-F6EECF244321}">
+                <p14:modId xmlns:p14="http://schemas.microsoft.com/office/powerpoint/2010/main" val="2070148503"/>
+              </p:ext>
+            </p:extLst>
+          </p:nvPr>
+        </p:nvGraphicFramePr>
+        <p:xfrm>
+          <a:off x="457200" y="274638"/>
+          <a:ext cx="8229600" cy="6106689"/>
+        </p:xfrm>
+        <a:graphic>
+          <a:graphicData uri="http://schemas.openxmlformats.org/drawingml/2006/table">
+            <a:tbl>
+              <a:tblPr firstRow="1" firstCol="1" bandRow="1">
+                <a:tableStyleId>{5C22544A-7EE6-4342-B048-85BDC9FD1C3A}</a:tableStyleId>
+              </a:tblPr>
+              <a:tblGrid>
+                <a:gridCol w="1972484">
+                  <a:extLst>
+                    <a:ext uri="{9D8B030D-6E8A-4147-A177-3AD203B41FA5}">
+                      <a16:colId xmlns:a16="http://schemas.microsoft.com/office/drawing/2014/main" val="1493666868"/>
+                    </a:ext>
+                  </a:extLst>
+                </a:gridCol>
+                <a:gridCol w="1972484">
+                  <a:extLst>
+                    <a:ext uri="{9D8B030D-6E8A-4147-A177-3AD203B41FA5}">
+                      <a16:colId xmlns:a16="http://schemas.microsoft.com/office/drawing/2014/main" val="1895464126"/>
+                    </a:ext>
+                  </a:extLst>
+                </a:gridCol>
+                <a:gridCol w="2142316">
+                  <a:extLst>
+                    <a:ext uri="{9D8B030D-6E8A-4147-A177-3AD203B41FA5}">
+                      <a16:colId xmlns:a16="http://schemas.microsoft.com/office/drawing/2014/main" val="2904338840"/>
+                    </a:ext>
+                  </a:extLst>
+                </a:gridCol>
+                <a:gridCol w="2142316">
+                  <a:extLst>
+                    <a:ext uri="{9D8B030D-6E8A-4147-A177-3AD203B41FA5}">
+                      <a16:colId xmlns:a16="http://schemas.microsoft.com/office/drawing/2014/main" val="3257752317"/>
+                    </a:ext>
+                  </a:extLst>
+                </a:gridCol>
+              </a:tblGrid>
+              <a:tr h="277577">
+                <a:tc rowSpan="9">
+                  <a:txBody>
+                    <a:bodyPr/>
+                    <a:lstStyle/>
+                    <a:p>
+                      <a:pPr marL="342900" lvl="0" indent="-342900" algn="just">
+                        <a:spcAft>
+                          <a:spcPts val="0"/>
+                        </a:spcAft>
+                        <a:buFont typeface="+mj-lt"/>
+                        <a:buAutoNum type="arabicPeriod"/>
+                      </a:pPr>
+                      <a:r>
+                        <a:rPr lang="zh-CN" sz="1400" kern="100">
+                          <a:effectLst/>
+                        </a:rPr>
+                        <a:t>需求管理过程</a:t>
+                      </a:r>
+                    </a:p>
+                    <a:p>
+                      <a:pPr marL="228600" indent="266700" algn="just">
+                        <a:spcAft>
+                          <a:spcPts val="0"/>
+                        </a:spcAft>
+                      </a:pPr>
+                      <a:r>
+                        <a:rPr lang="en-US" sz="1400" kern="100">
+                          <a:effectLst/>
+                        </a:rPr>
+                        <a:t>1</a:t>
+                      </a:r>
+                      <a:r>
+                        <a:rPr lang="zh-CN" sz="1400" kern="100">
+                          <a:effectLst/>
+                        </a:rPr>
+                        <a:t>、确定变更控制过程</a:t>
+                      </a:r>
+                    </a:p>
+                    <a:p>
+                      <a:pPr marL="228600" indent="266700" algn="just">
+                        <a:spcAft>
+                          <a:spcPts val="0"/>
+                        </a:spcAft>
+                      </a:pPr>
+                      <a:r>
+                        <a:rPr lang="en-US" sz="1400" kern="100">
+                          <a:effectLst/>
+                        </a:rPr>
+                        <a:t>2</a:t>
+                      </a:r>
+                      <a:r>
+                        <a:rPr lang="zh-CN" sz="1400" kern="100">
+                          <a:effectLst/>
+                        </a:rPr>
+                        <a:t>、建立变更控制委员会</a:t>
+                      </a:r>
+                    </a:p>
+                    <a:p>
+                      <a:pPr marL="228600" indent="266700" algn="just">
+                        <a:spcAft>
+                          <a:spcPts val="0"/>
+                        </a:spcAft>
+                      </a:pPr>
+                      <a:r>
+                        <a:rPr lang="en-US" sz="1400" kern="100">
+                          <a:effectLst/>
+                        </a:rPr>
+                        <a:t>3</a:t>
+                      </a:r>
+                      <a:r>
+                        <a:rPr lang="zh-CN" sz="1400" kern="100">
+                          <a:effectLst/>
+                        </a:rPr>
+                        <a:t>、进行变更影响分析</a:t>
+                      </a:r>
+                    </a:p>
+                    <a:p>
+                      <a:pPr marL="228600" indent="266700" algn="just">
+                        <a:spcAft>
+                          <a:spcPts val="0"/>
+                        </a:spcAft>
+                      </a:pPr>
+                      <a:r>
+                        <a:rPr lang="en-US" sz="1400" kern="100">
+                          <a:effectLst/>
+                        </a:rPr>
+                        <a:t>4</a:t>
+                      </a:r>
+                      <a:r>
+                        <a:rPr lang="zh-CN" sz="1400" kern="100">
+                          <a:effectLst/>
+                        </a:rPr>
+                        <a:t>、跟踪每一项变更</a:t>
+                      </a:r>
+                    </a:p>
+                    <a:p>
+                      <a:pPr marL="228600" indent="266700" algn="just">
+                        <a:spcAft>
+                          <a:spcPts val="0"/>
+                        </a:spcAft>
+                      </a:pPr>
+                      <a:r>
+                        <a:rPr lang="en-US" sz="1400" kern="100">
+                          <a:effectLst/>
+                        </a:rPr>
+                        <a:t>5</a:t>
+                      </a:r>
+                      <a:r>
+                        <a:rPr lang="zh-CN" sz="1400" kern="100">
+                          <a:effectLst/>
+                        </a:rPr>
+                        <a:t>、需求文档版本控制</a:t>
+                      </a:r>
+                    </a:p>
+                    <a:p>
+                      <a:pPr marL="228600" indent="266700" algn="just">
+                        <a:spcAft>
+                          <a:spcPts val="0"/>
+                        </a:spcAft>
+                      </a:pPr>
+                      <a:r>
+                        <a:rPr lang="en-US" sz="1400" kern="100">
+                          <a:effectLst/>
+                        </a:rPr>
+                        <a:t>6</a:t>
+                      </a:r>
+                      <a:r>
+                        <a:rPr lang="zh-CN" sz="1400" kern="100">
+                          <a:effectLst/>
+                        </a:rPr>
+                        <a:t>、跟踪需求状态</a:t>
+                      </a:r>
+                    </a:p>
+                    <a:p>
+                      <a:pPr marL="228600" indent="266700" algn="just">
+                        <a:spcAft>
+                          <a:spcPts val="0"/>
+                        </a:spcAft>
+                      </a:pPr>
+                      <a:r>
+                        <a:rPr lang="en-US" sz="1400" kern="100">
+                          <a:effectLst/>
+                        </a:rPr>
+                        <a:t>7</a:t>
+                      </a:r>
+                      <a:r>
+                        <a:rPr lang="zh-CN" sz="1400" kern="100">
+                          <a:effectLst/>
+                        </a:rPr>
+                        <a:t>、衡量需求稳定性</a:t>
+                      </a:r>
+                    </a:p>
+                    <a:p>
+                      <a:pPr marL="228600" indent="266700" algn="just">
+                        <a:spcAft>
+                          <a:spcPts val="0"/>
+                        </a:spcAft>
+                      </a:pPr>
+                      <a:r>
+                        <a:rPr lang="en-US" sz="1400" kern="100">
+                          <a:effectLst/>
+                        </a:rPr>
+                        <a:t>8</a:t>
+                      </a:r>
+                      <a:r>
+                        <a:rPr lang="zh-CN" sz="1400" kern="100">
+                          <a:effectLst/>
+                        </a:rPr>
+                        <a:t>、使用需求管理工具</a:t>
+                      </a:r>
+                      <a:endParaRPr lang="zh-CN" sz="1400" kern="100">
+                        <a:effectLst/>
+                        <a:latin typeface="等线" panose="02010600030101010101" pitchFamily="2" charset="-122"/>
+                        <a:ea typeface="等线" panose="02010600030101010101" pitchFamily="2" charset="-122"/>
+                        <a:cs typeface="Times New Roman" panose="02020603050405020304" pitchFamily="18" charset="0"/>
+                      </a:endParaRPr>
+                    </a:p>
+                  </a:txBody>
+                  <a:tcPr marL="68580" marR="68580" marT="0" marB="0"/>
+                </a:tc>
+                <a:tc>
+                  <a:txBody>
+                    <a:bodyPr/>
+                    <a:lstStyle/>
+                    <a:p>
+                      <a:pPr algn="just">
+                        <a:spcAft>
+                          <a:spcPts val="0"/>
+                        </a:spcAft>
+                      </a:pPr>
+                      <a:r>
+                        <a:rPr lang="en-US" sz="1400" kern="100">
+                          <a:effectLst/>
+                        </a:rPr>
+                        <a:t>1</a:t>
+                      </a:r>
+                      <a:r>
+                        <a:rPr lang="zh-CN" sz="1400" kern="100">
+                          <a:effectLst/>
+                        </a:rPr>
+                        <a:t>、确定变更控制过程</a:t>
+                      </a:r>
+                      <a:endParaRPr lang="zh-CN" sz="1400" kern="100">
+                        <a:effectLst/>
+                        <a:latin typeface="等线" panose="02010600030101010101" pitchFamily="2" charset="-122"/>
+                        <a:ea typeface="等线" panose="02010600030101010101" pitchFamily="2" charset="-122"/>
+                        <a:cs typeface="Times New Roman" panose="02020603050405020304" pitchFamily="18" charset="0"/>
+                      </a:endParaRPr>
+                    </a:p>
+                  </a:txBody>
+                  <a:tcPr marL="68580" marR="68580" marT="0" marB="0"/>
+                </a:tc>
+                <a:tc>
+                  <a:txBody>
+                    <a:bodyPr/>
+                    <a:lstStyle/>
+                    <a:p>
+                      <a:pPr algn="just">
+                        <a:spcAft>
+                          <a:spcPts val="0"/>
+                        </a:spcAft>
+                      </a:pPr>
+                      <a:r>
+                        <a:rPr lang="en-US" sz="1400" kern="100">
+                          <a:effectLst/>
+                        </a:rPr>
+                        <a:t> </a:t>
+                      </a:r>
+                      <a:endParaRPr lang="zh-CN" sz="1400" kern="100">
+                        <a:effectLst/>
+                        <a:latin typeface="等线" panose="02010600030101010101" pitchFamily="2" charset="-122"/>
+                        <a:ea typeface="等线" panose="02010600030101010101" pitchFamily="2" charset="-122"/>
+                        <a:cs typeface="Times New Roman" panose="02020603050405020304" pitchFamily="18" charset="0"/>
+                      </a:endParaRPr>
+                    </a:p>
+                  </a:txBody>
+                  <a:tcPr marL="68580" marR="68580" marT="0" marB="0"/>
+                </a:tc>
+                <a:tc>
+                  <a:txBody>
+                    <a:bodyPr/>
+                    <a:lstStyle/>
+                    <a:p>
+                      <a:pPr algn="just">
+                        <a:spcAft>
+                          <a:spcPts val="0"/>
+                        </a:spcAft>
+                      </a:pPr>
+                      <a:r>
+                        <a:rPr lang="en-US" sz="1400" kern="100">
+                          <a:effectLst/>
+                        </a:rPr>
+                        <a:t> </a:t>
+                      </a:r>
+                      <a:endParaRPr lang="zh-CN" sz="1400" kern="100">
+                        <a:effectLst/>
+                        <a:latin typeface="等线" panose="02010600030101010101" pitchFamily="2" charset="-122"/>
+                        <a:ea typeface="等线" panose="02010600030101010101" pitchFamily="2" charset="-122"/>
+                        <a:cs typeface="Times New Roman" panose="02020603050405020304" pitchFamily="18" charset="0"/>
+                      </a:endParaRPr>
+                    </a:p>
+                  </a:txBody>
+                  <a:tcPr marL="68580" marR="68580" marT="0" marB="0"/>
+                </a:tc>
+                <a:extLst>
+                  <a:ext uri="{0D108BD9-81ED-4DB2-BD59-A6C34878D82A}">
+                    <a16:rowId xmlns:a16="http://schemas.microsoft.com/office/drawing/2014/main" val="2131194832"/>
+                  </a:ext>
+                </a:extLst>
+              </a:tr>
+              <a:tr h="277577">
+                <a:tc vMerge="1">
+                  <a:txBody>
+                    <a:bodyPr/>
+                    <a:lstStyle/>
+                    <a:p>
+                      <a:endParaRPr lang="zh-CN" altLang="en-US"/>
+                    </a:p>
+                  </a:txBody>
+                  <a:tcPr/>
+                </a:tc>
+                <a:tc>
+                  <a:txBody>
+                    <a:bodyPr/>
+                    <a:lstStyle/>
+                    <a:p>
+                      <a:pPr algn="just">
+                        <a:spcAft>
+                          <a:spcPts val="0"/>
+                        </a:spcAft>
+                      </a:pPr>
+                      <a:r>
+                        <a:rPr lang="zh-CN" sz="1400" kern="100">
+                          <a:effectLst/>
+                        </a:rPr>
+                        <a:t>输入</a:t>
+                      </a:r>
+                      <a:endParaRPr lang="zh-CN" sz="1400" kern="100">
+                        <a:effectLst/>
+                        <a:latin typeface="等线" panose="02010600030101010101" pitchFamily="2" charset="-122"/>
+                        <a:ea typeface="等线" panose="02010600030101010101" pitchFamily="2" charset="-122"/>
+                        <a:cs typeface="Times New Roman" panose="02020603050405020304" pitchFamily="18" charset="0"/>
+                      </a:endParaRPr>
+                    </a:p>
+                  </a:txBody>
+                  <a:tcPr marL="68580" marR="68580" marT="0" marB="0"/>
+                </a:tc>
+                <a:tc>
+                  <a:txBody>
+                    <a:bodyPr/>
+                    <a:lstStyle/>
+                    <a:p>
+                      <a:pPr algn="just">
+                        <a:spcAft>
+                          <a:spcPts val="0"/>
+                        </a:spcAft>
+                      </a:pPr>
+                      <a:r>
+                        <a:rPr lang="zh-CN" sz="1400" kern="100">
+                          <a:effectLst/>
+                        </a:rPr>
+                        <a:t>工具与技术</a:t>
+                      </a:r>
+                      <a:endParaRPr lang="zh-CN" sz="1400" kern="100">
+                        <a:effectLst/>
+                        <a:latin typeface="等线" panose="02010600030101010101" pitchFamily="2" charset="-122"/>
+                        <a:ea typeface="等线" panose="02010600030101010101" pitchFamily="2" charset="-122"/>
+                        <a:cs typeface="Times New Roman" panose="02020603050405020304" pitchFamily="18" charset="0"/>
+                      </a:endParaRPr>
+                    </a:p>
+                  </a:txBody>
+                  <a:tcPr marL="68580" marR="68580" marT="0" marB="0"/>
+                </a:tc>
+                <a:tc>
+                  <a:txBody>
+                    <a:bodyPr/>
+                    <a:lstStyle/>
+                    <a:p>
+                      <a:pPr algn="just">
+                        <a:spcAft>
+                          <a:spcPts val="0"/>
+                        </a:spcAft>
+                      </a:pPr>
+                      <a:r>
+                        <a:rPr lang="zh-CN" sz="1400" kern="100">
+                          <a:effectLst/>
+                        </a:rPr>
+                        <a:t>输出</a:t>
+                      </a:r>
+                      <a:endParaRPr lang="zh-CN" sz="1400" kern="100">
+                        <a:effectLst/>
+                        <a:latin typeface="等线" panose="02010600030101010101" pitchFamily="2" charset="-122"/>
+                        <a:ea typeface="等线" panose="02010600030101010101" pitchFamily="2" charset="-122"/>
+                        <a:cs typeface="Times New Roman" panose="02020603050405020304" pitchFamily="18" charset="0"/>
+                      </a:endParaRPr>
+                    </a:p>
+                  </a:txBody>
+                  <a:tcPr marL="68580" marR="68580" marT="0" marB="0"/>
+                </a:tc>
+                <a:extLst>
+                  <a:ext uri="{0D108BD9-81ED-4DB2-BD59-A6C34878D82A}">
+                    <a16:rowId xmlns:a16="http://schemas.microsoft.com/office/drawing/2014/main" val="1447497748"/>
+                  </a:ext>
+                </a:extLst>
+              </a:tr>
+              <a:tr h="1387883">
+                <a:tc vMerge="1">
+                  <a:txBody>
+                    <a:bodyPr/>
+                    <a:lstStyle/>
+                    <a:p>
+                      <a:endParaRPr lang="zh-CN" altLang="en-US"/>
+                    </a:p>
+                  </a:txBody>
+                  <a:tcPr/>
+                </a:tc>
+                <a:tc>
+                  <a:txBody>
+                    <a:bodyPr/>
+                    <a:lstStyle/>
+                    <a:p>
+                      <a:pPr algn="just">
+                        <a:spcAft>
+                          <a:spcPts val="0"/>
+                        </a:spcAft>
+                      </a:pPr>
+                      <a:r>
+                        <a:rPr lang="en-US" sz="1400" kern="100">
+                          <a:effectLst/>
+                        </a:rPr>
+                        <a:t>1</a:t>
+                      </a:r>
+                      <a:r>
+                        <a:rPr lang="zh-CN" sz="1400" kern="100">
+                          <a:effectLst/>
+                        </a:rPr>
+                        <a:t>、需求规格说明</a:t>
+                      </a:r>
+                    </a:p>
+                    <a:p>
+                      <a:pPr algn="just">
+                        <a:spcAft>
+                          <a:spcPts val="0"/>
+                        </a:spcAft>
+                      </a:pPr>
+                      <a:r>
+                        <a:rPr lang="en-US" sz="1400" kern="100">
+                          <a:effectLst/>
+                        </a:rPr>
+                        <a:t>2</a:t>
+                      </a:r>
+                      <a:r>
+                        <a:rPr lang="zh-CN" sz="1400" kern="100">
+                          <a:effectLst/>
+                        </a:rPr>
+                        <a:t>、变更请求</a:t>
+                      </a:r>
+                    </a:p>
+                    <a:p>
+                      <a:pPr algn="just">
+                        <a:spcAft>
+                          <a:spcPts val="0"/>
+                        </a:spcAft>
+                      </a:pPr>
+                      <a:r>
+                        <a:rPr lang="en-US" sz="1400" kern="100">
+                          <a:effectLst/>
+                        </a:rPr>
+                        <a:t>6</a:t>
+                      </a:r>
+                      <a:r>
+                        <a:rPr lang="zh-CN" sz="1400" kern="100">
+                          <a:effectLst/>
+                        </a:rPr>
+                        <a:t>、变更控制状态报告</a:t>
+                      </a:r>
+                    </a:p>
+                    <a:p>
+                      <a:pPr algn="just">
+                        <a:spcAft>
+                          <a:spcPts val="0"/>
+                        </a:spcAft>
+                      </a:pPr>
+                      <a:r>
+                        <a:rPr lang="en-US" sz="1400" kern="100">
+                          <a:effectLst/>
+                        </a:rPr>
+                        <a:t>7</a:t>
+                      </a:r>
+                      <a:r>
+                        <a:rPr lang="zh-CN" sz="1400" kern="100">
+                          <a:effectLst/>
+                        </a:rPr>
+                        <a:t>、需求相关文档</a:t>
+                      </a:r>
+                    </a:p>
+                    <a:p>
+                      <a:pPr algn="just">
+                        <a:spcAft>
+                          <a:spcPts val="0"/>
+                        </a:spcAft>
+                      </a:pPr>
+                      <a:r>
+                        <a:rPr lang="en-US" sz="1400" kern="100">
+                          <a:effectLst/>
+                        </a:rPr>
+                        <a:t> </a:t>
+                      </a:r>
+                      <a:endParaRPr lang="zh-CN" sz="1400" kern="100">
+                        <a:effectLst/>
+                        <a:latin typeface="等线" panose="02010600030101010101" pitchFamily="2" charset="-122"/>
+                        <a:ea typeface="等线" panose="02010600030101010101" pitchFamily="2" charset="-122"/>
+                        <a:cs typeface="Times New Roman" panose="02020603050405020304" pitchFamily="18" charset="0"/>
+                      </a:endParaRPr>
+                    </a:p>
+                  </a:txBody>
+                  <a:tcPr marL="68580" marR="68580" marT="0" marB="0"/>
+                </a:tc>
+                <a:tc>
+                  <a:txBody>
+                    <a:bodyPr/>
+                    <a:lstStyle/>
+                    <a:p>
+                      <a:pPr algn="just">
+                        <a:spcAft>
+                          <a:spcPts val="0"/>
+                        </a:spcAft>
+                      </a:pPr>
+                      <a:r>
+                        <a:rPr lang="en-US" sz="1400" kern="100">
+                          <a:effectLst/>
+                        </a:rPr>
+                        <a:t>1</a:t>
+                      </a:r>
+                      <a:r>
+                        <a:rPr lang="zh-CN" sz="1400" kern="100">
+                          <a:effectLst/>
+                        </a:rPr>
+                        <a:t>、会议讨论</a:t>
+                      </a:r>
+                    </a:p>
+                    <a:p>
+                      <a:pPr algn="just">
+                        <a:spcAft>
+                          <a:spcPts val="0"/>
+                        </a:spcAft>
+                      </a:pPr>
+                      <a:r>
+                        <a:rPr lang="en-US" sz="1400" kern="100">
+                          <a:effectLst/>
+                        </a:rPr>
+                        <a:t>2</a:t>
+                      </a:r>
+                      <a:r>
+                        <a:rPr lang="zh-CN" sz="1400" kern="100">
+                          <a:effectLst/>
+                        </a:rPr>
+                        <a:t>、专家判断</a:t>
+                      </a:r>
+                    </a:p>
+                    <a:p>
+                      <a:pPr algn="just">
+                        <a:spcAft>
+                          <a:spcPts val="0"/>
+                        </a:spcAft>
+                      </a:pPr>
+                      <a:r>
+                        <a:rPr lang="en-US" sz="1400" kern="100">
+                          <a:effectLst/>
+                        </a:rPr>
+                        <a:t>3</a:t>
+                      </a:r>
+                      <a:r>
+                        <a:rPr lang="zh-CN" sz="1400" kern="100">
+                          <a:effectLst/>
+                        </a:rPr>
+                        <a:t>、数据分析</a:t>
+                      </a:r>
+                    </a:p>
+                    <a:p>
+                      <a:pPr algn="just">
+                        <a:spcAft>
+                          <a:spcPts val="0"/>
+                        </a:spcAft>
+                      </a:pPr>
+                      <a:r>
+                        <a:rPr lang="en-US" sz="1400" kern="100">
+                          <a:effectLst/>
+                        </a:rPr>
+                        <a:t> </a:t>
+                      </a:r>
+                      <a:endParaRPr lang="zh-CN" sz="1400" kern="100">
+                        <a:effectLst/>
+                        <a:latin typeface="等线" panose="02010600030101010101" pitchFamily="2" charset="-122"/>
+                        <a:ea typeface="等线" panose="02010600030101010101" pitchFamily="2" charset="-122"/>
+                        <a:cs typeface="Times New Roman" panose="02020603050405020304" pitchFamily="18" charset="0"/>
+                      </a:endParaRPr>
+                    </a:p>
+                  </a:txBody>
+                  <a:tcPr marL="68580" marR="68580" marT="0" marB="0"/>
+                </a:tc>
+                <a:tc>
+                  <a:txBody>
+                    <a:bodyPr/>
+                    <a:lstStyle/>
+                    <a:p>
+                      <a:pPr algn="just">
+                        <a:spcAft>
+                          <a:spcPts val="0"/>
+                        </a:spcAft>
+                      </a:pPr>
+                      <a:r>
+                        <a:rPr lang="en-US" sz="1400" kern="100">
+                          <a:effectLst/>
+                        </a:rPr>
+                        <a:t>1</a:t>
+                      </a:r>
+                      <a:r>
+                        <a:rPr lang="zh-CN" sz="1400" kern="100">
+                          <a:effectLst/>
+                        </a:rPr>
+                        <a:t>、确定变更控制过程</a:t>
+                      </a:r>
+                    </a:p>
+                    <a:p>
+                      <a:pPr algn="just">
+                        <a:spcAft>
+                          <a:spcPts val="0"/>
+                        </a:spcAft>
+                      </a:pPr>
+                      <a:r>
+                        <a:rPr lang="en-US" sz="1400" kern="100">
+                          <a:effectLst/>
+                        </a:rPr>
+                        <a:t>2</a:t>
+                      </a:r>
+                      <a:r>
+                        <a:rPr lang="zh-CN" sz="1400" kern="100">
+                          <a:effectLst/>
+                        </a:rPr>
+                        <a:t>、建立变更控制委员会</a:t>
+                      </a:r>
+                    </a:p>
+                    <a:p>
+                      <a:pPr algn="just">
+                        <a:spcAft>
+                          <a:spcPts val="0"/>
+                        </a:spcAft>
+                      </a:pPr>
+                      <a:r>
+                        <a:rPr lang="en-US" sz="1400" kern="100">
+                          <a:effectLst/>
+                        </a:rPr>
+                        <a:t>3</a:t>
+                      </a:r>
+                      <a:r>
+                        <a:rPr lang="zh-CN" sz="1400" kern="100">
+                          <a:effectLst/>
+                        </a:rPr>
+                        <a:t>、进行变更影响分析</a:t>
+                      </a:r>
+                    </a:p>
+                    <a:p>
+                      <a:pPr algn="just">
+                        <a:spcAft>
+                          <a:spcPts val="0"/>
+                        </a:spcAft>
+                      </a:pPr>
+                      <a:r>
+                        <a:rPr lang="en-US" sz="1400" kern="100">
+                          <a:effectLst/>
+                        </a:rPr>
+                        <a:t>4</a:t>
+                      </a:r>
+                      <a:r>
+                        <a:rPr lang="zh-CN" sz="1400" kern="100">
+                          <a:effectLst/>
+                        </a:rPr>
+                        <a:t>、请求的变更</a:t>
+                      </a:r>
+                      <a:endParaRPr lang="zh-CN" sz="1400" kern="100">
+                        <a:effectLst/>
+                        <a:latin typeface="等线" panose="02010600030101010101" pitchFamily="2" charset="-122"/>
+                        <a:ea typeface="等线" panose="02010600030101010101" pitchFamily="2" charset="-122"/>
+                        <a:cs typeface="Times New Roman" panose="02020603050405020304" pitchFamily="18" charset="0"/>
+                      </a:endParaRPr>
+                    </a:p>
+                  </a:txBody>
+                  <a:tcPr marL="68580" marR="68580" marT="0" marB="0"/>
+                </a:tc>
+                <a:extLst>
+                  <a:ext uri="{0D108BD9-81ED-4DB2-BD59-A6C34878D82A}">
+                    <a16:rowId xmlns:a16="http://schemas.microsoft.com/office/drawing/2014/main" val="1996207918"/>
+                  </a:ext>
+                </a:extLst>
+              </a:tr>
+              <a:tr h="277577">
+                <a:tc vMerge="1">
+                  <a:txBody>
+                    <a:bodyPr/>
+                    <a:lstStyle/>
+                    <a:p>
+                      <a:endParaRPr lang="zh-CN" altLang="en-US"/>
+                    </a:p>
+                  </a:txBody>
+                  <a:tcPr/>
+                </a:tc>
+                <a:tc>
+                  <a:txBody>
+                    <a:bodyPr/>
+                    <a:lstStyle/>
+                    <a:p>
+                      <a:pPr algn="just">
+                        <a:spcAft>
+                          <a:spcPts val="0"/>
+                        </a:spcAft>
+                      </a:pPr>
+                      <a:r>
+                        <a:rPr lang="en-US" sz="1400" kern="100">
+                          <a:effectLst/>
+                        </a:rPr>
+                        <a:t>2</a:t>
+                      </a:r>
+                      <a:r>
+                        <a:rPr lang="zh-CN" sz="1400" kern="100">
+                          <a:effectLst/>
+                        </a:rPr>
+                        <a:t>、跟踪每一项变更</a:t>
+                      </a:r>
+                      <a:endParaRPr lang="zh-CN" sz="1400" kern="100">
+                        <a:effectLst/>
+                        <a:latin typeface="等线" panose="02010600030101010101" pitchFamily="2" charset="-122"/>
+                        <a:ea typeface="等线" panose="02010600030101010101" pitchFamily="2" charset="-122"/>
+                        <a:cs typeface="Times New Roman" panose="02020603050405020304" pitchFamily="18" charset="0"/>
+                      </a:endParaRPr>
+                    </a:p>
+                  </a:txBody>
+                  <a:tcPr marL="68580" marR="68580" marT="0" marB="0"/>
+                </a:tc>
+                <a:tc>
+                  <a:txBody>
+                    <a:bodyPr/>
+                    <a:lstStyle/>
+                    <a:p>
+                      <a:pPr algn="just">
+                        <a:spcAft>
+                          <a:spcPts val="0"/>
+                        </a:spcAft>
+                      </a:pPr>
+                      <a:r>
+                        <a:rPr lang="en-US" sz="1400" kern="100">
+                          <a:effectLst/>
+                        </a:rPr>
+                        <a:t> </a:t>
+                      </a:r>
+                      <a:endParaRPr lang="zh-CN" sz="1400" kern="100">
+                        <a:effectLst/>
+                        <a:latin typeface="等线" panose="02010600030101010101" pitchFamily="2" charset="-122"/>
+                        <a:ea typeface="等线" panose="02010600030101010101" pitchFamily="2" charset="-122"/>
+                        <a:cs typeface="Times New Roman" panose="02020603050405020304" pitchFamily="18" charset="0"/>
+                      </a:endParaRPr>
+                    </a:p>
+                  </a:txBody>
+                  <a:tcPr marL="68580" marR="68580" marT="0" marB="0"/>
+                </a:tc>
+                <a:tc>
+                  <a:txBody>
+                    <a:bodyPr/>
+                    <a:lstStyle/>
+                    <a:p>
+                      <a:pPr algn="just">
+                        <a:spcAft>
+                          <a:spcPts val="0"/>
+                        </a:spcAft>
+                      </a:pPr>
+                      <a:r>
+                        <a:rPr lang="en-US" sz="1400" kern="100">
+                          <a:effectLst/>
+                        </a:rPr>
+                        <a:t> </a:t>
+                      </a:r>
+                      <a:endParaRPr lang="zh-CN" sz="1400" kern="100">
+                        <a:effectLst/>
+                        <a:latin typeface="等线" panose="02010600030101010101" pitchFamily="2" charset="-122"/>
+                        <a:ea typeface="等线" panose="02010600030101010101" pitchFamily="2" charset="-122"/>
+                        <a:cs typeface="Times New Roman" panose="02020603050405020304" pitchFamily="18" charset="0"/>
+                      </a:endParaRPr>
+                    </a:p>
+                  </a:txBody>
+                  <a:tcPr marL="68580" marR="68580" marT="0" marB="0"/>
+                </a:tc>
+                <a:extLst>
+                  <a:ext uri="{0D108BD9-81ED-4DB2-BD59-A6C34878D82A}">
+                    <a16:rowId xmlns:a16="http://schemas.microsoft.com/office/drawing/2014/main" val="3038522030"/>
+                  </a:ext>
+                </a:extLst>
+              </a:tr>
+              <a:tr h="277577">
+                <a:tc vMerge="1">
+                  <a:txBody>
+                    <a:bodyPr/>
+                    <a:lstStyle/>
+                    <a:p>
+                      <a:endParaRPr lang="zh-CN" altLang="en-US"/>
+                    </a:p>
+                  </a:txBody>
+                  <a:tcPr/>
+                </a:tc>
+                <a:tc>
+                  <a:txBody>
+                    <a:bodyPr/>
+                    <a:lstStyle/>
+                    <a:p>
+                      <a:pPr algn="just">
+                        <a:spcAft>
+                          <a:spcPts val="0"/>
+                        </a:spcAft>
+                      </a:pPr>
+                      <a:r>
+                        <a:rPr lang="zh-CN" sz="1400" kern="100">
+                          <a:effectLst/>
+                        </a:rPr>
+                        <a:t>输入</a:t>
+                      </a:r>
+                      <a:endParaRPr lang="zh-CN" sz="1400" kern="100">
+                        <a:effectLst/>
+                        <a:latin typeface="等线" panose="02010600030101010101" pitchFamily="2" charset="-122"/>
+                        <a:ea typeface="等线" panose="02010600030101010101" pitchFamily="2" charset="-122"/>
+                        <a:cs typeface="Times New Roman" panose="02020603050405020304" pitchFamily="18" charset="0"/>
+                      </a:endParaRPr>
+                    </a:p>
+                  </a:txBody>
+                  <a:tcPr marL="68580" marR="68580" marT="0" marB="0"/>
+                </a:tc>
+                <a:tc>
+                  <a:txBody>
+                    <a:bodyPr/>
+                    <a:lstStyle/>
+                    <a:p>
+                      <a:pPr algn="just">
+                        <a:spcAft>
+                          <a:spcPts val="0"/>
+                        </a:spcAft>
+                      </a:pPr>
+                      <a:r>
+                        <a:rPr lang="zh-CN" sz="1400" kern="100">
+                          <a:effectLst/>
+                        </a:rPr>
+                        <a:t>工具与技术</a:t>
+                      </a:r>
+                      <a:endParaRPr lang="zh-CN" sz="1400" kern="100">
+                        <a:effectLst/>
+                        <a:latin typeface="等线" panose="02010600030101010101" pitchFamily="2" charset="-122"/>
+                        <a:ea typeface="等线" panose="02010600030101010101" pitchFamily="2" charset="-122"/>
+                        <a:cs typeface="Times New Roman" panose="02020603050405020304" pitchFamily="18" charset="0"/>
+                      </a:endParaRPr>
+                    </a:p>
+                  </a:txBody>
+                  <a:tcPr marL="68580" marR="68580" marT="0" marB="0"/>
+                </a:tc>
+                <a:tc>
+                  <a:txBody>
+                    <a:bodyPr/>
+                    <a:lstStyle/>
+                    <a:p>
+                      <a:pPr algn="just">
+                        <a:spcAft>
+                          <a:spcPts val="0"/>
+                        </a:spcAft>
+                      </a:pPr>
+                      <a:r>
+                        <a:rPr lang="zh-CN" sz="1400" kern="100">
+                          <a:effectLst/>
+                        </a:rPr>
+                        <a:t>输出</a:t>
+                      </a:r>
+                      <a:endParaRPr lang="zh-CN" sz="1400" kern="100">
+                        <a:effectLst/>
+                        <a:latin typeface="等线" panose="02010600030101010101" pitchFamily="2" charset="-122"/>
+                        <a:ea typeface="等线" panose="02010600030101010101" pitchFamily="2" charset="-122"/>
+                        <a:cs typeface="Times New Roman" panose="02020603050405020304" pitchFamily="18" charset="0"/>
+                      </a:endParaRPr>
+                    </a:p>
+                  </a:txBody>
+                  <a:tcPr marL="68580" marR="68580" marT="0" marB="0"/>
+                </a:tc>
+                <a:extLst>
+                  <a:ext uri="{0D108BD9-81ED-4DB2-BD59-A6C34878D82A}">
+                    <a16:rowId xmlns:a16="http://schemas.microsoft.com/office/drawing/2014/main" val="69596653"/>
+                  </a:ext>
+                </a:extLst>
+              </a:tr>
+              <a:tr h="1665461">
+                <a:tc vMerge="1">
+                  <a:txBody>
+                    <a:bodyPr/>
+                    <a:lstStyle/>
+                    <a:p>
+                      <a:endParaRPr lang="zh-CN" altLang="en-US"/>
+                    </a:p>
+                  </a:txBody>
+                  <a:tcPr/>
+                </a:tc>
+                <a:tc>
+                  <a:txBody>
+                    <a:bodyPr/>
+                    <a:lstStyle/>
+                    <a:p>
+                      <a:pPr algn="just">
+                        <a:spcAft>
+                          <a:spcPts val="0"/>
+                        </a:spcAft>
+                      </a:pPr>
+                      <a:r>
+                        <a:rPr lang="en-US" sz="1400" kern="100" dirty="0">
+                          <a:effectLst/>
+                        </a:rPr>
+                        <a:t>1</a:t>
+                      </a:r>
+                      <a:r>
+                        <a:rPr lang="zh-CN" sz="1400" kern="100" dirty="0">
+                          <a:effectLst/>
+                        </a:rPr>
+                        <a:t>、确定变更控制过程</a:t>
+                      </a:r>
+                    </a:p>
+                    <a:p>
+                      <a:pPr algn="just">
+                        <a:spcAft>
+                          <a:spcPts val="0"/>
+                        </a:spcAft>
+                      </a:pPr>
+                      <a:r>
+                        <a:rPr lang="en-US" sz="1400" kern="100" dirty="0">
+                          <a:effectLst/>
+                        </a:rPr>
+                        <a:t>2</a:t>
+                      </a:r>
+                      <a:r>
+                        <a:rPr lang="zh-CN" sz="1400" kern="100" dirty="0">
+                          <a:effectLst/>
+                        </a:rPr>
+                        <a:t>、建立变更控制委员会</a:t>
+                      </a:r>
+                    </a:p>
+                    <a:p>
+                      <a:pPr algn="just">
+                        <a:spcAft>
+                          <a:spcPts val="0"/>
+                        </a:spcAft>
+                      </a:pPr>
+                      <a:r>
+                        <a:rPr lang="en-US" sz="1400" kern="100" dirty="0">
+                          <a:effectLst/>
+                        </a:rPr>
+                        <a:t>3</a:t>
+                      </a:r>
+                      <a:r>
+                        <a:rPr lang="zh-CN" sz="1400" kern="100" dirty="0">
+                          <a:effectLst/>
+                        </a:rPr>
+                        <a:t>、进行变更影响分析</a:t>
+                      </a:r>
+                    </a:p>
+                    <a:p>
+                      <a:pPr algn="just">
+                        <a:spcAft>
+                          <a:spcPts val="0"/>
+                        </a:spcAft>
+                      </a:pPr>
+                      <a:r>
+                        <a:rPr lang="en-US" sz="1400" kern="100" dirty="0">
+                          <a:effectLst/>
+                        </a:rPr>
+                        <a:t>4</a:t>
+                      </a:r>
+                      <a:r>
+                        <a:rPr lang="zh-CN" sz="1400" kern="100" dirty="0">
+                          <a:effectLst/>
+                        </a:rPr>
+                        <a:t>、请求的变更</a:t>
+                      </a:r>
+                    </a:p>
+                    <a:p>
+                      <a:pPr algn="just">
+                        <a:spcAft>
+                          <a:spcPts val="0"/>
+                        </a:spcAft>
+                      </a:pPr>
+                      <a:r>
+                        <a:rPr lang="en-US" sz="1400" kern="100" dirty="0">
+                          <a:effectLst/>
+                        </a:rPr>
+                        <a:t> </a:t>
+                      </a:r>
+                      <a:endParaRPr lang="zh-CN" sz="1400" kern="100" dirty="0">
+                        <a:effectLst/>
+                        <a:latin typeface="等线" panose="02010600030101010101" pitchFamily="2" charset="-122"/>
+                        <a:ea typeface="等线" panose="02010600030101010101" pitchFamily="2" charset="-122"/>
+                        <a:cs typeface="Times New Roman" panose="02020603050405020304" pitchFamily="18" charset="0"/>
+                      </a:endParaRPr>
+                    </a:p>
+                  </a:txBody>
+                  <a:tcPr marL="68580" marR="68580" marT="0" marB="0"/>
+                </a:tc>
+                <a:tc>
+                  <a:txBody>
+                    <a:bodyPr/>
+                    <a:lstStyle/>
+                    <a:p>
+                      <a:pPr marL="342900" lvl="0" indent="-342900" algn="just">
+                        <a:spcAft>
+                          <a:spcPts val="0"/>
+                        </a:spcAft>
+                        <a:buFont typeface="+mj-lt"/>
+                        <a:buAutoNum type="arabicPeriod"/>
+                      </a:pPr>
+                      <a:r>
+                        <a:rPr lang="zh-CN" sz="1400" kern="100">
+                          <a:effectLst/>
+                        </a:rPr>
+                        <a:t>会议记录</a:t>
+                      </a:r>
+                    </a:p>
+                    <a:p>
+                      <a:pPr marL="342900" lvl="0" indent="-342900" algn="just">
+                        <a:spcAft>
+                          <a:spcPts val="0"/>
+                        </a:spcAft>
+                        <a:buFont typeface="+mj-lt"/>
+                        <a:buAutoNum type="arabicPeriod"/>
+                      </a:pPr>
+                      <a:r>
+                        <a:rPr lang="zh-CN" sz="1400" kern="100">
+                          <a:effectLst/>
+                        </a:rPr>
+                        <a:t>专家判断</a:t>
+                      </a:r>
+                    </a:p>
+                    <a:p>
+                      <a:pPr marL="342900" lvl="0" indent="-342900" algn="just">
+                        <a:spcAft>
+                          <a:spcPts val="0"/>
+                        </a:spcAft>
+                        <a:buFont typeface="+mj-lt"/>
+                        <a:buAutoNum type="arabicPeriod"/>
+                      </a:pPr>
+                      <a:r>
+                        <a:rPr lang="zh-CN" sz="1400" kern="100">
+                          <a:effectLst/>
+                        </a:rPr>
+                        <a:t>需求管理工具</a:t>
+                      </a:r>
+                      <a:endParaRPr lang="zh-CN" sz="1400" kern="100">
+                        <a:effectLst/>
+                        <a:latin typeface="等线" panose="02010600030101010101" pitchFamily="2" charset="-122"/>
+                        <a:ea typeface="等线" panose="02010600030101010101" pitchFamily="2" charset="-122"/>
+                        <a:cs typeface="Times New Roman" panose="02020603050405020304" pitchFamily="18" charset="0"/>
+                      </a:endParaRPr>
+                    </a:p>
+                  </a:txBody>
+                  <a:tcPr marL="68580" marR="68580" marT="0" marB="0"/>
+                </a:tc>
+                <a:tc>
+                  <a:txBody>
+                    <a:bodyPr/>
+                    <a:lstStyle/>
+                    <a:p>
+                      <a:pPr algn="just">
+                        <a:spcAft>
+                          <a:spcPts val="0"/>
+                        </a:spcAft>
+                      </a:pPr>
+                      <a:r>
+                        <a:rPr lang="en-US" sz="1400" kern="100">
+                          <a:effectLst/>
+                        </a:rPr>
+                        <a:t>1</a:t>
+                      </a:r>
+                      <a:r>
+                        <a:rPr lang="zh-CN" sz="1400" kern="100">
+                          <a:effectLst/>
+                        </a:rPr>
+                        <a:t>、变更记录</a:t>
+                      </a:r>
+                      <a:endParaRPr lang="zh-CN" sz="1400" kern="100">
+                        <a:effectLst/>
+                        <a:latin typeface="等线" panose="02010600030101010101" pitchFamily="2" charset="-122"/>
+                        <a:ea typeface="等线" panose="02010600030101010101" pitchFamily="2" charset="-122"/>
+                        <a:cs typeface="Times New Roman" panose="02020603050405020304" pitchFamily="18" charset="0"/>
+                      </a:endParaRPr>
+                    </a:p>
+                  </a:txBody>
+                  <a:tcPr marL="68580" marR="68580" marT="0" marB="0"/>
+                </a:tc>
+                <a:extLst>
+                  <a:ext uri="{0D108BD9-81ED-4DB2-BD59-A6C34878D82A}">
+                    <a16:rowId xmlns:a16="http://schemas.microsoft.com/office/drawing/2014/main" val="3949528889"/>
+                  </a:ext>
+                </a:extLst>
+              </a:tr>
+              <a:tr h="277577">
+                <a:tc vMerge="1">
+                  <a:txBody>
+                    <a:bodyPr/>
+                    <a:lstStyle/>
+                    <a:p>
+                      <a:endParaRPr lang="zh-CN" altLang="en-US"/>
+                    </a:p>
+                  </a:txBody>
+                  <a:tcPr/>
+                </a:tc>
+                <a:tc>
+                  <a:txBody>
+                    <a:bodyPr/>
+                    <a:lstStyle/>
+                    <a:p>
+                      <a:pPr algn="just">
+                        <a:spcAft>
+                          <a:spcPts val="0"/>
+                        </a:spcAft>
+                      </a:pPr>
+                      <a:r>
+                        <a:rPr lang="en-US" sz="1400" kern="100">
+                          <a:effectLst/>
+                        </a:rPr>
+                        <a:t>3</a:t>
+                      </a:r>
+                      <a:r>
+                        <a:rPr lang="zh-CN" sz="1400" kern="100">
+                          <a:effectLst/>
+                        </a:rPr>
+                        <a:t>、需求文档版本控制</a:t>
+                      </a:r>
+                      <a:endParaRPr lang="zh-CN" sz="1400" kern="100">
+                        <a:effectLst/>
+                        <a:latin typeface="等线" panose="02010600030101010101" pitchFamily="2" charset="-122"/>
+                        <a:ea typeface="等线" panose="02010600030101010101" pitchFamily="2" charset="-122"/>
+                        <a:cs typeface="Times New Roman" panose="02020603050405020304" pitchFamily="18" charset="0"/>
+                      </a:endParaRPr>
+                    </a:p>
+                  </a:txBody>
+                  <a:tcPr marL="68580" marR="68580" marT="0" marB="0"/>
+                </a:tc>
+                <a:tc>
+                  <a:txBody>
+                    <a:bodyPr/>
+                    <a:lstStyle/>
+                    <a:p>
+                      <a:pPr algn="just">
+                        <a:spcAft>
+                          <a:spcPts val="0"/>
+                        </a:spcAft>
+                      </a:pPr>
+                      <a:r>
+                        <a:rPr lang="en-US" sz="1400" kern="100">
+                          <a:effectLst/>
+                        </a:rPr>
+                        <a:t> </a:t>
+                      </a:r>
+                      <a:endParaRPr lang="zh-CN" sz="1400" kern="100">
+                        <a:effectLst/>
+                        <a:latin typeface="等线" panose="02010600030101010101" pitchFamily="2" charset="-122"/>
+                        <a:ea typeface="等线" panose="02010600030101010101" pitchFamily="2" charset="-122"/>
+                        <a:cs typeface="Times New Roman" panose="02020603050405020304" pitchFamily="18" charset="0"/>
+                      </a:endParaRPr>
+                    </a:p>
+                  </a:txBody>
+                  <a:tcPr marL="68580" marR="68580" marT="0" marB="0"/>
+                </a:tc>
+                <a:tc>
+                  <a:txBody>
+                    <a:bodyPr/>
+                    <a:lstStyle/>
+                    <a:p>
+                      <a:pPr algn="just">
+                        <a:spcAft>
+                          <a:spcPts val="0"/>
+                        </a:spcAft>
+                      </a:pPr>
+                      <a:r>
+                        <a:rPr lang="en-US" sz="1400" kern="100">
+                          <a:effectLst/>
+                        </a:rPr>
+                        <a:t> </a:t>
+                      </a:r>
+                      <a:endParaRPr lang="zh-CN" sz="1400" kern="100">
+                        <a:effectLst/>
+                        <a:latin typeface="等线" panose="02010600030101010101" pitchFamily="2" charset="-122"/>
+                        <a:ea typeface="等线" panose="02010600030101010101" pitchFamily="2" charset="-122"/>
+                        <a:cs typeface="Times New Roman" panose="02020603050405020304" pitchFamily="18" charset="0"/>
+                      </a:endParaRPr>
+                    </a:p>
+                  </a:txBody>
+                  <a:tcPr marL="68580" marR="68580" marT="0" marB="0"/>
+                </a:tc>
+                <a:extLst>
+                  <a:ext uri="{0D108BD9-81ED-4DB2-BD59-A6C34878D82A}">
+                    <a16:rowId xmlns:a16="http://schemas.microsoft.com/office/drawing/2014/main" val="1739204748"/>
+                  </a:ext>
+                </a:extLst>
+              </a:tr>
+              <a:tr h="277577">
+                <a:tc vMerge="1">
+                  <a:txBody>
+                    <a:bodyPr/>
+                    <a:lstStyle/>
+                    <a:p>
+                      <a:endParaRPr lang="zh-CN" altLang="en-US"/>
+                    </a:p>
+                  </a:txBody>
+                  <a:tcPr/>
+                </a:tc>
+                <a:tc>
+                  <a:txBody>
+                    <a:bodyPr/>
+                    <a:lstStyle/>
+                    <a:p>
+                      <a:pPr algn="just">
+                        <a:spcAft>
+                          <a:spcPts val="0"/>
+                        </a:spcAft>
+                      </a:pPr>
+                      <a:r>
+                        <a:rPr lang="zh-CN" sz="1400" kern="100">
+                          <a:effectLst/>
+                        </a:rPr>
+                        <a:t>输入</a:t>
+                      </a:r>
+                      <a:endParaRPr lang="zh-CN" sz="1400" kern="100">
+                        <a:effectLst/>
+                        <a:latin typeface="等线" panose="02010600030101010101" pitchFamily="2" charset="-122"/>
+                        <a:ea typeface="等线" panose="02010600030101010101" pitchFamily="2" charset="-122"/>
+                        <a:cs typeface="Times New Roman" panose="02020603050405020304" pitchFamily="18" charset="0"/>
+                      </a:endParaRPr>
+                    </a:p>
+                  </a:txBody>
+                  <a:tcPr marL="68580" marR="68580" marT="0" marB="0"/>
+                </a:tc>
+                <a:tc>
+                  <a:txBody>
+                    <a:bodyPr/>
+                    <a:lstStyle/>
+                    <a:p>
+                      <a:pPr algn="just">
+                        <a:spcAft>
+                          <a:spcPts val="0"/>
+                        </a:spcAft>
+                      </a:pPr>
+                      <a:r>
+                        <a:rPr lang="zh-CN" sz="1400" kern="100">
+                          <a:effectLst/>
+                        </a:rPr>
+                        <a:t>工具与技术</a:t>
+                      </a:r>
+                      <a:endParaRPr lang="zh-CN" sz="1400" kern="100">
+                        <a:effectLst/>
+                        <a:latin typeface="等线" panose="02010600030101010101" pitchFamily="2" charset="-122"/>
+                        <a:ea typeface="等线" panose="02010600030101010101" pitchFamily="2" charset="-122"/>
+                        <a:cs typeface="Times New Roman" panose="02020603050405020304" pitchFamily="18" charset="0"/>
+                      </a:endParaRPr>
+                    </a:p>
+                  </a:txBody>
+                  <a:tcPr marL="68580" marR="68580" marT="0" marB="0"/>
+                </a:tc>
+                <a:tc>
+                  <a:txBody>
+                    <a:bodyPr/>
+                    <a:lstStyle/>
+                    <a:p>
+                      <a:pPr algn="just">
+                        <a:spcAft>
+                          <a:spcPts val="0"/>
+                        </a:spcAft>
+                      </a:pPr>
+                      <a:r>
+                        <a:rPr lang="zh-CN" sz="1400" kern="100">
+                          <a:effectLst/>
+                        </a:rPr>
+                        <a:t>输出</a:t>
+                      </a:r>
+                      <a:endParaRPr lang="zh-CN" sz="1400" kern="100">
+                        <a:effectLst/>
+                        <a:latin typeface="等线" panose="02010600030101010101" pitchFamily="2" charset="-122"/>
+                        <a:ea typeface="等线" panose="02010600030101010101" pitchFamily="2" charset="-122"/>
+                        <a:cs typeface="Times New Roman" panose="02020603050405020304" pitchFamily="18" charset="0"/>
+                      </a:endParaRPr>
+                    </a:p>
+                  </a:txBody>
+                  <a:tcPr marL="68580" marR="68580" marT="0" marB="0"/>
+                </a:tc>
+                <a:extLst>
+                  <a:ext uri="{0D108BD9-81ED-4DB2-BD59-A6C34878D82A}">
+                    <a16:rowId xmlns:a16="http://schemas.microsoft.com/office/drawing/2014/main" val="679641314"/>
+                  </a:ext>
+                </a:extLst>
+              </a:tr>
+              <a:tr h="1387883">
+                <a:tc vMerge="1">
+                  <a:txBody>
+                    <a:bodyPr/>
+                    <a:lstStyle/>
+                    <a:p>
+                      <a:endParaRPr lang="zh-CN" altLang="en-US"/>
+                    </a:p>
+                  </a:txBody>
+                  <a:tcPr/>
+                </a:tc>
+                <a:tc>
+                  <a:txBody>
+                    <a:bodyPr/>
+                    <a:lstStyle/>
+                    <a:p>
+                      <a:pPr marL="342900" lvl="0" indent="-342900" algn="just">
+                        <a:spcAft>
+                          <a:spcPts val="0"/>
+                        </a:spcAft>
+                        <a:buFont typeface="+mj-lt"/>
+                        <a:buAutoNum type="arabicPeriod"/>
+                      </a:pPr>
+                      <a:r>
+                        <a:rPr lang="zh-CN" sz="1400" kern="100">
+                          <a:effectLst/>
+                        </a:rPr>
+                        <a:t>变更记录</a:t>
+                      </a:r>
+                    </a:p>
+                    <a:p>
+                      <a:pPr algn="just">
+                        <a:spcAft>
+                          <a:spcPts val="0"/>
+                        </a:spcAft>
+                      </a:pPr>
+                      <a:r>
+                        <a:rPr lang="en-US" sz="1400" kern="100">
+                          <a:effectLst/>
+                        </a:rPr>
+                        <a:t>2</a:t>
+                      </a:r>
+                      <a:r>
+                        <a:rPr lang="zh-CN" sz="1400" kern="100">
+                          <a:effectLst/>
+                        </a:rPr>
+                        <a:t>、变更前需求规格说明</a:t>
+                      </a:r>
+                      <a:endParaRPr lang="zh-CN" sz="1400" kern="100">
+                        <a:effectLst/>
+                        <a:latin typeface="等线" panose="02010600030101010101" pitchFamily="2" charset="-122"/>
+                        <a:ea typeface="等线" panose="02010600030101010101" pitchFamily="2" charset="-122"/>
+                        <a:cs typeface="Times New Roman" panose="02020603050405020304" pitchFamily="18" charset="0"/>
+                      </a:endParaRPr>
+                    </a:p>
+                  </a:txBody>
+                  <a:tcPr marL="68580" marR="68580" marT="0" marB="0"/>
+                </a:tc>
+                <a:tc>
+                  <a:txBody>
+                    <a:bodyPr/>
+                    <a:lstStyle/>
+                    <a:p>
+                      <a:pPr algn="just">
+                        <a:spcAft>
+                          <a:spcPts val="0"/>
+                        </a:spcAft>
+                      </a:pPr>
+                      <a:r>
+                        <a:rPr lang="en-US" sz="1400" kern="100">
+                          <a:effectLst/>
+                        </a:rPr>
+                        <a:t>1</a:t>
+                      </a:r>
+                      <a:r>
+                        <a:rPr lang="zh-CN" sz="1400" kern="100">
+                          <a:effectLst/>
+                        </a:rPr>
+                        <a:t>、会议讨论</a:t>
+                      </a:r>
+                    </a:p>
+                    <a:p>
+                      <a:pPr algn="just">
+                        <a:spcAft>
+                          <a:spcPts val="0"/>
+                        </a:spcAft>
+                      </a:pPr>
+                      <a:r>
+                        <a:rPr lang="en-US" sz="1400" kern="100">
+                          <a:effectLst/>
+                        </a:rPr>
+                        <a:t>2</a:t>
+                      </a:r>
+                      <a:r>
+                        <a:rPr lang="zh-CN" sz="1400" kern="100">
+                          <a:effectLst/>
+                        </a:rPr>
+                        <a:t>、数据总结</a:t>
+                      </a:r>
+                    </a:p>
+                    <a:p>
+                      <a:pPr algn="just">
+                        <a:spcAft>
+                          <a:spcPts val="0"/>
+                        </a:spcAft>
+                      </a:pPr>
+                      <a:r>
+                        <a:rPr lang="en-US" sz="1400" kern="100">
+                          <a:effectLst/>
+                        </a:rPr>
+                        <a:t>3</a:t>
+                      </a:r>
+                      <a:r>
+                        <a:rPr lang="zh-CN" sz="1400" kern="100">
+                          <a:effectLst/>
+                        </a:rPr>
+                        <a:t>需求管理工具</a:t>
+                      </a:r>
+                    </a:p>
+                    <a:p>
+                      <a:pPr algn="just">
+                        <a:spcAft>
+                          <a:spcPts val="0"/>
+                        </a:spcAft>
+                      </a:pPr>
+                      <a:r>
+                        <a:rPr lang="en-US" sz="1400" kern="100">
+                          <a:effectLst/>
+                        </a:rPr>
+                        <a:t>4</a:t>
+                      </a:r>
+                      <a:r>
+                        <a:rPr lang="zh-CN" sz="1400" kern="100">
+                          <a:effectLst/>
+                        </a:rPr>
+                        <a:t>、跟踪需求状态</a:t>
+                      </a:r>
+                    </a:p>
+                    <a:p>
+                      <a:pPr algn="just">
+                        <a:spcAft>
+                          <a:spcPts val="0"/>
+                        </a:spcAft>
+                      </a:pPr>
+                      <a:r>
+                        <a:rPr lang="en-US" sz="1400" kern="100">
+                          <a:effectLst/>
+                        </a:rPr>
+                        <a:t> </a:t>
+                      </a:r>
+                      <a:endParaRPr lang="zh-CN" sz="1400" kern="100">
+                        <a:effectLst/>
+                        <a:latin typeface="等线" panose="02010600030101010101" pitchFamily="2" charset="-122"/>
+                        <a:ea typeface="等线" panose="02010600030101010101" pitchFamily="2" charset="-122"/>
+                        <a:cs typeface="Times New Roman" panose="02020603050405020304" pitchFamily="18" charset="0"/>
+                      </a:endParaRPr>
+                    </a:p>
+                  </a:txBody>
+                  <a:tcPr marL="68580" marR="68580" marT="0" marB="0"/>
+                </a:tc>
+                <a:tc>
+                  <a:txBody>
+                    <a:bodyPr/>
+                    <a:lstStyle/>
+                    <a:p>
+                      <a:pPr algn="just">
+                        <a:spcAft>
+                          <a:spcPts val="0"/>
+                        </a:spcAft>
+                      </a:pPr>
+                      <a:r>
+                        <a:rPr lang="en-US" sz="1400" kern="100" dirty="0">
+                          <a:effectLst/>
+                        </a:rPr>
+                        <a:t>1</a:t>
+                      </a:r>
+                      <a:r>
+                        <a:rPr lang="zh-CN" sz="1400" kern="100" dirty="0">
+                          <a:effectLst/>
+                        </a:rPr>
+                        <a:t>、变更后的需求规格说明</a:t>
+                      </a:r>
+                    </a:p>
+                    <a:p>
+                      <a:pPr algn="just">
+                        <a:spcAft>
+                          <a:spcPts val="0"/>
+                        </a:spcAft>
+                      </a:pPr>
+                      <a:r>
+                        <a:rPr lang="en-US" sz="1400" kern="100" dirty="0">
+                          <a:effectLst/>
+                        </a:rPr>
+                        <a:t>2</a:t>
+                      </a:r>
+                      <a:r>
+                        <a:rPr lang="zh-CN" sz="1400" kern="100" dirty="0">
+                          <a:effectLst/>
+                        </a:rPr>
+                        <a:t>、需求版本记录表</a:t>
+                      </a:r>
+                    </a:p>
+                    <a:p>
+                      <a:pPr algn="just">
+                        <a:spcAft>
+                          <a:spcPts val="0"/>
+                        </a:spcAft>
+                      </a:pPr>
+                      <a:r>
+                        <a:rPr lang="en-US" sz="1400" kern="100" dirty="0">
+                          <a:effectLst/>
+                        </a:rPr>
+                        <a:t>3</a:t>
+                      </a:r>
+                      <a:r>
+                        <a:rPr lang="zh-CN" sz="1400" kern="100" dirty="0">
+                          <a:effectLst/>
+                        </a:rPr>
+                        <a:t>、衡量需求稳定性</a:t>
+                      </a:r>
+                      <a:endParaRPr lang="zh-CN" sz="1400" kern="100" dirty="0">
+                        <a:effectLst/>
+                        <a:latin typeface="等线" panose="02010600030101010101" pitchFamily="2" charset="-122"/>
+                        <a:ea typeface="等线" panose="02010600030101010101" pitchFamily="2" charset="-122"/>
+                        <a:cs typeface="Times New Roman" panose="02020603050405020304" pitchFamily="18" charset="0"/>
+                      </a:endParaRPr>
+                    </a:p>
+                  </a:txBody>
+                  <a:tcPr marL="68580" marR="68580" marT="0" marB="0"/>
+                </a:tc>
+                <a:extLst>
+                  <a:ext uri="{0D108BD9-81ED-4DB2-BD59-A6C34878D82A}">
+                    <a16:rowId xmlns:a16="http://schemas.microsoft.com/office/drawing/2014/main" val="3516300214"/>
+                  </a:ext>
+                </a:extLst>
+              </a:tr>
+            </a:tbl>
+          </a:graphicData>
+        </a:graphic>
+      </p:graphicFrame>
+    </p:spTree>
+    <p:extLst>
+      <p:ext uri="{BB962C8B-B14F-4D97-AF65-F5344CB8AC3E}">
+        <p14:creationId xmlns:p14="http://schemas.microsoft.com/office/powerpoint/2010/main" val="1246383417"/>
+      </p:ext>
+    </p:extLst>
+  </p:cSld>
+  <p:clrMapOvr>
+    <a:masterClrMapping/>
+  </p:clrMapOvr>
+</p:sld>
+</file>
+
+<file path=ppt/slides/slide18.xml><?xml version="1.0" encoding="utf-8"?>
 <p:sld xmlns:a="http://schemas.openxmlformats.org/drawingml/2006/main" xmlns:r="http://schemas.openxmlformats.org/officeDocument/2006/relationships" xmlns:p="http://schemas.openxmlformats.org/presentationml/2006/main">
   <p:cSld>
     <p:spTree>
@@ -7275,147 +11535,6 @@
           <a:lstStyle/>
           <a:p>
             <a:r>
-              <a:rPr lang="zh-CN" altLang="en-US" dirty="0">
-                <a:solidFill>
-                  <a:schemeClr val="bg1"/>
-                </a:solidFill>
-              </a:rPr>
-              <a:t>项目的组织结构（</a:t>
-            </a:r>
-            <a:r>
-              <a:rPr lang="en-US" altLang="zh-CN" dirty="0">
-                <a:solidFill>
-                  <a:schemeClr val="bg1"/>
-                </a:solidFill>
-              </a:rPr>
-              <a:t>OBS</a:t>
-            </a:r>
-            <a:r>
-              <a:rPr lang="zh-CN" altLang="en-US" dirty="0">
-                <a:solidFill>
-                  <a:schemeClr val="bg1"/>
-                </a:solidFill>
-              </a:rPr>
-              <a:t>）</a:t>
-            </a:r>
-          </a:p>
-        </p:txBody>
-      </p:sp>
-      <p:pic>
-        <p:nvPicPr>
-          <p:cNvPr id="7" name="内容占位符 6">
-            <a:extLst>
-              <a:ext uri="{FF2B5EF4-FFF2-40B4-BE49-F238E27FC236}">
-                <a16:creationId xmlns:a16="http://schemas.microsoft.com/office/drawing/2014/main" id="{0B4F6BD5-3E4E-4910-B59A-C2420D27A49B}"/>
-              </a:ext>
-            </a:extLst>
-          </p:cNvPr>
-          <p:cNvPicPr>
-            <a:picLocks noGrp="1" noChangeAspect="1"/>
-          </p:cNvPicPr>
-          <p:nvPr>
-            <p:ph idx="1"/>
-          </p:nvPr>
-        </p:nvPicPr>
-        <p:blipFill>
-          <a:blip r:embed="rId2">
-            <a:extLst>
-              <a:ext uri="{28A0092B-C50C-407E-A947-70E740481C1C}">
-                <a14:useLocalDpi xmlns:a14="http://schemas.microsoft.com/office/drawing/2010/main" val="0"/>
-              </a:ext>
-            </a:extLst>
-          </a:blip>
-          <a:stretch>
-            <a:fillRect/>
-          </a:stretch>
-        </p:blipFill>
-        <p:spPr>
-          <a:xfrm>
-            <a:off x="611560" y="1600200"/>
-            <a:ext cx="7920880" cy="4525963"/>
-          </a:xfrm>
-        </p:spPr>
-      </p:pic>
-      <p:sp>
-        <p:nvSpPr>
-          <p:cNvPr id="8" name="文本框 7">
-            <a:extLst>
-              <a:ext uri="{FF2B5EF4-FFF2-40B4-BE49-F238E27FC236}">
-                <a16:creationId xmlns:a16="http://schemas.microsoft.com/office/drawing/2014/main" id="{F03C6E9A-4A19-4C5D-A6B5-DBA43528E4CB}"/>
-              </a:ext>
-            </a:extLst>
-          </p:cNvPr>
-          <p:cNvSpPr txBox="1"/>
-          <p:nvPr/>
-        </p:nvSpPr>
-        <p:spPr>
-          <a:xfrm>
-            <a:off x="6715140" y="6237312"/>
-            <a:ext cx="2105332" cy="369332"/>
-          </a:xfrm>
-          <a:prstGeom prst="rect">
-            <a:avLst/>
-          </a:prstGeom>
-          <a:noFill/>
-        </p:spPr>
-        <p:txBody>
-          <a:bodyPr wrap="square" rtlCol="0">
-            <a:spAutoFit/>
-          </a:bodyPr>
-          <a:lstStyle/>
-          <a:p>
-            <a:r>
-              <a:rPr lang="zh-CN" altLang="en-US" dirty="0">
-                <a:solidFill>
-                  <a:schemeClr val="bg1"/>
-                </a:solidFill>
-              </a:rPr>
-              <a:t>责任人：邬立东</a:t>
-            </a:r>
-          </a:p>
-        </p:txBody>
-      </p:sp>
-    </p:spTree>
-  </p:cSld>
-  <p:clrMapOvr>
-    <a:masterClrMapping/>
-  </p:clrMapOvr>
-</p:sld>
-</file>
-
-<file path=ppt/slides/slide14.xml><?xml version="1.0" encoding="utf-8"?>
-<p:sld xmlns:a="http://schemas.openxmlformats.org/drawingml/2006/main" xmlns:r="http://schemas.openxmlformats.org/officeDocument/2006/relationships" xmlns:p="http://schemas.openxmlformats.org/presentationml/2006/main">
-  <p:cSld>
-    <p:spTree>
-      <p:nvGrpSpPr>
-        <p:cNvPr id="1" name=""/>
-        <p:cNvGrpSpPr/>
-        <p:nvPr/>
-      </p:nvGrpSpPr>
-      <p:grpSpPr>
-        <a:xfrm>
-          <a:off x="0" y="0"/>
-          <a:ext cx="0" cy="0"/>
-          <a:chOff x="0" y="0"/>
-          <a:chExt cx="0" cy="0"/>
-        </a:xfrm>
-      </p:grpSpPr>
-      <p:sp>
-        <p:nvSpPr>
-          <p:cNvPr id="2" name="标题 1"/>
-          <p:cNvSpPr>
-            <a:spLocks noGrp="1"/>
-          </p:cNvSpPr>
-          <p:nvPr>
-            <p:ph type="title"/>
-          </p:nvPr>
-        </p:nvSpPr>
-        <p:spPr/>
-        <p:txBody>
-          <a:bodyPr/>
-          <a:lstStyle/>
-          <a:p>
-            <a:r>
               <a:rPr lang="en-US" altLang="zh-CN" dirty="0">
                 <a:solidFill>
                   <a:schemeClr val="bg1"/>
@@ -7503,7 +11622,7 @@
 </p:sld>
 </file>
 
-<file path=ppt/slides/slide15.xml><?xml version="1.0" encoding="utf-8"?>
+<file path=ppt/slides/slide19.xml><?xml version="1.0" encoding="utf-8"?>
 <p:sld xmlns:a="http://schemas.openxmlformats.org/drawingml/2006/main" xmlns:r="http://schemas.openxmlformats.org/officeDocument/2006/relationships" xmlns:p="http://schemas.openxmlformats.org/presentationml/2006/main">
   <p:cSld>
     <p:bg>
@@ -7579,7 +11698,196 @@
 </p:sld>
 </file>
 
-<file path=ppt/slides/slide16.xml><?xml version="1.0" encoding="utf-8"?>
+<file path=ppt/slides/slide2.xml><?xml version="1.0" encoding="utf-8"?>
+<p:sld xmlns:a="http://schemas.openxmlformats.org/drawingml/2006/main" xmlns:r="http://schemas.openxmlformats.org/officeDocument/2006/relationships" xmlns:p="http://schemas.openxmlformats.org/presentationml/2006/main">
+  <p:cSld>
+    <p:spTree>
+      <p:nvGrpSpPr>
+        <p:cNvPr id="1" name=""/>
+        <p:cNvGrpSpPr/>
+        <p:nvPr/>
+      </p:nvGrpSpPr>
+      <p:grpSpPr>
+        <a:xfrm>
+          <a:off x="0" y="0"/>
+          <a:ext cx="0" cy="0"/>
+          <a:chOff x="0" y="0"/>
+          <a:chExt cx="0" cy="0"/>
+        </a:xfrm>
+      </p:grpSpPr>
+      <p:sp>
+        <p:nvSpPr>
+          <p:cNvPr id="2" name="标题 1"/>
+          <p:cNvSpPr>
+            <a:spLocks noGrp="1"/>
+          </p:cNvSpPr>
+          <p:nvPr>
+            <p:ph type="ctrTitle"/>
+          </p:nvPr>
+        </p:nvSpPr>
+        <p:spPr>
+          <a:xfrm>
+            <a:off x="685800" y="857233"/>
+            <a:ext cx="7772400" cy="1071569"/>
+          </a:xfrm>
+        </p:spPr>
+        <p:txBody>
+          <a:bodyPr/>
+          <a:lstStyle/>
+          <a:p>
+            <a:r>
+              <a:rPr lang="zh-CN" altLang="en-US" dirty="0">
+                <a:solidFill>
+                  <a:schemeClr val="bg1"/>
+                </a:solidFill>
+              </a:rPr>
+              <a:t>目录</a:t>
+            </a:r>
+          </a:p>
+        </p:txBody>
+      </p:sp>
+      <p:sp>
+        <p:nvSpPr>
+          <p:cNvPr id="3" name="副标题 2"/>
+          <p:cNvSpPr>
+            <a:spLocks noGrp="1"/>
+          </p:cNvSpPr>
+          <p:nvPr>
+            <p:ph type="subTitle" idx="1"/>
+          </p:nvPr>
+        </p:nvSpPr>
+        <p:spPr>
+          <a:xfrm>
+            <a:off x="1357290" y="2071678"/>
+            <a:ext cx="6400800" cy="1752600"/>
+          </a:xfrm>
+        </p:spPr>
+        <p:txBody>
+          <a:bodyPr/>
+          <a:lstStyle/>
+          <a:p>
+            <a:r>
+              <a:rPr lang="en-US" altLang="zh-CN" dirty="0">
+                <a:solidFill>
+                  <a:schemeClr val="bg1"/>
+                </a:solidFill>
+              </a:rPr>
+              <a:t>1</a:t>
+            </a:r>
+            <a:r>
+              <a:rPr lang="zh-CN" altLang="en-US" dirty="0">
+                <a:solidFill>
+                  <a:schemeClr val="bg1"/>
+                </a:solidFill>
+              </a:rPr>
+              <a:t>、需求概述</a:t>
+            </a:r>
+            <a:endParaRPr lang="en-US" altLang="zh-CN" dirty="0">
+              <a:solidFill>
+                <a:schemeClr val="bg1"/>
+              </a:solidFill>
+            </a:endParaRPr>
+          </a:p>
+          <a:p>
+            <a:r>
+              <a:rPr lang="en-US" altLang="zh-CN" dirty="0">
+                <a:solidFill>
+                  <a:schemeClr val="bg1"/>
+                </a:solidFill>
+              </a:rPr>
+              <a:t>2</a:t>
+            </a:r>
+            <a:r>
+              <a:rPr lang="zh-CN" altLang="en-US" dirty="0">
+                <a:solidFill>
+                  <a:schemeClr val="bg1"/>
+                </a:solidFill>
+              </a:rPr>
+              <a:t>、需求工程</a:t>
+            </a:r>
+            <a:endParaRPr lang="en-US" altLang="zh-CN" dirty="0">
+              <a:solidFill>
+                <a:schemeClr val="bg1"/>
+              </a:solidFill>
+            </a:endParaRPr>
+          </a:p>
+          <a:p>
+            <a:r>
+              <a:rPr lang="en-US" altLang="zh-CN" dirty="0">
+                <a:solidFill>
+                  <a:schemeClr val="bg1"/>
+                </a:solidFill>
+              </a:rPr>
+              <a:t>3</a:t>
+            </a:r>
+            <a:r>
+              <a:rPr lang="zh-CN" altLang="en-US" dirty="0">
+                <a:solidFill>
+                  <a:schemeClr val="bg1"/>
+                </a:solidFill>
+              </a:rPr>
+              <a:t>、风险子计划</a:t>
+            </a:r>
+          </a:p>
+        </p:txBody>
+      </p:sp>
+      <p:sp>
+        <p:nvSpPr>
+          <p:cNvPr id="4" name="矩形 3">
+            <a:extLst>
+              <a:ext uri="{FF2B5EF4-FFF2-40B4-BE49-F238E27FC236}">
+                <a16:creationId xmlns:a16="http://schemas.microsoft.com/office/drawing/2014/main" id="{18DE9327-6FFB-42D2-894E-2F2765A0EB63}"/>
+              </a:ext>
+            </a:extLst>
+          </p:cNvPr>
+          <p:cNvSpPr/>
+          <p:nvPr/>
+        </p:nvSpPr>
+        <p:spPr>
+          <a:xfrm>
+            <a:off x="2555776" y="3967154"/>
+            <a:ext cx="5035353" cy="646331"/>
+          </a:xfrm>
+          <a:prstGeom prst="rect">
+            <a:avLst/>
+          </a:prstGeom>
+        </p:spPr>
+        <p:txBody>
+          <a:bodyPr wrap="none">
+            <a:spAutoFit/>
+          </a:bodyPr>
+          <a:lstStyle/>
+          <a:p>
+            <a:pPr algn="ctr"/>
+            <a:r>
+              <a:rPr lang="en-US" altLang="zh-CN" sz="3600" dirty="0">
+                <a:solidFill>
+                  <a:schemeClr val="bg1"/>
+                </a:solidFill>
+              </a:rPr>
+              <a:t>4</a:t>
+            </a:r>
+            <a:r>
+              <a:rPr lang="zh-CN" altLang="en-US" sz="3600" dirty="0">
+                <a:solidFill>
+                  <a:schemeClr val="bg1"/>
+                </a:solidFill>
+              </a:rPr>
+              <a:t>、分工评价及参考资料</a:t>
+            </a:r>
+            <a:endParaRPr lang="zh-CN" altLang="en-US" sz="3600" dirty="0"/>
+          </a:p>
+        </p:txBody>
+      </p:sp>
+    </p:spTree>
+  </p:cSld>
+  <p:clrMapOvr>
+    <a:masterClrMapping/>
+  </p:clrMapOvr>
+</p:sld>
+</file>
+
+<file path=ppt/slides/slide20.xml><?xml version="1.0" encoding="utf-8"?>
 <p:sld xmlns:a="http://schemas.openxmlformats.org/drawingml/2006/main" xmlns:r="http://schemas.openxmlformats.org/officeDocument/2006/relationships" xmlns:p="http://schemas.openxmlformats.org/presentationml/2006/main">
   <p:cSld>
     <p:spTree>
@@ -7722,7 +12030,7 @@
 </p:sld>
 </file>
 
-<file path=ppt/slides/slide17.xml><?xml version="1.0" encoding="utf-8"?>
+<file path=ppt/slides/slide21.xml><?xml version="1.0" encoding="utf-8"?>
 <p:sld xmlns:a="http://schemas.openxmlformats.org/drawingml/2006/main" xmlns:r="http://schemas.openxmlformats.org/officeDocument/2006/relationships" xmlns:p="http://schemas.openxmlformats.org/presentationml/2006/main">
   <p:cSld>
     <p:spTree>
@@ -7796,14 +12104,14 @@
           <p:nvPr>
             <p:extLst>
               <p:ext uri="{D42A27DB-BD31-4B8C-83A1-F6EECF244321}">
-                <p14:modId xmlns:p14="http://schemas.microsoft.com/office/powerpoint/2010/main" val="1731373500"/>
+                <p14:modId xmlns:p14="http://schemas.microsoft.com/office/powerpoint/2010/main" val="1812965764"/>
               </p:ext>
             </p:extLst>
           </p:nvPr>
         </p:nvGraphicFramePr>
         <p:xfrm>
-          <a:off x="683569" y="1417638"/>
-          <a:ext cx="7776864" cy="4315618"/>
+          <a:off x="683568" y="1417638"/>
+          <a:ext cx="8003233" cy="4675659"/>
         </p:xfrm>
         <a:graphic>
           <a:graphicData uri="http://schemas.openxmlformats.org/drawingml/2006/table">
@@ -7812,35 +12120,35 @@
                 <a:tableStyleId>{5C22544A-7EE6-4342-B048-85BDC9FD1C3A}</a:tableStyleId>
               </a:tblPr>
               <a:tblGrid>
-                <a:gridCol w="1229198">
+                <a:gridCol w="1264977">
                   <a:extLst>
                     <a:ext uri="{9D8B030D-6E8A-4147-A177-3AD203B41FA5}">
                       <a16:colId xmlns:a16="http://schemas.microsoft.com/office/drawing/2014/main" val="729107891"/>
                     </a:ext>
                   </a:extLst>
                 </a:gridCol>
-                <a:gridCol w="1506080">
+                <a:gridCol w="1549920">
                   <a:extLst>
                     <a:ext uri="{9D8B030D-6E8A-4147-A177-3AD203B41FA5}">
                       <a16:colId xmlns:a16="http://schemas.microsoft.com/office/drawing/2014/main" val="1624777204"/>
                     </a:ext>
                   </a:extLst>
                 </a:gridCol>
-                <a:gridCol w="1667530">
+                <a:gridCol w="1716068">
                   <a:extLst>
                     <a:ext uri="{9D8B030D-6E8A-4147-A177-3AD203B41FA5}">
                       <a16:colId xmlns:a16="http://schemas.microsoft.com/office/drawing/2014/main" val="1921657740"/>
                     </a:ext>
                   </a:extLst>
                 </a:gridCol>
-                <a:gridCol w="1687028">
+                <a:gridCol w="1736134">
                   <a:extLst>
                     <a:ext uri="{9D8B030D-6E8A-4147-A177-3AD203B41FA5}">
                       <a16:colId xmlns:a16="http://schemas.microsoft.com/office/drawing/2014/main" val="4249287769"/>
                     </a:ext>
                   </a:extLst>
                 </a:gridCol>
-                <a:gridCol w="1687028">
+                <a:gridCol w="1736134">
                   <a:extLst>
                     <a:ext uri="{9D8B030D-6E8A-4147-A177-3AD203B41FA5}">
                       <a16:colId xmlns:a16="http://schemas.microsoft.com/office/drawing/2014/main" val="1971339820"/>
@@ -7848,7 +12156,7 @@
                   </a:extLst>
                 </a:gridCol>
               </a:tblGrid>
-              <a:tr h="359634">
+              <a:tr h="389637">
                 <a:tc>
                   <a:txBody>
                     <a:bodyPr/>
@@ -8003,7 +12311,7 @@
                   </a:ext>
                 </a:extLst>
               </a:tr>
-              <a:tr h="1078904">
+              <a:tr h="1168914">
                 <a:tc>
                   <a:txBody>
                     <a:bodyPr/>
@@ -8041,12 +12349,12 @@
                         </a:spcAft>
                       </a:pPr>
                       <a:r>
-                        <a:rPr lang="zh-CN" sz="1200" kern="0">
+                        <a:rPr lang="zh-CN" sz="1200" kern="0" dirty="0">
                           <a:effectLst/>
                         </a:rPr>
                         <a:t>创建出一个基本的网站</a:t>
                       </a:r>
-                      <a:endParaRPr lang="zh-CN" sz="1050" kern="100">
+                      <a:endParaRPr lang="zh-CN" sz="1050" kern="100" dirty="0">
                         <a:effectLst/>
                         <a:latin typeface="等线" panose="02010600030101010101" pitchFamily="2" charset="-122"/>
                         <a:ea typeface="等线" panose="02010600030101010101" pitchFamily="2" charset="-122"/>
@@ -8140,7 +12448,7 @@
                   </a:ext>
                 </a:extLst>
               </a:tr>
-              <a:tr h="719270">
+              <a:tr h="779277">
                 <a:tc>
                   <a:txBody>
                     <a:bodyPr/>
@@ -8277,7 +12585,7 @@
                   </a:ext>
                 </a:extLst>
               </a:tr>
-              <a:tr h="719270">
+              <a:tr h="779277">
                 <a:tc>
                   <a:txBody>
                     <a:bodyPr/>
@@ -8414,7 +12722,7 @@
                   </a:ext>
                 </a:extLst>
               </a:tr>
-              <a:tr h="719270">
+              <a:tr h="779277">
                 <a:tc>
                   <a:txBody>
                     <a:bodyPr/>
@@ -8504,12 +12812,12 @@
                         </a:spcAft>
                       </a:pPr>
                       <a:r>
-                        <a:rPr lang="zh-CN" sz="1200" kern="0">
+                        <a:rPr lang="zh-CN" sz="1200" kern="0" dirty="0">
                           <a:effectLst/>
                         </a:rPr>
                         <a:t>……</a:t>
                       </a:r>
-                      <a:endParaRPr lang="zh-CN" sz="1050" kern="100">
+                      <a:endParaRPr lang="zh-CN" sz="1050" kern="100" dirty="0">
                         <a:effectLst/>
                         <a:latin typeface="等线" panose="02010600030101010101" pitchFamily="2" charset="-122"/>
                         <a:ea typeface="等线" panose="02010600030101010101" pitchFamily="2" charset="-122"/>
@@ -8551,7 +12859,7 @@
                   </a:ext>
                 </a:extLst>
               </a:tr>
-              <a:tr h="719270">
+              <a:tr h="779277">
                 <a:tc>
                   <a:txBody>
                     <a:bodyPr/>
@@ -8739,7 +13047,7 @@
 </p:sld>
 </file>
 
-<file path=ppt/slides/slide18.xml><?xml version="1.0" encoding="utf-8"?>
+<file path=ppt/slides/slide22.xml><?xml version="1.0" encoding="utf-8"?>
 <p:sld xmlns:a="http://schemas.openxmlformats.org/drawingml/2006/main" xmlns:r="http://schemas.openxmlformats.org/officeDocument/2006/relationships" xmlns:p="http://schemas.openxmlformats.org/presentationml/2006/main">
   <p:cSld>
     <p:spTree>
@@ -11110,7 +15418,7 @@
 </p:sld>
 </file>
 
-<file path=ppt/slides/slide19.xml><?xml version="1.0" encoding="utf-8"?>
+<file path=ppt/slides/slide23.xml><?xml version="1.0" encoding="utf-8"?>
 <p:sld xmlns:a="http://schemas.openxmlformats.org/drawingml/2006/main" xmlns:r="http://schemas.openxmlformats.org/officeDocument/2006/relationships" xmlns:p="http://schemas.openxmlformats.org/presentationml/2006/main">
   <p:cSld>
     <p:spTree>
@@ -11348,196 +15656,7 @@
 </p:sld>
 </file>
 
-<file path=ppt/slides/slide2.xml><?xml version="1.0" encoding="utf-8"?>
-<p:sld xmlns:a="http://schemas.openxmlformats.org/drawingml/2006/main" xmlns:r="http://schemas.openxmlformats.org/officeDocument/2006/relationships" xmlns:p="http://schemas.openxmlformats.org/presentationml/2006/main">
-  <p:cSld>
-    <p:spTree>
-      <p:nvGrpSpPr>
-        <p:cNvPr id="1" name=""/>
-        <p:cNvGrpSpPr/>
-        <p:nvPr/>
-      </p:nvGrpSpPr>
-      <p:grpSpPr>
-        <a:xfrm>
-          <a:off x="0" y="0"/>
-          <a:ext cx="0" cy="0"/>
-          <a:chOff x="0" y="0"/>
-          <a:chExt cx="0" cy="0"/>
-        </a:xfrm>
-      </p:grpSpPr>
-      <p:sp>
-        <p:nvSpPr>
-          <p:cNvPr id="2" name="标题 1"/>
-          <p:cNvSpPr>
-            <a:spLocks noGrp="1"/>
-          </p:cNvSpPr>
-          <p:nvPr>
-            <p:ph type="ctrTitle"/>
-          </p:nvPr>
-        </p:nvSpPr>
-        <p:spPr>
-          <a:xfrm>
-            <a:off x="685800" y="857233"/>
-            <a:ext cx="7772400" cy="1071569"/>
-          </a:xfrm>
-        </p:spPr>
-        <p:txBody>
-          <a:bodyPr/>
-          <a:lstStyle/>
-          <a:p>
-            <a:r>
-              <a:rPr lang="zh-CN" altLang="en-US" dirty="0">
-                <a:solidFill>
-                  <a:schemeClr val="bg1"/>
-                </a:solidFill>
-              </a:rPr>
-              <a:t>目录</a:t>
-            </a:r>
-          </a:p>
-        </p:txBody>
-      </p:sp>
-      <p:sp>
-        <p:nvSpPr>
-          <p:cNvPr id="3" name="副标题 2"/>
-          <p:cNvSpPr>
-            <a:spLocks noGrp="1"/>
-          </p:cNvSpPr>
-          <p:nvPr>
-            <p:ph type="subTitle" idx="1"/>
-          </p:nvPr>
-        </p:nvSpPr>
-        <p:spPr>
-          <a:xfrm>
-            <a:off x="1357290" y="2071678"/>
-            <a:ext cx="6400800" cy="1752600"/>
-          </a:xfrm>
-        </p:spPr>
-        <p:txBody>
-          <a:bodyPr/>
-          <a:lstStyle/>
-          <a:p>
-            <a:r>
-              <a:rPr lang="en-US" altLang="zh-CN" dirty="0">
-                <a:solidFill>
-                  <a:schemeClr val="bg1"/>
-                </a:solidFill>
-              </a:rPr>
-              <a:t>1</a:t>
-            </a:r>
-            <a:r>
-              <a:rPr lang="zh-CN" altLang="en-US" dirty="0">
-                <a:solidFill>
-                  <a:schemeClr val="bg1"/>
-                </a:solidFill>
-              </a:rPr>
-              <a:t>、需求概述</a:t>
-            </a:r>
-            <a:endParaRPr lang="en-US" altLang="zh-CN" dirty="0">
-              <a:solidFill>
-                <a:schemeClr val="bg1"/>
-              </a:solidFill>
-            </a:endParaRPr>
-          </a:p>
-          <a:p>
-            <a:r>
-              <a:rPr lang="en-US" altLang="zh-CN" dirty="0">
-                <a:solidFill>
-                  <a:schemeClr val="bg1"/>
-                </a:solidFill>
-              </a:rPr>
-              <a:t>2</a:t>
-            </a:r>
-            <a:r>
-              <a:rPr lang="zh-CN" altLang="en-US" dirty="0">
-                <a:solidFill>
-                  <a:schemeClr val="bg1"/>
-                </a:solidFill>
-              </a:rPr>
-              <a:t>、需求工程</a:t>
-            </a:r>
-            <a:endParaRPr lang="en-US" altLang="zh-CN" dirty="0">
-              <a:solidFill>
-                <a:schemeClr val="bg1"/>
-              </a:solidFill>
-            </a:endParaRPr>
-          </a:p>
-          <a:p>
-            <a:r>
-              <a:rPr lang="en-US" altLang="zh-CN" dirty="0">
-                <a:solidFill>
-                  <a:schemeClr val="bg1"/>
-                </a:solidFill>
-              </a:rPr>
-              <a:t>3</a:t>
-            </a:r>
-            <a:r>
-              <a:rPr lang="zh-CN" altLang="en-US" dirty="0">
-                <a:solidFill>
-                  <a:schemeClr val="bg1"/>
-                </a:solidFill>
-              </a:rPr>
-              <a:t>、风险子计划</a:t>
-            </a:r>
-          </a:p>
-        </p:txBody>
-      </p:sp>
-      <p:sp>
-        <p:nvSpPr>
-          <p:cNvPr id="4" name="矩形 3">
-            <a:extLst>
-              <a:ext uri="{FF2B5EF4-FFF2-40B4-BE49-F238E27FC236}">
-                <a16:creationId xmlns:a16="http://schemas.microsoft.com/office/drawing/2014/main" id="{18DE9327-6FFB-42D2-894E-2F2765A0EB63}"/>
-              </a:ext>
-            </a:extLst>
-          </p:cNvPr>
-          <p:cNvSpPr/>
-          <p:nvPr/>
-        </p:nvSpPr>
-        <p:spPr>
-          <a:xfrm>
-            <a:off x="2555776" y="3967154"/>
-            <a:ext cx="5035353" cy="646331"/>
-          </a:xfrm>
-          <a:prstGeom prst="rect">
-            <a:avLst/>
-          </a:prstGeom>
-        </p:spPr>
-        <p:txBody>
-          <a:bodyPr wrap="none">
-            <a:spAutoFit/>
-          </a:bodyPr>
-          <a:lstStyle/>
-          <a:p>
-            <a:pPr algn="ctr"/>
-            <a:r>
-              <a:rPr lang="en-US" altLang="zh-CN" sz="3600" dirty="0">
-                <a:solidFill>
-                  <a:schemeClr val="bg1"/>
-                </a:solidFill>
-              </a:rPr>
-              <a:t>4</a:t>
-            </a:r>
-            <a:r>
-              <a:rPr lang="zh-CN" altLang="en-US" sz="3600" dirty="0">
-                <a:solidFill>
-                  <a:schemeClr val="bg1"/>
-                </a:solidFill>
-              </a:rPr>
-              <a:t>、分工评价及参考资料</a:t>
-            </a:r>
-            <a:endParaRPr lang="zh-CN" altLang="en-US" sz="3600" dirty="0"/>
-          </a:p>
-        </p:txBody>
-      </p:sp>
-    </p:spTree>
-  </p:cSld>
-  <p:clrMapOvr>
-    <a:masterClrMapping/>
-  </p:clrMapOvr>
-</p:sld>
-</file>
-
-<file path=ppt/slides/slide20.xml><?xml version="1.0" encoding="utf-8"?>
+<file path=ppt/slides/slide24.xml><?xml version="1.0" encoding="utf-8"?>
 <p:sld xmlns:a="http://schemas.openxmlformats.org/drawingml/2006/main" xmlns:r="http://schemas.openxmlformats.org/officeDocument/2006/relationships" xmlns:p="http://schemas.openxmlformats.org/presentationml/2006/main">
   <p:cSld>
     <p:spTree>
@@ -11706,7 +15825,7 @@
 </p:sld>
 </file>
 
-<file path=ppt/slides/slide21.xml><?xml version="1.0" encoding="utf-8"?>
+<file path=ppt/slides/slide25.xml><?xml version="1.0" encoding="utf-8"?>
 <p:sld xmlns:a="http://schemas.openxmlformats.org/drawingml/2006/main" xmlns:r="http://schemas.openxmlformats.org/officeDocument/2006/relationships" xmlns:p="http://schemas.openxmlformats.org/presentationml/2006/main">
   <p:cSld>
     <p:spTree>
@@ -11810,7 +15929,7 @@
 </p:sld>
 </file>
 
-<file path=ppt/slides/slide22.xml><?xml version="1.0" encoding="utf-8"?>
+<file path=ppt/slides/slide26.xml><?xml version="1.0" encoding="utf-8"?>
 <p:sld xmlns:a="http://schemas.openxmlformats.org/drawingml/2006/main" xmlns:r="http://schemas.openxmlformats.org/officeDocument/2006/relationships" xmlns:p="http://schemas.openxmlformats.org/presentationml/2006/main">
   <p:cSld>
     <p:spTree>
@@ -11915,7 +16034,7 @@
 </p:sld>
 </file>
 
-<file path=ppt/slides/slide23.xml><?xml version="1.0" encoding="utf-8"?>
+<file path=ppt/slides/slide27.xml><?xml version="1.0" encoding="utf-8"?>
 <p:sld xmlns:a="http://schemas.openxmlformats.org/drawingml/2006/main" xmlns:r="http://schemas.openxmlformats.org/officeDocument/2006/relationships" xmlns:p="http://schemas.openxmlformats.org/presentationml/2006/main">
   <p:cSld>
     <p:spTree>
@@ -12020,7 +16139,7 @@
 </p:sld>
 </file>
 
-<file path=ppt/slides/slide24.xml><?xml version="1.0" encoding="utf-8"?>
+<file path=ppt/slides/slide28.xml><?xml version="1.0" encoding="utf-8"?>
 <p:sld xmlns:a="http://schemas.openxmlformats.org/drawingml/2006/main" xmlns:r="http://schemas.openxmlformats.org/officeDocument/2006/relationships" xmlns:p="http://schemas.openxmlformats.org/presentationml/2006/main">
   <p:cSld>
     <p:spTree>
@@ -12970,7 +17089,7 @@
 </p:sld>
 </file>
 
-<file path=ppt/slides/slide25.xml><?xml version="1.0" encoding="utf-8"?>
+<file path=ppt/slides/slide29.xml><?xml version="1.0" encoding="utf-8"?>
 <p:sld xmlns:a="http://schemas.openxmlformats.org/drawingml/2006/main" xmlns:r="http://schemas.openxmlformats.org/officeDocument/2006/relationships" xmlns:p="http://schemas.openxmlformats.org/presentationml/2006/main">
   <p:cSld>
     <p:spTree>
@@ -13578,7 +17697,184 @@
 </p:sld>
 </file>
 
-<file path=ppt/slides/slide26.xml><?xml version="1.0" encoding="utf-8"?>
+<file path=ppt/slides/slide3.xml><?xml version="1.0" encoding="utf-8"?>
+<p:sld xmlns:a="http://schemas.openxmlformats.org/drawingml/2006/main" xmlns:r="http://schemas.openxmlformats.org/officeDocument/2006/relationships" xmlns:p="http://schemas.openxmlformats.org/presentationml/2006/main">
+  <p:cSld>
+    <p:spTree>
+      <p:nvGrpSpPr>
+        <p:cNvPr id="1" name=""/>
+        <p:cNvGrpSpPr/>
+        <p:nvPr/>
+      </p:nvGrpSpPr>
+      <p:grpSpPr>
+        <a:xfrm>
+          <a:off x="0" y="0"/>
+          <a:ext cx="0" cy="0"/>
+          <a:chOff x="0" y="0"/>
+          <a:chExt cx="0" cy="0"/>
+        </a:xfrm>
+      </p:grpSpPr>
+      <p:sp>
+        <p:nvSpPr>
+          <p:cNvPr id="2" name="标题 1">
+            <a:extLst>
+              <a:ext uri="{FF2B5EF4-FFF2-40B4-BE49-F238E27FC236}">
+                <a16:creationId xmlns:a16="http://schemas.microsoft.com/office/drawing/2014/main" id="{D4FD4AF4-9903-4F7D-A791-C285339EC37A}"/>
+              </a:ext>
+            </a:extLst>
+          </p:cNvPr>
+          <p:cNvSpPr>
+            <a:spLocks noGrp="1"/>
+          </p:cNvSpPr>
+          <p:nvPr>
+            <p:ph type="title"/>
+          </p:nvPr>
+        </p:nvSpPr>
+        <p:spPr/>
+        <p:txBody>
+          <a:bodyPr/>
+          <a:lstStyle/>
+          <a:p>
+            <a:r>
+              <a:rPr lang="zh-CN" altLang="en-US" dirty="0">
+                <a:solidFill>
+                  <a:schemeClr val="bg1"/>
+                </a:solidFill>
+              </a:rPr>
+              <a:t>概述</a:t>
+            </a:r>
+          </a:p>
+        </p:txBody>
+      </p:sp>
+      <p:sp>
+        <p:nvSpPr>
+          <p:cNvPr id="3" name="内容占位符 2">
+            <a:extLst>
+              <a:ext uri="{FF2B5EF4-FFF2-40B4-BE49-F238E27FC236}">
+                <a16:creationId xmlns:a16="http://schemas.microsoft.com/office/drawing/2014/main" id="{5ED47925-33B9-4529-84D1-04E9B7F9A60B}"/>
+              </a:ext>
+            </a:extLst>
+          </p:cNvPr>
+          <p:cNvSpPr>
+            <a:spLocks noGrp="1"/>
+          </p:cNvSpPr>
+          <p:nvPr>
+            <p:ph idx="1"/>
+          </p:nvPr>
+        </p:nvSpPr>
+        <p:spPr/>
+        <p:txBody>
+          <a:bodyPr>
+            <a:normAutofit/>
+          </a:bodyPr>
+          <a:lstStyle/>
+          <a:p>
+            <a:r>
+              <a:rPr lang="zh-CN" altLang="zh-CN" dirty="0">
+                <a:solidFill>
+                  <a:schemeClr val="bg1"/>
+                </a:solidFill>
+              </a:rPr>
+              <a:t>因一款专门针对一门新开的大学课程和一位专门的教师；又为学生之间提供交流平台的网站而形成的需求工程计划</a:t>
+            </a:r>
+          </a:p>
+          <a:p>
+            <a:r>
+              <a:rPr lang="zh-CN" altLang="zh-CN" sz="2600" dirty="0">
+                <a:solidFill>
+                  <a:schemeClr val="bg1"/>
+                </a:solidFill>
+              </a:rPr>
+              <a:t>待开发软件系统的名称：软件工程系列课程教学辅助网站</a:t>
+            </a:r>
+            <a:br>
+              <a:rPr lang="en-US" altLang="zh-CN" sz="2600" dirty="0">
+                <a:solidFill>
+                  <a:schemeClr val="bg1"/>
+                </a:solidFill>
+              </a:rPr>
+            </a:br>
+            <a:r>
+              <a:rPr lang="zh-CN" altLang="zh-CN" sz="2600" dirty="0">
+                <a:solidFill>
+                  <a:schemeClr val="bg1"/>
+                </a:solidFill>
+              </a:rPr>
+              <a:t>本项目的任务提出者：侯宏仑、杨枨 </a:t>
+            </a:r>
+          </a:p>
+          <a:p>
+            <a:r>
+              <a:rPr lang="zh-CN" altLang="zh-CN" sz="2600" dirty="0">
+                <a:solidFill>
+                  <a:schemeClr val="bg1"/>
+                </a:solidFill>
+              </a:rPr>
+              <a:t>开发人员：吴桐 尹健瑾 赵高生 袁泽成 邬立东</a:t>
+            </a:r>
+          </a:p>
+          <a:p>
+            <a:r>
+              <a:rPr lang="zh-CN" altLang="zh-CN" sz="2400" dirty="0">
+                <a:solidFill>
+                  <a:schemeClr val="bg1"/>
+                </a:solidFill>
+              </a:rPr>
+              <a:t>用户：游客，学生，老师</a:t>
+            </a:r>
+            <a:r>
+              <a:rPr lang="en-US" altLang="zh-CN" sz="2400" dirty="0">
+                <a:solidFill>
+                  <a:schemeClr val="bg1"/>
+                </a:solidFill>
+              </a:rPr>
+              <a:t>  </a:t>
+            </a:r>
+            <a:r>
+              <a:rPr lang="zh-CN" altLang="zh-CN" sz="2400" dirty="0">
+                <a:solidFill>
+                  <a:schemeClr val="bg1"/>
+                </a:solidFill>
+              </a:rPr>
+              <a:t>及管理员；</a:t>
+            </a:r>
+            <a:br>
+              <a:rPr lang="en-US" altLang="zh-CN" sz="2600" dirty="0">
+                <a:solidFill>
+                  <a:schemeClr val="bg1"/>
+                </a:solidFill>
+              </a:rPr>
+            </a:br>
+            <a:r>
+              <a:rPr lang="zh-CN" altLang="zh-CN" sz="2600" dirty="0">
+                <a:solidFill>
+                  <a:schemeClr val="bg1"/>
+                </a:solidFill>
+              </a:rPr>
+              <a:t>　　</a:t>
+            </a:r>
+            <a:endParaRPr lang="zh-CN" altLang="en-US" dirty="0">
+              <a:solidFill>
+                <a:schemeClr val="bg1"/>
+              </a:solidFill>
+            </a:endParaRPr>
+          </a:p>
+        </p:txBody>
+      </p:sp>
+    </p:spTree>
+    <p:extLst>
+      <p:ext uri="{BB962C8B-B14F-4D97-AF65-F5344CB8AC3E}">
+        <p14:creationId xmlns:p14="http://schemas.microsoft.com/office/powerpoint/2010/main" val="1507362676"/>
+      </p:ext>
+    </p:extLst>
+  </p:cSld>
+  <p:clrMapOvr>
+    <a:masterClrMapping/>
+  </p:clrMapOvr>
+</p:sld>
+</file>
+
+<file path=ppt/slides/slide30.xml><?xml version="1.0" encoding="utf-8"?>
 <p:sld xmlns:a="http://schemas.openxmlformats.org/drawingml/2006/main" xmlns:r="http://schemas.openxmlformats.org/officeDocument/2006/relationships" xmlns:p="http://schemas.openxmlformats.org/presentationml/2006/main">
   <p:cSld>
     <p:spTree>
@@ -13747,7 +18043,7 @@
 </p:sld>
 </file>
 
-<file path=ppt/slides/slide27.xml><?xml version="1.0" encoding="utf-8"?>
+<file path=ppt/slides/slide31.xml><?xml version="1.0" encoding="utf-8"?>
 <p:sld xmlns:a="http://schemas.openxmlformats.org/drawingml/2006/main" xmlns:r="http://schemas.openxmlformats.org/officeDocument/2006/relationships" xmlns:p="http://schemas.openxmlformats.org/presentationml/2006/main">
   <p:cSld>
     <p:spTree>
@@ -13968,7 +18264,7 @@
 </p:sld>
 </file>
 
-<file path=ppt/slides/slide28.xml><?xml version="1.0" encoding="utf-8"?>
+<file path=ppt/slides/slide32.xml><?xml version="1.0" encoding="utf-8"?>
 <p:sld xmlns:a="http://schemas.openxmlformats.org/drawingml/2006/main" xmlns:r="http://schemas.openxmlformats.org/officeDocument/2006/relationships" xmlns:p="http://schemas.openxmlformats.org/presentationml/2006/main">
   <p:cSld>
     <p:spTree>
@@ -14581,7 +18877,7 @@
 </p:sld>
 </file>
 
-<file path=ppt/slides/slide29.xml><?xml version="1.0" encoding="utf-8"?>
+<file path=ppt/slides/slide33.xml><?xml version="1.0" encoding="utf-8"?>
 <p:sld xmlns:a="http://schemas.openxmlformats.org/drawingml/2006/main" xmlns:r="http://schemas.openxmlformats.org/officeDocument/2006/relationships" xmlns:p="http://schemas.openxmlformats.org/presentationml/2006/main">
   <p:cSld>
     <p:spTree>
@@ -15494,184 +19790,7 @@
 </p:sld>
 </file>
 
-<file path=ppt/slides/slide3.xml><?xml version="1.0" encoding="utf-8"?>
-<p:sld xmlns:a="http://schemas.openxmlformats.org/drawingml/2006/main" xmlns:r="http://schemas.openxmlformats.org/officeDocument/2006/relationships" xmlns:p="http://schemas.openxmlformats.org/presentationml/2006/main">
-  <p:cSld>
-    <p:spTree>
-      <p:nvGrpSpPr>
-        <p:cNvPr id="1" name=""/>
-        <p:cNvGrpSpPr/>
-        <p:nvPr/>
-      </p:nvGrpSpPr>
-      <p:grpSpPr>
-        <a:xfrm>
-          <a:off x="0" y="0"/>
-          <a:ext cx="0" cy="0"/>
-          <a:chOff x="0" y="0"/>
-          <a:chExt cx="0" cy="0"/>
-        </a:xfrm>
-      </p:grpSpPr>
-      <p:sp>
-        <p:nvSpPr>
-          <p:cNvPr id="2" name="标题 1">
-            <a:extLst>
-              <a:ext uri="{FF2B5EF4-FFF2-40B4-BE49-F238E27FC236}">
-                <a16:creationId xmlns:a16="http://schemas.microsoft.com/office/drawing/2014/main" id="{D4FD4AF4-9903-4F7D-A791-C285339EC37A}"/>
-              </a:ext>
-            </a:extLst>
-          </p:cNvPr>
-          <p:cNvSpPr>
-            <a:spLocks noGrp="1"/>
-          </p:cNvSpPr>
-          <p:nvPr>
-            <p:ph type="title"/>
-          </p:nvPr>
-        </p:nvSpPr>
-        <p:spPr/>
-        <p:txBody>
-          <a:bodyPr/>
-          <a:lstStyle/>
-          <a:p>
-            <a:r>
-              <a:rPr lang="zh-CN" altLang="en-US" dirty="0">
-                <a:solidFill>
-                  <a:schemeClr val="bg1"/>
-                </a:solidFill>
-              </a:rPr>
-              <a:t>概述</a:t>
-            </a:r>
-          </a:p>
-        </p:txBody>
-      </p:sp>
-      <p:sp>
-        <p:nvSpPr>
-          <p:cNvPr id="3" name="内容占位符 2">
-            <a:extLst>
-              <a:ext uri="{FF2B5EF4-FFF2-40B4-BE49-F238E27FC236}">
-                <a16:creationId xmlns:a16="http://schemas.microsoft.com/office/drawing/2014/main" id="{5ED47925-33B9-4529-84D1-04E9B7F9A60B}"/>
-              </a:ext>
-            </a:extLst>
-          </p:cNvPr>
-          <p:cNvSpPr>
-            <a:spLocks noGrp="1"/>
-          </p:cNvSpPr>
-          <p:nvPr>
-            <p:ph idx="1"/>
-          </p:nvPr>
-        </p:nvSpPr>
-        <p:spPr/>
-        <p:txBody>
-          <a:bodyPr>
-            <a:normAutofit/>
-          </a:bodyPr>
-          <a:lstStyle/>
-          <a:p>
-            <a:r>
-              <a:rPr lang="zh-CN" altLang="zh-CN" dirty="0">
-                <a:solidFill>
-                  <a:schemeClr val="bg1"/>
-                </a:solidFill>
-              </a:rPr>
-              <a:t>因一款专门针对一门新开的大学课程和一位专门的教师；又为学生之间提供交流平台的网站而形成的需求工程计划</a:t>
-            </a:r>
-          </a:p>
-          <a:p>
-            <a:r>
-              <a:rPr lang="zh-CN" altLang="zh-CN" sz="2600" dirty="0">
-                <a:solidFill>
-                  <a:schemeClr val="bg1"/>
-                </a:solidFill>
-              </a:rPr>
-              <a:t>待开发软件系统的名称：软件工程系列课程教学辅助网站</a:t>
-            </a:r>
-            <a:br>
-              <a:rPr lang="en-US" altLang="zh-CN" sz="2600" dirty="0">
-                <a:solidFill>
-                  <a:schemeClr val="bg1"/>
-                </a:solidFill>
-              </a:rPr>
-            </a:br>
-            <a:r>
-              <a:rPr lang="zh-CN" altLang="zh-CN" sz="2600" dirty="0">
-                <a:solidFill>
-                  <a:schemeClr val="bg1"/>
-                </a:solidFill>
-              </a:rPr>
-              <a:t>本项目的任务提出者：侯宏仑、杨枨 </a:t>
-            </a:r>
-          </a:p>
-          <a:p>
-            <a:r>
-              <a:rPr lang="zh-CN" altLang="zh-CN" sz="2600" dirty="0">
-                <a:solidFill>
-                  <a:schemeClr val="bg1"/>
-                </a:solidFill>
-              </a:rPr>
-              <a:t>开发人员：吴桐 尹健瑾 赵高生 袁泽成 邬立东</a:t>
-            </a:r>
-          </a:p>
-          <a:p>
-            <a:r>
-              <a:rPr lang="zh-CN" altLang="zh-CN" sz="2400" dirty="0">
-                <a:solidFill>
-                  <a:schemeClr val="bg1"/>
-                </a:solidFill>
-              </a:rPr>
-              <a:t>用户：游客，学生，老师</a:t>
-            </a:r>
-            <a:r>
-              <a:rPr lang="en-US" altLang="zh-CN" sz="2400" dirty="0">
-                <a:solidFill>
-                  <a:schemeClr val="bg1"/>
-                </a:solidFill>
-              </a:rPr>
-              <a:t>  </a:t>
-            </a:r>
-            <a:r>
-              <a:rPr lang="zh-CN" altLang="zh-CN" sz="2400" dirty="0">
-                <a:solidFill>
-                  <a:schemeClr val="bg1"/>
-                </a:solidFill>
-              </a:rPr>
-              <a:t>及管理员；</a:t>
-            </a:r>
-            <a:br>
-              <a:rPr lang="en-US" altLang="zh-CN" sz="2600" dirty="0">
-                <a:solidFill>
-                  <a:schemeClr val="bg1"/>
-                </a:solidFill>
-              </a:rPr>
-            </a:br>
-            <a:r>
-              <a:rPr lang="zh-CN" altLang="zh-CN" sz="2600" dirty="0">
-                <a:solidFill>
-                  <a:schemeClr val="bg1"/>
-                </a:solidFill>
-              </a:rPr>
-              <a:t>　　</a:t>
-            </a:r>
-            <a:endParaRPr lang="zh-CN" altLang="en-US" dirty="0">
-              <a:solidFill>
-                <a:schemeClr val="bg1"/>
-              </a:solidFill>
-            </a:endParaRPr>
-          </a:p>
-        </p:txBody>
-      </p:sp>
-    </p:spTree>
-    <p:extLst>
-      <p:ext uri="{BB962C8B-B14F-4D97-AF65-F5344CB8AC3E}">
-        <p14:creationId xmlns:p14="http://schemas.microsoft.com/office/powerpoint/2010/main" val="1507362676"/>
-      </p:ext>
-    </p:extLst>
-  </p:cSld>
-  <p:clrMapOvr>
-    <a:masterClrMapping/>
-  </p:clrMapOvr>
-</p:sld>
-</file>
-
-<file path=ppt/slides/slide30.xml><?xml version="1.0" encoding="utf-8"?>
+<file path=ppt/slides/slide34.xml><?xml version="1.0" encoding="utf-8"?>
 <p:sld xmlns:a="http://schemas.openxmlformats.org/drawingml/2006/main" xmlns:r="http://schemas.openxmlformats.org/officeDocument/2006/relationships" xmlns:p="http://schemas.openxmlformats.org/presentationml/2006/main">
   <p:cSld>
     <p:spTree>
@@ -16825,7 +20944,7 @@
 </p:sld>
 </file>
 
-<file path=ppt/slides/slide31.xml><?xml version="1.0" encoding="utf-8"?>
+<file path=ppt/slides/slide35.xml><?xml version="1.0" encoding="utf-8"?>
 <p:sld xmlns:a="http://schemas.openxmlformats.org/drawingml/2006/main" xmlns:r="http://schemas.openxmlformats.org/officeDocument/2006/relationships" xmlns:p="http://schemas.openxmlformats.org/presentationml/2006/main">
   <p:cSld>
     <p:spTree>
@@ -17437,7 +21556,7 @@
 </p:sld>
 </file>
 
-<file path=ppt/slides/slide32.xml><?xml version="1.0" encoding="utf-8"?>
+<file path=ppt/slides/slide36.xml><?xml version="1.0" encoding="utf-8"?>
 <p:sld xmlns:a="http://schemas.openxmlformats.org/drawingml/2006/main" xmlns:r="http://schemas.openxmlformats.org/officeDocument/2006/relationships" xmlns:p="http://schemas.openxmlformats.org/presentationml/2006/main">
   <p:cSld>
     <p:spTree>
@@ -18316,7 +22435,7 @@
 </p:sld>
 </file>
 
-<file path=ppt/slides/slide33.xml><?xml version="1.0" encoding="utf-8"?>
+<file path=ppt/slides/slide37.xml><?xml version="1.0" encoding="utf-8"?>
 <p:sld xmlns:a="http://schemas.openxmlformats.org/drawingml/2006/main" xmlns:r="http://schemas.openxmlformats.org/officeDocument/2006/relationships" xmlns:p="http://schemas.openxmlformats.org/presentationml/2006/main">
   <p:cSld>
     <p:spTree>
@@ -20664,6 +24783,266 @@
       </p:grpSpPr>
       <p:sp>
         <p:nvSpPr>
+          <p:cNvPr id="2" name="标题 1"/>
+          <p:cNvSpPr>
+            <a:spLocks noGrp="1"/>
+          </p:cNvSpPr>
+          <p:nvPr>
+            <p:ph type="title"/>
+          </p:nvPr>
+        </p:nvSpPr>
+        <p:spPr/>
+        <p:txBody>
+          <a:bodyPr/>
+          <a:lstStyle/>
+          <a:p>
+            <a:r>
+              <a:rPr lang="zh-CN" altLang="en-US" dirty="0">
+                <a:solidFill>
+                  <a:schemeClr val="bg1"/>
+                </a:solidFill>
+              </a:rPr>
+              <a:t>项目的组织结构（</a:t>
+            </a:r>
+            <a:r>
+              <a:rPr lang="en-US" altLang="zh-CN" dirty="0">
+                <a:solidFill>
+                  <a:schemeClr val="bg1"/>
+                </a:solidFill>
+              </a:rPr>
+              <a:t>OBS</a:t>
+            </a:r>
+            <a:r>
+              <a:rPr lang="zh-CN" altLang="en-US" dirty="0">
+                <a:solidFill>
+                  <a:schemeClr val="bg1"/>
+                </a:solidFill>
+              </a:rPr>
+              <a:t>）</a:t>
+            </a:r>
+          </a:p>
+        </p:txBody>
+      </p:sp>
+      <p:pic>
+        <p:nvPicPr>
+          <p:cNvPr id="7" name="内容占位符 6">
+            <a:extLst>
+              <a:ext uri="{FF2B5EF4-FFF2-40B4-BE49-F238E27FC236}">
+                <a16:creationId xmlns:a16="http://schemas.microsoft.com/office/drawing/2014/main" id="{0B4F6BD5-3E4E-4910-B59A-C2420D27A49B}"/>
+              </a:ext>
+            </a:extLst>
+          </p:cNvPr>
+          <p:cNvPicPr>
+            <a:picLocks noGrp="1" noChangeAspect="1"/>
+          </p:cNvPicPr>
+          <p:nvPr>
+            <p:ph idx="1"/>
+          </p:nvPr>
+        </p:nvPicPr>
+        <p:blipFill>
+          <a:blip r:embed="rId2">
+            <a:extLst>
+              <a:ext uri="{28A0092B-C50C-407E-A947-70E740481C1C}">
+                <a14:useLocalDpi xmlns:a14="http://schemas.microsoft.com/office/drawing/2010/main" val="0"/>
+              </a:ext>
+            </a:extLst>
+          </a:blip>
+          <a:stretch>
+            <a:fillRect/>
+          </a:stretch>
+        </p:blipFill>
+        <p:spPr>
+          <a:xfrm>
+            <a:off x="611560" y="1600200"/>
+            <a:ext cx="7920880" cy="4525963"/>
+          </a:xfrm>
+        </p:spPr>
+      </p:pic>
+      <p:sp>
+        <p:nvSpPr>
+          <p:cNvPr id="8" name="文本框 7">
+            <a:extLst>
+              <a:ext uri="{FF2B5EF4-FFF2-40B4-BE49-F238E27FC236}">
+                <a16:creationId xmlns:a16="http://schemas.microsoft.com/office/drawing/2014/main" id="{F03C6E9A-4A19-4C5D-A6B5-DBA43528E4CB}"/>
+              </a:ext>
+            </a:extLst>
+          </p:cNvPr>
+          <p:cNvSpPr txBox="1"/>
+          <p:nvPr/>
+        </p:nvSpPr>
+        <p:spPr>
+          <a:xfrm>
+            <a:off x="6715140" y="6237312"/>
+            <a:ext cx="2105332" cy="369332"/>
+          </a:xfrm>
+          <a:prstGeom prst="rect">
+            <a:avLst/>
+          </a:prstGeom>
+          <a:noFill/>
+        </p:spPr>
+        <p:txBody>
+          <a:bodyPr wrap="square" rtlCol="0">
+            <a:spAutoFit/>
+          </a:bodyPr>
+          <a:lstStyle/>
+          <a:p>
+            <a:r>
+              <a:rPr lang="zh-CN" altLang="en-US" dirty="0">
+                <a:solidFill>
+                  <a:schemeClr val="bg1"/>
+                </a:solidFill>
+              </a:rPr>
+              <a:t>责任人：邬立东</a:t>
+            </a:r>
+          </a:p>
+        </p:txBody>
+      </p:sp>
+    </p:spTree>
+  </p:cSld>
+  <p:clrMapOvr>
+    <a:masterClrMapping/>
+  </p:clrMapOvr>
+</p:sld>
+</file>
+
+<file path=ppt/slides/slide7.xml><?xml version="1.0" encoding="utf-8"?>
+<p:sld xmlns:a="http://schemas.openxmlformats.org/drawingml/2006/main" xmlns:r="http://schemas.openxmlformats.org/officeDocument/2006/relationships" xmlns:p="http://schemas.openxmlformats.org/presentationml/2006/main">
+  <p:cSld>
+    <p:spTree>
+      <p:nvGrpSpPr>
+        <p:cNvPr id="1" name=""/>
+        <p:cNvGrpSpPr/>
+        <p:nvPr/>
+      </p:nvGrpSpPr>
+      <p:grpSpPr>
+        <a:xfrm>
+          <a:off x="0" y="0"/>
+          <a:ext cx="0" cy="0"/>
+          <a:chOff x="0" y="0"/>
+          <a:chExt cx="0" cy="0"/>
+        </a:xfrm>
+      </p:grpSpPr>
+      <p:sp>
+        <p:nvSpPr>
+          <p:cNvPr id="2" name="标题 1">
+            <a:extLst>
+              <a:ext uri="{FF2B5EF4-FFF2-40B4-BE49-F238E27FC236}">
+                <a16:creationId xmlns:a16="http://schemas.microsoft.com/office/drawing/2014/main" id="{DF25180C-CB9E-4FD1-BAF2-822BD6AABD21}"/>
+              </a:ext>
+            </a:extLst>
+          </p:cNvPr>
+          <p:cNvSpPr>
+            <a:spLocks noGrp="1"/>
+          </p:cNvSpPr>
+          <p:nvPr>
+            <p:ph type="title"/>
+          </p:nvPr>
+        </p:nvSpPr>
+        <p:spPr/>
+        <p:txBody>
+          <a:bodyPr/>
+          <a:lstStyle/>
+          <a:p>
+            <a:endParaRPr lang="zh-CN" altLang="en-US"/>
+          </a:p>
+        </p:txBody>
+      </p:sp>
+      <p:sp>
+        <p:nvSpPr>
+          <p:cNvPr id="3" name="内容占位符 2">
+            <a:extLst>
+              <a:ext uri="{FF2B5EF4-FFF2-40B4-BE49-F238E27FC236}">
+                <a16:creationId xmlns:a16="http://schemas.microsoft.com/office/drawing/2014/main" id="{DD1AC640-A8FB-437A-B7F7-1549D91C83AF}"/>
+              </a:ext>
+            </a:extLst>
+          </p:cNvPr>
+          <p:cNvSpPr>
+            <a:spLocks noGrp="1"/>
+          </p:cNvSpPr>
+          <p:nvPr>
+            <p:ph idx="1"/>
+          </p:nvPr>
+        </p:nvSpPr>
+        <p:spPr/>
+        <p:txBody>
+          <a:bodyPr/>
+          <a:lstStyle/>
+          <a:p>
+            <a:endParaRPr lang="zh-CN" altLang="en-US"/>
+          </a:p>
+        </p:txBody>
+      </p:sp>
+      <p:pic>
+        <p:nvPicPr>
+          <p:cNvPr id="4" name="图片 3" descr="C:\Users\wutong\AppData\Local\Temp\1509703601(1).png">
+            <a:extLst>
+              <a:ext uri="{FF2B5EF4-FFF2-40B4-BE49-F238E27FC236}">
+                <a16:creationId xmlns:a16="http://schemas.microsoft.com/office/drawing/2014/main" id="{4A536E99-758E-4CC1-91A6-46D2FA6B32AE}"/>
+              </a:ext>
+            </a:extLst>
+          </p:cNvPr>
+          <p:cNvPicPr/>
+          <p:nvPr/>
+        </p:nvPicPr>
+        <p:blipFill>
+          <a:blip r:embed="rId2">
+            <a:extLst>
+              <a:ext uri="{28A0092B-C50C-407E-A947-70E740481C1C}">
+                <a14:useLocalDpi xmlns:a14="http://schemas.microsoft.com/office/drawing/2010/main" val="0"/>
+              </a:ext>
+            </a:extLst>
+          </a:blip>
+          <a:srcRect/>
+          <a:stretch>
+            <a:fillRect/>
+          </a:stretch>
+        </p:blipFill>
+        <p:spPr bwMode="auto">
+          <a:xfrm>
+            <a:off x="457200" y="274638"/>
+            <a:ext cx="8229600" cy="5851525"/>
+          </a:xfrm>
+          <a:prstGeom prst="rect">
+            <a:avLst/>
+          </a:prstGeom>
+          <a:noFill/>
+          <a:ln>
+            <a:noFill/>
+          </a:ln>
+        </p:spPr>
+      </p:pic>
+    </p:spTree>
+    <p:extLst>
+      <p:ext uri="{BB962C8B-B14F-4D97-AF65-F5344CB8AC3E}">
+        <p14:creationId xmlns:p14="http://schemas.microsoft.com/office/powerpoint/2010/main" val="1039764109"/>
+      </p:ext>
+    </p:extLst>
+  </p:cSld>
+  <p:clrMapOvr>
+    <a:masterClrMapping/>
+  </p:clrMapOvr>
+</p:sld>
+</file>
+
+<file path=ppt/slides/slide8.xml><?xml version="1.0" encoding="utf-8"?>
+<p:sld xmlns:a="http://schemas.openxmlformats.org/drawingml/2006/main" xmlns:r="http://schemas.openxmlformats.org/officeDocument/2006/relationships" xmlns:p="http://schemas.openxmlformats.org/presentationml/2006/main">
+  <p:cSld>
+    <p:spTree>
+      <p:nvGrpSpPr>
+        <p:cNvPr id="1" name=""/>
+        <p:cNvGrpSpPr/>
+        <p:nvPr/>
+      </p:nvGrpSpPr>
+      <p:grpSpPr>
+        <a:xfrm>
+          <a:off x="0" y="0"/>
+          <a:ext cx="0" cy="0"/>
+          <a:chOff x="0" y="0"/>
+          <a:chExt cx="0" cy="0"/>
+        </a:xfrm>
+      </p:grpSpPr>
+      <p:sp>
+        <p:nvSpPr>
           <p:cNvPr id="6" name="文本框 5">
             <a:extLst>
               <a:ext uri="{FF2B5EF4-FFF2-40B4-BE49-F238E27FC236}">
@@ -20795,7 +25174,7 @@
 </p:sld>
 </file>
 
-<file path=ppt/slides/slide7.xml><?xml version="1.0" encoding="utf-8"?>
+<file path=ppt/slides/slide9.xml><?xml version="1.0" encoding="utf-8"?>
 <p:sld xmlns:a="http://schemas.openxmlformats.org/drawingml/2006/main" xmlns:r="http://schemas.openxmlformats.org/officeDocument/2006/relationships" xmlns:p="http://schemas.openxmlformats.org/presentationml/2006/main">
   <p:cSld>
     <p:spTree>
@@ -20927,309 +25306,6 @@
         </p:spPr>
       </p:pic>
     </p:spTree>
-  </p:cSld>
-  <p:clrMapOvr>
-    <a:masterClrMapping/>
-  </p:clrMapOvr>
-</p:sld>
-</file>
-
-<file path=ppt/slides/slide8.xml><?xml version="1.0" encoding="utf-8"?>
-<p:sld xmlns:a="http://schemas.openxmlformats.org/drawingml/2006/main" xmlns:r="http://schemas.openxmlformats.org/officeDocument/2006/relationships" xmlns:p="http://schemas.openxmlformats.org/presentationml/2006/main">
-  <p:cSld>
-    <p:spTree>
-      <p:nvGrpSpPr>
-        <p:cNvPr id="1" name=""/>
-        <p:cNvGrpSpPr/>
-        <p:nvPr/>
-      </p:nvGrpSpPr>
-      <p:grpSpPr>
-        <a:xfrm>
-          <a:off x="0" y="0"/>
-          <a:ext cx="0" cy="0"/>
-          <a:chOff x="0" y="0"/>
-          <a:chExt cx="0" cy="0"/>
-        </a:xfrm>
-      </p:grpSpPr>
-      <p:sp>
-        <p:nvSpPr>
-          <p:cNvPr id="5" name="文本框 4">
-            <a:extLst>
-              <a:ext uri="{FF2B5EF4-FFF2-40B4-BE49-F238E27FC236}">
-                <a16:creationId xmlns:a16="http://schemas.microsoft.com/office/drawing/2014/main" id="{3BE96A3C-AAB8-48CF-9BDC-9C6133E8BB81}"/>
-              </a:ext>
-            </a:extLst>
-          </p:cNvPr>
-          <p:cNvSpPr txBox="1"/>
-          <p:nvPr/>
-        </p:nvSpPr>
-        <p:spPr>
-          <a:xfrm>
-            <a:off x="6867540" y="6389712"/>
-            <a:ext cx="2105332" cy="369332"/>
-          </a:xfrm>
-          <a:prstGeom prst="rect">
-            <a:avLst/>
-          </a:prstGeom>
-          <a:noFill/>
-        </p:spPr>
-        <p:txBody>
-          <a:bodyPr wrap="square" rtlCol="0">
-            <a:spAutoFit/>
-          </a:bodyPr>
-          <a:lstStyle/>
-          <a:p>
-            <a:r>
-              <a:rPr lang="zh-CN" altLang="en-US" dirty="0">
-                <a:solidFill>
-                  <a:schemeClr val="bg1"/>
-                </a:solidFill>
-              </a:rPr>
-              <a:t>责任人：吴桐</a:t>
-            </a:r>
-          </a:p>
-        </p:txBody>
-      </p:sp>
-      <p:pic>
-        <p:nvPicPr>
-          <p:cNvPr id="7" name="图片 6">
-            <a:extLst>
-              <a:ext uri="{FF2B5EF4-FFF2-40B4-BE49-F238E27FC236}">
-                <a16:creationId xmlns:a16="http://schemas.microsoft.com/office/drawing/2014/main" id="{2FAAC73A-108E-4357-B364-8F9531A9129A}"/>
-              </a:ext>
-            </a:extLst>
-          </p:cNvPr>
-          <p:cNvPicPr>
-            <a:picLocks noChangeAspect="1"/>
-          </p:cNvPicPr>
-          <p:nvPr/>
-        </p:nvPicPr>
-        <p:blipFill>
-          <a:blip r:embed="rId2">
-            <a:extLst>
-              <a:ext uri="{28A0092B-C50C-407E-A947-70E740481C1C}">
-                <a14:useLocalDpi xmlns:a14="http://schemas.microsoft.com/office/drawing/2010/main" val="0"/>
-              </a:ext>
-            </a:extLst>
-          </a:blip>
-          <a:stretch>
-            <a:fillRect/>
-          </a:stretch>
-        </p:blipFill>
-        <p:spPr>
-          <a:xfrm>
-            <a:off x="557026" y="476673"/>
-            <a:ext cx="8047422" cy="5291870"/>
-          </a:xfrm>
-          <a:prstGeom prst="rect">
-            <a:avLst/>
-          </a:prstGeom>
-        </p:spPr>
-      </p:pic>
-      <p:sp>
-        <p:nvSpPr>
-          <p:cNvPr id="8" name="TextBox 4">
-            <a:extLst>
-              <a:ext uri="{FF2B5EF4-FFF2-40B4-BE49-F238E27FC236}">
-                <a16:creationId xmlns:a16="http://schemas.microsoft.com/office/drawing/2014/main" id="{26C4F111-7DC2-4114-A83D-CB4B574EB37E}"/>
-              </a:ext>
-            </a:extLst>
-          </p:cNvPr>
-          <p:cNvSpPr txBox="1"/>
-          <p:nvPr/>
-        </p:nvSpPr>
-        <p:spPr>
-          <a:xfrm>
-            <a:off x="2401878" y="6357641"/>
-            <a:ext cx="4357718" cy="369332"/>
-          </a:xfrm>
-          <a:prstGeom prst="rect">
-            <a:avLst/>
-          </a:prstGeom>
-          <a:noFill/>
-        </p:spPr>
-        <p:txBody>
-          <a:bodyPr wrap="square" rtlCol="0">
-            <a:spAutoFit/>
-          </a:bodyPr>
-          <a:lstStyle/>
-          <a:p>
-            <a:pPr algn="ctr"/>
-            <a:r>
-              <a:rPr lang="en-US" altLang="zh-CN" dirty="0">
-                <a:solidFill>
-                  <a:schemeClr val="bg1"/>
-                </a:solidFill>
-              </a:rPr>
-              <a:t>WBS</a:t>
-            </a:r>
-            <a:endParaRPr lang="zh-CN" altLang="en-US" dirty="0">
-              <a:solidFill>
-                <a:schemeClr val="bg1"/>
-              </a:solidFill>
-            </a:endParaRPr>
-          </a:p>
-        </p:txBody>
-      </p:sp>
-    </p:spTree>
-    <p:extLst>
-      <p:ext uri="{BB962C8B-B14F-4D97-AF65-F5344CB8AC3E}">
-        <p14:creationId xmlns:p14="http://schemas.microsoft.com/office/powerpoint/2010/main" val="620945039"/>
-      </p:ext>
-    </p:extLst>
-  </p:cSld>
-  <p:clrMapOvr>
-    <a:masterClrMapping/>
-  </p:clrMapOvr>
-</p:sld>
-</file>
-
-<file path=ppt/slides/slide9.xml><?xml version="1.0" encoding="utf-8"?>
-<p:sld xmlns:a="http://schemas.openxmlformats.org/drawingml/2006/main" xmlns:r="http://schemas.openxmlformats.org/officeDocument/2006/relationships" xmlns:p="http://schemas.openxmlformats.org/presentationml/2006/main">
-  <p:cSld>
-    <p:spTree>
-      <p:nvGrpSpPr>
-        <p:cNvPr id="1" name=""/>
-        <p:cNvGrpSpPr/>
-        <p:nvPr/>
-      </p:nvGrpSpPr>
-      <p:grpSpPr>
-        <a:xfrm>
-          <a:off x="0" y="0"/>
-          <a:ext cx="0" cy="0"/>
-          <a:chOff x="0" y="0"/>
-          <a:chExt cx="0" cy="0"/>
-        </a:xfrm>
-      </p:grpSpPr>
-      <p:pic>
-        <p:nvPicPr>
-          <p:cNvPr id="4" name="图片 3" descr="C:\Users\wutong\AppData\Local\Temp\1509602127(1).png">
-            <a:extLst>
-              <a:ext uri="{FF2B5EF4-FFF2-40B4-BE49-F238E27FC236}">
-                <a16:creationId xmlns:a16="http://schemas.microsoft.com/office/drawing/2014/main" id="{CADBB336-EEDF-4C1E-BA3C-50D102675E52}"/>
-              </a:ext>
-            </a:extLst>
-          </p:cNvPr>
-          <p:cNvPicPr/>
-          <p:nvPr/>
-        </p:nvPicPr>
-        <p:blipFill>
-          <a:blip r:embed="rId2">
-            <a:extLst>
-              <a:ext uri="{28A0092B-C50C-407E-A947-70E740481C1C}">
-                <a14:useLocalDpi xmlns:a14="http://schemas.microsoft.com/office/drawing/2010/main" val="0"/>
-              </a:ext>
-            </a:extLst>
-          </a:blip>
-          <a:srcRect/>
-          <a:stretch>
-            <a:fillRect/>
-          </a:stretch>
-        </p:blipFill>
-        <p:spPr bwMode="auto">
-          <a:xfrm>
-            <a:off x="971600" y="548680"/>
-            <a:ext cx="7344816" cy="5040560"/>
-          </a:xfrm>
-          <a:prstGeom prst="rect">
-            <a:avLst/>
-          </a:prstGeom>
-          <a:noFill/>
-          <a:ln>
-            <a:noFill/>
-          </a:ln>
-        </p:spPr>
-      </p:pic>
-      <p:sp>
-        <p:nvSpPr>
-          <p:cNvPr id="5" name="文本框 4">
-            <a:extLst>
-              <a:ext uri="{FF2B5EF4-FFF2-40B4-BE49-F238E27FC236}">
-                <a16:creationId xmlns:a16="http://schemas.microsoft.com/office/drawing/2014/main" id="{4317696B-B747-4CC3-A35C-FF3CC1A7D3D4}"/>
-              </a:ext>
-            </a:extLst>
-          </p:cNvPr>
-          <p:cNvSpPr txBox="1"/>
-          <p:nvPr/>
-        </p:nvSpPr>
-        <p:spPr>
-          <a:xfrm>
-            <a:off x="6867540" y="6389712"/>
-            <a:ext cx="2105332" cy="369332"/>
-          </a:xfrm>
-          <a:prstGeom prst="rect">
-            <a:avLst/>
-          </a:prstGeom>
-          <a:noFill/>
-        </p:spPr>
-        <p:txBody>
-          <a:bodyPr wrap="square" rtlCol="0">
-            <a:spAutoFit/>
-          </a:bodyPr>
-          <a:lstStyle/>
-          <a:p>
-            <a:r>
-              <a:rPr lang="zh-CN" altLang="en-US" dirty="0">
-                <a:solidFill>
-                  <a:schemeClr val="bg1"/>
-                </a:solidFill>
-              </a:rPr>
-              <a:t>责任人：吴桐</a:t>
-            </a:r>
-          </a:p>
-        </p:txBody>
-      </p:sp>
-      <p:sp>
-        <p:nvSpPr>
-          <p:cNvPr id="6" name="TextBox 4">
-            <a:extLst>
-              <a:ext uri="{FF2B5EF4-FFF2-40B4-BE49-F238E27FC236}">
-                <a16:creationId xmlns:a16="http://schemas.microsoft.com/office/drawing/2014/main" id="{CF913958-7897-4AD0-8D0A-DF8FBCE0A5EA}"/>
-              </a:ext>
-            </a:extLst>
-          </p:cNvPr>
-          <p:cNvSpPr txBox="1"/>
-          <p:nvPr/>
-        </p:nvSpPr>
-        <p:spPr>
-          <a:xfrm>
-            <a:off x="2357422" y="5643578"/>
-            <a:ext cx="4357718" cy="369332"/>
-          </a:xfrm>
-          <a:prstGeom prst="rect">
-            <a:avLst/>
-          </a:prstGeom>
-          <a:noFill/>
-        </p:spPr>
-        <p:txBody>
-          <a:bodyPr wrap="square" rtlCol="0">
-            <a:spAutoFit/>
-          </a:bodyPr>
-          <a:lstStyle/>
-          <a:p>
-            <a:pPr algn="ctr"/>
-            <a:r>
-              <a:rPr lang="en-US" altLang="zh-CN" dirty="0">
-                <a:solidFill>
-                  <a:schemeClr val="bg1"/>
-                </a:solidFill>
-              </a:rPr>
-              <a:t>WBS</a:t>
-            </a:r>
-            <a:endParaRPr lang="zh-CN" altLang="en-US" dirty="0">
-              <a:solidFill>
-                <a:schemeClr val="bg1"/>
-              </a:solidFill>
-            </a:endParaRPr>
-          </a:p>
-        </p:txBody>
-      </p:sp>
-    </p:spTree>
-    <p:extLst>
-      <p:ext uri="{BB962C8B-B14F-4D97-AF65-F5344CB8AC3E}">
-        <p14:creationId xmlns:p14="http://schemas.microsoft.com/office/powerpoint/2010/main" val="2094004576"/>
-      </p:ext>
-    </p:extLst>
   </p:cSld>
   <p:clrMapOvr>
     <a:masterClrMapping/>

--- a/PRD-21-C2/非受控文档/本周提交文档/需求工程计划.pptx
+++ b/PRD-21-C2/非受控文档/本周提交文档/需求工程计划.pptx
@@ -9946,14 +9946,14 @@
             <p:ph idx="1"/>
             <p:extLst>
               <p:ext uri="{D42A27DB-BD31-4B8C-83A1-F6EECF244321}">
-                <p14:modId xmlns:p14="http://schemas.microsoft.com/office/powerpoint/2010/main" val="2070148503"/>
+                <p14:modId xmlns:p14="http://schemas.microsoft.com/office/powerpoint/2010/main" val="3165795265"/>
               </p:ext>
             </p:extLst>
           </p:nvPr>
         </p:nvGraphicFramePr>
         <p:xfrm>
-          <a:off x="457200" y="274638"/>
-          <a:ext cx="8229600" cy="6106689"/>
+          <a:off x="323528" y="274638"/>
+          <a:ext cx="8363272" cy="6106689"/>
         </p:xfrm>
         <a:graphic>
           <a:graphicData uri="http://schemas.openxmlformats.org/drawingml/2006/table">
@@ -9962,7 +9962,7 @@
                 <a:tableStyleId>{5C22544A-7EE6-4342-B048-85BDC9FD1C3A}</a:tableStyleId>
               </a:tblPr>
               <a:tblGrid>
-                <a:gridCol w="1972484">
+                <a:gridCol w="2106156">
                   <a:extLst>
                     <a:ext uri="{9D8B030D-6E8A-4147-A177-3AD203B41FA5}">
                       <a16:colId xmlns:a16="http://schemas.microsoft.com/office/drawing/2014/main" val="1493666868"/>
@@ -11845,8 +11845,8 @@
         </p:nvSpPr>
         <p:spPr>
           <a:xfrm>
-            <a:off x="2555776" y="3967154"/>
-            <a:ext cx="5035353" cy="646331"/>
+            <a:off x="2205745" y="3967154"/>
+            <a:ext cx="5735417" cy="646331"/>
           </a:xfrm>
           <a:prstGeom prst="rect">
             <a:avLst/>
@@ -11873,7 +11873,31 @@
                   <a:schemeClr val="bg1"/>
                 </a:solidFill>
               </a:rPr>
-              <a:t>、分工评价及参考资料</a:t>
+              <a:t>、</a:t>
+            </a:r>
+            <a:r>
+              <a:rPr lang="en-US" altLang="zh-CN" sz="3600">
+                <a:solidFill>
+                  <a:schemeClr val="bg1"/>
+                </a:solidFill>
+              </a:rPr>
+              <a:t>PPT</a:t>
+            </a:r>
+            <a:r>
+              <a:rPr lang="zh-CN" altLang="en-US" sz="3600">
+                <a:solidFill>
+                  <a:schemeClr val="bg1"/>
+                </a:solidFill>
+              </a:rPr>
+              <a:t>分工</a:t>
+            </a:r>
+            <a:r>
+              <a:rPr lang="zh-CN" altLang="en-US" sz="3600" dirty="0">
+                <a:solidFill>
+                  <a:schemeClr val="bg1"/>
+                </a:solidFill>
+              </a:rPr>
+              <a:t>评价及参考资料</a:t>
             </a:r>
             <a:endParaRPr lang="zh-CN" altLang="en-US" sz="3600" dirty="0"/>
           </a:p>
@@ -24066,7 +24090,7 @@
         <p:spPr>
           <a:xfrm>
             <a:off x="683569" y="116632"/>
-            <a:ext cx="7056783" cy="646331"/>
+            <a:ext cx="7920879" cy="369332"/>
           </a:xfrm>
           <a:prstGeom prst="rect">
             <a:avLst/>

--- a/PRD-21-C2/非受控文档/本周提交文档/需求工程计划.pptx
+++ b/PRD-21-C2/非受控文档/本周提交文档/需求工程计划.pptx
@@ -5,7 +5,7 @@
     <p:sldMasterId id="2147483648" r:id="rId1"/>
   </p:sldMasterIdLst>
   <p:notesMasterIdLst>
-    <p:notesMasterId r:id="rId39"/>
+    <p:notesMasterId r:id="rId40"/>
   </p:notesMasterIdLst>
   <p:sldIdLst>
     <p:sldId id="257" r:id="rId2"/>
@@ -31,20 +31,21 @@
     <p:sldId id="263" r:id="rId22"/>
     <p:sldId id="283" r:id="rId23"/>
     <p:sldId id="264" r:id="rId24"/>
-    <p:sldId id="277" r:id="rId25"/>
-    <p:sldId id="278" r:id="rId26"/>
-    <p:sldId id="279" r:id="rId27"/>
-    <p:sldId id="280" r:id="rId28"/>
-    <p:sldId id="267" r:id="rId29"/>
-    <p:sldId id="268" r:id="rId30"/>
-    <p:sldId id="281" r:id="rId31"/>
-    <p:sldId id="269" r:id="rId32"/>
-    <p:sldId id="270" r:id="rId33"/>
-    <p:sldId id="271" r:id="rId34"/>
-    <p:sldId id="272" r:id="rId35"/>
-    <p:sldId id="273" r:id="rId36"/>
-    <p:sldId id="282" r:id="rId37"/>
-    <p:sldId id="276" r:id="rId38"/>
+    <p:sldId id="299" r:id="rId25"/>
+    <p:sldId id="277" r:id="rId26"/>
+    <p:sldId id="278" r:id="rId27"/>
+    <p:sldId id="279" r:id="rId28"/>
+    <p:sldId id="280" r:id="rId29"/>
+    <p:sldId id="267" r:id="rId30"/>
+    <p:sldId id="268" r:id="rId31"/>
+    <p:sldId id="281" r:id="rId32"/>
+    <p:sldId id="269" r:id="rId33"/>
+    <p:sldId id="270" r:id="rId34"/>
+    <p:sldId id="271" r:id="rId35"/>
+    <p:sldId id="272" r:id="rId36"/>
+    <p:sldId id="273" r:id="rId37"/>
+    <p:sldId id="282" r:id="rId38"/>
+    <p:sldId id="276" r:id="rId39"/>
   </p:sldIdLst>
   <p:sldSz cx="9144000" cy="6858000" type="screen4x3"/>
   <p:notesSz cx="6858000" cy="9144000"/>
@@ -1716,7 +1717,6 @@
             <a:rPr lang="zh-CN" altLang="en-US" sz="2500" kern="1200" dirty="0"/>
             <a:t>需求分析</a:t>
           </a:r>
-          <a:endParaRPr lang="zh-CN" sz="2500" kern="1200" dirty="0"/>
         </a:p>
       </dsp:txBody>
       <dsp:txXfrm>
@@ -1841,7 +1841,6 @@
             <a:rPr lang="zh-CN" altLang="en-US" sz="2500" kern="1200" dirty="0"/>
             <a:t>需求规格说明</a:t>
           </a:r>
-          <a:endParaRPr lang="zh-CN" sz="2500" kern="1200" dirty="0"/>
         </a:p>
       </dsp:txBody>
       <dsp:txXfrm>
@@ -1961,7 +1960,6 @@
             <a:rPr lang="zh-CN" altLang="en-US" sz="2500" kern="1200" dirty="0"/>
             <a:t>需求规格审核</a:t>
           </a:r>
-          <a:endParaRPr lang="zh-CN" sz="2500" kern="1200" dirty="0"/>
         </a:p>
       </dsp:txBody>
       <dsp:txXfrm>
@@ -15699,6 +15697,1236 @@
       </p:grpSpPr>
       <p:sp>
         <p:nvSpPr>
+          <p:cNvPr id="4" name="矩形 3">
+            <a:extLst>
+              <a:ext uri="{FF2B5EF4-FFF2-40B4-BE49-F238E27FC236}">
+                <a16:creationId xmlns:a16="http://schemas.microsoft.com/office/drawing/2014/main" id="{848184A3-FFF3-4A0D-BB12-34C0A514B797}"/>
+              </a:ext>
+            </a:extLst>
+          </p:cNvPr>
+          <p:cNvSpPr/>
+          <p:nvPr/>
+        </p:nvSpPr>
+        <p:spPr>
+          <a:xfrm>
+            <a:off x="251520" y="71510"/>
+            <a:ext cx="8424936" cy="6561091"/>
+          </a:xfrm>
+          <a:prstGeom prst="rect">
+            <a:avLst/>
+          </a:prstGeom>
+        </p:spPr>
+        <p:txBody>
+          <a:bodyPr wrap="square">
+            <a:spAutoFit/>
+          </a:bodyPr>
+          <a:lstStyle/>
+          <a:p>
+            <a:pPr algn="just">
+              <a:lnSpc>
+                <a:spcPct val="173000"/>
+              </a:lnSpc>
+              <a:spcBef>
+                <a:spcPts val="1300"/>
+              </a:spcBef>
+              <a:spcAft>
+                <a:spcPts val="1300"/>
+              </a:spcAft>
+            </a:pPr>
+            <a:r>
+              <a:rPr lang="zh-CN" altLang="zh-CN" sz="2400" b="1" kern="100" dirty="0">
+                <a:solidFill>
+                  <a:schemeClr val="bg1"/>
+                </a:solidFill>
+                <a:latin typeface="等线 Light" panose="02010600030101010101" pitchFamily="2" charset="-122"/>
+                <a:ea typeface="等线 Light" panose="02010600030101010101" pitchFamily="2" charset="-122"/>
+                <a:cs typeface="Times New Roman" panose="02020603050405020304" pitchFamily="18" charset="0"/>
+              </a:rPr>
+              <a:t>预算</a:t>
+            </a:r>
+          </a:p>
+          <a:p>
+            <a:pPr algn="just">
+              <a:spcAft>
+                <a:spcPts val="0"/>
+              </a:spcAft>
+            </a:pPr>
+            <a:r>
+              <a:rPr lang="zh-CN" altLang="zh-CN" kern="100" dirty="0">
+                <a:solidFill>
+                  <a:schemeClr val="bg1"/>
+                </a:solidFill>
+                <a:latin typeface="等线" panose="02010600030101010101" pitchFamily="2" charset="-122"/>
+                <a:cs typeface="Times New Roman" panose="02020603050405020304" pitchFamily="18" charset="0"/>
+              </a:rPr>
+              <a:t>需求分析： </a:t>
+            </a:r>
+            <a:endParaRPr lang="zh-CN" altLang="zh-CN" sz="1400" kern="100" dirty="0">
+              <a:solidFill>
+                <a:schemeClr val="bg1"/>
+              </a:solidFill>
+              <a:latin typeface="等线" panose="02010600030101010101" pitchFamily="2" charset="-122"/>
+              <a:ea typeface="等线" panose="02010600030101010101" pitchFamily="2" charset="-122"/>
+              <a:cs typeface="Times New Roman" panose="02020603050405020304" pitchFamily="18" charset="0"/>
+            </a:endParaRPr>
+          </a:p>
+          <a:p>
+            <a:pPr algn="just">
+              <a:spcAft>
+                <a:spcPts val="0"/>
+              </a:spcAft>
+              <a:tabLst>
+                <a:tab pos="2125345" algn="l"/>
+              </a:tabLst>
+            </a:pPr>
+            <a:r>
+              <a:rPr lang="zh-CN" altLang="zh-CN" kern="100" dirty="0">
+                <a:solidFill>
+                  <a:schemeClr val="bg1"/>
+                </a:solidFill>
+                <a:latin typeface="等线" panose="02010600030101010101" pitchFamily="2" charset="-122"/>
+                <a:cs typeface="Times New Roman" panose="02020603050405020304" pitchFamily="18" charset="0"/>
+              </a:rPr>
+              <a:t>计算公式</a:t>
+            </a:r>
+            <a:r>
+              <a:rPr lang="en-US" altLang="zh-CN" kern="100" dirty="0">
+                <a:solidFill>
+                  <a:schemeClr val="bg1"/>
+                </a:solidFill>
+                <a:latin typeface="等线" panose="02010600030101010101" pitchFamily="2" charset="-122"/>
+                <a:cs typeface="Times New Roman" panose="02020603050405020304" pitchFamily="18" charset="0"/>
+              </a:rPr>
+              <a:t>:</a:t>
+            </a:r>
+            <a:r>
+              <a:rPr lang="zh-CN" altLang="en-US" kern="100" dirty="0">
+                <a:solidFill>
+                  <a:schemeClr val="bg1"/>
+                </a:solidFill>
+                <a:latin typeface="等线" panose="02010600030101010101" pitchFamily="2" charset="-122"/>
+                <a:cs typeface="Times New Roman" panose="02020603050405020304" pitchFamily="18" charset="0"/>
+              </a:rPr>
+              <a:t>周一到周五工作</a:t>
+            </a:r>
+            <a:r>
+              <a:rPr lang="en-US" altLang="zh-CN" kern="100" dirty="0">
+                <a:solidFill>
+                  <a:schemeClr val="bg1"/>
+                </a:solidFill>
+                <a:latin typeface="等线" panose="02010600030101010101" pitchFamily="2" charset="-122"/>
+                <a:cs typeface="Times New Roman" panose="02020603050405020304" pitchFamily="18" charset="0"/>
+              </a:rPr>
+              <a:t>1</a:t>
+            </a:r>
+            <a:r>
+              <a:rPr lang="zh-CN" altLang="zh-CN" kern="100" dirty="0">
+                <a:solidFill>
+                  <a:schemeClr val="bg1"/>
+                </a:solidFill>
+                <a:latin typeface="等线" panose="02010600030101010101" pitchFamily="2" charset="-122"/>
+                <a:cs typeface="Times New Roman" panose="02020603050405020304" pitchFamily="18" charset="0"/>
+              </a:rPr>
+              <a:t>小时，</a:t>
+            </a:r>
+            <a:r>
+              <a:rPr lang="zh-CN" altLang="en-US" kern="100" dirty="0">
+                <a:solidFill>
+                  <a:schemeClr val="bg1"/>
+                </a:solidFill>
+                <a:latin typeface="等线" panose="02010600030101010101" pitchFamily="2" charset="-122"/>
+                <a:cs typeface="Times New Roman" panose="02020603050405020304" pitchFamily="18" charset="0"/>
+              </a:rPr>
+              <a:t>周末工作</a:t>
+            </a:r>
+            <a:r>
+              <a:rPr lang="en-US" altLang="zh-CN" kern="100" dirty="0">
+                <a:solidFill>
+                  <a:schemeClr val="bg1"/>
+                </a:solidFill>
+                <a:latin typeface="等线" panose="02010600030101010101" pitchFamily="2" charset="-122"/>
+                <a:cs typeface="Times New Roman" panose="02020603050405020304" pitchFamily="18" charset="0"/>
+              </a:rPr>
+              <a:t>2</a:t>
+            </a:r>
+            <a:r>
+              <a:rPr lang="zh-CN" altLang="en-US" kern="100" dirty="0">
+                <a:solidFill>
+                  <a:schemeClr val="bg1"/>
+                </a:solidFill>
+                <a:latin typeface="等线" panose="02010600030101010101" pitchFamily="2" charset="-122"/>
+                <a:cs typeface="Times New Roman" panose="02020603050405020304" pitchFamily="18" charset="0"/>
+              </a:rPr>
+              <a:t>小时，</a:t>
+            </a:r>
+            <a:r>
+              <a:rPr lang="zh-CN" altLang="zh-CN" kern="100" dirty="0">
+                <a:solidFill>
+                  <a:schemeClr val="bg1"/>
+                </a:solidFill>
+                <a:latin typeface="等线" panose="02010600030101010101" pitchFamily="2" charset="-122"/>
+                <a:cs typeface="Times New Roman" panose="02020603050405020304" pitchFamily="18" charset="0"/>
+              </a:rPr>
+              <a:t>每小时薪资</a:t>
+            </a:r>
+            <a:r>
+              <a:rPr lang="en-US" altLang="zh-CN" kern="100" dirty="0">
+                <a:solidFill>
+                  <a:schemeClr val="bg1"/>
+                </a:solidFill>
+                <a:latin typeface="等线" panose="02010600030101010101" pitchFamily="2" charset="-122"/>
+                <a:cs typeface="Times New Roman" panose="02020603050405020304" pitchFamily="18" charset="0"/>
+              </a:rPr>
+              <a:t>30.97</a:t>
+            </a:r>
+            <a:r>
+              <a:rPr lang="zh-CN" altLang="zh-CN" kern="100" dirty="0">
+                <a:solidFill>
+                  <a:schemeClr val="bg1"/>
+                </a:solidFill>
+                <a:latin typeface="等线" panose="02010600030101010101" pitchFamily="2" charset="-122"/>
+                <a:cs typeface="Times New Roman" panose="02020603050405020304" pitchFamily="18" charset="0"/>
+              </a:rPr>
+              <a:t>元，</a:t>
+            </a:r>
+            <a:endParaRPr lang="zh-CN" altLang="zh-CN" sz="1400" kern="100" dirty="0">
+              <a:solidFill>
+                <a:schemeClr val="bg1"/>
+              </a:solidFill>
+              <a:latin typeface="等线" panose="02010600030101010101" pitchFamily="2" charset="-122"/>
+              <a:ea typeface="等线" panose="02010600030101010101" pitchFamily="2" charset="-122"/>
+              <a:cs typeface="Times New Roman" panose="02020603050405020304" pitchFamily="18" charset="0"/>
+            </a:endParaRPr>
+          </a:p>
+          <a:p>
+            <a:pPr algn="just">
+              <a:spcAft>
+                <a:spcPts val="0"/>
+              </a:spcAft>
+              <a:tabLst>
+                <a:tab pos="2125345" algn="l"/>
+              </a:tabLst>
+            </a:pPr>
+            <a:r>
+              <a:rPr lang="zh-CN" altLang="zh-CN" kern="100" dirty="0">
+                <a:solidFill>
+                  <a:schemeClr val="bg1"/>
+                </a:solidFill>
+                <a:latin typeface="等线" panose="02010600030101010101" pitchFamily="2" charset="-122"/>
+                <a:cs typeface="Times New Roman" panose="02020603050405020304" pitchFamily="18" charset="0"/>
+              </a:rPr>
+              <a:t>每项任务人员薪资：累计工作日</a:t>
+            </a:r>
+            <a:r>
+              <a:rPr lang="en-US" altLang="zh-CN" kern="100" dirty="0">
+                <a:solidFill>
+                  <a:schemeClr val="bg1"/>
+                </a:solidFill>
+                <a:latin typeface="等线" panose="02010600030101010101" pitchFamily="2" charset="-122"/>
+                <a:cs typeface="Times New Roman" panose="02020603050405020304" pitchFamily="18" charset="0"/>
+              </a:rPr>
+              <a:t>*30</a:t>
+            </a:r>
+            <a:endParaRPr lang="zh-CN" altLang="zh-CN" sz="1400" kern="100" dirty="0">
+              <a:solidFill>
+                <a:schemeClr val="bg1"/>
+              </a:solidFill>
+              <a:latin typeface="等线" panose="02010600030101010101" pitchFamily="2" charset="-122"/>
+              <a:ea typeface="等线" panose="02010600030101010101" pitchFamily="2" charset="-122"/>
+              <a:cs typeface="Times New Roman" panose="02020603050405020304" pitchFamily="18" charset="0"/>
+            </a:endParaRPr>
+          </a:p>
+          <a:p>
+            <a:pPr algn="just">
+              <a:spcAft>
+                <a:spcPts val="0"/>
+              </a:spcAft>
+            </a:pPr>
+            <a:r>
+              <a:rPr lang="en-US" altLang="zh-CN" kern="100" dirty="0">
+                <a:solidFill>
+                  <a:schemeClr val="bg1"/>
+                </a:solidFill>
+                <a:latin typeface="宋体" panose="02010600030101010101" pitchFamily="2" charset="-122"/>
+                <a:ea typeface="等线" panose="02010600030101010101" pitchFamily="2" charset="-122"/>
+                <a:cs typeface="Times New Roman" panose="02020603050405020304" pitchFamily="18" charset="0"/>
+              </a:rPr>
+              <a:t> </a:t>
+            </a:r>
+            <a:endParaRPr lang="zh-CN" altLang="zh-CN" sz="1400" kern="100" dirty="0">
+              <a:solidFill>
+                <a:schemeClr val="bg1"/>
+              </a:solidFill>
+              <a:latin typeface="等线" panose="02010600030101010101" pitchFamily="2" charset="-122"/>
+              <a:ea typeface="等线" panose="02010600030101010101" pitchFamily="2" charset="-122"/>
+              <a:cs typeface="Times New Roman" panose="02020603050405020304" pitchFamily="18" charset="0"/>
+            </a:endParaRPr>
+          </a:p>
+          <a:p>
+            <a:pPr algn="just">
+              <a:spcAft>
+                <a:spcPts val="0"/>
+              </a:spcAft>
+            </a:pPr>
+            <a:r>
+              <a:rPr lang="en-US" altLang="zh-CN" kern="100" dirty="0">
+                <a:solidFill>
+                  <a:schemeClr val="bg1"/>
+                </a:solidFill>
+                <a:latin typeface="宋体" panose="02010600030101010101" pitchFamily="2" charset="-122"/>
+                <a:ea typeface="等线" panose="02010600030101010101" pitchFamily="2" charset="-122"/>
+                <a:cs typeface="Times New Roman" panose="02020603050405020304" pitchFamily="18" charset="0"/>
+              </a:rPr>
+              <a:t>1 </a:t>
+            </a:r>
+            <a:r>
+              <a:rPr lang="zh-CN" altLang="zh-CN" kern="100" dirty="0">
+                <a:solidFill>
+                  <a:schemeClr val="bg1"/>
+                </a:solidFill>
+                <a:latin typeface="等线" panose="02010600030101010101" pitchFamily="2" charset="-122"/>
+                <a:cs typeface="Times New Roman" panose="02020603050405020304" pitchFamily="18" charset="0"/>
+              </a:rPr>
+              <a:t>需求工程计划：</a:t>
+            </a:r>
+            <a:r>
+              <a:rPr lang="zh-CN" altLang="en-US" kern="100" dirty="0">
+                <a:solidFill>
+                  <a:schemeClr val="bg1"/>
+                </a:solidFill>
+                <a:latin typeface="等线" panose="02010600030101010101" pitchFamily="2" charset="-122"/>
+                <a:cs typeface="Times New Roman" panose="02020603050405020304" pitchFamily="18" charset="0"/>
+              </a:rPr>
+              <a:t>需求开发过程：需求获取：</a:t>
+            </a:r>
+            <a:r>
+              <a:rPr lang="en-US" altLang="zh-CN" kern="100" dirty="0">
+                <a:solidFill>
+                  <a:schemeClr val="bg1"/>
+                </a:solidFill>
+                <a:latin typeface="等线" panose="02010600030101010101" pitchFamily="2" charset="-122"/>
+                <a:cs typeface="Times New Roman" panose="02020603050405020304" pitchFamily="18" charset="0"/>
+              </a:rPr>
+              <a:t>18</a:t>
+            </a:r>
+            <a:r>
+              <a:rPr lang="zh-CN" altLang="en-US" kern="100" dirty="0">
+                <a:solidFill>
+                  <a:schemeClr val="bg1"/>
+                </a:solidFill>
+                <a:latin typeface="等线" panose="02010600030101010101" pitchFamily="2" charset="-122"/>
+                <a:cs typeface="Times New Roman" panose="02020603050405020304" pitchFamily="18" charset="0"/>
+              </a:rPr>
+              <a:t>*</a:t>
+            </a:r>
+            <a:r>
+              <a:rPr lang="en-US" altLang="zh-CN" kern="100" dirty="0">
+                <a:solidFill>
+                  <a:schemeClr val="bg1"/>
+                </a:solidFill>
+                <a:latin typeface="等线" panose="02010600030101010101" pitchFamily="2" charset="-122"/>
+                <a:cs typeface="Times New Roman" panose="02020603050405020304" pitchFamily="18" charset="0"/>
+              </a:rPr>
+              <a:t>30.97=557.46</a:t>
+            </a:r>
+            <a:r>
+              <a:rPr lang="zh-CN" altLang="en-US" kern="100" dirty="0">
+                <a:solidFill>
+                  <a:schemeClr val="bg1"/>
+                </a:solidFill>
+                <a:latin typeface="等线" panose="02010600030101010101" pitchFamily="2" charset="-122"/>
+                <a:cs typeface="Times New Roman" panose="02020603050405020304" pitchFamily="18" charset="0"/>
+              </a:rPr>
+              <a:t>元</a:t>
+            </a:r>
+            <a:endParaRPr lang="en-US" altLang="zh-CN" kern="100" dirty="0">
+              <a:solidFill>
+                <a:schemeClr val="bg1"/>
+              </a:solidFill>
+              <a:latin typeface="等线" panose="02010600030101010101" pitchFamily="2" charset="-122"/>
+              <a:cs typeface="Times New Roman" panose="02020603050405020304" pitchFamily="18" charset="0"/>
+            </a:endParaRPr>
+          </a:p>
+          <a:p>
+            <a:pPr algn="just"/>
+            <a:r>
+              <a:rPr lang="zh-CN" altLang="en-US" sz="1400" kern="100" dirty="0">
+                <a:solidFill>
+                  <a:schemeClr val="bg1"/>
+                </a:solidFill>
+                <a:latin typeface="等线" panose="02010600030101010101" pitchFamily="2" charset="-122"/>
+                <a:ea typeface="等线" panose="02010600030101010101" pitchFamily="2" charset="-122"/>
+                <a:cs typeface="Times New Roman" panose="02020603050405020304" pitchFamily="18" charset="0"/>
+              </a:rPr>
+              <a:t>                                                                    需求规格说明：</a:t>
+            </a:r>
+            <a:r>
+              <a:rPr lang="en-US" altLang="zh-CN" sz="1400" kern="100" dirty="0">
+                <a:solidFill>
+                  <a:schemeClr val="bg1"/>
+                </a:solidFill>
+                <a:latin typeface="等线" panose="02010600030101010101" pitchFamily="2" charset="-122"/>
+                <a:ea typeface="等线" panose="02010600030101010101" pitchFamily="2" charset="-122"/>
+                <a:cs typeface="Times New Roman" panose="02020603050405020304" pitchFamily="18" charset="0"/>
+              </a:rPr>
+              <a:t>46</a:t>
+            </a:r>
+            <a:r>
+              <a:rPr lang="zh-CN" altLang="en-US" sz="1400" kern="100" dirty="0">
+                <a:solidFill>
+                  <a:schemeClr val="bg1"/>
+                </a:solidFill>
+                <a:latin typeface="等线" panose="02010600030101010101" pitchFamily="2" charset="-122"/>
+                <a:ea typeface="等线" panose="02010600030101010101" pitchFamily="2" charset="-122"/>
+                <a:cs typeface="Times New Roman" panose="02020603050405020304" pitchFamily="18" charset="0"/>
+              </a:rPr>
+              <a:t>*</a:t>
+            </a:r>
+            <a:r>
+              <a:rPr lang="en-US" altLang="zh-CN" sz="1400" kern="100" dirty="0">
+                <a:solidFill>
+                  <a:schemeClr val="bg1"/>
+                </a:solidFill>
+                <a:latin typeface="等线" panose="02010600030101010101" pitchFamily="2" charset="-122"/>
+                <a:ea typeface="等线" panose="02010600030101010101" pitchFamily="2" charset="-122"/>
+                <a:cs typeface="Times New Roman" panose="02020603050405020304" pitchFamily="18" charset="0"/>
+              </a:rPr>
+              <a:t>30.97=1424.62</a:t>
+            </a:r>
+            <a:r>
+              <a:rPr lang="zh-CN" altLang="en-US" sz="1400" kern="100" dirty="0">
+                <a:solidFill>
+                  <a:schemeClr val="bg1"/>
+                </a:solidFill>
+                <a:latin typeface="等线" panose="02010600030101010101" pitchFamily="2" charset="-122"/>
+                <a:ea typeface="等线" panose="02010600030101010101" pitchFamily="2" charset="-122"/>
+                <a:cs typeface="Times New Roman" panose="02020603050405020304" pitchFamily="18" charset="0"/>
+              </a:rPr>
+              <a:t>元</a:t>
+            </a:r>
+            <a:endParaRPr lang="en-US" altLang="zh-CN" sz="1400" kern="100" dirty="0">
+              <a:solidFill>
+                <a:schemeClr val="bg1"/>
+              </a:solidFill>
+              <a:latin typeface="等线" panose="02010600030101010101" pitchFamily="2" charset="-122"/>
+              <a:ea typeface="等线" panose="02010600030101010101" pitchFamily="2" charset="-122"/>
+              <a:cs typeface="Times New Roman" panose="02020603050405020304" pitchFamily="18" charset="0"/>
+            </a:endParaRPr>
+          </a:p>
+          <a:p>
+            <a:pPr algn="just">
+              <a:spcAft>
+                <a:spcPts val="0"/>
+              </a:spcAft>
+            </a:pPr>
+            <a:endParaRPr lang="en-US" altLang="zh-CN" sz="1400" kern="100" dirty="0">
+              <a:solidFill>
+                <a:schemeClr val="bg1"/>
+              </a:solidFill>
+              <a:latin typeface="等线" panose="02010600030101010101" pitchFamily="2" charset="-122"/>
+              <a:ea typeface="等线" panose="02010600030101010101" pitchFamily="2" charset="-122"/>
+              <a:cs typeface="Times New Roman" panose="02020603050405020304" pitchFamily="18" charset="0"/>
+            </a:endParaRPr>
+          </a:p>
+          <a:p>
+            <a:pPr algn="just"/>
+            <a:r>
+              <a:rPr lang="zh-CN" altLang="en-US" sz="1400" kern="100" dirty="0">
+                <a:solidFill>
+                  <a:schemeClr val="bg1"/>
+                </a:solidFill>
+                <a:latin typeface="等线" panose="02010600030101010101" pitchFamily="2" charset="-122"/>
+                <a:ea typeface="等线" panose="02010600030101010101" pitchFamily="2" charset="-122"/>
+                <a:cs typeface="Times New Roman" panose="02020603050405020304" pitchFamily="18" charset="0"/>
+              </a:rPr>
+              <a:t>                                                                  需求分析：</a:t>
+            </a:r>
+            <a:r>
+              <a:rPr lang="en-US" altLang="zh-CN" sz="1400" kern="100" dirty="0">
+                <a:solidFill>
+                  <a:schemeClr val="bg1"/>
+                </a:solidFill>
+                <a:latin typeface="等线" panose="02010600030101010101" pitchFamily="2" charset="-122"/>
+                <a:ea typeface="等线" panose="02010600030101010101" pitchFamily="2" charset="-122"/>
+                <a:cs typeface="Times New Roman" panose="02020603050405020304" pitchFamily="18" charset="0"/>
+              </a:rPr>
+              <a:t>18</a:t>
+            </a:r>
+            <a:r>
+              <a:rPr lang="zh-CN" altLang="en-US" sz="1400" kern="100" dirty="0">
+                <a:solidFill>
+                  <a:schemeClr val="bg1"/>
+                </a:solidFill>
+                <a:latin typeface="等线" panose="02010600030101010101" pitchFamily="2" charset="-122"/>
+                <a:ea typeface="等线" panose="02010600030101010101" pitchFamily="2" charset="-122"/>
+                <a:cs typeface="Times New Roman" panose="02020603050405020304" pitchFamily="18" charset="0"/>
+              </a:rPr>
+              <a:t>*</a:t>
+            </a:r>
+            <a:r>
+              <a:rPr lang="en-US" altLang="zh-CN" sz="1400" kern="100" dirty="0">
+                <a:solidFill>
+                  <a:schemeClr val="bg1"/>
+                </a:solidFill>
+                <a:latin typeface="等线" panose="02010600030101010101" pitchFamily="2" charset="-122"/>
+                <a:ea typeface="等线" panose="02010600030101010101" pitchFamily="2" charset="-122"/>
+                <a:cs typeface="Times New Roman" panose="02020603050405020304" pitchFamily="18" charset="0"/>
+              </a:rPr>
+              <a:t>30.97 = 557.46</a:t>
+            </a:r>
+            <a:r>
+              <a:rPr lang="zh-CN" altLang="en-US" sz="1400" kern="100" dirty="0">
+                <a:solidFill>
+                  <a:schemeClr val="bg1"/>
+                </a:solidFill>
+                <a:latin typeface="等线" panose="02010600030101010101" pitchFamily="2" charset="-122"/>
+                <a:ea typeface="等线" panose="02010600030101010101" pitchFamily="2" charset="-122"/>
+                <a:cs typeface="Times New Roman" panose="02020603050405020304" pitchFamily="18" charset="0"/>
+              </a:rPr>
+              <a:t>元</a:t>
+            </a:r>
+            <a:endParaRPr lang="en-US" altLang="zh-CN" sz="1400" kern="100" dirty="0">
+              <a:solidFill>
+                <a:schemeClr val="bg1"/>
+              </a:solidFill>
+              <a:latin typeface="等线" panose="02010600030101010101" pitchFamily="2" charset="-122"/>
+              <a:ea typeface="等线" panose="02010600030101010101" pitchFamily="2" charset="-122"/>
+              <a:cs typeface="Times New Roman" panose="02020603050405020304" pitchFamily="18" charset="0"/>
+            </a:endParaRPr>
+          </a:p>
+          <a:p>
+            <a:pPr algn="just">
+              <a:spcAft>
+                <a:spcPts val="0"/>
+              </a:spcAft>
+            </a:pPr>
+            <a:endParaRPr lang="en-US" altLang="zh-CN" sz="1400" kern="100" dirty="0">
+              <a:solidFill>
+                <a:schemeClr val="bg1"/>
+              </a:solidFill>
+              <a:latin typeface="等线" panose="02010600030101010101" pitchFamily="2" charset="-122"/>
+              <a:ea typeface="等线" panose="02010600030101010101" pitchFamily="2" charset="-122"/>
+              <a:cs typeface="Times New Roman" panose="02020603050405020304" pitchFamily="18" charset="0"/>
+            </a:endParaRPr>
+          </a:p>
+          <a:p>
+            <a:pPr algn="just"/>
+            <a:r>
+              <a:rPr lang="zh-CN" altLang="en-US" sz="1400" kern="100" dirty="0">
+                <a:solidFill>
+                  <a:schemeClr val="bg1"/>
+                </a:solidFill>
+                <a:latin typeface="等线" panose="02010600030101010101" pitchFamily="2" charset="-122"/>
+                <a:ea typeface="等线" panose="02010600030101010101" pitchFamily="2" charset="-122"/>
+                <a:cs typeface="Times New Roman" panose="02020603050405020304" pitchFamily="18" charset="0"/>
+              </a:rPr>
+              <a:t>                                                                      需求规格审核</a:t>
+            </a:r>
+            <a:r>
+              <a:rPr lang="en-US" altLang="zh-CN" sz="1400" kern="100" dirty="0">
+                <a:solidFill>
+                  <a:schemeClr val="bg1"/>
+                </a:solidFill>
+                <a:latin typeface="等线" panose="02010600030101010101" pitchFamily="2" charset="-122"/>
+                <a:ea typeface="等线" panose="02010600030101010101" pitchFamily="2" charset="-122"/>
+                <a:cs typeface="Times New Roman" panose="02020603050405020304" pitchFamily="18" charset="0"/>
+              </a:rPr>
+              <a:t>35*30.97=1083.95</a:t>
+            </a:r>
+            <a:r>
+              <a:rPr lang="zh-CN" altLang="en-US" sz="1400" kern="100" dirty="0">
+                <a:solidFill>
+                  <a:schemeClr val="bg1"/>
+                </a:solidFill>
+                <a:latin typeface="等线" panose="02010600030101010101" pitchFamily="2" charset="-122"/>
+                <a:ea typeface="等线" panose="02010600030101010101" pitchFamily="2" charset="-122"/>
+                <a:cs typeface="Times New Roman" panose="02020603050405020304" pitchFamily="18" charset="0"/>
+              </a:rPr>
+              <a:t>元</a:t>
+            </a:r>
+            <a:endParaRPr lang="en-US" altLang="zh-CN" sz="1400" kern="100" dirty="0">
+              <a:solidFill>
+                <a:schemeClr val="bg1"/>
+              </a:solidFill>
+              <a:latin typeface="等线" panose="02010600030101010101" pitchFamily="2" charset="-122"/>
+              <a:ea typeface="等线" panose="02010600030101010101" pitchFamily="2" charset="-122"/>
+              <a:cs typeface="Times New Roman" panose="02020603050405020304" pitchFamily="18" charset="0"/>
+            </a:endParaRPr>
+          </a:p>
+          <a:p>
+            <a:pPr algn="just">
+              <a:spcAft>
+                <a:spcPts val="0"/>
+              </a:spcAft>
+            </a:pPr>
+            <a:endParaRPr lang="en-US" altLang="zh-CN" sz="1400" kern="100" dirty="0">
+              <a:solidFill>
+                <a:schemeClr val="bg1"/>
+              </a:solidFill>
+              <a:latin typeface="等线" panose="02010600030101010101" pitchFamily="2" charset="-122"/>
+              <a:ea typeface="等线" panose="02010600030101010101" pitchFamily="2" charset="-122"/>
+              <a:cs typeface="Times New Roman" panose="02020603050405020304" pitchFamily="18" charset="0"/>
+            </a:endParaRPr>
+          </a:p>
+          <a:p>
+            <a:pPr algn="just"/>
+            <a:r>
+              <a:rPr lang="zh-CN" altLang="en-US" sz="2000" kern="100" dirty="0">
+                <a:solidFill>
+                  <a:schemeClr val="bg1"/>
+                </a:solidFill>
+                <a:latin typeface="等线" panose="02010600030101010101" pitchFamily="2" charset="-122"/>
+                <a:ea typeface="等线" panose="02010600030101010101" pitchFamily="2" charset="-122"/>
+                <a:cs typeface="Times New Roman" panose="02020603050405020304" pitchFamily="18" charset="0"/>
+              </a:rPr>
+              <a:t>需求管理过程：</a:t>
+            </a:r>
+            <a:r>
+              <a:rPr lang="en-US" altLang="zh-CN" sz="2000" kern="100" dirty="0">
+                <a:solidFill>
+                  <a:schemeClr val="bg1"/>
+                </a:solidFill>
+                <a:latin typeface="等线" panose="02010600030101010101" pitchFamily="2" charset="-122"/>
+                <a:ea typeface="等线" panose="02010600030101010101" pitchFamily="2" charset="-122"/>
+                <a:cs typeface="Times New Roman" panose="02020603050405020304" pitchFamily="18" charset="0"/>
+              </a:rPr>
+              <a:t>46</a:t>
+            </a:r>
+            <a:r>
+              <a:rPr lang="zh-CN" altLang="en-US" sz="2000" kern="100" dirty="0">
+                <a:solidFill>
+                  <a:schemeClr val="bg1"/>
+                </a:solidFill>
+                <a:latin typeface="等线" panose="02010600030101010101" pitchFamily="2" charset="-122"/>
+                <a:ea typeface="等线" panose="02010600030101010101" pitchFamily="2" charset="-122"/>
+                <a:cs typeface="Times New Roman" panose="02020603050405020304" pitchFamily="18" charset="0"/>
+              </a:rPr>
+              <a:t>*</a:t>
+            </a:r>
+            <a:r>
+              <a:rPr lang="en-US" altLang="zh-CN" sz="2000" kern="100" dirty="0">
+                <a:solidFill>
+                  <a:schemeClr val="bg1"/>
+                </a:solidFill>
+                <a:latin typeface="等线" panose="02010600030101010101" pitchFamily="2" charset="-122"/>
+                <a:ea typeface="等线" panose="02010600030101010101" pitchFamily="2" charset="-122"/>
+                <a:cs typeface="Times New Roman" panose="02020603050405020304" pitchFamily="18" charset="0"/>
+              </a:rPr>
+              <a:t>30.97=1424.62</a:t>
+            </a:r>
+            <a:r>
+              <a:rPr lang="zh-CN" altLang="en-US" sz="2000" kern="100" dirty="0">
+                <a:solidFill>
+                  <a:schemeClr val="bg1"/>
+                </a:solidFill>
+                <a:latin typeface="等线" panose="02010600030101010101" pitchFamily="2" charset="-122"/>
+                <a:ea typeface="等线" panose="02010600030101010101" pitchFamily="2" charset="-122"/>
+                <a:cs typeface="Times New Roman" panose="02020603050405020304" pitchFamily="18" charset="0"/>
+              </a:rPr>
+              <a:t>元</a:t>
+            </a:r>
+            <a:endParaRPr lang="en-US" altLang="zh-CN" sz="2000" kern="100" dirty="0">
+              <a:solidFill>
+                <a:schemeClr val="bg1"/>
+              </a:solidFill>
+              <a:latin typeface="等线" panose="02010600030101010101" pitchFamily="2" charset="-122"/>
+              <a:ea typeface="等线" panose="02010600030101010101" pitchFamily="2" charset="-122"/>
+              <a:cs typeface="Times New Roman" panose="02020603050405020304" pitchFamily="18" charset="0"/>
+            </a:endParaRPr>
+          </a:p>
+          <a:p>
+            <a:pPr algn="just"/>
+            <a:r>
+              <a:rPr lang="zh-CN" altLang="en-US" sz="2000" kern="100" dirty="0">
+                <a:solidFill>
+                  <a:schemeClr val="bg1"/>
+                </a:solidFill>
+                <a:latin typeface="等线" panose="02010600030101010101" pitchFamily="2" charset="-122"/>
+                <a:ea typeface="等线" panose="02010600030101010101" pitchFamily="2" charset="-122"/>
+                <a:cs typeface="Times New Roman" panose="02020603050405020304" pitchFamily="18" charset="0"/>
+              </a:rPr>
+              <a:t>合计：</a:t>
+            </a:r>
+            <a:r>
+              <a:rPr lang="en-US" altLang="zh-CN" sz="2000" kern="100" dirty="0">
+                <a:solidFill>
+                  <a:schemeClr val="bg1"/>
+                </a:solidFill>
+                <a:latin typeface="等线" panose="02010600030101010101" pitchFamily="2" charset="-122"/>
+                <a:ea typeface="等线" panose="02010600030101010101" pitchFamily="2" charset="-122"/>
+                <a:cs typeface="Times New Roman" panose="02020603050405020304" pitchFamily="18" charset="0"/>
+              </a:rPr>
+              <a:t>5048.11</a:t>
+            </a:r>
+            <a:r>
+              <a:rPr lang="zh-CN" altLang="en-US" sz="2000" kern="100" dirty="0">
+                <a:solidFill>
+                  <a:schemeClr val="bg1"/>
+                </a:solidFill>
+                <a:latin typeface="等线" panose="02010600030101010101" pitchFamily="2" charset="-122"/>
+                <a:ea typeface="等线" panose="02010600030101010101" pitchFamily="2" charset="-122"/>
+                <a:cs typeface="Times New Roman" panose="02020603050405020304" pitchFamily="18" charset="0"/>
+              </a:rPr>
+              <a:t>元</a:t>
+            </a:r>
+            <a:endParaRPr lang="en-US" altLang="zh-CN" sz="2000" kern="100" dirty="0">
+              <a:solidFill>
+                <a:schemeClr val="bg1"/>
+              </a:solidFill>
+              <a:latin typeface="等线" panose="02010600030101010101" pitchFamily="2" charset="-122"/>
+              <a:ea typeface="等线" panose="02010600030101010101" pitchFamily="2" charset="-122"/>
+              <a:cs typeface="Times New Roman" panose="02020603050405020304" pitchFamily="18" charset="0"/>
+            </a:endParaRPr>
+          </a:p>
+          <a:p>
+            <a:pPr algn="just">
+              <a:spcAft>
+                <a:spcPts val="0"/>
+              </a:spcAft>
+            </a:pPr>
+            <a:endParaRPr lang="zh-CN" altLang="zh-CN" sz="1400" kern="100" dirty="0">
+              <a:solidFill>
+                <a:schemeClr val="bg1"/>
+              </a:solidFill>
+              <a:latin typeface="等线" panose="02010600030101010101" pitchFamily="2" charset="-122"/>
+              <a:ea typeface="等线" panose="02010600030101010101" pitchFamily="2" charset="-122"/>
+              <a:cs typeface="Times New Roman" panose="02020603050405020304" pitchFamily="18" charset="0"/>
+            </a:endParaRPr>
+          </a:p>
+          <a:p>
+            <a:pPr algn="just">
+              <a:spcAft>
+                <a:spcPts val="0"/>
+              </a:spcAft>
+            </a:pPr>
+            <a:r>
+              <a:rPr lang="zh-CN" altLang="zh-CN" kern="100" dirty="0">
+                <a:solidFill>
+                  <a:schemeClr val="bg1"/>
+                </a:solidFill>
+                <a:latin typeface="等线" panose="02010600030101010101" pitchFamily="2" charset="-122"/>
+                <a:cs typeface="Times New Roman" panose="02020603050405020304" pitchFamily="18" charset="0"/>
+              </a:rPr>
+              <a:t>袁泽成</a:t>
+            </a:r>
+            <a:r>
+              <a:rPr lang="en-US" altLang="zh-CN" kern="100" dirty="0">
+                <a:solidFill>
+                  <a:schemeClr val="bg1"/>
+                </a:solidFill>
+                <a:latin typeface="等线" panose="02010600030101010101" pitchFamily="2" charset="-122"/>
+                <a:cs typeface="Times New Roman" panose="02020603050405020304" pitchFamily="18" charset="0"/>
+              </a:rPr>
+              <a:t> 14</a:t>
+            </a:r>
+            <a:r>
+              <a:rPr lang="zh-CN" altLang="en-US" kern="100" dirty="0">
+                <a:solidFill>
+                  <a:schemeClr val="bg1"/>
+                </a:solidFill>
+                <a:latin typeface="等线" panose="02010600030101010101" pitchFamily="2" charset="-122"/>
+                <a:cs typeface="Times New Roman" panose="02020603050405020304" pitchFamily="18" charset="0"/>
+              </a:rPr>
+              <a:t>小时</a:t>
+            </a:r>
+            <a:r>
+              <a:rPr lang="en-US" altLang="zh-CN" kern="100" dirty="0">
+                <a:solidFill>
+                  <a:schemeClr val="bg1"/>
+                </a:solidFill>
+                <a:latin typeface="等线" panose="02010600030101010101" pitchFamily="2" charset="-122"/>
+                <a:cs typeface="Times New Roman" panose="02020603050405020304" pitchFamily="18" charset="0"/>
+              </a:rPr>
+              <a:t>*30.97+7</a:t>
+            </a:r>
+            <a:r>
+              <a:rPr lang="zh-CN" altLang="en-US" kern="100" dirty="0">
+                <a:solidFill>
+                  <a:schemeClr val="bg1"/>
+                </a:solidFill>
+                <a:latin typeface="等线" panose="02010600030101010101" pitchFamily="2" charset="-122"/>
+                <a:cs typeface="Times New Roman" panose="02020603050405020304" pitchFamily="18" charset="0"/>
+              </a:rPr>
+              <a:t>小时</a:t>
+            </a:r>
+            <a:r>
+              <a:rPr lang="en-US" altLang="zh-CN" kern="100" dirty="0">
+                <a:solidFill>
+                  <a:schemeClr val="bg1"/>
+                </a:solidFill>
+                <a:latin typeface="等线" panose="02010600030101010101" pitchFamily="2" charset="-122"/>
+                <a:cs typeface="Times New Roman" panose="02020603050405020304" pitchFamily="18" charset="0"/>
+              </a:rPr>
+              <a:t>*30.97=433.58+216.79</a:t>
+            </a:r>
+            <a:endParaRPr lang="zh-CN" altLang="zh-CN" sz="1400" kern="100" dirty="0">
+              <a:solidFill>
+                <a:schemeClr val="bg1"/>
+              </a:solidFill>
+              <a:latin typeface="等线" panose="02010600030101010101" pitchFamily="2" charset="-122"/>
+              <a:ea typeface="等线" panose="02010600030101010101" pitchFamily="2" charset="-122"/>
+              <a:cs typeface="Times New Roman" panose="02020603050405020304" pitchFamily="18" charset="0"/>
+            </a:endParaRPr>
+          </a:p>
+          <a:p>
+            <a:pPr algn="just">
+              <a:spcAft>
+                <a:spcPts val="0"/>
+              </a:spcAft>
+            </a:pPr>
+            <a:r>
+              <a:rPr lang="zh-CN" altLang="zh-CN" kern="100" dirty="0">
+                <a:solidFill>
+                  <a:schemeClr val="bg1"/>
+                </a:solidFill>
+                <a:latin typeface="等线" panose="02010600030101010101" pitchFamily="2" charset="-122"/>
+                <a:cs typeface="Times New Roman" panose="02020603050405020304" pitchFamily="18" charset="0"/>
+              </a:rPr>
+              <a:t>赵高生</a:t>
+            </a:r>
+            <a:r>
+              <a:rPr lang="en-US" altLang="zh-CN" kern="100" dirty="0">
+                <a:solidFill>
+                  <a:schemeClr val="bg1"/>
+                </a:solidFill>
+                <a:latin typeface="等线" panose="02010600030101010101" pitchFamily="2" charset="-122"/>
+                <a:cs typeface="Times New Roman" panose="02020603050405020304" pitchFamily="18" charset="0"/>
+              </a:rPr>
+              <a:t> 28</a:t>
+            </a:r>
+            <a:r>
+              <a:rPr lang="zh-CN" altLang="en-US" kern="100" dirty="0">
+                <a:solidFill>
+                  <a:schemeClr val="bg1"/>
+                </a:solidFill>
+                <a:latin typeface="等线" panose="02010600030101010101" pitchFamily="2" charset="-122"/>
+                <a:cs typeface="Times New Roman" panose="02020603050405020304" pitchFamily="18" charset="0"/>
+              </a:rPr>
+              <a:t>小时</a:t>
+            </a:r>
+            <a:r>
+              <a:rPr lang="en-US" altLang="zh-CN" kern="100" dirty="0">
+                <a:solidFill>
+                  <a:schemeClr val="bg1"/>
+                </a:solidFill>
+                <a:latin typeface="等线" panose="02010600030101010101" pitchFamily="2" charset="-122"/>
+                <a:cs typeface="Times New Roman" panose="02020603050405020304" pitchFamily="18" charset="0"/>
+              </a:rPr>
+              <a:t>*30.97+7</a:t>
+            </a:r>
+            <a:r>
+              <a:rPr lang="zh-CN" altLang="en-US" kern="100" dirty="0">
+                <a:solidFill>
+                  <a:schemeClr val="bg1"/>
+                </a:solidFill>
+                <a:latin typeface="等线" panose="02010600030101010101" pitchFamily="2" charset="-122"/>
+                <a:cs typeface="Times New Roman" panose="02020603050405020304" pitchFamily="18" charset="0"/>
+              </a:rPr>
+              <a:t>小时</a:t>
+            </a:r>
+            <a:r>
+              <a:rPr lang="en-US" altLang="zh-CN" kern="100" dirty="0">
+                <a:solidFill>
+                  <a:schemeClr val="bg1"/>
+                </a:solidFill>
+                <a:latin typeface="等线" panose="02010600030101010101" pitchFamily="2" charset="-122"/>
+                <a:cs typeface="Times New Roman" panose="02020603050405020304" pitchFamily="18" charset="0"/>
+              </a:rPr>
+              <a:t>*30.97=867.16+216.79</a:t>
+            </a:r>
+            <a:endParaRPr lang="zh-CN" altLang="zh-CN" sz="1400" kern="100" dirty="0">
+              <a:solidFill>
+                <a:schemeClr val="bg1"/>
+              </a:solidFill>
+              <a:latin typeface="等线" panose="02010600030101010101" pitchFamily="2" charset="-122"/>
+              <a:ea typeface="等线" panose="02010600030101010101" pitchFamily="2" charset="-122"/>
+              <a:cs typeface="Times New Roman" panose="02020603050405020304" pitchFamily="18" charset="0"/>
+            </a:endParaRPr>
+          </a:p>
+          <a:p>
+            <a:pPr algn="just">
+              <a:spcAft>
+                <a:spcPts val="0"/>
+              </a:spcAft>
+            </a:pPr>
+            <a:r>
+              <a:rPr lang="zh-CN" altLang="zh-CN" kern="100" dirty="0">
+                <a:solidFill>
+                  <a:schemeClr val="bg1"/>
+                </a:solidFill>
+                <a:latin typeface="等线" panose="02010600030101010101" pitchFamily="2" charset="-122"/>
+                <a:cs typeface="Times New Roman" panose="02020603050405020304" pitchFamily="18" charset="0"/>
+              </a:rPr>
+              <a:t>吴桐</a:t>
+            </a:r>
+            <a:r>
+              <a:rPr lang="en-US" altLang="zh-CN" kern="100" dirty="0">
+                <a:solidFill>
+                  <a:schemeClr val="bg1"/>
+                </a:solidFill>
+                <a:latin typeface="等线" panose="02010600030101010101" pitchFamily="2" charset="-122"/>
+                <a:cs typeface="Times New Roman" panose="02020603050405020304" pitchFamily="18" charset="0"/>
+              </a:rPr>
+              <a:t> 20</a:t>
+            </a:r>
+            <a:r>
+              <a:rPr lang="zh-CN" altLang="en-US" kern="100" dirty="0">
+                <a:solidFill>
+                  <a:schemeClr val="bg1"/>
+                </a:solidFill>
+                <a:latin typeface="等线" panose="02010600030101010101" pitchFamily="2" charset="-122"/>
+                <a:cs typeface="Times New Roman" panose="02020603050405020304" pitchFamily="18" charset="0"/>
+              </a:rPr>
+              <a:t>小时</a:t>
+            </a:r>
+            <a:r>
+              <a:rPr lang="en-US" altLang="zh-CN" kern="100" dirty="0">
+                <a:solidFill>
+                  <a:schemeClr val="bg1"/>
+                </a:solidFill>
+                <a:latin typeface="等线" panose="02010600030101010101" pitchFamily="2" charset="-122"/>
+                <a:cs typeface="Times New Roman" panose="02020603050405020304" pitchFamily="18" charset="0"/>
+              </a:rPr>
+              <a:t>*30.97+7</a:t>
+            </a:r>
+            <a:r>
+              <a:rPr lang="zh-CN" altLang="en-US" kern="100" dirty="0">
+                <a:solidFill>
+                  <a:schemeClr val="bg1"/>
+                </a:solidFill>
+                <a:latin typeface="等线" panose="02010600030101010101" pitchFamily="2" charset="-122"/>
+                <a:cs typeface="Times New Roman" panose="02020603050405020304" pitchFamily="18" charset="0"/>
+              </a:rPr>
+              <a:t>小时</a:t>
+            </a:r>
+            <a:r>
+              <a:rPr lang="en-US" altLang="zh-CN" kern="100" dirty="0">
+                <a:solidFill>
+                  <a:schemeClr val="bg1"/>
+                </a:solidFill>
+                <a:latin typeface="等线" panose="02010600030101010101" pitchFamily="2" charset="-122"/>
+                <a:cs typeface="Times New Roman" panose="02020603050405020304" pitchFamily="18" charset="0"/>
+              </a:rPr>
+              <a:t>*30.97=619.4+216.79</a:t>
+            </a:r>
+            <a:endParaRPr lang="zh-CN" altLang="zh-CN" sz="1400" kern="100" dirty="0">
+              <a:solidFill>
+                <a:schemeClr val="bg1"/>
+              </a:solidFill>
+              <a:latin typeface="等线" panose="02010600030101010101" pitchFamily="2" charset="-122"/>
+              <a:ea typeface="等线" panose="02010600030101010101" pitchFamily="2" charset="-122"/>
+              <a:cs typeface="Times New Roman" panose="02020603050405020304" pitchFamily="18" charset="0"/>
+            </a:endParaRPr>
+          </a:p>
+          <a:p>
+            <a:pPr algn="just">
+              <a:spcAft>
+                <a:spcPts val="0"/>
+              </a:spcAft>
+              <a:tabLst>
+                <a:tab pos="1066800" algn="l"/>
+              </a:tabLst>
+            </a:pPr>
+            <a:r>
+              <a:rPr lang="zh-CN" altLang="zh-CN" kern="100" dirty="0">
+                <a:solidFill>
+                  <a:schemeClr val="bg1"/>
+                </a:solidFill>
+                <a:latin typeface="等线" panose="02010600030101010101" pitchFamily="2" charset="-122"/>
+                <a:cs typeface="Times New Roman" panose="02020603050405020304" pitchFamily="18" charset="0"/>
+              </a:rPr>
+              <a:t>尹健瑾</a:t>
+            </a:r>
+            <a:r>
+              <a:rPr lang="en-US" altLang="zh-CN" kern="100" dirty="0">
+                <a:solidFill>
+                  <a:schemeClr val="bg1"/>
+                </a:solidFill>
+                <a:latin typeface="等线" panose="02010600030101010101" pitchFamily="2" charset="-122"/>
+                <a:cs typeface="Times New Roman" panose="02020603050405020304" pitchFamily="18" charset="0"/>
+              </a:rPr>
+              <a:t> 22</a:t>
+            </a:r>
+            <a:r>
+              <a:rPr lang="zh-CN" altLang="en-US" kern="100" dirty="0">
+                <a:solidFill>
+                  <a:schemeClr val="bg1"/>
+                </a:solidFill>
+                <a:latin typeface="等线" panose="02010600030101010101" pitchFamily="2" charset="-122"/>
+                <a:cs typeface="Times New Roman" panose="02020603050405020304" pitchFamily="18" charset="0"/>
+              </a:rPr>
+              <a:t>小时</a:t>
+            </a:r>
+            <a:r>
+              <a:rPr lang="en-US" altLang="zh-CN" kern="100" dirty="0">
+                <a:solidFill>
+                  <a:schemeClr val="bg1"/>
+                </a:solidFill>
+                <a:latin typeface="等线" panose="02010600030101010101" pitchFamily="2" charset="-122"/>
+                <a:cs typeface="Times New Roman" panose="02020603050405020304" pitchFamily="18" charset="0"/>
+              </a:rPr>
+              <a:t>*30.97+7</a:t>
+            </a:r>
+            <a:r>
+              <a:rPr lang="zh-CN" altLang="en-US" kern="100" dirty="0">
+                <a:solidFill>
+                  <a:schemeClr val="bg1"/>
+                </a:solidFill>
+                <a:latin typeface="等线" panose="02010600030101010101" pitchFamily="2" charset="-122"/>
+                <a:cs typeface="Times New Roman" panose="02020603050405020304" pitchFamily="18" charset="0"/>
+              </a:rPr>
+              <a:t>小时</a:t>
+            </a:r>
+            <a:r>
+              <a:rPr lang="en-US" altLang="zh-CN" kern="100" dirty="0">
+                <a:solidFill>
+                  <a:schemeClr val="bg1"/>
+                </a:solidFill>
+                <a:latin typeface="等线" panose="02010600030101010101" pitchFamily="2" charset="-122"/>
+                <a:cs typeface="Times New Roman" panose="02020603050405020304" pitchFamily="18" charset="0"/>
+              </a:rPr>
+              <a:t>*30.97=681.34+216.79</a:t>
+            </a:r>
+            <a:endParaRPr lang="zh-CN" altLang="zh-CN" sz="1400" kern="100" dirty="0">
+              <a:solidFill>
+                <a:schemeClr val="bg1"/>
+              </a:solidFill>
+              <a:latin typeface="等线" panose="02010600030101010101" pitchFamily="2" charset="-122"/>
+              <a:ea typeface="等线" panose="02010600030101010101" pitchFamily="2" charset="-122"/>
+              <a:cs typeface="Times New Roman" panose="02020603050405020304" pitchFamily="18" charset="0"/>
+            </a:endParaRPr>
+          </a:p>
+          <a:p>
+            <a:pPr algn="just">
+              <a:spcAft>
+                <a:spcPts val="0"/>
+              </a:spcAft>
+            </a:pPr>
+            <a:r>
+              <a:rPr lang="zh-CN" altLang="zh-CN" kern="100" dirty="0">
+                <a:solidFill>
+                  <a:schemeClr val="bg1"/>
+                </a:solidFill>
+                <a:latin typeface="等线" panose="02010600030101010101" pitchFamily="2" charset="-122"/>
+                <a:cs typeface="Times New Roman" panose="02020603050405020304" pitchFamily="18" charset="0"/>
+              </a:rPr>
+              <a:t>邬立东</a:t>
+            </a:r>
+            <a:r>
+              <a:rPr lang="en-US" altLang="zh-CN" kern="100" dirty="0">
+                <a:solidFill>
+                  <a:schemeClr val="bg1"/>
+                </a:solidFill>
+                <a:latin typeface="等线" panose="02010600030101010101" pitchFamily="2" charset="-122"/>
+                <a:cs typeface="Times New Roman" panose="02020603050405020304" pitchFamily="18" charset="0"/>
+              </a:rPr>
+              <a:t> 26</a:t>
+            </a:r>
+            <a:r>
+              <a:rPr lang="zh-CN" altLang="en-US" kern="100" dirty="0">
+                <a:solidFill>
+                  <a:schemeClr val="bg1"/>
+                </a:solidFill>
+                <a:latin typeface="等线" panose="02010600030101010101" pitchFamily="2" charset="-122"/>
+                <a:cs typeface="Times New Roman" panose="02020603050405020304" pitchFamily="18" charset="0"/>
+              </a:rPr>
+              <a:t>小时</a:t>
+            </a:r>
+            <a:r>
+              <a:rPr lang="en-US" altLang="zh-CN" kern="100" dirty="0">
+                <a:solidFill>
+                  <a:schemeClr val="bg1"/>
+                </a:solidFill>
+                <a:latin typeface="等线" panose="02010600030101010101" pitchFamily="2" charset="-122"/>
+                <a:cs typeface="Times New Roman" panose="02020603050405020304" pitchFamily="18" charset="0"/>
+              </a:rPr>
+              <a:t>*30.97+7</a:t>
+            </a:r>
+            <a:r>
+              <a:rPr lang="zh-CN" altLang="en-US" kern="100" dirty="0">
+                <a:solidFill>
+                  <a:schemeClr val="bg1"/>
+                </a:solidFill>
+                <a:latin typeface="等线" panose="02010600030101010101" pitchFamily="2" charset="-122"/>
+                <a:cs typeface="Times New Roman" panose="02020603050405020304" pitchFamily="18" charset="0"/>
+              </a:rPr>
+              <a:t>小时</a:t>
+            </a:r>
+            <a:r>
+              <a:rPr lang="en-US" altLang="zh-CN" kern="100" dirty="0">
+                <a:solidFill>
+                  <a:schemeClr val="bg1"/>
+                </a:solidFill>
+                <a:latin typeface="等线" panose="02010600030101010101" pitchFamily="2" charset="-122"/>
+                <a:cs typeface="Times New Roman" panose="02020603050405020304" pitchFamily="18" charset="0"/>
+              </a:rPr>
+              <a:t>*30.97=805.22+216.79</a:t>
+            </a:r>
+            <a:endParaRPr lang="zh-CN" altLang="zh-CN" sz="1400" kern="100" dirty="0">
+              <a:solidFill>
+                <a:schemeClr val="bg1"/>
+              </a:solidFill>
+              <a:latin typeface="等线" panose="02010600030101010101" pitchFamily="2" charset="-122"/>
+              <a:ea typeface="等线" panose="02010600030101010101" pitchFamily="2" charset="-122"/>
+              <a:cs typeface="Times New Roman" panose="02020603050405020304" pitchFamily="18" charset="0"/>
+            </a:endParaRPr>
+          </a:p>
+          <a:p>
+            <a:pPr algn="just">
+              <a:spcAft>
+                <a:spcPts val="0"/>
+              </a:spcAft>
+            </a:pPr>
+            <a:r>
+              <a:rPr lang="en-US" altLang="zh-CN" kern="100" dirty="0">
+                <a:solidFill>
+                  <a:schemeClr val="bg1"/>
+                </a:solidFill>
+                <a:latin typeface="宋体" panose="02010600030101010101" pitchFamily="2" charset="-122"/>
+                <a:ea typeface="等线" panose="02010600030101010101" pitchFamily="2" charset="-122"/>
+                <a:cs typeface="Times New Roman" panose="02020603050405020304" pitchFamily="18" charset="0"/>
+              </a:rPr>
+              <a:t> </a:t>
+            </a:r>
+            <a:endParaRPr lang="zh-CN" altLang="zh-CN" sz="1400" kern="100" dirty="0">
+              <a:solidFill>
+                <a:schemeClr val="bg1"/>
+              </a:solidFill>
+              <a:latin typeface="等线" panose="02010600030101010101" pitchFamily="2" charset="-122"/>
+              <a:ea typeface="等线" panose="02010600030101010101" pitchFamily="2" charset="-122"/>
+              <a:cs typeface="Times New Roman" panose="02020603050405020304" pitchFamily="18" charset="0"/>
+            </a:endParaRPr>
+          </a:p>
+          <a:p>
+            <a:pPr algn="just">
+              <a:spcAft>
+                <a:spcPts val="0"/>
+              </a:spcAft>
+            </a:pPr>
+            <a:r>
+              <a:rPr lang="zh-CN" altLang="zh-CN" kern="100" dirty="0">
+                <a:solidFill>
+                  <a:schemeClr val="bg1"/>
+                </a:solidFill>
+                <a:latin typeface="等线" panose="02010600030101010101" pitchFamily="2" charset="-122"/>
+                <a:cs typeface="Times New Roman" panose="02020603050405020304" pitchFamily="18" charset="0"/>
+              </a:rPr>
+              <a:t>合计：</a:t>
+            </a:r>
+            <a:r>
+              <a:rPr lang="en-US" altLang="zh-CN" kern="100" dirty="0">
+                <a:solidFill>
+                  <a:schemeClr val="bg1"/>
+                </a:solidFill>
+                <a:latin typeface="等线" panose="02010600030101010101" pitchFamily="2" charset="-122"/>
+                <a:cs typeface="Times New Roman" panose="02020603050405020304" pitchFamily="18" charset="0"/>
+              </a:rPr>
+              <a:t>4490.5</a:t>
+            </a:r>
+            <a:r>
+              <a:rPr lang="zh-CN" altLang="zh-CN" kern="100" dirty="0">
+                <a:solidFill>
+                  <a:schemeClr val="bg1"/>
+                </a:solidFill>
+                <a:latin typeface="等线" panose="02010600030101010101" pitchFamily="2" charset="-122"/>
+                <a:cs typeface="Times New Roman" panose="02020603050405020304" pitchFamily="18" charset="0"/>
+              </a:rPr>
+              <a:t>元；</a:t>
+            </a:r>
+            <a:endParaRPr lang="en-US" altLang="zh-CN" kern="100" dirty="0">
+              <a:solidFill>
+                <a:schemeClr val="bg1"/>
+              </a:solidFill>
+              <a:latin typeface="等线" panose="02010600030101010101" pitchFamily="2" charset="-122"/>
+              <a:cs typeface="Times New Roman" panose="02020603050405020304" pitchFamily="18" charset="0"/>
+            </a:endParaRPr>
+          </a:p>
+          <a:p>
+            <a:pPr algn="just">
+              <a:spcAft>
+                <a:spcPts val="0"/>
+              </a:spcAft>
+            </a:pPr>
+            <a:r>
+              <a:rPr lang="zh-CN" altLang="en-US" kern="100" dirty="0">
+                <a:solidFill>
+                  <a:schemeClr val="bg1"/>
+                </a:solidFill>
+                <a:effectLst/>
+                <a:latin typeface="等线" panose="02010600030101010101" pitchFamily="2" charset="-122"/>
+                <a:ea typeface="等线" panose="02010600030101010101" pitchFamily="2" charset="-122"/>
+                <a:cs typeface="Times New Roman" panose="02020603050405020304" pitchFamily="18" charset="0"/>
+              </a:rPr>
+              <a:t>总合计 </a:t>
+            </a:r>
+            <a:r>
+              <a:rPr lang="en-US" altLang="zh-CN" kern="100" dirty="0">
+                <a:solidFill>
+                  <a:schemeClr val="bg1"/>
+                </a:solidFill>
+                <a:effectLst/>
+                <a:latin typeface="等线" panose="02010600030101010101" pitchFamily="2" charset="-122"/>
+                <a:ea typeface="等线" panose="02010600030101010101" pitchFamily="2" charset="-122"/>
+                <a:cs typeface="Times New Roman" panose="02020603050405020304" pitchFamily="18" charset="0"/>
+              </a:rPr>
+              <a:t>= 9538.61</a:t>
+            </a:r>
+            <a:r>
+              <a:rPr lang="zh-CN" altLang="en-US" kern="100" dirty="0">
+                <a:solidFill>
+                  <a:schemeClr val="bg1"/>
+                </a:solidFill>
+                <a:effectLst/>
+                <a:latin typeface="等线" panose="02010600030101010101" pitchFamily="2" charset="-122"/>
+                <a:ea typeface="等线" panose="02010600030101010101" pitchFamily="2" charset="-122"/>
+                <a:cs typeface="Times New Roman" panose="02020603050405020304" pitchFamily="18" charset="0"/>
+              </a:rPr>
+              <a:t>元</a:t>
+            </a:r>
+            <a:endParaRPr lang="zh-CN" altLang="zh-CN" kern="100" dirty="0">
+              <a:solidFill>
+                <a:schemeClr val="bg1"/>
+              </a:solidFill>
+              <a:effectLst/>
+              <a:latin typeface="等线" panose="02010600030101010101" pitchFamily="2" charset="-122"/>
+              <a:ea typeface="等线" panose="02010600030101010101" pitchFamily="2" charset="-122"/>
+              <a:cs typeface="Times New Roman" panose="02020603050405020304" pitchFamily="18" charset="0"/>
+            </a:endParaRPr>
+          </a:p>
+        </p:txBody>
+      </p:sp>
+    </p:spTree>
+    <p:extLst>
+      <p:ext uri="{BB962C8B-B14F-4D97-AF65-F5344CB8AC3E}">
+        <p14:creationId xmlns:p14="http://schemas.microsoft.com/office/powerpoint/2010/main" val="4287218021"/>
+      </p:ext>
+    </p:extLst>
+  </p:cSld>
+  <p:clrMapOvr>
+    <a:masterClrMapping/>
+  </p:clrMapOvr>
+</p:sld>
+</file>
+
+<file path=ppt/slides/slide25.xml><?xml version="1.0" encoding="utf-8"?>
+<p:sld xmlns:a="http://schemas.openxmlformats.org/drawingml/2006/main" xmlns:r="http://schemas.openxmlformats.org/officeDocument/2006/relationships" xmlns:p="http://schemas.openxmlformats.org/presentationml/2006/main">
+  <p:cSld>
+    <p:spTree>
+      <p:nvGrpSpPr>
+        <p:cNvPr id="1" name=""/>
+        <p:cNvGrpSpPr/>
+        <p:nvPr/>
+      </p:nvGrpSpPr>
+      <p:grpSpPr>
+        <a:xfrm>
+          <a:off x="0" y="0"/>
+          <a:ext cx="0" cy="0"/>
+          <a:chOff x="0" y="0"/>
+          <a:chExt cx="0" cy="0"/>
+        </a:xfrm>
+      </p:grpSpPr>
+      <p:sp>
+        <p:nvSpPr>
           <p:cNvPr id="2" name="标题 1">
             <a:extLst>
               <a:ext uri="{FF2B5EF4-FFF2-40B4-BE49-F238E27FC236}">
@@ -15849,7 +17077,7 @@
 </p:sld>
 </file>
 
-<file path=ppt/slides/slide25.xml><?xml version="1.0" encoding="utf-8"?>
+<file path=ppt/slides/slide26.xml><?xml version="1.0" encoding="utf-8"?>
 <p:sld xmlns:a="http://schemas.openxmlformats.org/drawingml/2006/main" xmlns:r="http://schemas.openxmlformats.org/officeDocument/2006/relationships" xmlns:p="http://schemas.openxmlformats.org/presentationml/2006/main">
   <p:cSld>
     <p:spTree>
@@ -15953,7 +17181,7 @@
 </p:sld>
 </file>
 
-<file path=ppt/slides/slide26.xml><?xml version="1.0" encoding="utf-8"?>
+<file path=ppt/slides/slide27.xml><?xml version="1.0" encoding="utf-8"?>
 <p:sld xmlns:a="http://schemas.openxmlformats.org/drawingml/2006/main" xmlns:r="http://schemas.openxmlformats.org/officeDocument/2006/relationships" xmlns:p="http://schemas.openxmlformats.org/presentationml/2006/main">
   <p:cSld>
     <p:spTree>
@@ -16058,7 +17286,7 @@
 </p:sld>
 </file>
 
-<file path=ppt/slides/slide27.xml><?xml version="1.0" encoding="utf-8"?>
+<file path=ppt/slides/slide28.xml><?xml version="1.0" encoding="utf-8"?>
 <p:sld xmlns:a="http://schemas.openxmlformats.org/drawingml/2006/main" xmlns:r="http://schemas.openxmlformats.org/officeDocument/2006/relationships" xmlns:p="http://schemas.openxmlformats.org/presentationml/2006/main">
   <p:cSld>
     <p:spTree>
@@ -16163,7 +17391,7 @@
 </p:sld>
 </file>
 
-<file path=ppt/slides/slide28.xml><?xml version="1.0" encoding="utf-8"?>
+<file path=ppt/slides/slide29.xml><?xml version="1.0" encoding="utf-8"?>
 <p:sld xmlns:a="http://schemas.openxmlformats.org/drawingml/2006/main" xmlns:r="http://schemas.openxmlformats.org/officeDocument/2006/relationships" xmlns:p="http://schemas.openxmlformats.org/presentationml/2006/main">
   <p:cSld>
     <p:spTree>
@@ -17113,7 +18341,184 @@
 </p:sld>
 </file>
 
-<file path=ppt/slides/slide29.xml><?xml version="1.0" encoding="utf-8"?>
+<file path=ppt/slides/slide3.xml><?xml version="1.0" encoding="utf-8"?>
+<p:sld xmlns:a="http://schemas.openxmlformats.org/drawingml/2006/main" xmlns:r="http://schemas.openxmlformats.org/officeDocument/2006/relationships" xmlns:p="http://schemas.openxmlformats.org/presentationml/2006/main">
+  <p:cSld>
+    <p:spTree>
+      <p:nvGrpSpPr>
+        <p:cNvPr id="1" name=""/>
+        <p:cNvGrpSpPr/>
+        <p:nvPr/>
+      </p:nvGrpSpPr>
+      <p:grpSpPr>
+        <a:xfrm>
+          <a:off x="0" y="0"/>
+          <a:ext cx="0" cy="0"/>
+          <a:chOff x="0" y="0"/>
+          <a:chExt cx="0" cy="0"/>
+        </a:xfrm>
+      </p:grpSpPr>
+      <p:sp>
+        <p:nvSpPr>
+          <p:cNvPr id="2" name="标题 1">
+            <a:extLst>
+              <a:ext uri="{FF2B5EF4-FFF2-40B4-BE49-F238E27FC236}">
+                <a16:creationId xmlns:a16="http://schemas.microsoft.com/office/drawing/2014/main" id="{D4FD4AF4-9903-4F7D-A791-C285339EC37A}"/>
+              </a:ext>
+            </a:extLst>
+          </p:cNvPr>
+          <p:cNvSpPr>
+            <a:spLocks noGrp="1"/>
+          </p:cNvSpPr>
+          <p:nvPr>
+            <p:ph type="title"/>
+          </p:nvPr>
+        </p:nvSpPr>
+        <p:spPr/>
+        <p:txBody>
+          <a:bodyPr/>
+          <a:lstStyle/>
+          <a:p>
+            <a:r>
+              <a:rPr lang="zh-CN" altLang="en-US" dirty="0">
+                <a:solidFill>
+                  <a:schemeClr val="bg1"/>
+                </a:solidFill>
+              </a:rPr>
+              <a:t>概述</a:t>
+            </a:r>
+          </a:p>
+        </p:txBody>
+      </p:sp>
+      <p:sp>
+        <p:nvSpPr>
+          <p:cNvPr id="3" name="内容占位符 2">
+            <a:extLst>
+              <a:ext uri="{FF2B5EF4-FFF2-40B4-BE49-F238E27FC236}">
+                <a16:creationId xmlns:a16="http://schemas.microsoft.com/office/drawing/2014/main" id="{5ED47925-33B9-4529-84D1-04E9B7F9A60B}"/>
+              </a:ext>
+            </a:extLst>
+          </p:cNvPr>
+          <p:cNvSpPr>
+            <a:spLocks noGrp="1"/>
+          </p:cNvSpPr>
+          <p:nvPr>
+            <p:ph idx="1"/>
+          </p:nvPr>
+        </p:nvSpPr>
+        <p:spPr/>
+        <p:txBody>
+          <a:bodyPr>
+            <a:normAutofit/>
+          </a:bodyPr>
+          <a:lstStyle/>
+          <a:p>
+            <a:r>
+              <a:rPr lang="zh-CN" altLang="zh-CN" dirty="0">
+                <a:solidFill>
+                  <a:schemeClr val="bg1"/>
+                </a:solidFill>
+              </a:rPr>
+              <a:t>因一款专门针对一门新开的大学课程和一位专门的教师；又为学生之间提供交流平台的网站而形成的需求工程计划</a:t>
+            </a:r>
+          </a:p>
+          <a:p>
+            <a:r>
+              <a:rPr lang="zh-CN" altLang="zh-CN" sz="2600" dirty="0">
+                <a:solidFill>
+                  <a:schemeClr val="bg1"/>
+                </a:solidFill>
+              </a:rPr>
+              <a:t>待开发软件系统的名称：软件工程系列课程教学辅助网站</a:t>
+            </a:r>
+            <a:br>
+              <a:rPr lang="en-US" altLang="zh-CN" sz="2600" dirty="0">
+                <a:solidFill>
+                  <a:schemeClr val="bg1"/>
+                </a:solidFill>
+              </a:rPr>
+            </a:br>
+            <a:r>
+              <a:rPr lang="zh-CN" altLang="zh-CN" sz="2600" dirty="0">
+                <a:solidFill>
+                  <a:schemeClr val="bg1"/>
+                </a:solidFill>
+              </a:rPr>
+              <a:t>本项目的任务提出者：侯宏仑、杨枨 </a:t>
+            </a:r>
+          </a:p>
+          <a:p>
+            <a:r>
+              <a:rPr lang="zh-CN" altLang="zh-CN" sz="2600" dirty="0">
+                <a:solidFill>
+                  <a:schemeClr val="bg1"/>
+                </a:solidFill>
+              </a:rPr>
+              <a:t>开发人员：吴桐 尹健瑾 赵高生 袁泽成 邬立东</a:t>
+            </a:r>
+          </a:p>
+          <a:p>
+            <a:r>
+              <a:rPr lang="zh-CN" altLang="zh-CN" sz="2400" dirty="0">
+                <a:solidFill>
+                  <a:schemeClr val="bg1"/>
+                </a:solidFill>
+              </a:rPr>
+              <a:t>用户：游客，学生，老师</a:t>
+            </a:r>
+            <a:r>
+              <a:rPr lang="en-US" altLang="zh-CN" sz="2400" dirty="0">
+                <a:solidFill>
+                  <a:schemeClr val="bg1"/>
+                </a:solidFill>
+              </a:rPr>
+              <a:t>  </a:t>
+            </a:r>
+            <a:r>
+              <a:rPr lang="zh-CN" altLang="zh-CN" sz="2400" dirty="0">
+                <a:solidFill>
+                  <a:schemeClr val="bg1"/>
+                </a:solidFill>
+              </a:rPr>
+              <a:t>及管理员；</a:t>
+            </a:r>
+            <a:br>
+              <a:rPr lang="en-US" altLang="zh-CN" sz="2600" dirty="0">
+                <a:solidFill>
+                  <a:schemeClr val="bg1"/>
+                </a:solidFill>
+              </a:rPr>
+            </a:br>
+            <a:r>
+              <a:rPr lang="zh-CN" altLang="zh-CN" sz="2600" dirty="0">
+                <a:solidFill>
+                  <a:schemeClr val="bg1"/>
+                </a:solidFill>
+              </a:rPr>
+              <a:t>　　</a:t>
+            </a:r>
+            <a:endParaRPr lang="zh-CN" altLang="en-US" dirty="0">
+              <a:solidFill>
+                <a:schemeClr val="bg1"/>
+              </a:solidFill>
+            </a:endParaRPr>
+          </a:p>
+        </p:txBody>
+      </p:sp>
+    </p:spTree>
+    <p:extLst>
+      <p:ext uri="{BB962C8B-B14F-4D97-AF65-F5344CB8AC3E}">
+        <p14:creationId xmlns:p14="http://schemas.microsoft.com/office/powerpoint/2010/main" val="1507362676"/>
+      </p:ext>
+    </p:extLst>
+  </p:cSld>
+  <p:clrMapOvr>
+    <a:masterClrMapping/>
+  </p:clrMapOvr>
+</p:sld>
+</file>
+
+<file path=ppt/slides/slide30.xml><?xml version="1.0" encoding="utf-8"?>
 <p:sld xmlns:a="http://schemas.openxmlformats.org/drawingml/2006/main" xmlns:r="http://schemas.openxmlformats.org/officeDocument/2006/relationships" xmlns:p="http://schemas.openxmlformats.org/presentationml/2006/main">
   <p:cSld>
     <p:spTree>
@@ -17721,184 +19126,7 @@
 </p:sld>
 </file>
 
-<file path=ppt/slides/slide3.xml><?xml version="1.0" encoding="utf-8"?>
-<p:sld xmlns:a="http://schemas.openxmlformats.org/drawingml/2006/main" xmlns:r="http://schemas.openxmlformats.org/officeDocument/2006/relationships" xmlns:p="http://schemas.openxmlformats.org/presentationml/2006/main">
-  <p:cSld>
-    <p:spTree>
-      <p:nvGrpSpPr>
-        <p:cNvPr id="1" name=""/>
-        <p:cNvGrpSpPr/>
-        <p:nvPr/>
-      </p:nvGrpSpPr>
-      <p:grpSpPr>
-        <a:xfrm>
-          <a:off x="0" y="0"/>
-          <a:ext cx="0" cy="0"/>
-          <a:chOff x="0" y="0"/>
-          <a:chExt cx="0" cy="0"/>
-        </a:xfrm>
-      </p:grpSpPr>
-      <p:sp>
-        <p:nvSpPr>
-          <p:cNvPr id="2" name="标题 1">
-            <a:extLst>
-              <a:ext uri="{FF2B5EF4-FFF2-40B4-BE49-F238E27FC236}">
-                <a16:creationId xmlns:a16="http://schemas.microsoft.com/office/drawing/2014/main" id="{D4FD4AF4-9903-4F7D-A791-C285339EC37A}"/>
-              </a:ext>
-            </a:extLst>
-          </p:cNvPr>
-          <p:cNvSpPr>
-            <a:spLocks noGrp="1"/>
-          </p:cNvSpPr>
-          <p:nvPr>
-            <p:ph type="title"/>
-          </p:nvPr>
-        </p:nvSpPr>
-        <p:spPr/>
-        <p:txBody>
-          <a:bodyPr/>
-          <a:lstStyle/>
-          <a:p>
-            <a:r>
-              <a:rPr lang="zh-CN" altLang="en-US" dirty="0">
-                <a:solidFill>
-                  <a:schemeClr val="bg1"/>
-                </a:solidFill>
-              </a:rPr>
-              <a:t>概述</a:t>
-            </a:r>
-          </a:p>
-        </p:txBody>
-      </p:sp>
-      <p:sp>
-        <p:nvSpPr>
-          <p:cNvPr id="3" name="内容占位符 2">
-            <a:extLst>
-              <a:ext uri="{FF2B5EF4-FFF2-40B4-BE49-F238E27FC236}">
-                <a16:creationId xmlns:a16="http://schemas.microsoft.com/office/drawing/2014/main" id="{5ED47925-33B9-4529-84D1-04E9B7F9A60B}"/>
-              </a:ext>
-            </a:extLst>
-          </p:cNvPr>
-          <p:cNvSpPr>
-            <a:spLocks noGrp="1"/>
-          </p:cNvSpPr>
-          <p:nvPr>
-            <p:ph idx="1"/>
-          </p:nvPr>
-        </p:nvSpPr>
-        <p:spPr/>
-        <p:txBody>
-          <a:bodyPr>
-            <a:normAutofit/>
-          </a:bodyPr>
-          <a:lstStyle/>
-          <a:p>
-            <a:r>
-              <a:rPr lang="zh-CN" altLang="zh-CN" dirty="0">
-                <a:solidFill>
-                  <a:schemeClr val="bg1"/>
-                </a:solidFill>
-              </a:rPr>
-              <a:t>因一款专门针对一门新开的大学课程和一位专门的教师；又为学生之间提供交流平台的网站而形成的需求工程计划</a:t>
-            </a:r>
-          </a:p>
-          <a:p>
-            <a:r>
-              <a:rPr lang="zh-CN" altLang="zh-CN" sz="2600" dirty="0">
-                <a:solidFill>
-                  <a:schemeClr val="bg1"/>
-                </a:solidFill>
-              </a:rPr>
-              <a:t>待开发软件系统的名称：软件工程系列课程教学辅助网站</a:t>
-            </a:r>
-            <a:br>
-              <a:rPr lang="en-US" altLang="zh-CN" sz="2600" dirty="0">
-                <a:solidFill>
-                  <a:schemeClr val="bg1"/>
-                </a:solidFill>
-              </a:rPr>
-            </a:br>
-            <a:r>
-              <a:rPr lang="zh-CN" altLang="zh-CN" sz="2600" dirty="0">
-                <a:solidFill>
-                  <a:schemeClr val="bg1"/>
-                </a:solidFill>
-              </a:rPr>
-              <a:t>本项目的任务提出者：侯宏仑、杨枨 </a:t>
-            </a:r>
-          </a:p>
-          <a:p>
-            <a:r>
-              <a:rPr lang="zh-CN" altLang="zh-CN" sz="2600" dirty="0">
-                <a:solidFill>
-                  <a:schemeClr val="bg1"/>
-                </a:solidFill>
-              </a:rPr>
-              <a:t>开发人员：吴桐 尹健瑾 赵高生 袁泽成 邬立东</a:t>
-            </a:r>
-          </a:p>
-          <a:p>
-            <a:r>
-              <a:rPr lang="zh-CN" altLang="zh-CN" sz="2400" dirty="0">
-                <a:solidFill>
-                  <a:schemeClr val="bg1"/>
-                </a:solidFill>
-              </a:rPr>
-              <a:t>用户：游客，学生，老师</a:t>
-            </a:r>
-            <a:r>
-              <a:rPr lang="en-US" altLang="zh-CN" sz="2400" dirty="0">
-                <a:solidFill>
-                  <a:schemeClr val="bg1"/>
-                </a:solidFill>
-              </a:rPr>
-              <a:t>  </a:t>
-            </a:r>
-            <a:r>
-              <a:rPr lang="zh-CN" altLang="zh-CN" sz="2400" dirty="0">
-                <a:solidFill>
-                  <a:schemeClr val="bg1"/>
-                </a:solidFill>
-              </a:rPr>
-              <a:t>及管理员；</a:t>
-            </a:r>
-            <a:br>
-              <a:rPr lang="en-US" altLang="zh-CN" sz="2600" dirty="0">
-                <a:solidFill>
-                  <a:schemeClr val="bg1"/>
-                </a:solidFill>
-              </a:rPr>
-            </a:br>
-            <a:r>
-              <a:rPr lang="zh-CN" altLang="zh-CN" sz="2600" dirty="0">
-                <a:solidFill>
-                  <a:schemeClr val="bg1"/>
-                </a:solidFill>
-              </a:rPr>
-              <a:t>　　</a:t>
-            </a:r>
-            <a:endParaRPr lang="zh-CN" altLang="en-US" dirty="0">
-              <a:solidFill>
-                <a:schemeClr val="bg1"/>
-              </a:solidFill>
-            </a:endParaRPr>
-          </a:p>
-        </p:txBody>
-      </p:sp>
-    </p:spTree>
-    <p:extLst>
-      <p:ext uri="{BB962C8B-B14F-4D97-AF65-F5344CB8AC3E}">
-        <p14:creationId xmlns:p14="http://schemas.microsoft.com/office/powerpoint/2010/main" val="1507362676"/>
-      </p:ext>
-    </p:extLst>
-  </p:cSld>
-  <p:clrMapOvr>
-    <a:masterClrMapping/>
-  </p:clrMapOvr>
-</p:sld>
-</file>
-
-<file path=ppt/slides/slide30.xml><?xml version="1.0" encoding="utf-8"?>
+<file path=ppt/slides/slide31.xml><?xml version="1.0" encoding="utf-8"?>
 <p:sld xmlns:a="http://schemas.openxmlformats.org/drawingml/2006/main" xmlns:r="http://schemas.openxmlformats.org/officeDocument/2006/relationships" xmlns:p="http://schemas.openxmlformats.org/presentationml/2006/main">
   <p:cSld>
     <p:spTree>
@@ -18067,7 +19295,7 @@
 </p:sld>
 </file>
 
-<file path=ppt/slides/slide31.xml><?xml version="1.0" encoding="utf-8"?>
+<file path=ppt/slides/slide32.xml><?xml version="1.0" encoding="utf-8"?>
 <p:sld xmlns:a="http://schemas.openxmlformats.org/drawingml/2006/main" xmlns:r="http://schemas.openxmlformats.org/officeDocument/2006/relationships" xmlns:p="http://schemas.openxmlformats.org/presentationml/2006/main">
   <p:cSld>
     <p:spTree>
@@ -18288,7 +19516,7 @@
 </p:sld>
 </file>
 
-<file path=ppt/slides/slide32.xml><?xml version="1.0" encoding="utf-8"?>
+<file path=ppt/slides/slide33.xml><?xml version="1.0" encoding="utf-8"?>
 <p:sld xmlns:a="http://schemas.openxmlformats.org/drawingml/2006/main" xmlns:r="http://schemas.openxmlformats.org/officeDocument/2006/relationships" xmlns:p="http://schemas.openxmlformats.org/presentationml/2006/main">
   <p:cSld>
     <p:spTree>
@@ -18901,7 +20129,7 @@
 </p:sld>
 </file>
 
-<file path=ppt/slides/slide33.xml><?xml version="1.0" encoding="utf-8"?>
+<file path=ppt/slides/slide34.xml><?xml version="1.0" encoding="utf-8"?>
 <p:sld xmlns:a="http://schemas.openxmlformats.org/drawingml/2006/main" xmlns:r="http://schemas.openxmlformats.org/officeDocument/2006/relationships" xmlns:p="http://schemas.openxmlformats.org/presentationml/2006/main">
   <p:cSld>
     <p:spTree>
@@ -19814,7 +21042,7 @@
 </p:sld>
 </file>
 
-<file path=ppt/slides/slide34.xml><?xml version="1.0" encoding="utf-8"?>
+<file path=ppt/slides/slide35.xml><?xml version="1.0" encoding="utf-8"?>
 <p:sld xmlns:a="http://schemas.openxmlformats.org/drawingml/2006/main" xmlns:r="http://schemas.openxmlformats.org/officeDocument/2006/relationships" xmlns:p="http://schemas.openxmlformats.org/presentationml/2006/main">
   <p:cSld>
     <p:spTree>
@@ -20968,7 +22196,7 @@
 </p:sld>
 </file>
 
-<file path=ppt/slides/slide35.xml><?xml version="1.0" encoding="utf-8"?>
+<file path=ppt/slides/slide36.xml><?xml version="1.0" encoding="utf-8"?>
 <p:sld xmlns:a="http://schemas.openxmlformats.org/drawingml/2006/main" xmlns:r="http://schemas.openxmlformats.org/officeDocument/2006/relationships" xmlns:p="http://schemas.openxmlformats.org/presentationml/2006/main">
   <p:cSld>
     <p:spTree>
@@ -21580,7 +22808,7 @@
 </p:sld>
 </file>
 
-<file path=ppt/slides/slide36.xml><?xml version="1.0" encoding="utf-8"?>
+<file path=ppt/slides/slide37.xml><?xml version="1.0" encoding="utf-8"?>
 <p:sld xmlns:a="http://schemas.openxmlformats.org/drawingml/2006/main" xmlns:r="http://schemas.openxmlformats.org/officeDocument/2006/relationships" xmlns:p="http://schemas.openxmlformats.org/presentationml/2006/main">
   <p:cSld>
     <p:spTree>
@@ -22459,7 +23687,7 @@
 </p:sld>
 </file>
 
-<file path=ppt/slides/slide37.xml><?xml version="1.0" encoding="utf-8"?>
+<file path=ppt/slides/slide38.xml><?xml version="1.0" encoding="utf-8"?>
 <p:sld xmlns:a="http://schemas.openxmlformats.org/drawingml/2006/main" xmlns:r="http://schemas.openxmlformats.org/officeDocument/2006/relationships" xmlns:p="http://schemas.openxmlformats.org/presentationml/2006/main">
   <p:cSld>
     <p:spTree>
